--- a/resources/datastruc_algorithm.pptx
+++ b/resources/datastruc_algorithm.pptx
@@ -10,6 +10,8 @@
     <p:sldId id="257" r:id="rId5"/>
     <p:sldId id="258" r:id="rId6"/>
     <p:sldId id="259" r:id="rId7"/>
+    <p:sldId id="260" r:id="rId8"/>
+    <p:sldId id="261" r:id="rId9"/>
   </p:sldIdLst>
   <p:sldSz cx="9144000" cy="6858000"/>
   <p:notesSz cx="7772400" cy="10058400"/>
@@ -2960,7 +2962,7 @@
                 <a:spcPct val="100000"/>
               </a:lnSpc>
             </a:pPr>
-            <a:fld id="{1E42B156-482C-4F59-9E6B-0D1D5127E49F}" type="datetime">
+            <a:fld id="{FED69901-A53E-4057-BA56-3AA8B4AE204F}" type="datetime">
               <a:rPr b="0" lang="en-US" sz="1200" spc="-1" strike="noStrike">
                 <a:solidFill>
                   <a:srgbClr val="8b8b8b"/>
@@ -3030,14 +3032,14 @@
                 <a:spcPct val="100000"/>
               </a:lnSpc>
             </a:pPr>
-            <a:fld id="{97CDDDB9-ACAD-4884-BC06-8A2364BD3A5A}" type="slidenum">
+            <a:fld id="{EA8D463C-6B0B-4500-98BB-B38C69F22814}" type="slidenum">
               <a:rPr b="0" lang="en-US" sz="1200" spc="-1" strike="noStrike">
                 <a:solidFill>
                   <a:srgbClr val="8b8b8b"/>
                 </a:solidFill>
                 <a:latin typeface="Calibri"/>
               </a:rPr>
-              <a:t>4</a:t>
+              <a:t>&lt;number&gt;</a:t>
             </a:fld>
             <a:endParaRPr b="0" lang="en-US" sz="1200" spc="-1" strike="noStrike">
               <a:latin typeface="Times New Roman"/>
@@ -3555,7 +3557,7 @@
                 <a:spcPct val="100000"/>
               </a:lnSpc>
             </a:pPr>
-            <a:fld id="{1ADABF14-B03E-487E-A9BE-EEAE7B6B8629}" type="datetime">
+            <a:fld id="{627F4F58-01BA-484B-BD8A-6F1838CD432B}" type="datetime">
               <a:rPr b="0" lang="en-US" sz="1200" spc="-1" strike="noStrike">
                 <a:solidFill>
                   <a:srgbClr val="8b8b8b"/>
@@ -3625,14 +3627,14 @@
                 <a:spcPct val="100000"/>
               </a:lnSpc>
             </a:pPr>
-            <a:fld id="{ABF84E73-EA2B-4B0B-89C7-756673ABB032}" type="slidenum">
+            <a:fld id="{D5E9640B-5C1B-49AA-BB2D-B5985434450D}" type="slidenum">
               <a:rPr b="0" lang="en-US" sz="1200" spc="-1" strike="noStrike">
                 <a:solidFill>
                   <a:srgbClr val="8b8b8b"/>
                 </a:solidFill>
                 <a:latin typeface="Calibri"/>
               </a:rPr>
-              <a:t>&lt;number&gt;</a:t>
+              <a:t>1</a:t>
             </a:fld>
             <a:endParaRPr b="0" lang="en-US" sz="1200" spc="-1" strike="noStrike">
               <a:latin typeface="Times New Roman"/>
@@ -4135,6 +4137,239 @@
       </p:pic>
     </p:spTree>
   </p:cSld>
+  <p:timing>
+    <p:tnLst>
+      <p:par>
+        <p:cTn id="7" dur="indefinite" restart="never" nodeType="tmRoot">
+          <p:childTnLst>
+            <p:seq>
+              <p:cTn id="8" dur="indefinite" nodeType="mainSeq"/>
+              <p:prevCondLst>
+                <p:cond delay="0" evt="onPrev">
+                  <p:tgtEl>
+                    <p:sldTgt/>
+                  </p:tgtEl>
+                </p:cond>
+              </p:prevCondLst>
+              <p:nextCondLst>
+                <p:cond delay="0" evt="onNext">
+                  <p:tgtEl>
+                    <p:sldTgt/>
+                  </p:tgtEl>
+                </p:cond>
+              </p:nextCondLst>
+            </p:seq>
+          </p:childTnLst>
+        </p:cTn>
+      </p:par>
+    </p:tnLst>
+  </p:timing>
+</p:sld>
+</file>
+
+<file path=ppt/slides/slide5.xml><?xml version="1.0" encoding="utf-8"?>
+<p:sld xmlns:a="http://schemas.openxmlformats.org/drawingml/2006/main" xmlns:p="http://schemas.openxmlformats.org/presentationml/2006/main" xmlns:r="http://schemas.openxmlformats.org/officeDocument/2006/relationships" xmlns:p14="http://schemas.microsoft.com/office/powerpoint/2010/main" xmlns:p15="http://schemas.microsoft.com/office/powerpoint/2012/main" xmlns:mc="http://schemas.openxmlformats.org/markup-compatibility/2006">
+  <p:cSld>
+    <p:spTree>
+      <p:nvGrpSpPr>
+        <p:cNvPr id="1" name=""/>
+        <p:cNvGrpSpPr/>
+        <p:nvPr/>
+      </p:nvGrpSpPr>
+      <p:grpSpPr>
+        <a:xfrm>
+          <a:off x="0" y="0"/>
+          <a:ext cx="0" cy="0"/>
+          <a:chOff x="0" y="0"/>
+          <a:chExt cx="0" cy="0"/>
+        </a:xfrm>
+      </p:grpSpPr>
+      <p:sp>
+        <p:nvSpPr>
+          <p:cNvPr id="90" name="TextShape 1"/>
+          <p:cNvSpPr txBox="1"/>
+          <p:nvPr/>
+        </p:nvSpPr>
+        <p:spPr>
+          <a:xfrm>
+            <a:off x="457200" y="274680"/>
+            <a:ext cx="8229240" cy="1142640"/>
+          </a:xfrm>
+          <a:prstGeom prst="rect">
+            <a:avLst/>
+          </a:prstGeom>
+          <a:noFill/>
+          <a:ln>
+            <a:noFill/>
+          </a:ln>
+        </p:spPr>
+        <p:txBody>
+          <a:bodyPr lIns="0" rIns="0" tIns="0" bIns="0" anchor="ctr"/>
+          <a:p>
+            <a:endParaRPr b="0" lang="en-US" sz="1800" spc="-1" strike="noStrike">
+              <a:solidFill>
+                <a:srgbClr val="000000"/>
+              </a:solidFill>
+              <a:latin typeface="Calibri"/>
+            </a:endParaRPr>
+          </a:p>
+        </p:txBody>
+      </p:sp>
+      <p:pic>
+        <p:nvPicPr>
+          <p:cNvPr id="91" name="" descr=""/>
+          <p:cNvPicPr/>
+          <p:nvPr/>
+        </p:nvPicPr>
+        <p:blipFill>
+          <a:blip r:embed="rId1"/>
+          <a:stretch/>
+        </p:blipFill>
+        <p:spPr>
+          <a:xfrm>
+            <a:off x="33120" y="903240"/>
+            <a:ext cx="9143640" cy="5101200"/>
+          </a:xfrm>
+          <a:prstGeom prst="rect">
+            <a:avLst/>
+          </a:prstGeom>
+          <a:ln>
+            <a:noFill/>
+          </a:ln>
+        </p:spPr>
+      </p:pic>
+    </p:spTree>
+  </p:cSld>
+  <p:timing>
+    <p:tnLst>
+      <p:par>
+        <p:cTn id="9" dur="indefinite" restart="never" nodeType="tmRoot">
+          <p:childTnLst>
+            <p:seq>
+              <p:cTn id="10" dur="indefinite" nodeType="mainSeq"/>
+              <p:prevCondLst>
+                <p:cond delay="0" evt="onPrev">
+                  <p:tgtEl>
+                    <p:sldTgt/>
+                  </p:tgtEl>
+                </p:cond>
+              </p:prevCondLst>
+              <p:nextCondLst>
+                <p:cond delay="0" evt="onNext">
+                  <p:tgtEl>
+                    <p:sldTgt/>
+                  </p:tgtEl>
+                </p:cond>
+              </p:nextCondLst>
+            </p:seq>
+          </p:childTnLst>
+        </p:cTn>
+      </p:par>
+    </p:tnLst>
+  </p:timing>
+</p:sld>
+</file>
+
+<file path=ppt/slides/slide6.xml><?xml version="1.0" encoding="utf-8"?>
+<p:sld xmlns:a="http://schemas.openxmlformats.org/drawingml/2006/main" xmlns:p="http://schemas.openxmlformats.org/presentationml/2006/main" xmlns:r="http://schemas.openxmlformats.org/officeDocument/2006/relationships" xmlns:p14="http://schemas.microsoft.com/office/powerpoint/2010/main" xmlns:p15="http://schemas.microsoft.com/office/powerpoint/2012/main" xmlns:mc="http://schemas.openxmlformats.org/markup-compatibility/2006">
+  <p:cSld>
+    <p:spTree>
+      <p:nvGrpSpPr>
+        <p:cNvPr id="1" name=""/>
+        <p:cNvGrpSpPr/>
+        <p:nvPr/>
+      </p:nvGrpSpPr>
+      <p:grpSpPr>
+        <a:xfrm>
+          <a:off x="0" y="0"/>
+          <a:ext cx="0" cy="0"/>
+          <a:chOff x="0" y="0"/>
+          <a:chExt cx="0" cy="0"/>
+        </a:xfrm>
+      </p:grpSpPr>
+      <p:sp>
+        <p:nvSpPr>
+          <p:cNvPr id="92" name="TextShape 1"/>
+          <p:cNvSpPr txBox="1"/>
+          <p:nvPr/>
+        </p:nvSpPr>
+        <p:spPr>
+          <a:xfrm>
+            <a:off x="457200" y="274680"/>
+            <a:ext cx="8229240" cy="1142640"/>
+          </a:xfrm>
+          <a:prstGeom prst="rect">
+            <a:avLst/>
+          </a:prstGeom>
+          <a:noFill/>
+          <a:ln>
+            <a:noFill/>
+          </a:ln>
+        </p:spPr>
+        <p:txBody>
+          <a:bodyPr lIns="0" rIns="0" tIns="0" bIns="0" anchor="ctr"/>
+          <a:p>
+            <a:endParaRPr b="0" lang="en-US" sz="1800" spc="-1" strike="noStrike">
+              <a:solidFill>
+                <a:srgbClr val="000000"/>
+              </a:solidFill>
+              <a:latin typeface="Calibri"/>
+            </a:endParaRPr>
+          </a:p>
+        </p:txBody>
+      </p:sp>
+      <p:pic>
+        <p:nvPicPr>
+          <p:cNvPr id="93" name="" descr=""/>
+          <p:cNvPicPr/>
+          <p:nvPr/>
+        </p:nvPicPr>
+        <p:blipFill>
+          <a:blip r:embed="rId1"/>
+          <a:stretch/>
+        </p:blipFill>
+        <p:spPr>
+          <a:xfrm>
+            <a:off x="93960" y="731520"/>
+            <a:ext cx="8592480" cy="4806000"/>
+          </a:xfrm>
+          <a:prstGeom prst="rect">
+            <a:avLst/>
+          </a:prstGeom>
+          <a:ln>
+            <a:noFill/>
+          </a:ln>
+        </p:spPr>
+      </p:pic>
+    </p:spTree>
+  </p:cSld>
+  <p:timing>
+    <p:tnLst>
+      <p:par>
+        <p:cTn id="11" dur="indefinite" restart="never" nodeType="tmRoot">
+          <p:childTnLst>
+            <p:seq>
+              <p:cTn id="12" dur="indefinite" nodeType="mainSeq"/>
+              <p:prevCondLst>
+                <p:cond delay="0" evt="onPrev">
+                  <p:tgtEl>
+                    <p:sldTgt/>
+                  </p:tgtEl>
+                </p:cond>
+              </p:prevCondLst>
+              <p:nextCondLst>
+                <p:cond delay="0" evt="onNext">
+                  <p:tgtEl>
+                    <p:sldTgt/>
+                  </p:tgtEl>
+                </p:cond>
+              </p:nextCondLst>
+            </p:seq>
+          </p:childTnLst>
+        </p:cTn>
+      </p:par>
+    </p:tnLst>
+  </p:timing>
 </p:sld>
 </file>
 

--- a/resources/datastruc_algorithm.pptx
+++ b/resources/datastruc_algorithm.pptx
@@ -1,25 +1,124 @@
 
 <file path=ppt/presentation.xml><?xml version="1.0" encoding="utf-8"?>
-<p:presentation xmlns:a="http://schemas.openxmlformats.org/drawingml/2006/main" xmlns:p="http://schemas.openxmlformats.org/presentationml/2006/main" xmlns:r="http://schemas.openxmlformats.org/officeDocument/2006/relationships" xmlns:p14="http://schemas.microsoft.com/office/powerpoint/2010/main" xmlns:p15="http://schemas.microsoft.com/office/powerpoint/2012/main" xmlns:mc="http://schemas.openxmlformats.org/markup-compatibility/2006">
+<p:presentation xmlns:a="http://schemas.openxmlformats.org/drawingml/2006/main" xmlns:r="http://schemas.openxmlformats.org/officeDocument/2006/relationships" xmlns:p="http://schemas.openxmlformats.org/presentationml/2006/main">
   <p:sldMasterIdLst>
-    <p:sldMasterId id="2147483648" r:id="rId2"/>
-    <p:sldMasterId id="2147483661" r:id="rId3"/>
+    <p:sldMasterId id="2147483648" r:id="rId1"/>
+    <p:sldMasterId id="2147483661" r:id="rId2"/>
   </p:sldMasterIdLst>
   <p:sldIdLst>
-    <p:sldId id="256" r:id="rId4"/>
-    <p:sldId id="257" r:id="rId5"/>
-    <p:sldId id="258" r:id="rId6"/>
-    <p:sldId id="259" r:id="rId7"/>
-    <p:sldId id="260" r:id="rId8"/>
-    <p:sldId id="261" r:id="rId9"/>
+    <p:sldId id="256" r:id="rId3"/>
+    <p:sldId id="257" r:id="rId4"/>
+    <p:sldId id="258" r:id="rId5"/>
+    <p:sldId id="259" r:id="rId6"/>
+    <p:sldId id="260" r:id="rId7"/>
+    <p:sldId id="261" r:id="rId8"/>
+    <p:sldId id="262" r:id="rId9"/>
+    <p:sldId id="263" r:id="rId10"/>
+    <p:sldId id="264" r:id="rId11"/>
+    <p:sldId id="265" r:id="rId12"/>
   </p:sldIdLst>
-  <p:sldSz cx="9144000" cy="6858000"/>
+  <p:sldSz cx="9144000" cy="6858000" type="screen4x3"/>
   <p:notesSz cx="7772400" cy="10058400"/>
+  <p:defaultTextStyle>
+    <a:defPPr>
+      <a:defRPr lang="zh-CN"/>
+    </a:defPPr>
+    <a:lvl1pPr marL="0" algn="l" defTabSz="914400" rtl="0" eaLnBrk="1" latinLnBrk="0" hangingPunct="1">
+      <a:defRPr sz="1800" kern="1200">
+        <a:solidFill>
+          <a:schemeClr val="tx1"/>
+        </a:solidFill>
+        <a:latin typeface="+mn-lt"/>
+        <a:ea typeface="+mn-ea"/>
+        <a:cs typeface="+mn-cs"/>
+      </a:defRPr>
+    </a:lvl1pPr>
+    <a:lvl2pPr marL="457200" algn="l" defTabSz="914400" rtl="0" eaLnBrk="1" latinLnBrk="0" hangingPunct="1">
+      <a:defRPr sz="1800" kern="1200">
+        <a:solidFill>
+          <a:schemeClr val="tx1"/>
+        </a:solidFill>
+        <a:latin typeface="+mn-lt"/>
+        <a:ea typeface="+mn-ea"/>
+        <a:cs typeface="+mn-cs"/>
+      </a:defRPr>
+    </a:lvl2pPr>
+    <a:lvl3pPr marL="914400" algn="l" defTabSz="914400" rtl="0" eaLnBrk="1" latinLnBrk="0" hangingPunct="1">
+      <a:defRPr sz="1800" kern="1200">
+        <a:solidFill>
+          <a:schemeClr val="tx1"/>
+        </a:solidFill>
+        <a:latin typeface="+mn-lt"/>
+        <a:ea typeface="+mn-ea"/>
+        <a:cs typeface="+mn-cs"/>
+      </a:defRPr>
+    </a:lvl3pPr>
+    <a:lvl4pPr marL="1371600" algn="l" defTabSz="914400" rtl="0" eaLnBrk="1" latinLnBrk="0" hangingPunct="1">
+      <a:defRPr sz="1800" kern="1200">
+        <a:solidFill>
+          <a:schemeClr val="tx1"/>
+        </a:solidFill>
+        <a:latin typeface="+mn-lt"/>
+        <a:ea typeface="+mn-ea"/>
+        <a:cs typeface="+mn-cs"/>
+      </a:defRPr>
+    </a:lvl4pPr>
+    <a:lvl5pPr marL="1828800" algn="l" defTabSz="914400" rtl="0" eaLnBrk="1" latinLnBrk="0" hangingPunct="1">
+      <a:defRPr sz="1800" kern="1200">
+        <a:solidFill>
+          <a:schemeClr val="tx1"/>
+        </a:solidFill>
+        <a:latin typeface="+mn-lt"/>
+        <a:ea typeface="+mn-ea"/>
+        <a:cs typeface="+mn-cs"/>
+      </a:defRPr>
+    </a:lvl5pPr>
+    <a:lvl6pPr marL="2286000" algn="l" defTabSz="914400" rtl="0" eaLnBrk="1" latinLnBrk="0" hangingPunct="1">
+      <a:defRPr sz="1800" kern="1200">
+        <a:solidFill>
+          <a:schemeClr val="tx1"/>
+        </a:solidFill>
+        <a:latin typeface="+mn-lt"/>
+        <a:ea typeface="+mn-ea"/>
+        <a:cs typeface="+mn-cs"/>
+      </a:defRPr>
+    </a:lvl6pPr>
+    <a:lvl7pPr marL="2743200" algn="l" defTabSz="914400" rtl="0" eaLnBrk="1" latinLnBrk="0" hangingPunct="1">
+      <a:defRPr sz="1800" kern="1200">
+        <a:solidFill>
+          <a:schemeClr val="tx1"/>
+        </a:solidFill>
+        <a:latin typeface="+mn-lt"/>
+        <a:ea typeface="+mn-ea"/>
+        <a:cs typeface="+mn-cs"/>
+      </a:defRPr>
+    </a:lvl7pPr>
+    <a:lvl8pPr marL="3200400" algn="l" defTabSz="914400" rtl="0" eaLnBrk="1" latinLnBrk="0" hangingPunct="1">
+      <a:defRPr sz="1800" kern="1200">
+        <a:solidFill>
+          <a:schemeClr val="tx1"/>
+        </a:solidFill>
+        <a:latin typeface="+mn-lt"/>
+        <a:ea typeface="+mn-ea"/>
+        <a:cs typeface="+mn-cs"/>
+      </a:defRPr>
+    </a:lvl8pPr>
+    <a:lvl9pPr marL="3657600" algn="l" defTabSz="914400" rtl="0" eaLnBrk="1" latinLnBrk="0" hangingPunct="1">
+      <a:defRPr sz="1800" kern="1200">
+        <a:solidFill>
+          <a:schemeClr val="tx1"/>
+        </a:solidFill>
+        <a:latin typeface="+mn-lt"/>
+        <a:ea typeface="+mn-ea"/>
+        <a:cs typeface="+mn-cs"/>
+      </a:defRPr>
+    </a:lvl9pPr>
+  </p:defaultTextStyle>
 </p:presentation>
 </file>
 
 <file path=ppt/slideLayouts/slideLayout1.xml><?xml version="1.0" encoding="utf-8"?>
-<p:sldLayout xmlns:a="http://schemas.openxmlformats.org/drawingml/2006/main" xmlns:p="http://schemas.openxmlformats.org/presentationml/2006/main" xmlns:r="http://schemas.openxmlformats.org/officeDocument/2006/relationships" xmlns:p14="http://schemas.microsoft.com/office/powerpoint/2010/main" xmlns:p15="http://schemas.microsoft.com/office/powerpoint/2012/main" xmlns:mc="http://schemas.openxmlformats.org/markup-compatibility/2006" type="blank" preserve="1">
+<p:sldLayout xmlns:a="http://schemas.openxmlformats.org/drawingml/2006/main" xmlns:r="http://schemas.openxmlformats.org/officeDocument/2006/relationships" xmlns:p="http://schemas.openxmlformats.org/presentationml/2006/main" type="blank" preserve="1">
   <p:cSld name="Blank Slide">
     <p:spTree>
       <p:nvGrpSpPr>
@@ -37,11 +136,14 @@
       </p:grpSpPr>
     </p:spTree>
   </p:cSld>
+  <p:clrMapOvr>
+    <a:masterClrMapping/>
+  </p:clrMapOvr>
 </p:sldLayout>
 </file>
 
 <file path=ppt/slideLayouts/slideLayout10.xml><?xml version="1.0" encoding="utf-8"?>
-<p:sldLayout xmlns:a="http://schemas.openxmlformats.org/drawingml/2006/main" xmlns:p="http://schemas.openxmlformats.org/presentationml/2006/main" xmlns:r="http://schemas.openxmlformats.org/officeDocument/2006/relationships" xmlns:p14="http://schemas.microsoft.com/office/powerpoint/2010/main" xmlns:p15="http://schemas.microsoft.com/office/powerpoint/2012/main" xmlns:mc="http://schemas.openxmlformats.org/markup-compatibility/2006" type="objOverTx" preserve="1">
+<p:sldLayout xmlns:a="http://schemas.openxmlformats.org/drawingml/2006/main" xmlns:r="http://schemas.openxmlformats.org/officeDocument/2006/relationships" xmlns:p="http://schemas.openxmlformats.org/presentationml/2006/main" type="objOverTx" preserve="1">
   <p:cSld name="Title, Content over Content">
     <p:spTree>
       <p:nvGrpSpPr>
@@ -77,9 +179,10 @@
           </a:prstGeom>
         </p:spPr>
         <p:txBody>
-          <a:bodyPr lIns="0" rIns="0" tIns="0" bIns="0" anchor="ctr"/>
-          <a:p>
-            <a:endParaRPr b="0" lang="en-US" sz="1800" spc="-1" strike="noStrike">
+          <a:bodyPr lIns="0" tIns="0" rIns="0" bIns="0" anchor="ctr"/>
+          <a:lstStyle/>
+          <a:p>
+            <a:endParaRPr lang="en-US" sz="1800" b="0" strike="noStrike" spc="-1">
               <a:solidFill>
                 <a:srgbClr val="000000"/>
               </a:solidFill>
@@ -108,11 +211,12 @@
           </a:prstGeom>
         </p:spPr>
         <p:txBody>
-          <a:bodyPr lIns="0" rIns="0" tIns="0" bIns="0">
+          <a:bodyPr lIns="0" tIns="0" rIns="0" bIns="0">
             <a:normAutofit/>
           </a:bodyPr>
-          <a:p>
-            <a:endParaRPr b="0" lang="en-US" sz="3200" spc="-1" strike="noStrike">
+          <a:lstStyle/>
+          <a:p>
+            <a:endParaRPr lang="en-US" sz="3200" b="0" strike="noStrike" spc="-1">
               <a:solidFill>
                 <a:srgbClr val="000000"/>
               </a:solidFill>
@@ -141,11 +245,12 @@
           </a:prstGeom>
         </p:spPr>
         <p:txBody>
-          <a:bodyPr lIns="0" rIns="0" tIns="0" bIns="0">
+          <a:bodyPr lIns="0" tIns="0" rIns="0" bIns="0">
             <a:normAutofit/>
           </a:bodyPr>
-          <a:p>
-            <a:endParaRPr b="0" lang="en-US" sz="3200" spc="-1" strike="noStrike">
+          <a:lstStyle/>
+          <a:p>
+            <a:endParaRPr lang="en-US" sz="3200" b="0" strike="noStrike" spc="-1">
               <a:solidFill>
                 <a:srgbClr val="000000"/>
               </a:solidFill>
@@ -156,11 +261,14 @@
       </p:sp>
     </p:spTree>
   </p:cSld>
+  <p:clrMapOvr>
+    <a:masterClrMapping/>
+  </p:clrMapOvr>
 </p:sldLayout>
 </file>
 
 <file path=ppt/slideLayouts/slideLayout11.xml><?xml version="1.0" encoding="utf-8"?>
-<p:sldLayout xmlns:a="http://schemas.openxmlformats.org/drawingml/2006/main" xmlns:p="http://schemas.openxmlformats.org/presentationml/2006/main" xmlns:r="http://schemas.openxmlformats.org/officeDocument/2006/relationships" xmlns:p14="http://schemas.microsoft.com/office/powerpoint/2010/main" xmlns:p15="http://schemas.microsoft.com/office/powerpoint/2012/main" xmlns:mc="http://schemas.openxmlformats.org/markup-compatibility/2006" type="fourObj" preserve="1">
+<p:sldLayout xmlns:a="http://schemas.openxmlformats.org/drawingml/2006/main" xmlns:r="http://schemas.openxmlformats.org/officeDocument/2006/relationships" xmlns:p="http://schemas.openxmlformats.org/presentationml/2006/main" type="fourObj" preserve="1">
   <p:cSld name="Title, 4 Content">
     <p:spTree>
       <p:nvGrpSpPr>
@@ -196,9 +304,10 @@
           </a:prstGeom>
         </p:spPr>
         <p:txBody>
-          <a:bodyPr lIns="0" rIns="0" tIns="0" bIns="0" anchor="ctr"/>
-          <a:p>
-            <a:endParaRPr b="0" lang="en-US" sz="1800" spc="-1" strike="noStrike">
+          <a:bodyPr lIns="0" tIns="0" rIns="0" bIns="0" anchor="ctr"/>
+          <a:lstStyle/>
+          <a:p>
+            <a:endParaRPr lang="en-US" sz="1800" b="0" strike="noStrike" spc="-1">
               <a:solidFill>
                 <a:srgbClr val="000000"/>
               </a:solidFill>
@@ -227,11 +336,12 @@
           </a:prstGeom>
         </p:spPr>
         <p:txBody>
-          <a:bodyPr lIns="0" rIns="0" tIns="0" bIns="0">
+          <a:bodyPr lIns="0" tIns="0" rIns="0" bIns="0">
             <a:normAutofit/>
           </a:bodyPr>
-          <a:p>
-            <a:endParaRPr b="0" lang="en-US" sz="3200" spc="-1" strike="noStrike">
+          <a:lstStyle/>
+          <a:p>
+            <a:endParaRPr lang="en-US" sz="3200" b="0" strike="noStrike" spc="-1">
               <a:solidFill>
                 <a:srgbClr val="000000"/>
               </a:solidFill>
@@ -260,11 +370,12 @@
           </a:prstGeom>
         </p:spPr>
         <p:txBody>
-          <a:bodyPr lIns="0" rIns="0" tIns="0" bIns="0">
+          <a:bodyPr lIns="0" tIns="0" rIns="0" bIns="0">
             <a:normAutofit/>
           </a:bodyPr>
-          <a:p>
-            <a:endParaRPr b="0" lang="en-US" sz="3200" spc="-1" strike="noStrike">
+          <a:lstStyle/>
+          <a:p>
+            <a:endParaRPr lang="en-US" sz="3200" b="0" strike="noStrike" spc="-1">
               <a:solidFill>
                 <a:srgbClr val="000000"/>
               </a:solidFill>
@@ -293,11 +404,12 @@
           </a:prstGeom>
         </p:spPr>
         <p:txBody>
-          <a:bodyPr lIns="0" rIns="0" tIns="0" bIns="0">
+          <a:bodyPr lIns="0" tIns="0" rIns="0" bIns="0">
             <a:normAutofit/>
           </a:bodyPr>
-          <a:p>
-            <a:endParaRPr b="0" lang="en-US" sz="3200" spc="-1" strike="noStrike">
+          <a:lstStyle/>
+          <a:p>
+            <a:endParaRPr lang="en-US" sz="3200" b="0" strike="noStrike" spc="-1">
               <a:solidFill>
                 <a:srgbClr val="000000"/>
               </a:solidFill>
@@ -326,11 +438,12 @@
           </a:prstGeom>
         </p:spPr>
         <p:txBody>
-          <a:bodyPr lIns="0" rIns="0" tIns="0" bIns="0">
+          <a:bodyPr lIns="0" tIns="0" rIns="0" bIns="0">
             <a:normAutofit/>
           </a:bodyPr>
-          <a:p>
-            <a:endParaRPr b="0" lang="en-US" sz="3200" spc="-1" strike="noStrike">
+          <a:lstStyle/>
+          <a:p>
+            <a:endParaRPr lang="en-US" sz="3200" b="0" strike="noStrike" spc="-1">
               <a:solidFill>
                 <a:srgbClr val="000000"/>
               </a:solidFill>
@@ -341,11 +454,14 @@
       </p:sp>
     </p:spTree>
   </p:cSld>
+  <p:clrMapOvr>
+    <a:masterClrMapping/>
+  </p:clrMapOvr>
 </p:sldLayout>
 </file>
 
 <file path=ppt/slideLayouts/slideLayout12.xml><?xml version="1.0" encoding="utf-8"?>
-<p:sldLayout xmlns:a="http://schemas.openxmlformats.org/drawingml/2006/main" xmlns:p="http://schemas.openxmlformats.org/presentationml/2006/main" xmlns:r="http://schemas.openxmlformats.org/officeDocument/2006/relationships" xmlns:p14="http://schemas.microsoft.com/office/powerpoint/2010/main" xmlns:p15="http://schemas.microsoft.com/office/powerpoint/2012/main" xmlns:mc="http://schemas.openxmlformats.org/markup-compatibility/2006" type="blank" preserve="1">
+<p:sldLayout xmlns:a="http://schemas.openxmlformats.org/drawingml/2006/main" xmlns:r="http://schemas.openxmlformats.org/officeDocument/2006/relationships" xmlns:p="http://schemas.openxmlformats.org/presentationml/2006/main" type="blank" preserve="1">
   <p:cSld name="Title, 6 Content">
     <p:spTree>
       <p:nvGrpSpPr>
@@ -381,9 +497,10 @@
           </a:prstGeom>
         </p:spPr>
         <p:txBody>
-          <a:bodyPr lIns="0" rIns="0" tIns="0" bIns="0" anchor="ctr"/>
-          <a:p>
-            <a:endParaRPr b="0" lang="en-US" sz="1800" spc="-1" strike="noStrike">
+          <a:bodyPr lIns="0" tIns="0" rIns="0" bIns="0" anchor="ctr"/>
+          <a:lstStyle/>
+          <a:p>
+            <a:endParaRPr lang="en-US" sz="1800" b="0" strike="noStrike" spc="-1">
               <a:solidFill>
                 <a:srgbClr val="000000"/>
               </a:solidFill>
@@ -412,11 +529,12 @@
           </a:prstGeom>
         </p:spPr>
         <p:txBody>
-          <a:bodyPr lIns="0" rIns="0" tIns="0" bIns="0">
+          <a:bodyPr lIns="0" tIns="0" rIns="0" bIns="0">
             <a:normAutofit/>
           </a:bodyPr>
-          <a:p>
-            <a:endParaRPr b="0" lang="en-US" sz="3200" spc="-1" strike="noStrike">
+          <a:lstStyle/>
+          <a:p>
+            <a:endParaRPr lang="en-US" sz="3200" b="0" strike="noStrike" spc="-1">
               <a:solidFill>
                 <a:srgbClr val="000000"/>
               </a:solidFill>
@@ -445,11 +563,12 @@
           </a:prstGeom>
         </p:spPr>
         <p:txBody>
-          <a:bodyPr lIns="0" rIns="0" tIns="0" bIns="0">
+          <a:bodyPr lIns="0" tIns="0" rIns="0" bIns="0">
             <a:normAutofit/>
           </a:bodyPr>
-          <a:p>
-            <a:endParaRPr b="0" lang="en-US" sz="3200" spc="-1" strike="noStrike">
+          <a:lstStyle/>
+          <a:p>
+            <a:endParaRPr lang="en-US" sz="3200" b="0" strike="noStrike" spc="-1">
               <a:solidFill>
                 <a:srgbClr val="000000"/>
               </a:solidFill>
@@ -478,11 +597,12 @@
           </a:prstGeom>
         </p:spPr>
         <p:txBody>
-          <a:bodyPr lIns="0" rIns="0" tIns="0" bIns="0">
+          <a:bodyPr lIns="0" tIns="0" rIns="0" bIns="0">
             <a:normAutofit/>
           </a:bodyPr>
-          <a:p>
-            <a:endParaRPr b="0" lang="en-US" sz="3200" spc="-1" strike="noStrike">
+          <a:lstStyle/>
+          <a:p>
+            <a:endParaRPr lang="en-US" sz="3200" b="0" strike="noStrike" spc="-1">
               <a:solidFill>
                 <a:srgbClr val="000000"/>
               </a:solidFill>
@@ -511,11 +631,12 @@
           </a:prstGeom>
         </p:spPr>
         <p:txBody>
-          <a:bodyPr lIns="0" rIns="0" tIns="0" bIns="0">
+          <a:bodyPr lIns="0" tIns="0" rIns="0" bIns="0">
             <a:normAutofit/>
           </a:bodyPr>
-          <a:p>
-            <a:endParaRPr b="0" lang="en-US" sz="3200" spc="-1" strike="noStrike">
+          <a:lstStyle/>
+          <a:p>
+            <a:endParaRPr lang="en-US" sz="3200" b="0" strike="noStrike" spc="-1">
               <a:solidFill>
                 <a:srgbClr val="000000"/>
               </a:solidFill>
@@ -544,11 +665,12 @@
           </a:prstGeom>
         </p:spPr>
         <p:txBody>
-          <a:bodyPr lIns="0" rIns="0" tIns="0" bIns="0">
+          <a:bodyPr lIns="0" tIns="0" rIns="0" bIns="0">
             <a:normAutofit/>
           </a:bodyPr>
-          <a:p>
-            <a:endParaRPr b="0" lang="en-US" sz="3200" spc="-1" strike="noStrike">
+          <a:lstStyle/>
+          <a:p>
+            <a:endParaRPr lang="en-US" sz="3200" b="0" strike="noStrike" spc="-1">
               <a:solidFill>
                 <a:srgbClr val="000000"/>
               </a:solidFill>
@@ -577,11 +699,12 @@
           </a:prstGeom>
         </p:spPr>
         <p:txBody>
-          <a:bodyPr lIns="0" rIns="0" tIns="0" bIns="0">
+          <a:bodyPr lIns="0" tIns="0" rIns="0" bIns="0">
             <a:normAutofit/>
           </a:bodyPr>
-          <a:p>
-            <a:endParaRPr b="0" lang="en-US" sz="3200" spc="-1" strike="noStrike">
+          <a:lstStyle/>
+          <a:p>
+            <a:endParaRPr lang="en-US" sz="3200" b="0" strike="noStrike" spc="-1">
               <a:solidFill>
                 <a:srgbClr val="000000"/>
               </a:solidFill>
@@ -592,11 +715,14 @@
       </p:sp>
     </p:spTree>
   </p:cSld>
+  <p:clrMapOvr>
+    <a:masterClrMapping/>
+  </p:clrMapOvr>
 </p:sldLayout>
 </file>
 
 <file path=ppt/slideLayouts/slideLayout13.xml><?xml version="1.0" encoding="utf-8"?>
-<p:sldLayout xmlns:a="http://schemas.openxmlformats.org/drawingml/2006/main" xmlns:p="http://schemas.openxmlformats.org/presentationml/2006/main" xmlns:r="http://schemas.openxmlformats.org/officeDocument/2006/relationships" xmlns:p14="http://schemas.microsoft.com/office/powerpoint/2010/main" xmlns:p15="http://schemas.microsoft.com/office/powerpoint/2012/main" xmlns:mc="http://schemas.openxmlformats.org/markup-compatibility/2006" type="blank" preserve="1">
+<p:sldLayout xmlns:a="http://schemas.openxmlformats.org/drawingml/2006/main" xmlns:r="http://schemas.openxmlformats.org/officeDocument/2006/relationships" xmlns:p="http://schemas.openxmlformats.org/presentationml/2006/main" type="blank" preserve="1">
   <p:cSld name="Blank Slide">
     <p:spTree>
       <p:nvGrpSpPr>
@@ -614,11 +740,14 @@
       </p:grpSpPr>
     </p:spTree>
   </p:cSld>
+  <p:clrMapOvr>
+    <a:masterClrMapping/>
+  </p:clrMapOvr>
 </p:sldLayout>
 </file>
 
 <file path=ppt/slideLayouts/slideLayout14.xml><?xml version="1.0" encoding="utf-8"?>
-<p:sldLayout xmlns:a="http://schemas.openxmlformats.org/drawingml/2006/main" xmlns:p="http://schemas.openxmlformats.org/presentationml/2006/main" xmlns:r="http://schemas.openxmlformats.org/officeDocument/2006/relationships" xmlns:p14="http://schemas.microsoft.com/office/powerpoint/2010/main" xmlns:p15="http://schemas.microsoft.com/office/powerpoint/2012/main" xmlns:mc="http://schemas.openxmlformats.org/markup-compatibility/2006" type="tx" preserve="1">
+<p:sldLayout xmlns:a="http://schemas.openxmlformats.org/drawingml/2006/main" xmlns:r="http://schemas.openxmlformats.org/officeDocument/2006/relationships" xmlns:p="http://schemas.openxmlformats.org/presentationml/2006/main" type="tx" preserve="1">
   <p:cSld name="Title Slide">
     <p:spTree>
       <p:nvGrpSpPr>
@@ -654,9 +783,10 @@
           </a:prstGeom>
         </p:spPr>
         <p:txBody>
-          <a:bodyPr lIns="0" rIns="0" tIns="0" bIns="0" anchor="ctr"/>
-          <a:p>
-            <a:endParaRPr b="0" lang="en-US" sz="1800" spc="-1" strike="noStrike">
+          <a:bodyPr lIns="0" tIns="0" rIns="0" bIns="0" anchor="ctr"/>
+          <a:lstStyle/>
+          <a:p>
+            <a:endParaRPr lang="en-US" sz="1800" b="0" strike="noStrike" spc="-1">
               <a:solidFill>
                 <a:srgbClr val="000000"/>
               </a:solidFill>
@@ -685,10 +815,11 @@
           </a:prstGeom>
         </p:spPr>
         <p:txBody>
-          <a:bodyPr lIns="0" rIns="0" tIns="0" bIns="0" anchor="ctr"/>
+          <a:bodyPr lIns="0" tIns="0" rIns="0" bIns="0" anchor="ctr"/>
+          <a:lstStyle/>
           <a:p>
             <a:pPr algn="ctr"/>
-            <a:endParaRPr b="0" lang="en-US" sz="3200" spc="-1" strike="noStrike">
+            <a:endParaRPr lang="en-US" sz="3200" b="0" strike="noStrike" spc="-1">
               <a:latin typeface="Arial"/>
             </a:endParaRPr>
           </a:p>
@@ -696,11 +827,14 @@
       </p:sp>
     </p:spTree>
   </p:cSld>
+  <p:clrMapOvr>
+    <a:masterClrMapping/>
+  </p:clrMapOvr>
 </p:sldLayout>
 </file>
 
 <file path=ppt/slideLayouts/slideLayout15.xml><?xml version="1.0" encoding="utf-8"?>
-<p:sldLayout xmlns:a="http://schemas.openxmlformats.org/drawingml/2006/main" xmlns:p="http://schemas.openxmlformats.org/presentationml/2006/main" xmlns:r="http://schemas.openxmlformats.org/officeDocument/2006/relationships" xmlns:p14="http://schemas.microsoft.com/office/powerpoint/2010/main" xmlns:p15="http://schemas.microsoft.com/office/powerpoint/2012/main" xmlns:mc="http://schemas.openxmlformats.org/markup-compatibility/2006" type="obj" preserve="1">
+<p:sldLayout xmlns:a="http://schemas.openxmlformats.org/drawingml/2006/main" xmlns:r="http://schemas.openxmlformats.org/officeDocument/2006/relationships" xmlns:p="http://schemas.openxmlformats.org/presentationml/2006/main" type="obj" preserve="1">
   <p:cSld name="Title, Content">
     <p:spTree>
       <p:nvGrpSpPr>
@@ -736,9 +870,10 @@
           </a:prstGeom>
         </p:spPr>
         <p:txBody>
-          <a:bodyPr lIns="0" rIns="0" tIns="0" bIns="0" anchor="ctr"/>
-          <a:p>
-            <a:endParaRPr b="0" lang="en-US" sz="1800" spc="-1" strike="noStrike">
+          <a:bodyPr lIns="0" tIns="0" rIns="0" bIns="0" anchor="ctr"/>
+          <a:lstStyle/>
+          <a:p>
+            <a:endParaRPr lang="en-US" sz="1800" b="0" strike="noStrike" spc="-1">
               <a:solidFill>
                 <a:srgbClr val="000000"/>
               </a:solidFill>
@@ -767,11 +902,12 @@
           </a:prstGeom>
         </p:spPr>
         <p:txBody>
-          <a:bodyPr lIns="0" rIns="0" tIns="0" bIns="0">
+          <a:bodyPr lIns="0" tIns="0" rIns="0" bIns="0">
             <a:normAutofit/>
           </a:bodyPr>
-          <a:p>
-            <a:endParaRPr b="0" lang="en-US" sz="3200" spc="-1" strike="noStrike">
+          <a:lstStyle/>
+          <a:p>
+            <a:endParaRPr lang="en-US" sz="3200" b="0" strike="noStrike" spc="-1">
               <a:solidFill>
                 <a:srgbClr val="000000"/>
               </a:solidFill>
@@ -782,11 +918,14 @@
       </p:sp>
     </p:spTree>
   </p:cSld>
+  <p:clrMapOvr>
+    <a:masterClrMapping/>
+  </p:clrMapOvr>
 </p:sldLayout>
 </file>
 
 <file path=ppt/slideLayouts/slideLayout16.xml><?xml version="1.0" encoding="utf-8"?>
-<p:sldLayout xmlns:a="http://schemas.openxmlformats.org/drawingml/2006/main" xmlns:p="http://schemas.openxmlformats.org/presentationml/2006/main" xmlns:r="http://schemas.openxmlformats.org/officeDocument/2006/relationships" xmlns:p14="http://schemas.microsoft.com/office/powerpoint/2010/main" xmlns:p15="http://schemas.microsoft.com/office/powerpoint/2012/main" xmlns:mc="http://schemas.openxmlformats.org/markup-compatibility/2006" type="twoObj" preserve="1">
+<p:sldLayout xmlns:a="http://schemas.openxmlformats.org/drawingml/2006/main" xmlns:r="http://schemas.openxmlformats.org/officeDocument/2006/relationships" xmlns:p="http://schemas.openxmlformats.org/presentationml/2006/main" type="twoObj" preserve="1">
   <p:cSld name="Title, 2 Content">
     <p:spTree>
       <p:nvGrpSpPr>
@@ -822,9 +961,10 @@
           </a:prstGeom>
         </p:spPr>
         <p:txBody>
-          <a:bodyPr lIns="0" rIns="0" tIns="0" bIns="0" anchor="ctr"/>
-          <a:p>
-            <a:endParaRPr b="0" lang="en-US" sz="1800" spc="-1" strike="noStrike">
+          <a:bodyPr lIns="0" tIns="0" rIns="0" bIns="0" anchor="ctr"/>
+          <a:lstStyle/>
+          <a:p>
+            <a:endParaRPr lang="en-US" sz="1800" b="0" strike="noStrike" spc="-1">
               <a:solidFill>
                 <a:srgbClr val="000000"/>
               </a:solidFill>
@@ -853,11 +993,12 @@
           </a:prstGeom>
         </p:spPr>
         <p:txBody>
-          <a:bodyPr lIns="0" rIns="0" tIns="0" bIns="0">
+          <a:bodyPr lIns="0" tIns="0" rIns="0" bIns="0">
             <a:normAutofit/>
           </a:bodyPr>
-          <a:p>
-            <a:endParaRPr b="0" lang="en-US" sz="3200" spc="-1" strike="noStrike">
+          <a:lstStyle/>
+          <a:p>
+            <a:endParaRPr lang="en-US" sz="3200" b="0" strike="noStrike" spc="-1">
               <a:solidFill>
                 <a:srgbClr val="000000"/>
               </a:solidFill>
@@ -886,11 +1027,12 @@
           </a:prstGeom>
         </p:spPr>
         <p:txBody>
-          <a:bodyPr lIns="0" rIns="0" tIns="0" bIns="0">
+          <a:bodyPr lIns="0" tIns="0" rIns="0" bIns="0">
             <a:normAutofit/>
           </a:bodyPr>
-          <a:p>
-            <a:endParaRPr b="0" lang="en-US" sz="3200" spc="-1" strike="noStrike">
+          <a:lstStyle/>
+          <a:p>
+            <a:endParaRPr lang="en-US" sz="3200" b="0" strike="noStrike" spc="-1">
               <a:solidFill>
                 <a:srgbClr val="000000"/>
               </a:solidFill>
@@ -901,11 +1043,14 @@
       </p:sp>
     </p:spTree>
   </p:cSld>
+  <p:clrMapOvr>
+    <a:masterClrMapping/>
+  </p:clrMapOvr>
 </p:sldLayout>
 </file>
 
 <file path=ppt/slideLayouts/slideLayout17.xml><?xml version="1.0" encoding="utf-8"?>
-<p:sldLayout xmlns:a="http://schemas.openxmlformats.org/drawingml/2006/main" xmlns:p="http://schemas.openxmlformats.org/presentationml/2006/main" xmlns:r="http://schemas.openxmlformats.org/officeDocument/2006/relationships" xmlns:p14="http://schemas.microsoft.com/office/powerpoint/2010/main" xmlns:p15="http://schemas.microsoft.com/office/powerpoint/2012/main" xmlns:mc="http://schemas.openxmlformats.org/markup-compatibility/2006" type="titleOnly" preserve="1">
+<p:sldLayout xmlns:a="http://schemas.openxmlformats.org/drawingml/2006/main" xmlns:r="http://schemas.openxmlformats.org/officeDocument/2006/relationships" xmlns:p="http://schemas.openxmlformats.org/presentationml/2006/main" type="titleOnly" preserve="1">
   <p:cSld name="Title Only">
     <p:spTree>
       <p:nvGrpSpPr>
@@ -941,9 +1086,10 @@
           </a:prstGeom>
         </p:spPr>
         <p:txBody>
-          <a:bodyPr lIns="0" rIns="0" tIns="0" bIns="0" anchor="ctr"/>
-          <a:p>
-            <a:endParaRPr b="0" lang="en-US" sz="1800" spc="-1" strike="noStrike">
+          <a:bodyPr lIns="0" tIns="0" rIns="0" bIns="0" anchor="ctr"/>
+          <a:lstStyle/>
+          <a:p>
+            <a:endParaRPr lang="en-US" sz="1800" b="0" strike="noStrike" spc="-1">
               <a:solidFill>
                 <a:srgbClr val="000000"/>
               </a:solidFill>
@@ -954,11 +1100,14 @@
       </p:sp>
     </p:spTree>
   </p:cSld>
+  <p:clrMapOvr>
+    <a:masterClrMapping/>
+  </p:clrMapOvr>
 </p:sldLayout>
 </file>
 
 <file path=ppt/slideLayouts/slideLayout18.xml><?xml version="1.0" encoding="utf-8"?>
-<p:sldLayout xmlns:a="http://schemas.openxmlformats.org/drawingml/2006/main" xmlns:p="http://schemas.openxmlformats.org/presentationml/2006/main" xmlns:r="http://schemas.openxmlformats.org/officeDocument/2006/relationships" xmlns:p14="http://schemas.microsoft.com/office/powerpoint/2010/main" xmlns:p15="http://schemas.microsoft.com/office/powerpoint/2012/main" xmlns:mc="http://schemas.openxmlformats.org/markup-compatibility/2006" type="objOnly" preserve="1">
+<p:sldLayout xmlns:a="http://schemas.openxmlformats.org/drawingml/2006/main" xmlns:r="http://schemas.openxmlformats.org/officeDocument/2006/relationships" xmlns:p="http://schemas.openxmlformats.org/presentationml/2006/main" type="objOnly" preserve="1">
   <p:cSld name="Centered Text">
     <p:spTree>
       <p:nvGrpSpPr>
@@ -994,10 +1143,11 @@
           </a:prstGeom>
         </p:spPr>
         <p:txBody>
-          <a:bodyPr lIns="0" rIns="0" tIns="0" bIns="0" anchor="ctr"/>
+          <a:bodyPr lIns="0" tIns="0" rIns="0" bIns="0" anchor="ctr"/>
+          <a:lstStyle/>
           <a:p>
             <a:pPr algn="ctr"/>
-            <a:endParaRPr b="0" lang="en-US" sz="3200" spc="-1" strike="noStrike">
+            <a:endParaRPr lang="en-US" sz="3200" b="0" strike="noStrike" spc="-1">
               <a:latin typeface="Arial"/>
             </a:endParaRPr>
           </a:p>
@@ -1005,11 +1155,14 @@
       </p:sp>
     </p:spTree>
   </p:cSld>
+  <p:clrMapOvr>
+    <a:masterClrMapping/>
+  </p:clrMapOvr>
 </p:sldLayout>
 </file>
 
 <file path=ppt/slideLayouts/slideLayout19.xml><?xml version="1.0" encoding="utf-8"?>
-<p:sldLayout xmlns:a="http://schemas.openxmlformats.org/drawingml/2006/main" xmlns:p="http://schemas.openxmlformats.org/presentationml/2006/main" xmlns:r="http://schemas.openxmlformats.org/officeDocument/2006/relationships" xmlns:p14="http://schemas.microsoft.com/office/powerpoint/2010/main" xmlns:p15="http://schemas.microsoft.com/office/powerpoint/2012/main" xmlns:mc="http://schemas.openxmlformats.org/markup-compatibility/2006" type="twoObjAndObj" preserve="1">
+<p:sldLayout xmlns:a="http://schemas.openxmlformats.org/drawingml/2006/main" xmlns:r="http://schemas.openxmlformats.org/officeDocument/2006/relationships" xmlns:p="http://schemas.openxmlformats.org/presentationml/2006/main" type="twoObjAndObj" preserve="1">
   <p:cSld name="Title, 2 Content and Content">
     <p:spTree>
       <p:nvGrpSpPr>
@@ -1045,9 +1198,10 @@
           </a:prstGeom>
         </p:spPr>
         <p:txBody>
-          <a:bodyPr lIns="0" rIns="0" tIns="0" bIns="0" anchor="ctr"/>
-          <a:p>
-            <a:endParaRPr b="0" lang="en-US" sz="1800" spc="-1" strike="noStrike">
+          <a:bodyPr lIns="0" tIns="0" rIns="0" bIns="0" anchor="ctr"/>
+          <a:lstStyle/>
+          <a:p>
+            <a:endParaRPr lang="en-US" sz="1800" b="0" strike="noStrike" spc="-1">
               <a:solidFill>
                 <a:srgbClr val="000000"/>
               </a:solidFill>
@@ -1076,11 +1230,12 @@
           </a:prstGeom>
         </p:spPr>
         <p:txBody>
-          <a:bodyPr lIns="0" rIns="0" tIns="0" bIns="0">
+          <a:bodyPr lIns="0" tIns="0" rIns="0" bIns="0">
             <a:normAutofit/>
           </a:bodyPr>
-          <a:p>
-            <a:endParaRPr b="0" lang="en-US" sz="3200" spc="-1" strike="noStrike">
+          <a:lstStyle/>
+          <a:p>
+            <a:endParaRPr lang="en-US" sz="3200" b="0" strike="noStrike" spc="-1">
               <a:solidFill>
                 <a:srgbClr val="000000"/>
               </a:solidFill>
@@ -1109,11 +1264,12 @@
           </a:prstGeom>
         </p:spPr>
         <p:txBody>
-          <a:bodyPr lIns="0" rIns="0" tIns="0" bIns="0">
+          <a:bodyPr lIns="0" tIns="0" rIns="0" bIns="0">
             <a:normAutofit/>
           </a:bodyPr>
-          <a:p>
-            <a:endParaRPr b="0" lang="en-US" sz="3200" spc="-1" strike="noStrike">
+          <a:lstStyle/>
+          <a:p>
+            <a:endParaRPr lang="en-US" sz="3200" b="0" strike="noStrike" spc="-1">
               <a:solidFill>
                 <a:srgbClr val="000000"/>
               </a:solidFill>
@@ -1142,11 +1298,12 @@
           </a:prstGeom>
         </p:spPr>
         <p:txBody>
-          <a:bodyPr lIns="0" rIns="0" tIns="0" bIns="0">
+          <a:bodyPr lIns="0" tIns="0" rIns="0" bIns="0">
             <a:normAutofit/>
           </a:bodyPr>
-          <a:p>
-            <a:endParaRPr b="0" lang="en-US" sz="3200" spc="-1" strike="noStrike">
+          <a:lstStyle/>
+          <a:p>
+            <a:endParaRPr lang="en-US" sz="3200" b="0" strike="noStrike" spc="-1">
               <a:solidFill>
                 <a:srgbClr val="000000"/>
               </a:solidFill>
@@ -1157,11 +1314,14 @@
       </p:sp>
     </p:spTree>
   </p:cSld>
+  <p:clrMapOvr>
+    <a:masterClrMapping/>
+  </p:clrMapOvr>
 </p:sldLayout>
 </file>
 
 <file path=ppt/slideLayouts/slideLayout2.xml><?xml version="1.0" encoding="utf-8"?>
-<p:sldLayout xmlns:a="http://schemas.openxmlformats.org/drawingml/2006/main" xmlns:p="http://schemas.openxmlformats.org/presentationml/2006/main" xmlns:r="http://schemas.openxmlformats.org/officeDocument/2006/relationships" xmlns:p14="http://schemas.microsoft.com/office/powerpoint/2010/main" xmlns:p15="http://schemas.microsoft.com/office/powerpoint/2012/main" xmlns:mc="http://schemas.openxmlformats.org/markup-compatibility/2006" type="tx" preserve="1">
+<p:sldLayout xmlns:a="http://schemas.openxmlformats.org/drawingml/2006/main" xmlns:r="http://schemas.openxmlformats.org/officeDocument/2006/relationships" xmlns:p="http://schemas.openxmlformats.org/presentationml/2006/main" type="tx" preserve="1">
   <p:cSld name="Title Slide">
     <p:spTree>
       <p:nvGrpSpPr>
@@ -1197,9 +1357,10 @@
           </a:prstGeom>
         </p:spPr>
         <p:txBody>
-          <a:bodyPr lIns="0" rIns="0" tIns="0" bIns="0" anchor="ctr"/>
-          <a:p>
-            <a:endParaRPr b="0" lang="en-US" sz="1800" spc="-1" strike="noStrike">
+          <a:bodyPr lIns="0" tIns="0" rIns="0" bIns="0" anchor="ctr"/>
+          <a:lstStyle/>
+          <a:p>
+            <a:endParaRPr lang="en-US" sz="1800" b="0" strike="noStrike" spc="-1">
               <a:solidFill>
                 <a:srgbClr val="000000"/>
               </a:solidFill>
@@ -1228,10 +1389,11 @@
           </a:prstGeom>
         </p:spPr>
         <p:txBody>
-          <a:bodyPr lIns="0" rIns="0" tIns="0" bIns="0" anchor="ctr"/>
+          <a:bodyPr lIns="0" tIns="0" rIns="0" bIns="0" anchor="ctr"/>
+          <a:lstStyle/>
           <a:p>
             <a:pPr algn="ctr"/>
-            <a:endParaRPr b="0" lang="en-US" sz="3200" spc="-1" strike="noStrike">
+            <a:endParaRPr lang="en-US" sz="3200" b="0" strike="noStrike" spc="-1">
               <a:latin typeface="Arial"/>
             </a:endParaRPr>
           </a:p>
@@ -1239,11 +1401,14 @@
       </p:sp>
     </p:spTree>
   </p:cSld>
+  <p:clrMapOvr>
+    <a:masterClrMapping/>
+  </p:clrMapOvr>
 </p:sldLayout>
 </file>
 
 <file path=ppt/slideLayouts/slideLayout20.xml><?xml version="1.0" encoding="utf-8"?>
-<p:sldLayout xmlns:a="http://schemas.openxmlformats.org/drawingml/2006/main" xmlns:p="http://schemas.openxmlformats.org/presentationml/2006/main" xmlns:r="http://schemas.openxmlformats.org/officeDocument/2006/relationships" xmlns:p14="http://schemas.microsoft.com/office/powerpoint/2010/main" xmlns:p15="http://schemas.microsoft.com/office/powerpoint/2012/main" xmlns:mc="http://schemas.openxmlformats.org/markup-compatibility/2006" type="objAndTwoObj" preserve="1">
+<p:sldLayout xmlns:a="http://schemas.openxmlformats.org/drawingml/2006/main" xmlns:r="http://schemas.openxmlformats.org/officeDocument/2006/relationships" xmlns:p="http://schemas.openxmlformats.org/presentationml/2006/main" type="objAndTwoObj" preserve="1">
   <p:cSld name="Title Content and 2 Content">
     <p:spTree>
       <p:nvGrpSpPr>
@@ -1279,9 +1444,10 @@
           </a:prstGeom>
         </p:spPr>
         <p:txBody>
-          <a:bodyPr lIns="0" rIns="0" tIns="0" bIns="0" anchor="ctr"/>
-          <a:p>
-            <a:endParaRPr b="0" lang="en-US" sz="1800" spc="-1" strike="noStrike">
+          <a:bodyPr lIns="0" tIns="0" rIns="0" bIns="0" anchor="ctr"/>
+          <a:lstStyle/>
+          <a:p>
+            <a:endParaRPr lang="en-US" sz="1800" b="0" strike="noStrike" spc="-1">
               <a:solidFill>
                 <a:srgbClr val="000000"/>
               </a:solidFill>
@@ -1310,11 +1476,12 @@
           </a:prstGeom>
         </p:spPr>
         <p:txBody>
-          <a:bodyPr lIns="0" rIns="0" tIns="0" bIns="0">
+          <a:bodyPr lIns="0" tIns="0" rIns="0" bIns="0">
             <a:normAutofit/>
           </a:bodyPr>
-          <a:p>
-            <a:endParaRPr b="0" lang="en-US" sz="3200" spc="-1" strike="noStrike">
+          <a:lstStyle/>
+          <a:p>
+            <a:endParaRPr lang="en-US" sz="3200" b="0" strike="noStrike" spc="-1">
               <a:solidFill>
                 <a:srgbClr val="000000"/>
               </a:solidFill>
@@ -1343,11 +1510,12 @@
           </a:prstGeom>
         </p:spPr>
         <p:txBody>
-          <a:bodyPr lIns="0" rIns="0" tIns="0" bIns="0">
+          <a:bodyPr lIns="0" tIns="0" rIns="0" bIns="0">
             <a:normAutofit/>
           </a:bodyPr>
-          <a:p>
-            <a:endParaRPr b="0" lang="en-US" sz="3200" spc="-1" strike="noStrike">
+          <a:lstStyle/>
+          <a:p>
+            <a:endParaRPr lang="en-US" sz="3200" b="0" strike="noStrike" spc="-1">
               <a:solidFill>
                 <a:srgbClr val="000000"/>
               </a:solidFill>
@@ -1376,11 +1544,12 @@
           </a:prstGeom>
         </p:spPr>
         <p:txBody>
-          <a:bodyPr lIns="0" rIns="0" tIns="0" bIns="0">
+          <a:bodyPr lIns="0" tIns="0" rIns="0" bIns="0">
             <a:normAutofit/>
           </a:bodyPr>
-          <a:p>
-            <a:endParaRPr b="0" lang="en-US" sz="3200" spc="-1" strike="noStrike">
+          <a:lstStyle/>
+          <a:p>
+            <a:endParaRPr lang="en-US" sz="3200" b="0" strike="noStrike" spc="-1">
               <a:solidFill>
                 <a:srgbClr val="000000"/>
               </a:solidFill>
@@ -1391,11 +1560,14 @@
       </p:sp>
     </p:spTree>
   </p:cSld>
+  <p:clrMapOvr>
+    <a:masterClrMapping/>
+  </p:clrMapOvr>
 </p:sldLayout>
 </file>
 
 <file path=ppt/slideLayouts/slideLayout21.xml><?xml version="1.0" encoding="utf-8"?>
-<p:sldLayout xmlns:a="http://schemas.openxmlformats.org/drawingml/2006/main" xmlns:p="http://schemas.openxmlformats.org/presentationml/2006/main" xmlns:r="http://schemas.openxmlformats.org/officeDocument/2006/relationships" xmlns:p14="http://schemas.microsoft.com/office/powerpoint/2010/main" xmlns:p15="http://schemas.microsoft.com/office/powerpoint/2012/main" xmlns:mc="http://schemas.openxmlformats.org/markup-compatibility/2006" type="twoObjOverTx" preserve="1">
+<p:sldLayout xmlns:a="http://schemas.openxmlformats.org/drawingml/2006/main" xmlns:r="http://schemas.openxmlformats.org/officeDocument/2006/relationships" xmlns:p="http://schemas.openxmlformats.org/presentationml/2006/main" type="twoObjOverTx" preserve="1">
   <p:cSld name="Title, 2 Content over Content">
     <p:spTree>
       <p:nvGrpSpPr>
@@ -1431,9 +1603,10 @@
           </a:prstGeom>
         </p:spPr>
         <p:txBody>
-          <a:bodyPr lIns="0" rIns="0" tIns="0" bIns="0" anchor="ctr"/>
-          <a:p>
-            <a:endParaRPr b="0" lang="en-US" sz="1800" spc="-1" strike="noStrike">
+          <a:bodyPr lIns="0" tIns="0" rIns="0" bIns="0" anchor="ctr"/>
+          <a:lstStyle/>
+          <a:p>
+            <a:endParaRPr lang="en-US" sz="1800" b="0" strike="noStrike" spc="-1">
               <a:solidFill>
                 <a:srgbClr val="000000"/>
               </a:solidFill>
@@ -1462,11 +1635,12 @@
           </a:prstGeom>
         </p:spPr>
         <p:txBody>
-          <a:bodyPr lIns="0" rIns="0" tIns="0" bIns="0">
+          <a:bodyPr lIns="0" tIns="0" rIns="0" bIns="0">
             <a:normAutofit/>
           </a:bodyPr>
-          <a:p>
-            <a:endParaRPr b="0" lang="en-US" sz="3200" spc="-1" strike="noStrike">
+          <a:lstStyle/>
+          <a:p>
+            <a:endParaRPr lang="en-US" sz="3200" b="0" strike="noStrike" spc="-1">
               <a:solidFill>
                 <a:srgbClr val="000000"/>
               </a:solidFill>
@@ -1495,11 +1669,12 @@
           </a:prstGeom>
         </p:spPr>
         <p:txBody>
-          <a:bodyPr lIns="0" rIns="0" tIns="0" bIns="0">
+          <a:bodyPr lIns="0" tIns="0" rIns="0" bIns="0">
             <a:normAutofit/>
           </a:bodyPr>
-          <a:p>
-            <a:endParaRPr b="0" lang="en-US" sz="3200" spc="-1" strike="noStrike">
+          <a:lstStyle/>
+          <a:p>
+            <a:endParaRPr lang="en-US" sz="3200" b="0" strike="noStrike" spc="-1">
               <a:solidFill>
                 <a:srgbClr val="000000"/>
               </a:solidFill>
@@ -1528,11 +1703,12 @@
           </a:prstGeom>
         </p:spPr>
         <p:txBody>
-          <a:bodyPr lIns="0" rIns="0" tIns="0" bIns="0">
+          <a:bodyPr lIns="0" tIns="0" rIns="0" bIns="0">
             <a:normAutofit/>
           </a:bodyPr>
-          <a:p>
-            <a:endParaRPr b="0" lang="en-US" sz="3200" spc="-1" strike="noStrike">
+          <a:lstStyle/>
+          <a:p>
+            <a:endParaRPr lang="en-US" sz="3200" b="0" strike="noStrike" spc="-1">
               <a:solidFill>
                 <a:srgbClr val="000000"/>
               </a:solidFill>
@@ -1543,11 +1719,14 @@
       </p:sp>
     </p:spTree>
   </p:cSld>
+  <p:clrMapOvr>
+    <a:masterClrMapping/>
+  </p:clrMapOvr>
 </p:sldLayout>
 </file>
 
 <file path=ppt/slideLayouts/slideLayout22.xml><?xml version="1.0" encoding="utf-8"?>
-<p:sldLayout xmlns:a="http://schemas.openxmlformats.org/drawingml/2006/main" xmlns:p="http://schemas.openxmlformats.org/presentationml/2006/main" xmlns:r="http://schemas.openxmlformats.org/officeDocument/2006/relationships" xmlns:p14="http://schemas.microsoft.com/office/powerpoint/2010/main" xmlns:p15="http://schemas.microsoft.com/office/powerpoint/2012/main" xmlns:mc="http://schemas.openxmlformats.org/markup-compatibility/2006" type="objOverTx" preserve="1">
+<p:sldLayout xmlns:a="http://schemas.openxmlformats.org/drawingml/2006/main" xmlns:r="http://schemas.openxmlformats.org/officeDocument/2006/relationships" xmlns:p="http://schemas.openxmlformats.org/presentationml/2006/main" type="objOverTx" preserve="1">
   <p:cSld name="Title, Content over Content">
     <p:spTree>
       <p:nvGrpSpPr>
@@ -1583,9 +1762,10 @@
           </a:prstGeom>
         </p:spPr>
         <p:txBody>
-          <a:bodyPr lIns="0" rIns="0" tIns="0" bIns="0" anchor="ctr"/>
-          <a:p>
-            <a:endParaRPr b="0" lang="en-US" sz="1800" spc="-1" strike="noStrike">
+          <a:bodyPr lIns="0" tIns="0" rIns="0" bIns="0" anchor="ctr"/>
+          <a:lstStyle/>
+          <a:p>
+            <a:endParaRPr lang="en-US" sz="1800" b="0" strike="noStrike" spc="-1">
               <a:solidFill>
                 <a:srgbClr val="000000"/>
               </a:solidFill>
@@ -1614,11 +1794,12 @@
           </a:prstGeom>
         </p:spPr>
         <p:txBody>
-          <a:bodyPr lIns="0" rIns="0" tIns="0" bIns="0">
+          <a:bodyPr lIns="0" tIns="0" rIns="0" bIns="0">
             <a:normAutofit/>
           </a:bodyPr>
-          <a:p>
-            <a:endParaRPr b="0" lang="en-US" sz="3200" spc="-1" strike="noStrike">
+          <a:lstStyle/>
+          <a:p>
+            <a:endParaRPr lang="en-US" sz="3200" b="0" strike="noStrike" spc="-1">
               <a:solidFill>
                 <a:srgbClr val="000000"/>
               </a:solidFill>
@@ -1647,11 +1828,12 @@
           </a:prstGeom>
         </p:spPr>
         <p:txBody>
-          <a:bodyPr lIns="0" rIns="0" tIns="0" bIns="0">
+          <a:bodyPr lIns="0" tIns="0" rIns="0" bIns="0">
             <a:normAutofit/>
           </a:bodyPr>
-          <a:p>
-            <a:endParaRPr b="0" lang="en-US" sz="3200" spc="-1" strike="noStrike">
+          <a:lstStyle/>
+          <a:p>
+            <a:endParaRPr lang="en-US" sz="3200" b="0" strike="noStrike" spc="-1">
               <a:solidFill>
                 <a:srgbClr val="000000"/>
               </a:solidFill>
@@ -1662,11 +1844,14 @@
       </p:sp>
     </p:spTree>
   </p:cSld>
+  <p:clrMapOvr>
+    <a:masterClrMapping/>
+  </p:clrMapOvr>
 </p:sldLayout>
 </file>
 
 <file path=ppt/slideLayouts/slideLayout23.xml><?xml version="1.0" encoding="utf-8"?>
-<p:sldLayout xmlns:a="http://schemas.openxmlformats.org/drawingml/2006/main" xmlns:p="http://schemas.openxmlformats.org/presentationml/2006/main" xmlns:r="http://schemas.openxmlformats.org/officeDocument/2006/relationships" xmlns:p14="http://schemas.microsoft.com/office/powerpoint/2010/main" xmlns:p15="http://schemas.microsoft.com/office/powerpoint/2012/main" xmlns:mc="http://schemas.openxmlformats.org/markup-compatibility/2006" type="fourObj" preserve="1">
+<p:sldLayout xmlns:a="http://schemas.openxmlformats.org/drawingml/2006/main" xmlns:r="http://schemas.openxmlformats.org/officeDocument/2006/relationships" xmlns:p="http://schemas.openxmlformats.org/presentationml/2006/main" type="fourObj" preserve="1">
   <p:cSld name="Title, 4 Content">
     <p:spTree>
       <p:nvGrpSpPr>
@@ -1702,9 +1887,10 @@
           </a:prstGeom>
         </p:spPr>
         <p:txBody>
-          <a:bodyPr lIns="0" rIns="0" tIns="0" bIns="0" anchor="ctr"/>
-          <a:p>
-            <a:endParaRPr b="0" lang="en-US" sz="1800" spc="-1" strike="noStrike">
+          <a:bodyPr lIns="0" tIns="0" rIns="0" bIns="0" anchor="ctr"/>
+          <a:lstStyle/>
+          <a:p>
+            <a:endParaRPr lang="en-US" sz="1800" b="0" strike="noStrike" spc="-1">
               <a:solidFill>
                 <a:srgbClr val="000000"/>
               </a:solidFill>
@@ -1733,11 +1919,12 @@
           </a:prstGeom>
         </p:spPr>
         <p:txBody>
-          <a:bodyPr lIns="0" rIns="0" tIns="0" bIns="0">
+          <a:bodyPr lIns="0" tIns="0" rIns="0" bIns="0">
             <a:normAutofit/>
           </a:bodyPr>
-          <a:p>
-            <a:endParaRPr b="0" lang="en-US" sz="3200" spc="-1" strike="noStrike">
+          <a:lstStyle/>
+          <a:p>
+            <a:endParaRPr lang="en-US" sz="3200" b="0" strike="noStrike" spc="-1">
               <a:solidFill>
                 <a:srgbClr val="000000"/>
               </a:solidFill>
@@ -1766,11 +1953,12 @@
           </a:prstGeom>
         </p:spPr>
         <p:txBody>
-          <a:bodyPr lIns="0" rIns="0" tIns="0" bIns="0">
+          <a:bodyPr lIns="0" tIns="0" rIns="0" bIns="0">
             <a:normAutofit/>
           </a:bodyPr>
-          <a:p>
-            <a:endParaRPr b="0" lang="en-US" sz="3200" spc="-1" strike="noStrike">
+          <a:lstStyle/>
+          <a:p>
+            <a:endParaRPr lang="en-US" sz="3200" b="0" strike="noStrike" spc="-1">
               <a:solidFill>
                 <a:srgbClr val="000000"/>
               </a:solidFill>
@@ -1799,11 +1987,12 @@
           </a:prstGeom>
         </p:spPr>
         <p:txBody>
-          <a:bodyPr lIns="0" rIns="0" tIns="0" bIns="0">
+          <a:bodyPr lIns="0" tIns="0" rIns="0" bIns="0">
             <a:normAutofit/>
           </a:bodyPr>
-          <a:p>
-            <a:endParaRPr b="0" lang="en-US" sz="3200" spc="-1" strike="noStrike">
+          <a:lstStyle/>
+          <a:p>
+            <a:endParaRPr lang="en-US" sz="3200" b="0" strike="noStrike" spc="-1">
               <a:solidFill>
                 <a:srgbClr val="000000"/>
               </a:solidFill>
@@ -1832,11 +2021,12 @@
           </a:prstGeom>
         </p:spPr>
         <p:txBody>
-          <a:bodyPr lIns="0" rIns="0" tIns="0" bIns="0">
+          <a:bodyPr lIns="0" tIns="0" rIns="0" bIns="0">
             <a:normAutofit/>
           </a:bodyPr>
-          <a:p>
-            <a:endParaRPr b="0" lang="en-US" sz="3200" spc="-1" strike="noStrike">
+          <a:lstStyle/>
+          <a:p>
+            <a:endParaRPr lang="en-US" sz="3200" b="0" strike="noStrike" spc="-1">
               <a:solidFill>
                 <a:srgbClr val="000000"/>
               </a:solidFill>
@@ -1847,11 +2037,14 @@
       </p:sp>
     </p:spTree>
   </p:cSld>
+  <p:clrMapOvr>
+    <a:masterClrMapping/>
+  </p:clrMapOvr>
 </p:sldLayout>
 </file>
 
 <file path=ppt/slideLayouts/slideLayout24.xml><?xml version="1.0" encoding="utf-8"?>
-<p:sldLayout xmlns:a="http://schemas.openxmlformats.org/drawingml/2006/main" xmlns:p="http://schemas.openxmlformats.org/presentationml/2006/main" xmlns:r="http://schemas.openxmlformats.org/officeDocument/2006/relationships" xmlns:p14="http://schemas.microsoft.com/office/powerpoint/2010/main" xmlns:p15="http://schemas.microsoft.com/office/powerpoint/2012/main" xmlns:mc="http://schemas.openxmlformats.org/markup-compatibility/2006" type="blank" preserve="1">
+<p:sldLayout xmlns:a="http://schemas.openxmlformats.org/drawingml/2006/main" xmlns:r="http://schemas.openxmlformats.org/officeDocument/2006/relationships" xmlns:p="http://schemas.openxmlformats.org/presentationml/2006/main" type="blank" preserve="1">
   <p:cSld name="Title, 6 Content">
     <p:spTree>
       <p:nvGrpSpPr>
@@ -1887,9 +2080,10 @@
           </a:prstGeom>
         </p:spPr>
         <p:txBody>
-          <a:bodyPr lIns="0" rIns="0" tIns="0" bIns="0" anchor="ctr"/>
-          <a:p>
-            <a:endParaRPr b="0" lang="en-US" sz="1800" spc="-1" strike="noStrike">
+          <a:bodyPr lIns="0" tIns="0" rIns="0" bIns="0" anchor="ctr"/>
+          <a:lstStyle/>
+          <a:p>
+            <a:endParaRPr lang="en-US" sz="1800" b="0" strike="noStrike" spc="-1">
               <a:solidFill>
                 <a:srgbClr val="000000"/>
               </a:solidFill>
@@ -1918,11 +2112,12 @@
           </a:prstGeom>
         </p:spPr>
         <p:txBody>
-          <a:bodyPr lIns="0" rIns="0" tIns="0" bIns="0">
+          <a:bodyPr lIns="0" tIns="0" rIns="0" bIns="0">
             <a:normAutofit/>
           </a:bodyPr>
-          <a:p>
-            <a:endParaRPr b="0" lang="en-US" sz="3200" spc="-1" strike="noStrike">
+          <a:lstStyle/>
+          <a:p>
+            <a:endParaRPr lang="en-US" sz="3200" b="0" strike="noStrike" spc="-1">
               <a:solidFill>
                 <a:srgbClr val="000000"/>
               </a:solidFill>
@@ -1951,11 +2146,12 @@
           </a:prstGeom>
         </p:spPr>
         <p:txBody>
-          <a:bodyPr lIns="0" rIns="0" tIns="0" bIns="0">
+          <a:bodyPr lIns="0" tIns="0" rIns="0" bIns="0">
             <a:normAutofit/>
           </a:bodyPr>
-          <a:p>
-            <a:endParaRPr b="0" lang="en-US" sz="3200" spc="-1" strike="noStrike">
+          <a:lstStyle/>
+          <a:p>
+            <a:endParaRPr lang="en-US" sz="3200" b="0" strike="noStrike" spc="-1">
               <a:solidFill>
                 <a:srgbClr val="000000"/>
               </a:solidFill>
@@ -1984,11 +2180,12 @@
           </a:prstGeom>
         </p:spPr>
         <p:txBody>
-          <a:bodyPr lIns="0" rIns="0" tIns="0" bIns="0">
+          <a:bodyPr lIns="0" tIns="0" rIns="0" bIns="0">
             <a:normAutofit/>
           </a:bodyPr>
-          <a:p>
-            <a:endParaRPr b="0" lang="en-US" sz="3200" spc="-1" strike="noStrike">
+          <a:lstStyle/>
+          <a:p>
+            <a:endParaRPr lang="en-US" sz="3200" b="0" strike="noStrike" spc="-1">
               <a:solidFill>
                 <a:srgbClr val="000000"/>
               </a:solidFill>
@@ -2017,11 +2214,12 @@
           </a:prstGeom>
         </p:spPr>
         <p:txBody>
-          <a:bodyPr lIns="0" rIns="0" tIns="0" bIns="0">
+          <a:bodyPr lIns="0" tIns="0" rIns="0" bIns="0">
             <a:normAutofit/>
           </a:bodyPr>
-          <a:p>
-            <a:endParaRPr b="0" lang="en-US" sz="3200" spc="-1" strike="noStrike">
+          <a:lstStyle/>
+          <a:p>
+            <a:endParaRPr lang="en-US" sz="3200" b="0" strike="noStrike" spc="-1">
               <a:solidFill>
                 <a:srgbClr val="000000"/>
               </a:solidFill>
@@ -2050,11 +2248,12 @@
           </a:prstGeom>
         </p:spPr>
         <p:txBody>
-          <a:bodyPr lIns="0" rIns="0" tIns="0" bIns="0">
+          <a:bodyPr lIns="0" tIns="0" rIns="0" bIns="0">
             <a:normAutofit/>
           </a:bodyPr>
-          <a:p>
-            <a:endParaRPr b="0" lang="en-US" sz="3200" spc="-1" strike="noStrike">
+          <a:lstStyle/>
+          <a:p>
+            <a:endParaRPr lang="en-US" sz="3200" b="0" strike="noStrike" spc="-1">
               <a:solidFill>
                 <a:srgbClr val="000000"/>
               </a:solidFill>
@@ -2083,11 +2282,12 @@
           </a:prstGeom>
         </p:spPr>
         <p:txBody>
-          <a:bodyPr lIns="0" rIns="0" tIns="0" bIns="0">
+          <a:bodyPr lIns="0" tIns="0" rIns="0" bIns="0">
             <a:normAutofit/>
           </a:bodyPr>
-          <a:p>
-            <a:endParaRPr b="0" lang="en-US" sz="3200" spc="-1" strike="noStrike">
+          <a:lstStyle/>
+          <a:p>
+            <a:endParaRPr lang="en-US" sz="3200" b="0" strike="noStrike" spc="-1">
               <a:solidFill>
                 <a:srgbClr val="000000"/>
               </a:solidFill>
@@ -2098,11 +2298,14 @@
       </p:sp>
     </p:spTree>
   </p:cSld>
+  <p:clrMapOvr>
+    <a:masterClrMapping/>
+  </p:clrMapOvr>
 </p:sldLayout>
 </file>
 
 <file path=ppt/slideLayouts/slideLayout3.xml><?xml version="1.0" encoding="utf-8"?>
-<p:sldLayout xmlns:a="http://schemas.openxmlformats.org/drawingml/2006/main" xmlns:p="http://schemas.openxmlformats.org/presentationml/2006/main" xmlns:r="http://schemas.openxmlformats.org/officeDocument/2006/relationships" xmlns:p14="http://schemas.microsoft.com/office/powerpoint/2010/main" xmlns:p15="http://schemas.microsoft.com/office/powerpoint/2012/main" xmlns:mc="http://schemas.openxmlformats.org/markup-compatibility/2006" type="obj" preserve="1">
+<p:sldLayout xmlns:a="http://schemas.openxmlformats.org/drawingml/2006/main" xmlns:r="http://schemas.openxmlformats.org/officeDocument/2006/relationships" xmlns:p="http://schemas.openxmlformats.org/presentationml/2006/main" type="obj" preserve="1">
   <p:cSld name="Title, Content">
     <p:spTree>
       <p:nvGrpSpPr>
@@ -2138,9 +2341,10 @@
           </a:prstGeom>
         </p:spPr>
         <p:txBody>
-          <a:bodyPr lIns="0" rIns="0" tIns="0" bIns="0" anchor="ctr"/>
-          <a:p>
-            <a:endParaRPr b="0" lang="en-US" sz="1800" spc="-1" strike="noStrike">
+          <a:bodyPr lIns="0" tIns="0" rIns="0" bIns="0" anchor="ctr"/>
+          <a:lstStyle/>
+          <a:p>
+            <a:endParaRPr lang="en-US" sz="1800" b="0" strike="noStrike" spc="-1">
               <a:solidFill>
                 <a:srgbClr val="000000"/>
               </a:solidFill>
@@ -2169,11 +2373,12 @@
           </a:prstGeom>
         </p:spPr>
         <p:txBody>
-          <a:bodyPr lIns="0" rIns="0" tIns="0" bIns="0">
+          <a:bodyPr lIns="0" tIns="0" rIns="0" bIns="0">
             <a:normAutofit/>
           </a:bodyPr>
-          <a:p>
-            <a:endParaRPr b="0" lang="en-US" sz="3200" spc="-1" strike="noStrike">
+          <a:lstStyle/>
+          <a:p>
+            <a:endParaRPr lang="en-US" sz="3200" b="0" strike="noStrike" spc="-1">
               <a:solidFill>
                 <a:srgbClr val="000000"/>
               </a:solidFill>
@@ -2184,11 +2389,14 @@
       </p:sp>
     </p:spTree>
   </p:cSld>
+  <p:clrMapOvr>
+    <a:masterClrMapping/>
+  </p:clrMapOvr>
 </p:sldLayout>
 </file>
 
 <file path=ppt/slideLayouts/slideLayout4.xml><?xml version="1.0" encoding="utf-8"?>
-<p:sldLayout xmlns:a="http://schemas.openxmlformats.org/drawingml/2006/main" xmlns:p="http://schemas.openxmlformats.org/presentationml/2006/main" xmlns:r="http://schemas.openxmlformats.org/officeDocument/2006/relationships" xmlns:p14="http://schemas.microsoft.com/office/powerpoint/2010/main" xmlns:p15="http://schemas.microsoft.com/office/powerpoint/2012/main" xmlns:mc="http://schemas.openxmlformats.org/markup-compatibility/2006" type="twoObj" preserve="1">
+<p:sldLayout xmlns:a="http://schemas.openxmlformats.org/drawingml/2006/main" xmlns:r="http://schemas.openxmlformats.org/officeDocument/2006/relationships" xmlns:p="http://schemas.openxmlformats.org/presentationml/2006/main" type="twoObj" preserve="1">
   <p:cSld name="Title, 2 Content">
     <p:spTree>
       <p:nvGrpSpPr>
@@ -2224,9 +2432,10 @@
           </a:prstGeom>
         </p:spPr>
         <p:txBody>
-          <a:bodyPr lIns="0" rIns="0" tIns="0" bIns="0" anchor="ctr"/>
-          <a:p>
-            <a:endParaRPr b="0" lang="en-US" sz="1800" spc="-1" strike="noStrike">
+          <a:bodyPr lIns="0" tIns="0" rIns="0" bIns="0" anchor="ctr"/>
+          <a:lstStyle/>
+          <a:p>
+            <a:endParaRPr lang="en-US" sz="1800" b="0" strike="noStrike" spc="-1">
               <a:solidFill>
                 <a:srgbClr val="000000"/>
               </a:solidFill>
@@ -2255,11 +2464,12 @@
           </a:prstGeom>
         </p:spPr>
         <p:txBody>
-          <a:bodyPr lIns="0" rIns="0" tIns="0" bIns="0">
+          <a:bodyPr lIns="0" tIns="0" rIns="0" bIns="0">
             <a:normAutofit/>
           </a:bodyPr>
-          <a:p>
-            <a:endParaRPr b="0" lang="en-US" sz="3200" spc="-1" strike="noStrike">
+          <a:lstStyle/>
+          <a:p>
+            <a:endParaRPr lang="en-US" sz="3200" b="0" strike="noStrike" spc="-1">
               <a:solidFill>
                 <a:srgbClr val="000000"/>
               </a:solidFill>
@@ -2288,11 +2498,12 @@
           </a:prstGeom>
         </p:spPr>
         <p:txBody>
-          <a:bodyPr lIns="0" rIns="0" tIns="0" bIns="0">
+          <a:bodyPr lIns="0" tIns="0" rIns="0" bIns="0">
             <a:normAutofit/>
           </a:bodyPr>
-          <a:p>
-            <a:endParaRPr b="0" lang="en-US" sz="3200" spc="-1" strike="noStrike">
+          <a:lstStyle/>
+          <a:p>
+            <a:endParaRPr lang="en-US" sz="3200" b="0" strike="noStrike" spc="-1">
               <a:solidFill>
                 <a:srgbClr val="000000"/>
               </a:solidFill>
@@ -2303,11 +2514,14 @@
       </p:sp>
     </p:spTree>
   </p:cSld>
+  <p:clrMapOvr>
+    <a:masterClrMapping/>
+  </p:clrMapOvr>
 </p:sldLayout>
 </file>
 
 <file path=ppt/slideLayouts/slideLayout5.xml><?xml version="1.0" encoding="utf-8"?>
-<p:sldLayout xmlns:a="http://schemas.openxmlformats.org/drawingml/2006/main" xmlns:p="http://schemas.openxmlformats.org/presentationml/2006/main" xmlns:r="http://schemas.openxmlformats.org/officeDocument/2006/relationships" xmlns:p14="http://schemas.microsoft.com/office/powerpoint/2010/main" xmlns:p15="http://schemas.microsoft.com/office/powerpoint/2012/main" xmlns:mc="http://schemas.openxmlformats.org/markup-compatibility/2006" type="titleOnly" preserve="1">
+<p:sldLayout xmlns:a="http://schemas.openxmlformats.org/drawingml/2006/main" xmlns:r="http://schemas.openxmlformats.org/officeDocument/2006/relationships" xmlns:p="http://schemas.openxmlformats.org/presentationml/2006/main" type="titleOnly" preserve="1">
   <p:cSld name="Title Only">
     <p:spTree>
       <p:nvGrpSpPr>
@@ -2343,9 +2557,10 @@
           </a:prstGeom>
         </p:spPr>
         <p:txBody>
-          <a:bodyPr lIns="0" rIns="0" tIns="0" bIns="0" anchor="ctr"/>
-          <a:p>
-            <a:endParaRPr b="0" lang="en-US" sz="1800" spc="-1" strike="noStrike">
+          <a:bodyPr lIns="0" tIns="0" rIns="0" bIns="0" anchor="ctr"/>
+          <a:lstStyle/>
+          <a:p>
+            <a:endParaRPr lang="en-US" sz="1800" b="0" strike="noStrike" spc="-1">
               <a:solidFill>
                 <a:srgbClr val="000000"/>
               </a:solidFill>
@@ -2356,11 +2571,14 @@
       </p:sp>
     </p:spTree>
   </p:cSld>
+  <p:clrMapOvr>
+    <a:masterClrMapping/>
+  </p:clrMapOvr>
 </p:sldLayout>
 </file>
 
 <file path=ppt/slideLayouts/slideLayout6.xml><?xml version="1.0" encoding="utf-8"?>
-<p:sldLayout xmlns:a="http://schemas.openxmlformats.org/drawingml/2006/main" xmlns:p="http://schemas.openxmlformats.org/presentationml/2006/main" xmlns:r="http://schemas.openxmlformats.org/officeDocument/2006/relationships" xmlns:p14="http://schemas.microsoft.com/office/powerpoint/2010/main" xmlns:p15="http://schemas.microsoft.com/office/powerpoint/2012/main" xmlns:mc="http://schemas.openxmlformats.org/markup-compatibility/2006" type="objOnly" preserve="1">
+<p:sldLayout xmlns:a="http://schemas.openxmlformats.org/drawingml/2006/main" xmlns:r="http://schemas.openxmlformats.org/officeDocument/2006/relationships" xmlns:p="http://schemas.openxmlformats.org/presentationml/2006/main" type="objOnly" preserve="1">
   <p:cSld name="Centered Text">
     <p:spTree>
       <p:nvGrpSpPr>
@@ -2396,10 +2614,11 @@
           </a:prstGeom>
         </p:spPr>
         <p:txBody>
-          <a:bodyPr lIns="0" rIns="0" tIns="0" bIns="0" anchor="ctr"/>
+          <a:bodyPr lIns="0" tIns="0" rIns="0" bIns="0" anchor="ctr"/>
+          <a:lstStyle/>
           <a:p>
             <a:pPr algn="ctr"/>
-            <a:endParaRPr b="0" lang="en-US" sz="3200" spc="-1" strike="noStrike">
+            <a:endParaRPr lang="en-US" sz="3200" b="0" strike="noStrike" spc="-1">
               <a:latin typeface="Arial"/>
             </a:endParaRPr>
           </a:p>
@@ -2407,11 +2626,14 @@
       </p:sp>
     </p:spTree>
   </p:cSld>
+  <p:clrMapOvr>
+    <a:masterClrMapping/>
+  </p:clrMapOvr>
 </p:sldLayout>
 </file>
 
 <file path=ppt/slideLayouts/slideLayout7.xml><?xml version="1.0" encoding="utf-8"?>
-<p:sldLayout xmlns:a="http://schemas.openxmlformats.org/drawingml/2006/main" xmlns:p="http://schemas.openxmlformats.org/presentationml/2006/main" xmlns:r="http://schemas.openxmlformats.org/officeDocument/2006/relationships" xmlns:p14="http://schemas.microsoft.com/office/powerpoint/2010/main" xmlns:p15="http://schemas.microsoft.com/office/powerpoint/2012/main" xmlns:mc="http://schemas.openxmlformats.org/markup-compatibility/2006" type="twoObjAndObj" preserve="1">
+<p:sldLayout xmlns:a="http://schemas.openxmlformats.org/drawingml/2006/main" xmlns:r="http://schemas.openxmlformats.org/officeDocument/2006/relationships" xmlns:p="http://schemas.openxmlformats.org/presentationml/2006/main" type="twoObjAndObj" preserve="1">
   <p:cSld name="Title, 2 Content and Content">
     <p:spTree>
       <p:nvGrpSpPr>
@@ -2447,9 +2669,10 @@
           </a:prstGeom>
         </p:spPr>
         <p:txBody>
-          <a:bodyPr lIns="0" rIns="0" tIns="0" bIns="0" anchor="ctr"/>
-          <a:p>
-            <a:endParaRPr b="0" lang="en-US" sz="1800" spc="-1" strike="noStrike">
+          <a:bodyPr lIns="0" tIns="0" rIns="0" bIns="0" anchor="ctr"/>
+          <a:lstStyle/>
+          <a:p>
+            <a:endParaRPr lang="en-US" sz="1800" b="0" strike="noStrike" spc="-1">
               <a:solidFill>
                 <a:srgbClr val="000000"/>
               </a:solidFill>
@@ -2478,11 +2701,12 @@
           </a:prstGeom>
         </p:spPr>
         <p:txBody>
-          <a:bodyPr lIns="0" rIns="0" tIns="0" bIns="0">
+          <a:bodyPr lIns="0" tIns="0" rIns="0" bIns="0">
             <a:normAutofit/>
           </a:bodyPr>
-          <a:p>
-            <a:endParaRPr b="0" lang="en-US" sz="3200" spc="-1" strike="noStrike">
+          <a:lstStyle/>
+          <a:p>
+            <a:endParaRPr lang="en-US" sz="3200" b="0" strike="noStrike" spc="-1">
               <a:solidFill>
                 <a:srgbClr val="000000"/>
               </a:solidFill>
@@ -2511,11 +2735,12 @@
           </a:prstGeom>
         </p:spPr>
         <p:txBody>
-          <a:bodyPr lIns="0" rIns="0" tIns="0" bIns="0">
+          <a:bodyPr lIns="0" tIns="0" rIns="0" bIns="0">
             <a:normAutofit/>
           </a:bodyPr>
-          <a:p>
-            <a:endParaRPr b="0" lang="en-US" sz="3200" spc="-1" strike="noStrike">
+          <a:lstStyle/>
+          <a:p>
+            <a:endParaRPr lang="en-US" sz="3200" b="0" strike="noStrike" spc="-1">
               <a:solidFill>
                 <a:srgbClr val="000000"/>
               </a:solidFill>
@@ -2544,11 +2769,12 @@
           </a:prstGeom>
         </p:spPr>
         <p:txBody>
-          <a:bodyPr lIns="0" rIns="0" tIns="0" bIns="0">
+          <a:bodyPr lIns="0" tIns="0" rIns="0" bIns="0">
             <a:normAutofit/>
           </a:bodyPr>
-          <a:p>
-            <a:endParaRPr b="0" lang="en-US" sz="3200" spc="-1" strike="noStrike">
+          <a:lstStyle/>
+          <a:p>
+            <a:endParaRPr lang="en-US" sz="3200" b="0" strike="noStrike" spc="-1">
               <a:solidFill>
                 <a:srgbClr val="000000"/>
               </a:solidFill>
@@ -2559,11 +2785,14 @@
       </p:sp>
     </p:spTree>
   </p:cSld>
+  <p:clrMapOvr>
+    <a:masterClrMapping/>
+  </p:clrMapOvr>
 </p:sldLayout>
 </file>
 
 <file path=ppt/slideLayouts/slideLayout8.xml><?xml version="1.0" encoding="utf-8"?>
-<p:sldLayout xmlns:a="http://schemas.openxmlformats.org/drawingml/2006/main" xmlns:p="http://schemas.openxmlformats.org/presentationml/2006/main" xmlns:r="http://schemas.openxmlformats.org/officeDocument/2006/relationships" xmlns:p14="http://schemas.microsoft.com/office/powerpoint/2010/main" xmlns:p15="http://schemas.microsoft.com/office/powerpoint/2012/main" xmlns:mc="http://schemas.openxmlformats.org/markup-compatibility/2006" type="objAndTwoObj" preserve="1">
+<p:sldLayout xmlns:a="http://schemas.openxmlformats.org/drawingml/2006/main" xmlns:r="http://schemas.openxmlformats.org/officeDocument/2006/relationships" xmlns:p="http://schemas.openxmlformats.org/presentationml/2006/main" type="objAndTwoObj" preserve="1">
   <p:cSld name="Title Content and 2 Content">
     <p:spTree>
       <p:nvGrpSpPr>
@@ -2599,9 +2828,10 @@
           </a:prstGeom>
         </p:spPr>
         <p:txBody>
-          <a:bodyPr lIns="0" rIns="0" tIns="0" bIns="0" anchor="ctr"/>
-          <a:p>
-            <a:endParaRPr b="0" lang="en-US" sz="1800" spc="-1" strike="noStrike">
+          <a:bodyPr lIns="0" tIns="0" rIns="0" bIns="0" anchor="ctr"/>
+          <a:lstStyle/>
+          <a:p>
+            <a:endParaRPr lang="en-US" sz="1800" b="0" strike="noStrike" spc="-1">
               <a:solidFill>
                 <a:srgbClr val="000000"/>
               </a:solidFill>
@@ -2630,11 +2860,12 @@
           </a:prstGeom>
         </p:spPr>
         <p:txBody>
-          <a:bodyPr lIns="0" rIns="0" tIns="0" bIns="0">
+          <a:bodyPr lIns="0" tIns="0" rIns="0" bIns="0">
             <a:normAutofit/>
           </a:bodyPr>
-          <a:p>
-            <a:endParaRPr b="0" lang="en-US" sz="3200" spc="-1" strike="noStrike">
+          <a:lstStyle/>
+          <a:p>
+            <a:endParaRPr lang="en-US" sz="3200" b="0" strike="noStrike" spc="-1">
               <a:solidFill>
                 <a:srgbClr val="000000"/>
               </a:solidFill>
@@ -2663,11 +2894,12 @@
           </a:prstGeom>
         </p:spPr>
         <p:txBody>
-          <a:bodyPr lIns="0" rIns="0" tIns="0" bIns="0">
+          <a:bodyPr lIns="0" tIns="0" rIns="0" bIns="0">
             <a:normAutofit/>
           </a:bodyPr>
-          <a:p>
-            <a:endParaRPr b="0" lang="en-US" sz="3200" spc="-1" strike="noStrike">
+          <a:lstStyle/>
+          <a:p>
+            <a:endParaRPr lang="en-US" sz="3200" b="0" strike="noStrike" spc="-1">
               <a:solidFill>
                 <a:srgbClr val="000000"/>
               </a:solidFill>
@@ -2696,11 +2928,12 @@
           </a:prstGeom>
         </p:spPr>
         <p:txBody>
-          <a:bodyPr lIns="0" rIns="0" tIns="0" bIns="0">
+          <a:bodyPr lIns="0" tIns="0" rIns="0" bIns="0">
             <a:normAutofit/>
           </a:bodyPr>
-          <a:p>
-            <a:endParaRPr b="0" lang="en-US" sz="3200" spc="-1" strike="noStrike">
+          <a:lstStyle/>
+          <a:p>
+            <a:endParaRPr lang="en-US" sz="3200" b="0" strike="noStrike" spc="-1">
               <a:solidFill>
                 <a:srgbClr val="000000"/>
               </a:solidFill>
@@ -2711,11 +2944,14 @@
       </p:sp>
     </p:spTree>
   </p:cSld>
+  <p:clrMapOvr>
+    <a:masterClrMapping/>
+  </p:clrMapOvr>
 </p:sldLayout>
 </file>
 
 <file path=ppt/slideLayouts/slideLayout9.xml><?xml version="1.0" encoding="utf-8"?>
-<p:sldLayout xmlns:a="http://schemas.openxmlformats.org/drawingml/2006/main" xmlns:p="http://schemas.openxmlformats.org/presentationml/2006/main" xmlns:r="http://schemas.openxmlformats.org/officeDocument/2006/relationships" xmlns:p14="http://schemas.microsoft.com/office/powerpoint/2010/main" xmlns:p15="http://schemas.microsoft.com/office/powerpoint/2012/main" xmlns:mc="http://schemas.openxmlformats.org/markup-compatibility/2006" type="twoObjOverTx" preserve="1">
+<p:sldLayout xmlns:a="http://schemas.openxmlformats.org/drawingml/2006/main" xmlns:r="http://schemas.openxmlformats.org/officeDocument/2006/relationships" xmlns:p="http://schemas.openxmlformats.org/presentationml/2006/main" type="twoObjOverTx" preserve="1">
   <p:cSld name="Title, 2 Content over Content">
     <p:spTree>
       <p:nvGrpSpPr>
@@ -2751,9 +2987,10 @@
           </a:prstGeom>
         </p:spPr>
         <p:txBody>
-          <a:bodyPr lIns="0" rIns="0" tIns="0" bIns="0" anchor="ctr"/>
-          <a:p>
-            <a:endParaRPr b="0" lang="en-US" sz="1800" spc="-1" strike="noStrike">
+          <a:bodyPr lIns="0" tIns="0" rIns="0" bIns="0" anchor="ctr"/>
+          <a:lstStyle/>
+          <a:p>
+            <a:endParaRPr lang="en-US" sz="1800" b="0" strike="noStrike" spc="-1">
               <a:solidFill>
                 <a:srgbClr val="000000"/>
               </a:solidFill>
@@ -2782,11 +3019,12 @@
           </a:prstGeom>
         </p:spPr>
         <p:txBody>
-          <a:bodyPr lIns="0" rIns="0" tIns="0" bIns="0">
+          <a:bodyPr lIns="0" tIns="0" rIns="0" bIns="0">
             <a:normAutofit/>
           </a:bodyPr>
-          <a:p>
-            <a:endParaRPr b="0" lang="en-US" sz="3200" spc="-1" strike="noStrike">
+          <a:lstStyle/>
+          <a:p>
+            <a:endParaRPr lang="en-US" sz="3200" b="0" strike="noStrike" spc="-1">
               <a:solidFill>
                 <a:srgbClr val="000000"/>
               </a:solidFill>
@@ -2815,11 +3053,12 @@
           </a:prstGeom>
         </p:spPr>
         <p:txBody>
-          <a:bodyPr lIns="0" rIns="0" tIns="0" bIns="0">
+          <a:bodyPr lIns="0" tIns="0" rIns="0" bIns="0">
             <a:normAutofit/>
           </a:bodyPr>
-          <a:p>
-            <a:endParaRPr b="0" lang="en-US" sz="3200" spc="-1" strike="noStrike">
+          <a:lstStyle/>
+          <a:p>
+            <a:endParaRPr lang="en-US" sz="3200" b="0" strike="noStrike" spc="-1">
               <a:solidFill>
                 <a:srgbClr val="000000"/>
               </a:solidFill>
@@ -2848,11 +3087,12 @@
           </a:prstGeom>
         </p:spPr>
         <p:txBody>
-          <a:bodyPr lIns="0" rIns="0" tIns="0" bIns="0">
+          <a:bodyPr lIns="0" tIns="0" rIns="0" bIns="0">
             <a:normAutofit/>
           </a:bodyPr>
-          <a:p>
-            <a:endParaRPr b="0" lang="en-US" sz="3200" spc="-1" strike="noStrike">
+          <a:lstStyle/>
+          <a:p>
+            <a:endParaRPr lang="en-US" sz="3200" b="0" strike="noStrike" spc="-1">
               <a:solidFill>
                 <a:srgbClr val="000000"/>
               </a:solidFill>
@@ -2863,17 +3103,21 @@
       </p:sp>
     </p:spTree>
   </p:cSld>
+  <p:clrMapOvr>
+    <a:masterClrMapping/>
+  </p:clrMapOvr>
 </p:sldLayout>
 </file>
 
 <file path=ppt/slideMasters/slideMaster1.xml><?xml version="1.0" encoding="utf-8"?>
-<p:sldMaster xmlns:a="http://schemas.openxmlformats.org/drawingml/2006/main" xmlns:p="http://schemas.openxmlformats.org/presentationml/2006/main" xmlns:r="http://schemas.openxmlformats.org/officeDocument/2006/relationships" xmlns:p14="http://schemas.microsoft.com/office/powerpoint/2010/main" xmlns:p15="http://schemas.microsoft.com/office/powerpoint/2012/main" xmlns:mc="http://schemas.openxmlformats.org/markup-compatibility/2006">
+<p:sldMaster xmlns:a="http://schemas.openxmlformats.org/drawingml/2006/main" xmlns:r="http://schemas.openxmlformats.org/officeDocument/2006/relationships" xmlns:p="http://schemas.openxmlformats.org/presentationml/2006/main">
   <p:cSld>
     <p:bg>
       <p:bgPr>
         <a:solidFill>
-          <a:srgbClr val="ffffff"/>
+          <a:srgbClr val="FFFFFF"/>
         </a:solidFill>
+        <a:effectLst/>
       </p:bgPr>
     </p:bg>
     <p:spTree>
@@ -2892,7 +3136,7 @@
       </p:grpSpPr>
       <p:sp>
         <p:nvSpPr>
-          <p:cNvPr id="0" name="PlaceHolder 1"/>
+          <p:cNvPr id="5" name="PlaceHolder 1"/>
           <p:cNvSpPr>
             <a:spLocks noGrp="1"/>
           </p:cNvSpPr>
@@ -2911,6 +3155,7 @@
         </p:spPr>
         <p:txBody>
           <a:bodyPr anchor="ctr"/>
+          <a:lstStyle/>
           <a:p>
             <a:pPr algn="ctr">
               <a:lnSpc>
@@ -2918,7 +3163,7 @@
               </a:lnSpc>
             </a:pPr>
             <a:r>
-              <a:rPr b="0" lang="en-US" sz="4400" spc="-1" strike="noStrike">
+              <a:rPr lang="en-US" sz="4400" b="0" strike="noStrike" spc="-1">
                 <a:solidFill>
                   <a:srgbClr val="000000"/>
                 </a:solidFill>
@@ -2926,18 +3171,12 @@
               </a:rPr>
               <a:t>Click to edit Master title style</a:t>
             </a:r>
-            <a:endParaRPr b="0" lang="en-US" sz="4400" spc="-1" strike="noStrike">
-              <a:solidFill>
-                <a:srgbClr val="000000"/>
-              </a:solidFill>
-              <a:latin typeface="Calibri"/>
-            </a:endParaRPr>
-          </a:p>
-        </p:txBody>
-      </p:sp>
-      <p:sp>
-        <p:nvSpPr>
-          <p:cNvPr id="1" name="PlaceHolder 2"/>
+          </a:p>
+        </p:txBody>
+      </p:sp>
+      <p:sp>
+        <p:nvSpPr>
+          <p:cNvPr id="6" name="PlaceHolder 2"/>
           <p:cNvSpPr>
             <a:spLocks noGrp="1"/>
           </p:cNvSpPr>
@@ -2956,6 +3195,7 @@
         </p:spPr>
         <p:txBody>
           <a:bodyPr anchor="ctr"/>
+          <a:lstStyle/>
           <a:p>
             <a:pPr>
               <a:lnSpc>
@@ -2963,15 +3203,15 @@
               </a:lnSpc>
             </a:pPr>
             <a:fld id="{FED69901-A53E-4057-BA56-3AA8B4AE204F}" type="datetime">
-              <a:rPr b="0" lang="en-US" sz="1200" spc="-1" strike="noStrike">
+              <a:rPr lang="en-US" sz="1200" b="0" strike="noStrike" spc="-1">
                 <a:solidFill>
-                  <a:srgbClr val="8b8b8b"/>
+                  <a:srgbClr val="8B8B8B"/>
                 </a:solidFill>
                 <a:latin typeface="Calibri"/>
               </a:rPr>
-              <a:t>4/8/19</a:t>
+              <a:t>4/8/2019</a:t>
             </a:fld>
-            <a:endParaRPr b="0" lang="en-US" sz="1200" spc="-1" strike="noStrike">
+            <a:endParaRPr lang="en-US" sz="1200" b="0" strike="noStrike" spc="-1">
               <a:latin typeface="Times New Roman"/>
             </a:endParaRPr>
           </a:p>
@@ -2998,8 +3238,9 @@
         </p:spPr>
         <p:txBody>
           <a:bodyPr anchor="ctr"/>
-          <a:p>
-            <a:endParaRPr b="0" lang="en-US" sz="2400" spc="-1" strike="noStrike">
+          <a:lstStyle/>
+          <a:p>
+            <a:endParaRPr lang="en-US" sz="2400" b="0" strike="noStrike" spc="-1">
               <a:latin typeface="Times New Roman"/>
             </a:endParaRPr>
           </a:p>
@@ -3026,6 +3267,7 @@
         </p:spPr>
         <p:txBody>
           <a:bodyPr anchor="ctr"/>
+          <a:lstStyle/>
           <a:p>
             <a:pPr algn="r">
               <a:lnSpc>
@@ -3033,15 +3275,15 @@
               </a:lnSpc>
             </a:pPr>
             <a:fld id="{EA8D463C-6B0B-4500-98BB-B38C69F22814}" type="slidenum">
-              <a:rPr b="0" lang="en-US" sz="1200" spc="-1" strike="noStrike">
+              <a:rPr lang="en-US" sz="1200" b="0" strike="noStrike" spc="-1">
                 <a:solidFill>
-                  <a:srgbClr val="8b8b8b"/>
+                  <a:srgbClr val="8B8B8B"/>
                 </a:solidFill>
                 <a:latin typeface="Calibri"/>
               </a:rPr>
-              <a:t>&lt;number&gt;</a:t>
+              <a:t>‹#›</a:t>
             </a:fld>
-            <a:endParaRPr b="0" lang="en-US" sz="1200" spc="-1" strike="noStrike">
+            <a:endParaRPr lang="en-US" sz="1200" b="0" strike="noStrike" spc="-1">
               <a:latin typeface="Times New Roman"/>
             </a:endParaRPr>
           </a:p>
@@ -3067,9 +3309,10 @@
           </a:prstGeom>
         </p:spPr>
         <p:txBody>
-          <a:bodyPr lIns="0" rIns="0" tIns="0" bIns="0">
+          <a:bodyPr lIns="0" tIns="0" rIns="0" bIns="0">
             <a:normAutofit/>
           </a:bodyPr>
+          <a:lstStyle/>
           <a:p>
             <a:pPr marL="432000" indent="-324000">
               <a:spcBef>
@@ -3083,7 +3326,7 @@
               <a:buChar char=""/>
             </a:pPr>
             <a:r>
-              <a:rPr b="0" lang="en-US" sz="3200" spc="-1" strike="noStrike">
+              <a:rPr lang="en-US" sz="3200" b="0" strike="noStrike" spc="-1">
                 <a:solidFill>
                   <a:srgbClr val="000000"/>
                 </a:solidFill>
@@ -3091,15 +3334,9 @@
               </a:rPr>
               <a:t>Click to edit the outline text format</a:t>
             </a:r>
-            <a:endParaRPr b="0" lang="en-US" sz="3200" spc="-1" strike="noStrike">
-              <a:solidFill>
-                <a:srgbClr val="000000"/>
-              </a:solidFill>
-              <a:latin typeface="Calibri"/>
-            </a:endParaRPr>
-          </a:p>
-          <a:p>
-            <a:pPr lvl="1" marL="864000" indent="-324000">
+          </a:p>
+          <a:p>
+            <a:pPr marL="864000" lvl="1" indent="-324000">
               <a:spcBef>
                 <a:spcPts val="1134"/>
               </a:spcBef>
@@ -3111,7 +3348,7 @@
               <a:buChar char=""/>
             </a:pPr>
             <a:r>
-              <a:rPr b="0" lang="en-US" sz="2400" spc="-1" strike="noStrike">
+              <a:rPr lang="en-US" sz="2400" b="0" strike="noStrike" spc="-1">
                 <a:solidFill>
                   <a:srgbClr val="000000"/>
                 </a:solidFill>
@@ -3119,15 +3356,9 @@
               </a:rPr>
               <a:t>Second Outline Level</a:t>
             </a:r>
-            <a:endParaRPr b="0" lang="en-US" sz="2400" spc="-1" strike="noStrike">
-              <a:solidFill>
-                <a:srgbClr val="000000"/>
-              </a:solidFill>
-              <a:latin typeface="Calibri"/>
-            </a:endParaRPr>
-          </a:p>
-          <a:p>
-            <a:pPr lvl="2" marL="1296000" indent="-288000">
+          </a:p>
+          <a:p>
+            <a:pPr marL="1296000" lvl="2" indent="-288000">
               <a:spcBef>
                 <a:spcPts val="850"/>
               </a:spcBef>
@@ -3139,7 +3370,7 @@
               <a:buChar char=""/>
             </a:pPr>
             <a:r>
-              <a:rPr b="0" lang="en-US" sz="2000" spc="-1" strike="noStrike">
+              <a:rPr lang="en-US" sz="2000" b="0" strike="noStrike" spc="-1">
                 <a:solidFill>
                   <a:srgbClr val="000000"/>
                 </a:solidFill>
@@ -3147,15 +3378,9 @@
               </a:rPr>
               <a:t>Third Outline Level</a:t>
             </a:r>
-            <a:endParaRPr b="0" lang="en-US" sz="2000" spc="-1" strike="noStrike">
-              <a:solidFill>
-                <a:srgbClr val="000000"/>
-              </a:solidFill>
-              <a:latin typeface="Calibri"/>
-            </a:endParaRPr>
-          </a:p>
-          <a:p>
-            <a:pPr lvl="3" marL="1728000" indent="-216000">
+          </a:p>
+          <a:p>
+            <a:pPr marL="1728000" lvl="3" indent="-216000">
               <a:spcBef>
                 <a:spcPts val="567"/>
               </a:spcBef>
@@ -3167,7 +3392,7 @@
               <a:buChar char=""/>
             </a:pPr>
             <a:r>
-              <a:rPr b="0" lang="en-US" sz="2000" spc="-1" strike="noStrike">
+              <a:rPr lang="en-US" sz="2000" b="0" strike="noStrike" spc="-1">
                 <a:solidFill>
                   <a:srgbClr val="000000"/>
                 </a:solidFill>
@@ -3175,15 +3400,9 @@
               </a:rPr>
               <a:t>Fourth Outline Level</a:t>
             </a:r>
-            <a:endParaRPr b="0" lang="en-US" sz="2000" spc="-1" strike="noStrike">
-              <a:solidFill>
-                <a:srgbClr val="000000"/>
-              </a:solidFill>
-              <a:latin typeface="Calibri"/>
-            </a:endParaRPr>
-          </a:p>
-          <a:p>
-            <a:pPr lvl="4" marL="2160000" indent="-216000">
+          </a:p>
+          <a:p>
+            <a:pPr marL="2160000" lvl="4" indent="-216000">
               <a:spcBef>
                 <a:spcPts val="283"/>
               </a:spcBef>
@@ -3195,7 +3414,7 @@
               <a:buChar char=""/>
             </a:pPr>
             <a:r>
-              <a:rPr b="0" lang="en-US" sz="2000" spc="-1" strike="noStrike">
+              <a:rPr lang="en-US" sz="2000" b="0" strike="noStrike" spc="-1">
                 <a:solidFill>
                   <a:srgbClr val="000000"/>
                 </a:solidFill>
@@ -3203,15 +3422,9 @@
               </a:rPr>
               <a:t>Fifth Outline Level</a:t>
             </a:r>
-            <a:endParaRPr b="0" lang="en-US" sz="2000" spc="-1" strike="noStrike">
-              <a:solidFill>
-                <a:srgbClr val="000000"/>
-              </a:solidFill>
-              <a:latin typeface="Calibri"/>
-            </a:endParaRPr>
-          </a:p>
-          <a:p>
-            <a:pPr lvl="5" marL="2592000" indent="-216000">
+          </a:p>
+          <a:p>
+            <a:pPr marL="2592000" lvl="5" indent="-216000">
               <a:spcBef>
                 <a:spcPts val="283"/>
               </a:spcBef>
@@ -3223,7 +3436,7 @@
               <a:buChar char=""/>
             </a:pPr>
             <a:r>
-              <a:rPr b="0" lang="en-US" sz="2000" spc="-1" strike="noStrike">
+              <a:rPr lang="en-US" sz="2000" b="0" strike="noStrike" spc="-1">
                 <a:solidFill>
                   <a:srgbClr val="000000"/>
                 </a:solidFill>
@@ -3231,15 +3444,9 @@
               </a:rPr>
               <a:t>Sixth Outline Level</a:t>
             </a:r>
-            <a:endParaRPr b="0" lang="en-US" sz="2000" spc="-1" strike="noStrike">
-              <a:solidFill>
-                <a:srgbClr val="000000"/>
-              </a:solidFill>
-              <a:latin typeface="Calibri"/>
-            </a:endParaRPr>
-          </a:p>
-          <a:p>
-            <a:pPr lvl="6" marL="3024000" indent="-216000">
+          </a:p>
+          <a:p>
+            <a:pPr marL="3024000" lvl="6" indent="-216000">
               <a:spcBef>
                 <a:spcPts val="283"/>
               </a:spcBef>
@@ -3251,7 +3458,7 @@
               <a:buChar char=""/>
             </a:pPr>
             <a:r>
-              <a:rPr b="0" lang="en-US" sz="2000" spc="-1" strike="noStrike">
+              <a:rPr lang="en-US" sz="2000" b="0" strike="noStrike" spc="-1">
                 <a:solidFill>
                   <a:srgbClr val="000000"/>
                 </a:solidFill>
@@ -3259,43 +3466,43 @@
               </a:rPr>
               <a:t>Seventh Outline Level</a:t>
             </a:r>
-            <a:endParaRPr b="0" lang="en-US" sz="2000" spc="-1" strike="noStrike">
-              <a:solidFill>
-                <a:srgbClr val="000000"/>
-              </a:solidFill>
-              <a:latin typeface="Calibri"/>
-            </a:endParaRPr>
           </a:p>
         </p:txBody>
       </p:sp>
     </p:spTree>
   </p:cSld>
-  <p:clrMap bg1="lt1" bg2="lt2" tx1="dk1" tx2="dk2" accent1="accent1" accent2="accent2" accent3="accent3" accent4="accent4" accent5="accent5" accent6="accent6" hlink="hlink" folHlink="folHlink"/>
+  <p:clrMap bg1="lt1" tx1="dk1" bg2="lt2" tx2="dk2" accent1="accent1" accent2="accent2" accent3="accent3" accent4="accent4" accent5="accent5" accent6="accent6" hlink="hlink" folHlink="folHlink"/>
   <p:sldLayoutIdLst>
-    <p:sldLayoutId id="2147483649" r:id="rId2"/>
-    <p:sldLayoutId id="2147483650" r:id="rId3"/>
-    <p:sldLayoutId id="2147483651" r:id="rId4"/>
-    <p:sldLayoutId id="2147483652" r:id="rId5"/>
-    <p:sldLayoutId id="2147483653" r:id="rId6"/>
-    <p:sldLayoutId id="2147483654" r:id="rId7"/>
-    <p:sldLayoutId id="2147483655" r:id="rId8"/>
-    <p:sldLayoutId id="2147483656" r:id="rId9"/>
-    <p:sldLayoutId id="2147483657" r:id="rId10"/>
-    <p:sldLayoutId id="2147483658" r:id="rId11"/>
-    <p:sldLayoutId id="2147483659" r:id="rId12"/>
-    <p:sldLayoutId id="2147483660" r:id="rId13"/>
+    <p:sldLayoutId id="2147483649" r:id="rId1"/>
+    <p:sldLayoutId id="2147483650" r:id="rId2"/>
+    <p:sldLayoutId id="2147483651" r:id="rId3"/>
+    <p:sldLayoutId id="2147483652" r:id="rId4"/>
+    <p:sldLayoutId id="2147483653" r:id="rId5"/>
+    <p:sldLayoutId id="2147483654" r:id="rId6"/>
+    <p:sldLayoutId id="2147483655" r:id="rId7"/>
+    <p:sldLayoutId id="2147483656" r:id="rId8"/>
+    <p:sldLayoutId id="2147483657" r:id="rId9"/>
+    <p:sldLayoutId id="2147483658" r:id="rId10"/>
+    <p:sldLayoutId id="2147483659" r:id="rId11"/>
+    <p:sldLayoutId id="2147483660" r:id="rId12"/>
   </p:sldLayoutIdLst>
+  <p:txStyles>
+    <p:titleStyle/>
+    <p:bodyStyle/>
+    <p:otherStyle/>
+  </p:txStyles>
 </p:sldMaster>
 </file>
 
 <file path=ppt/slideMasters/slideMaster2.xml><?xml version="1.0" encoding="utf-8"?>
-<p:sldMaster xmlns:a="http://schemas.openxmlformats.org/drawingml/2006/main" xmlns:p="http://schemas.openxmlformats.org/presentationml/2006/main" xmlns:r="http://schemas.openxmlformats.org/officeDocument/2006/relationships" xmlns:p14="http://schemas.microsoft.com/office/powerpoint/2010/main" xmlns:p15="http://schemas.microsoft.com/office/powerpoint/2012/main" xmlns:mc="http://schemas.openxmlformats.org/markup-compatibility/2006">
+<p:sldMaster xmlns:a="http://schemas.openxmlformats.org/drawingml/2006/main" xmlns:r="http://schemas.openxmlformats.org/officeDocument/2006/relationships" xmlns:p="http://schemas.openxmlformats.org/presentationml/2006/main">
   <p:cSld>
     <p:bg>
       <p:bgPr>
         <a:solidFill>
-          <a:srgbClr val="ffffff"/>
+          <a:srgbClr val="FFFFFF"/>
         </a:solidFill>
+        <a:effectLst/>
       </p:bgPr>
     </p:bg>
     <p:spTree>
@@ -3333,6 +3540,7 @@
         </p:spPr>
         <p:txBody>
           <a:bodyPr anchor="ctr"/>
+          <a:lstStyle/>
           <a:p>
             <a:pPr algn="ctr">
               <a:lnSpc>
@@ -3340,7 +3548,7 @@
               </a:lnSpc>
             </a:pPr>
             <a:r>
-              <a:rPr b="0" lang="en-US" sz="4400" spc="-1" strike="noStrike">
+              <a:rPr lang="en-US" sz="4400" b="0" strike="noStrike" spc="-1">
                 <a:solidFill>
                   <a:srgbClr val="000000"/>
                 </a:solidFill>
@@ -3348,12 +3556,6 @@
               </a:rPr>
               <a:t>Click to edit Master title style</a:t>
             </a:r>
-            <a:endParaRPr b="0" lang="en-US" sz="4400" spc="-1" strike="noStrike">
-              <a:solidFill>
-                <a:srgbClr val="000000"/>
-              </a:solidFill>
-              <a:latin typeface="Calibri"/>
-            </a:endParaRPr>
           </a:p>
         </p:txBody>
       </p:sp>
@@ -3378,6 +3580,7 @@
         </p:spPr>
         <p:txBody>
           <a:bodyPr/>
+          <a:lstStyle/>
           <a:p>
             <a:pPr marL="343080" indent="-342720">
               <a:lnSpc>
@@ -3393,7 +3596,7 @@
               <a:buChar char="•"/>
             </a:pPr>
             <a:r>
-              <a:rPr b="0" lang="en-US" sz="3200" spc="-1" strike="noStrike">
+              <a:rPr lang="en-US" sz="3200" b="0" strike="noStrike" spc="-1">
                 <a:solidFill>
                   <a:srgbClr val="000000"/>
                 </a:solidFill>
@@ -3401,15 +3604,9 @@
               </a:rPr>
               <a:t>Click to edit Master text styles</a:t>
             </a:r>
-            <a:endParaRPr b="0" lang="en-US" sz="3200" spc="-1" strike="noStrike">
-              <a:solidFill>
-                <a:srgbClr val="000000"/>
-              </a:solidFill>
-              <a:latin typeface="Calibri"/>
-            </a:endParaRPr>
-          </a:p>
-          <a:p>
-            <a:pPr lvl="1" marL="743040" indent="-285480">
+          </a:p>
+          <a:p>
+            <a:pPr marL="743040" lvl="1" indent="-285480">
               <a:lnSpc>
                 <a:spcPct val="100000"/>
               </a:lnSpc>
@@ -3423,7 +3620,7 @@
               <a:buChar char="–"/>
             </a:pPr>
             <a:r>
-              <a:rPr b="0" lang="en-US" sz="2800" spc="-1" strike="noStrike">
+              <a:rPr lang="en-US" sz="2800" b="0" strike="noStrike" spc="-1">
                 <a:solidFill>
                   <a:srgbClr val="000000"/>
                 </a:solidFill>
@@ -3431,15 +3628,9 @@
               </a:rPr>
               <a:t>Second level</a:t>
             </a:r>
-            <a:endParaRPr b="0" lang="en-US" sz="2800" spc="-1" strike="noStrike">
-              <a:solidFill>
-                <a:srgbClr val="000000"/>
-              </a:solidFill>
-              <a:latin typeface="Calibri"/>
-            </a:endParaRPr>
-          </a:p>
-          <a:p>
-            <a:pPr lvl="2" marL="1143000" indent="-228240">
+          </a:p>
+          <a:p>
+            <a:pPr marL="1143000" lvl="2" indent="-228240">
               <a:lnSpc>
                 <a:spcPct val="100000"/>
               </a:lnSpc>
@@ -3453,7 +3644,7 @@
               <a:buChar char="•"/>
             </a:pPr>
             <a:r>
-              <a:rPr b="0" lang="en-US" sz="2400" spc="-1" strike="noStrike">
+              <a:rPr lang="en-US" sz="2400" b="0" strike="noStrike" spc="-1">
                 <a:solidFill>
                   <a:srgbClr val="000000"/>
                 </a:solidFill>
@@ -3461,15 +3652,9 @@
               </a:rPr>
               <a:t>Third level</a:t>
             </a:r>
-            <a:endParaRPr b="0" lang="en-US" sz="2400" spc="-1" strike="noStrike">
-              <a:solidFill>
-                <a:srgbClr val="000000"/>
-              </a:solidFill>
-              <a:latin typeface="Calibri"/>
-            </a:endParaRPr>
-          </a:p>
-          <a:p>
-            <a:pPr lvl="3" marL="1600200" indent="-228240">
+          </a:p>
+          <a:p>
+            <a:pPr marL="1600200" lvl="3" indent="-228240">
               <a:lnSpc>
                 <a:spcPct val="100000"/>
               </a:lnSpc>
@@ -3483,7 +3668,7 @@
               <a:buChar char="–"/>
             </a:pPr>
             <a:r>
-              <a:rPr b="0" lang="en-US" sz="2000" spc="-1" strike="noStrike">
+              <a:rPr lang="en-US" sz="2000" b="0" strike="noStrike" spc="-1">
                 <a:solidFill>
                   <a:srgbClr val="000000"/>
                 </a:solidFill>
@@ -3491,15 +3676,9 @@
               </a:rPr>
               <a:t>Fourth level</a:t>
             </a:r>
-            <a:endParaRPr b="0" lang="en-US" sz="2000" spc="-1" strike="noStrike">
-              <a:solidFill>
-                <a:srgbClr val="000000"/>
-              </a:solidFill>
-              <a:latin typeface="Calibri"/>
-            </a:endParaRPr>
-          </a:p>
-          <a:p>
-            <a:pPr lvl="4" marL="2057400" indent="-228240">
+          </a:p>
+          <a:p>
+            <a:pPr marL="2057400" lvl="4" indent="-228240">
               <a:lnSpc>
                 <a:spcPct val="100000"/>
               </a:lnSpc>
@@ -3513,7 +3692,7 @@
               <a:buChar char="»"/>
             </a:pPr>
             <a:r>
-              <a:rPr b="0" lang="en-US" sz="2000" spc="-1" strike="noStrike">
+              <a:rPr lang="en-US" sz="2000" b="0" strike="noStrike" spc="-1">
                 <a:solidFill>
                   <a:srgbClr val="000000"/>
                 </a:solidFill>
@@ -3521,12 +3700,6 @@
               </a:rPr>
               <a:t>Fifth level</a:t>
             </a:r>
-            <a:endParaRPr b="0" lang="en-US" sz="2000" spc="-1" strike="noStrike">
-              <a:solidFill>
-                <a:srgbClr val="000000"/>
-              </a:solidFill>
-              <a:latin typeface="Calibri"/>
-            </a:endParaRPr>
           </a:p>
         </p:txBody>
       </p:sp>
@@ -3551,6 +3724,7 @@
         </p:spPr>
         <p:txBody>
           <a:bodyPr anchor="ctr"/>
+          <a:lstStyle/>
           <a:p>
             <a:pPr>
               <a:lnSpc>
@@ -3558,15 +3732,15 @@
               </a:lnSpc>
             </a:pPr>
             <a:fld id="{627F4F58-01BA-484B-BD8A-6F1838CD432B}" type="datetime">
-              <a:rPr b="0" lang="en-US" sz="1200" spc="-1" strike="noStrike">
+              <a:rPr lang="en-US" sz="1200" b="0" strike="noStrike" spc="-1">
                 <a:solidFill>
-                  <a:srgbClr val="8b8b8b"/>
+                  <a:srgbClr val="8B8B8B"/>
                 </a:solidFill>
                 <a:latin typeface="Calibri"/>
               </a:rPr>
-              <a:t>4/8/19</a:t>
+              <a:t>4/8/2019</a:t>
             </a:fld>
-            <a:endParaRPr b="0" lang="en-US" sz="1200" spc="-1" strike="noStrike">
+            <a:endParaRPr lang="en-US" sz="1200" b="0" strike="noStrike" spc="-1">
               <a:latin typeface="Times New Roman"/>
             </a:endParaRPr>
           </a:p>
@@ -3593,8 +3767,9 @@
         </p:spPr>
         <p:txBody>
           <a:bodyPr anchor="ctr"/>
-          <a:p>
-            <a:endParaRPr b="0" lang="en-US" sz="2400" spc="-1" strike="noStrike">
+          <a:lstStyle/>
+          <a:p>
+            <a:endParaRPr lang="en-US" sz="2400" b="0" strike="noStrike" spc="-1">
               <a:latin typeface="Times New Roman"/>
             </a:endParaRPr>
           </a:p>
@@ -3621,6 +3796,7 @@
         </p:spPr>
         <p:txBody>
           <a:bodyPr anchor="ctr"/>
+          <a:lstStyle/>
           <a:p>
             <a:pPr algn="r">
               <a:lnSpc>
@@ -3628,15 +3804,15 @@
               </a:lnSpc>
             </a:pPr>
             <a:fld id="{D5E9640B-5C1B-49AA-BB2D-B5985434450D}" type="slidenum">
-              <a:rPr b="0" lang="en-US" sz="1200" spc="-1" strike="noStrike">
+              <a:rPr lang="en-US" sz="1200" b="0" strike="noStrike" spc="-1">
                 <a:solidFill>
-                  <a:srgbClr val="8b8b8b"/>
+                  <a:srgbClr val="8B8B8B"/>
                 </a:solidFill>
                 <a:latin typeface="Calibri"/>
               </a:rPr>
-              <a:t>1</a:t>
+              <a:t>‹#›</a:t>
             </a:fld>
-            <a:endParaRPr b="0" lang="en-US" sz="1200" spc="-1" strike="noStrike">
+            <a:endParaRPr lang="en-US" sz="1200" b="0" strike="noStrike" spc="-1">
               <a:latin typeface="Times New Roman"/>
             </a:endParaRPr>
           </a:p>
@@ -3644,26 +3820,31 @@
       </p:sp>
     </p:spTree>
   </p:cSld>
-  <p:clrMap bg1="lt1" bg2="lt2" tx1="dk1" tx2="dk2" accent1="accent1" accent2="accent2" accent3="accent3" accent4="accent4" accent5="accent5" accent6="accent6" hlink="hlink" folHlink="folHlink"/>
+  <p:clrMap bg1="lt1" tx1="dk1" bg2="lt2" tx2="dk2" accent1="accent1" accent2="accent2" accent3="accent3" accent4="accent4" accent5="accent5" accent6="accent6" hlink="hlink" folHlink="folHlink"/>
   <p:sldLayoutIdLst>
-    <p:sldLayoutId id="2147483662" r:id="rId2"/>
-    <p:sldLayoutId id="2147483663" r:id="rId3"/>
-    <p:sldLayoutId id="2147483664" r:id="rId4"/>
-    <p:sldLayoutId id="2147483665" r:id="rId5"/>
-    <p:sldLayoutId id="2147483666" r:id="rId6"/>
-    <p:sldLayoutId id="2147483667" r:id="rId7"/>
-    <p:sldLayoutId id="2147483668" r:id="rId8"/>
-    <p:sldLayoutId id="2147483669" r:id="rId9"/>
-    <p:sldLayoutId id="2147483670" r:id="rId10"/>
-    <p:sldLayoutId id="2147483671" r:id="rId11"/>
-    <p:sldLayoutId id="2147483672" r:id="rId12"/>
-    <p:sldLayoutId id="2147483673" r:id="rId13"/>
+    <p:sldLayoutId id="2147483662" r:id="rId1"/>
+    <p:sldLayoutId id="2147483663" r:id="rId2"/>
+    <p:sldLayoutId id="2147483664" r:id="rId3"/>
+    <p:sldLayoutId id="2147483665" r:id="rId4"/>
+    <p:sldLayoutId id="2147483666" r:id="rId5"/>
+    <p:sldLayoutId id="2147483667" r:id="rId6"/>
+    <p:sldLayoutId id="2147483668" r:id="rId7"/>
+    <p:sldLayoutId id="2147483669" r:id="rId8"/>
+    <p:sldLayoutId id="2147483670" r:id="rId9"/>
+    <p:sldLayoutId id="2147483671" r:id="rId10"/>
+    <p:sldLayoutId id="2147483672" r:id="rId11"/>
+    <p:sldLayoutId id="2147483673" r:id="rId12"/>
   </p:sldLayoutIdLst>
+  <p:txStyles>
+    <p:titleStyle/>
+    <p:bodyStyle/>
+    <p:otherStyle/>
+  </p:txStyles>
 </p:sldMaster>
 </file>
 
 <file path=ppt/slides/slide1.xml><?xml version="1.0" encoding="utf-8"?>
-<p:sld xmlns:a="http://schemas.openxmlformats.org/drawingml/2006/main" xmlns:p="http://schemas.openxmlformats.org/presentationml/2006/main" xmlns:r="http://schemas.openxmlformats.org/officeDocument/2006/relationships" xmlns:p14="http://schemas.microsoft.com/office/powerpoint/2010/main" xmlns:p15="http://schemas.microsoft.com/office/powerpoint/2012/main" xmlns:mc="http://schemas.openxmlformats.org/markup-compatibility/2006">
+<p:sld xmlns:a="http://schemas.openxmlformats.org/drawingml/2006/main" xmlns:r="http://schemas.openxmlformats.org/officeDocument/2006/relationships" xmlns:p="http://schemas.openxmlformats.org/presentationml/2006/main">
   <p:cSld>
     <p:spTree>
       <p:nvGrpSpPr>
@@ -3700,6 +3881,7 @@
         </p:spPr>
         <p:txBody>
           <a:bodyPr anchor="ctr"/>
+          <a:lstStyle/>
           <a:p>
             <a:pPr algn="ctr">
               <a:lnSpc>
@@ -3707,7 +3889,7 @@
               </a:lnSpc>
             </a:pPr>
             <a:r>
-              <a:rPr b="0" lang="en-US" sz="4400" spc="-1" strike="noStrike">
+              <a:rPr lang="en-US" sz="4400" b="0" strike="noStrike" spc="-1">
                 <a:solidFill>
                   <a:srgbClr val="000000"/>
                 </a:solidFill>
@@ -3715,12 +3897,6 @@
               </a:rPr>
               <a:t>数据结构与算法</a:t>
             </a:r>
-            <a:endParaRPr b="0" lang="en-US" sz="4400" spc="-1" strike="noStrike">
-              <a:solidFill>
-                <a:srgbClr val="000000"/>
-              </a:solidFill>
-              <a:latin typeface="Calibri"/>
-            </a:endParaRPr>
           </a:p>
         </p:txBody>
       </p:sp>
@@ -3745,9 +3921,10 @@
         </p:spPr>
         <p:txBody>
           <a:bodyPr/>
+          <a:lstStyle/>
           <a:p>
             <a:pPr algn="ctr"/>
-            <a:endParaRPr b="0" lang="en-US" sz="3200" spc="-1" strike="noStrike">
+            <a:endParaRPr lang="en-US" sz="3200" b="0" strike="noStrike" spc="-1">
               <a:latin typeface="Arial"/>
             </a:endParaRPr>
           </a:p>
@@ -3821,7 +3998,8 @@
           <a:fontRef idx="minor"/>
         </p:style>
         <p:txBody>
-          <a:bodyPr lIns="0" rIns="0" tIns="0" bIns="0" anchor="ctr"/>
+          <a:bodyPr lIns="0" tIns="0" rIns="0" bIns="0" anchor="ctr"/>
+          <a:lstStyle/>
           <a:p>
             <a:pPr algn="ctr">
               <a:lnSpc>
@@ -3829,7 +4007,7 @@
               </a:lnSpc>
             </a:pPr>
             <a:r>
-              <a:rPr b="0" lang="en-US" sz="1000" spc="-1" strike="noStrike">
+              <a:rPr lang="en-US" sz="1000" b="0" strike="noStrike" spc="-1">
                 <a:solidFill>
                   <a:srgbClr val="000000"/>
                 </a:solidFill>
@@ -3837,7 +4015,7 @@
               </a:rPr>
               <a:t>Unrestricted</a:t>
             </a:r>
-            <a:endParaRPr b="0" lang="en-US" sz="1000" spc="-1" strike="noStrike">
+            <a:endParaRPr lang="en-US" sz="1000" b="0" strike="noStrike" spc="-1">
               <a:latin typeface="Arial"/>
             </a:endParaRPr>
           </a:p>
@@ -3845,6 +4023,9 @@
       </p:sp>
     </p:spTree>
   </p:cSld>
+  <p:clrMapOvr>
+    <a:masterClrMapping/>
+  </p:clrMapOvr>
   <p:timing>
     <p:tnLst>
       <p:par>
@@ -3853,14 +4034,14 @@
             <p:seq>
               <p:cTn id="2" dur="indefinite" nodeType="mainSeq"/>
               <p:prevCondLst>
-                <p:cond delay="0" evt="onPrev">
+                <p:cond evt="onPrev" delay="0">
                   <p:tgtEl>
                     <p:sldTgt/>
                   </p:tgtEl>
                 </p:cond>
               </p:prevCondLst>
               <p:nextCondLst>
-                <p:cond delay="0" evt="onNext">
+                <p:cond evt="onNext" delay="0">
                   <p:tgtEl>
                     <p:sldTgt/>
                   </p:tgtEl>
@@ -3875,8 +4056,120 @@
 </p:sld>
 </file>
 
+<file path=ppt/slides/slide10.xml><?xml version="1.0" encoding="utf-8"?>
+<p:sld xmlns:a="http://schemas.openxmlformats.org/drawingml/2006/main" xmlns:r="http://schemas.openxmlformats.org/officeDocument/2006/relationships" xmlns:p="http://schemas.openxmlformats.org/presentationml/2006/main">
+  <p:cSld>
+    <p:spTree>
+      <p:nvGrpSpPr>
+        <p:cNvPr id="1" name=""/>
+        <p:cNvGrpSpPr/>
+        <p:nvPr/>
+      </p:nvGrpSpPr>
+      <p:grpSpPr>
+        <a:xfrm>
+          <a:off x="0" y="0"/>
+          <a:ext cx="0" cy="0"/>
+          <a:chOff x="0" y="0"/>
+          <a:chExt cx="0" cy="0"/>
+        </a:xfrm>
+      </p:grpSpPr>
+      <p:sp>
+        <p:nvSpPr>
+          <p:cNvPr id="2" name="标题 1"/>
+          <p:cNvSpPr>
+            <a:spLocks noGrp="1"/>
+          </p:cNvSpPr>
+          <p:nvPr>
+            <p:ph type="title"/>
+          </p:nvPr>
+        </p:nvSpPr>
+        <p:spPr>
+          <a:xfrm>
+            <a:off x="457200" y="274680"/>
+            <a:ext cx="8229240" cy="490024"/>
+          </a:xfrm>
+        </p:spPr>
+        <p:txBody>
+          <a:bodyPr/>
+          <a:lstStyle/>
+          <a:p>
+            <a:r>
+              <a:rPr lang="zh-CN" altLang="en-US" dirty="0" smtClean="0"/>
+              <a:t>删除元素后，可以手动将没有用的元素指向空，以便于被垃圾回收</a:t>
+            </a:r>
+            <a:endParaRPr lang="zh-CN" altLang="en-US" dirty="0"/>
+          </a:p>
+        </p:txBody>
+      </p:sp>
+      <p:pic>
+        <p:nvPicPr>
+          <p:cNvPr id="4098" name="Picture 2"/>
+          <p:cNvPicPr>
+            <a:picLocks noChangeAspect="1" noChangeArrowheads="1"/>
+          </p:cNvPicPr>
+          <p:nvPr/>
+        </p:nvPicPr>
+        <p:blipFill>
+          <a:blip r:embed="rId2">
+            <a:extLst>
+              <a:ext uri="{28A0092B-C50C-407E-A947-70E740481C1C}">
+                <a14:useLocalDpi xmlns:a14="http://schemas.microsoft.com/office/drawing/2010/main" val="0"/>
+              </a:ext>
+            </a:extLst>
+          </a:blip>
+          <a:srcRect/>
+          <a:stretch>
+            <a:fillRect/>
+          </a:stretch>
+        </p:blipFill>
+        <p:spPr bwMode="auto">
+          <a:xfrm>
+            <a:off x="395536" y="802778"/>
+            <a:ext cx="6524625" cy="2647950"/>
+          </a:xfrm>
+          <a:prstGeom prst="rect">
+            <a:avLst/>
+          </a:prstGeom>
+          <a:noFill/>
+          <a:ln>
+            <a:noFill/>
+          </a:ln>
+          <a:extLst>
+            <a:ext uri="{909E8E84-426E-40DD-AFC4-6F175D3DCCD1}">
+              <a14:hiddenFill xmlns:a14="http://schemas.microsoft.com/office/drawing/2010/main">
+                <a:solidFill>
+                  <a:schemeClr val="accent1"/>
+                </a:solidFill>
+              </a14:hiddenFill>
+            </a:ext>
+            <a:ext uri="{91240B29-F687-4F45-9708-019B960494DF}">
+              <a14:hiddenLine xmlns:a14="http://schemas.microsoft.com/office/drawing/2010/main" w="9525">
+                <a:solidFill>
+                  <a:schemeClr val="tx1"/>
+                </a:solidFill>
+                <a:miter lim="800000"/>
+                <a:headEnd/>
+                <a:tailEnd/>
+              </a14:hiddenLine>
+            </a:ext>
+          </a:extLst>
+        </p:spPr>
+      </p:pic>
+    </p:spTree>
+    <p:extLst>
+      <p:ext uri="{BB962C8B-B14F-4D97-AF65-F5344CB8AC3E}">
+        <p14:creationId xmlns:p14="http://schemas.microsoft.com/office/powerpoint/2010/main" val="1567367333"/>
+      </p:ext>
+    </p:extLst>
+  </p:cSld>
+  <p:clrMapOvr>
+    <a:masterClrMapping/>
+  </p:clrMapOvr>
+</p:sld>
+</file>
+
 <file path=ppt/slides/slide2.xml><?xml version="1.0" encoding="utf-8"?>
-<p:sld xmlns:a="http://schemas.openxmlformats.org/drawingml/2006/main" xmlns:p="http://schemas.openxmlformats.org/presentationml/2006/main" xmlns:r="http://schemas.openxmlformats.org/officeDocument/2006/relationships" xmlns:p14="http://schemas.microsoft.com/office/powerpoint/2010/main" xmlns:p15="http://schemas.microsoft.com/office/powerpoint/2012/main" xmlns:mc="http://schemas.openxmlformats.org/markup-compatibility/2006">
+<p:sld xmlns:a="http://schemas.openxmlformats.org/drawingml/2006/main" xmlns:r="http://schemas.openxmlformats.org/officeDocument/2006/relationships" xmlns:p="http://schemas.openxmlformats.org/presentationml/2006/main">
   <p:cSld>
     <p:spTree>
       <p:nvGrpSpPr>
@@ -3894,12 +4187,12 @@
       </p:grpSpPr>
       <p:pic>
         <p:nvPicPr>
-          <p:cNvPr id="86" name="Picture 2" descr=""/>
+          <p:cNvPr id="86" name="Picture 2"/>
           <p:cNvPicPr/>
           <p:nvPr/>
         </p:nvPicPr>
         <p:blipFill>
-          <a:blip r:embed="rId1"/>
+          <a:blip r:embed="rId2"/>
           <a:stretch/>
         </p:blipFill>
         <p:spPr>
@@ -3917,22 +4210,25 @@
       </p:pic>
     </p:spTree>
   </p:cSld>
+  <p:clrMapOvr>
+    <a:masterClrMapping/>
+  </p:clrMapOvr>
   <p:timing>
     <p:tnLst>
       <p:par>
-        <p:cTn id="3" dur="indefinite" restart="never" nodeType="tmRoot">
+        <p:cTn id="1" dur="indefinite" restart="never" nodeType="tmRoot">
           <p:childTnLst>
             <p:seq>
-              <p:cTn id="4" dur="indefinite" nodeType="mainSeq"/>
+              <p:cTn id="2" dur="indefinite" nodeType="mainSeq"/>
               <p:prevCondLst>
-                <p:cond delay="0" evt="onPrev">
+                <p:cond evt="onPrev" delay="0">
                   <p:tgtEl>
                     <p:sldTgt/>
                   </p:tgtEl>
                 </p:cond>
               </p:prevCondLst>
               <p:nextCondLst>
-                <p:cond delay="0" evt="onNext">
+                <p:cond evt="onNext" delay="0">
                   <p:tgtEl>
                     <p:sldTgt/>
                   </p:tgtEl>
@@ -3948,7 +4244,7 @@
 </file>
 
 <file path=ppt/slides/slide3.xml><?xml version="1.0" encoding="utf-8"?>
-<p:sld xmlns:a="http://schemas.openxmlformats.org/drawingml/2006/main" xmlns:p="http://schemas.openxmlformats.org/presentationml/2006/main" xmlns:r="http://schemas.openxmlformats.org/officeDocument/2006/relationships" xmlns:p14="http://schemas.microsoft.com/office/powerpoint/2010/main" xmlns:p15="http://schemas.microsoft.com/office/powerpoint/2012/main" xmlns:mc="http://schemas.openxmlformats.org/markup-compatibility/2006">
+<p:sld xmlns:a="http://schemas.openxmlformats.org/drawingml/2006/main" xmlns:r="http://schemas.openxmlformats.org/officeDocument/2006/relationships" xmlns:p="http://schemas.openxmlformats.org/presentationml/2006/main">
   <p:cSld>
     <p:spTree>
       <p:nvGrpSpPr>
@@ -3966,12 +4262,12 @@
       </p:grpSpPr>
       <p:pic>
         <p:nvPicPr>
-          <p:cNvPr id="87" name="Picture 2" descr=""/>
+          <p:cNvPr id="87" name="Picture 2"/>
           <p:cNvPicPr/>
           <p:nvPr/>
         </p:nvPicPr>
         <p:blipFill>
-          <a:blip r:embed="rId1"/>
+          <a:blip r:embed="rId2"/>
           <a:stretch/>
         </p:blipFill>
         <p:spPr>
@@ -3989,22 +4285,25 @@
       </p:pic>
     </p:spTree>
   </p:cSld>
+  <p:clrMapOvr>
+    <a:masterClrMapping/>
+  </p:clrMapOvr>
   <p:timing>
     <p:tnLst>
       <p:par>
-        <p:cTn id="5" dur="indefinite" restart="never" nodeType="tmRoot">
+        <p:cTn id="1" dur="indefinite" restart="never" nodeType="tmRoot">
           <p:childTnLst>
             <p:seq>
-              <p:cTn id="6" dur="indefinite" nodeType="mainSeq"/>
+              <p:cTn id="2" dur="indefinite" nodeType="mainSeq"/>
               <p:prevCondLst>
-                <p:cond delay="0" evt="onPrev">
+                <p:cond evt="onPrev" delay="0">
                   <p:tgtEl>
                     <p:sldTgt/>
                   </p:tgtEl>
                 </p:cond>
               </p:prevCondLst>
               <p:nextCondLst>
-                <p:cond delay="0" evt="onNext">
+                <p:cond evt="onNext" delay="0">
                   <p:tgtEl>
                     <p:sldTgt/>
                   </p:tgtEl>
@@ -4020,7 +4319,7 @@
 </file>
 
 <file path=ppt/slides/slide4.xml><?xml version="1.0" encoding="utf-8"?>
-<p:sld xmlns:a="http://schemas.openxmlformats.org/drawingml/2006/main" xmlns:p="http://schemas.openxmlformats.org/presentationml/2006/main" xmlns:r="http://schemas.openxmlformats.org/officeDocument/2006/relationships" xmlns:p14="http://schemas.microsoft.com/office/powerpoint/2010/main" xmlns:p15="http://schemas.microsoft.com/office/powerpoint/2012/main" xmlns:mc="http://schemas.openxmlformats.org/markup-compatibility/2006">
+<p:sld xmlns:a="http://schemas.openxmlformats.org/drawingml/2006/main" xmlns:r="http://schemas.openxmlformats.org/officeDocument/2006/relationships" xmlns:p="http://schemas.openxmlformats.org/presentationml/2006/main">
   <p:cSld>
     <p:spTree>
       <p:nvGrpSpPr>
@@ -4056,70 +4355,29 @@
           </a:ln>
         </p:spPr>
         <p:txBody>
-          <a:bodyPr lIns="0" rIns="0" tIns="0" bIns="0" anchor="ctr"/>
+          <a:bodyPr lIns="0" tIns="0" rIns="0" bIns="0" anchor="ctr"/>
+          <a:lstStyle/>
           <a:p>
             <a:r>
-              <a:rPr b="0" lang="en-US" sz="1800" spc="-1" strike="noStrike">
+              <a:rPr lang="en-US" sz="1800" b="0" strike="noStrike" spc="-1">
                 <a:solidFill>
                   <a:srgbClr val="000000"/>
                 </a:solidFill>
                 <a:latin typeface="Calibri"/>
               </a:rPr>
-              <a:t>下面写法性能远大于上面。所以</a:t>
+              <a:t>下面写法性能远大于上面。所以cpp，java这种编译型的语音更方便学习数据结构</a:t>
             </a:r>
-            <a:r>
-              <a:rPr b="0" lang="en-US" sz="1800" spc="-1" strike="noStrike">
-                <a:solidFill>
-                  <a:srgbClr val="000000"/>
-                </a:solidFill>
-                <a:latin typeface="Calibri"/>
-              </a:rPr>
-              <a:t>cpp</a:t>
-            </a:r>
-            <a:r>
-              <a:rPr b="0" lang="en-US" sz="1800" spc="-1" strike="noStrike">
-                <a:solidFill>
-                  <a:srgbClr val="000000"/>
-                </a:solidFill>
-                <a:latin typeface="Calibri"/>
-              </a:rPr>
-              <a:t>，</a:t>
-            </a:r>
-            <a:r>
-              <a:rPr b="0" lang="en-US" sz="1800" spc="-1" strike="noStrike">
-                <a:solidFill>
-                  <a:srgbClr val="000000"/>
-                </a:solidFill>
-                <a:latin typeface="Calibri"/>
-              </a:rPr>
-              <a:t>java</a:t>
-            </a:r>
-            <a:r>
-              <a:rPr b="0" lang="en-US" sz="1800" spc="-1" strike="noStrike">
-                <a:solidFill>
-                  <a:srgbClr val="000000"/>
-                </a:solidFill>
-                <a:latin typeface="Calibri"/>
-              </a:rPr>
-              <a:t>这种编译型的语音更方便学习数据结构</a:t>
-            </a:r>
-            <a:endParaRPr b="0" lang="en-US" sz="1800" spc="-1" strike="noStrike">
-              <a:solidFill>
-                <a:srgbClr val="000000"/>
-              </a:solidFill>
-              <a:latin typeface="Calibri"/>
-            </a:endParaRPr>
           </a:p>
         </p:txBody>
       </p:sp>
       <p:pic>
         <p:nvPicPr>
-          <p:cNvPr id="89" name="" descr=""/>
+          <p:cNvPr id="89" name="图片 88"/>
           <p:cNvPicPr/>
           <p:nvPr/>
         </p:nvPicPr>
         <p:blipFill>
-          <a:blip r:embed="rId1"/>
+          <a:blip r:embed="rId2"/>
           <a:stretch/>
         </p:blipFill>
         <p:spPr>
@@ -4137,22 +4395,25 @@
       </p:pic>
     </p:spTree>
   </p:cSld>
+  <p:clrMapOvr>
+    <a:masterClrMapping/>
+  </p:clrMapOvr>
   <p:timing>
     <p:tnLst>
       <p:par>
-        <p:cTn id="7" dur="indefinite" restart="never" nodeType="tmRoot">
+        <p:cTn id="1" dur="indefinite" restart="never" nodeType="tmRoot">
           <p:childTnLst>
             <p:seq>
-              <p:cTn id="8" dur="indefinite" nodeType="mainSeq"/>
+              <p:cTn id="2" dur="indefinite" nodeType="mainSeq"/>
               <p:prevCondLst>
-                <p:cond delay="0" evt="onPrev">
+                <p:cond evt="onPrev" delay="0">
                   <p:tgtEl>
                     <p:sldTgt/>
                   </p:tgtEl>
                 </p:cond>
               </p:prevCondLst>
               <p:nextCondLst>
-                <p:cond delay="0" evt="onNext">
+                <p:cond evt="onNext" delay="0">
                   <p:tgtEl>
                     <p:sldTgt/>
                   </p:tgtEl>
@@ -4168,7 +4429,7 @@
 </file>
 
 <file path=ppt/slides/slide5.xml><?xml version="1.0" encoding="utf-8"?>
-<p:sld xmlns:a="http://schemas.openxmlformats.org/drawingml/2006/main" xmlns:p="http://schemas.openxmlformats.org/presentationml/2006/main" xmlns:r="http://schemas.openxmlformats.org/officeDocument/2006/relationships" xmlns:p14="http://schemas.microsoft.com/office/powerpoint/2010/main" xmlns:p15="http://schemas.microsoft.com/office/powerpoint/2012/main" xmlns:mc="http://schemas.openxmlformats.org/markup-compatibility/2006">
+<p:sld xmlns:a="http://schemas.openxmlformats.org/drawingml/2006/main" xmlns:r="http://schemas.openxmlformats.org/officeDocument/2006/relationships" xmlns:p="http://schemas.openxmlformats.org/presentationml/2006/main">
   <p:cSld>
     <p:spTree>
       <p:nvGrpSpPr>
@@ -4204,9 +4465,10 @@
           </a:ln>
         </p:spPr>
         <p:txBody>
-          <a:bodyPr lIns="0" rIns="0" tIns="0" bIns="0" anchor="ctr"/>
-          <a:p>
-            <a:endParaRPr b="0" lang="en-US" sz="1800" spc="-1" strike="noStrike">
+          <a:bodyPr lIns="0" tIns="0" rIns="0" bIns="0" anchor="ctr"/>
+          <a:lstStyle/>
+          <a:p>
+            <a:endParaRPr lang="en-US" sz="1800" b="0" strike="noStrike" spc="-1">
               <a:solidFill>
                 <a:srgbClr val="000000"/>
               </a:solidFill>
@@ -4217,12 +4479,12 @@
       </p:sp>
       <p:pic>
         <p:nvPicPr>
-          <p:cNvPr id="91" name="" descr=""/>
+          <p:cNvPr id="91" name="图片 90"/>
           <p:cNvPicPr/>
           <p:nvPr/>
         </p:nvPicPr>
         <p:blipFill>
-          <a:blip r:embed="rId1"/>
+          <a:blip r:embed="rId2"/>
           <a:stretch/>
         </p:blipFill>
         <p:spPr>
@@ -4240,22 +4502,25 @@
       </p:pic>
     </p:spTree>
   </p:cSld>
+  <p:clrMapOvr>
+    <a:masterClrMapping/>
+  </p:clrMapOvr>
   <p:timing>
     <p:tnLst>
       <p:par>
-        <p:cTn id="9" dur="indefinite" restart="never" nodeType="tmRoot">
+        <p:cTn id="1" dur="indefinite" restart="never" nodeType="tmRoot">
           <p:childTnLst>
             <p:seq>
-              <p:cTn id="10" dur="indefinite" nodeType="mainSeq"/>
+              <p:cTn id="2" dur="indefinite" nodeType="mainSeq"/>
               <p:prevCondLst>
-                <p:cond delay="0" evt="onPrev">
+                <p:cond evt="onPrev" delay="0">
                   <p:tgtEl>
                     <p:sldTgt/>
                   </p:tgtEl>
                 </p:cond>
               </p:prevCondLst>
               <p:nextCondLst>
-                <p:cond delay="0" evt="onNext">
+                <p:cond evt="onNext" delay="0">
                   <p:tgtEl>
                     <p:sldTgt/>
                   </p:tgtEl>
@@ -4271,7 +4536,7 @@
 </file>
 
 <file path=ppt/slides/slide6.xml><?xml version="1.0" encoding="utf-8"?>
-<p:sld xmlns:a="http://schemas.openxmlformats.org/drawingml/2006/main" xmlns:p="http://schemas.openxmlformats.org/presentationml/2006/main" xmlns:r="http://schemas.openxmlformats.org/officeDocument/2006/relationships" xmlns:p14="http://schemas.microsoft.com/office/powerpoint/2010/main" xmlns:p15="http://schemas.microsoft.com/office/powerpoint/2012/main" xmlns:mc="http://schemas.openxmlformats.org/markup-compatibility/2006">
+<p:sld xmlns:a="http://schemas.openxmlformats.org/drawingml/2006/main" xmlns:r="http://schemas.openxmlformats.org/officeDocument/2006/relationships" xmlns:p="http://schemas.openxmlformats.org/presentationml/2006/main">
   <p:cSld>
     <p:spTree>
       <p:nvGrpSpPr>
@@ -4307,9 +4572,10 @@
           </a:ln>
         </p:spPr>
         <p:txBody>
-          <a:bodyPr lIns="0" rIns="0" tIns="0" bIns="0" anchor="ctr"/>
-          <a:p>
-            <a:endParaRPr b="0" lang="en-US" sz="1800" spc="-1" strike="noStrike">
+          <a:bodyPr lIns="0" tIns="0" rIns="0" bIns="0" anchor="ctr"/>
+          <a:lstStyle/>
+          <a:p>
+            <a:endParaRPr lang="en-US" sz="1800" b="0" strike="noStrike" spc="-1">
               <a:solidFill>
                 <a:srgbClr val="000000"/>
               </a:solidFill>
@@ -4320,12 +4586,12 @@
       </p:sp>
       <p:pic>
         <p:nvPicPr>
-          <p:cNvPr id="93" name="" descr=""/>
+          <p:cNvPr id="93" name="图片 92"/>
           <p:cNvPicPr/>
           <p:nvPr/>
         </p:nvPicPr>
         <p:blipFill>
-          <a:blip r:embed="rId1"/>
+          <a:blip r:embed="rId2"/>
           <a:stretch/>
         </p:blipFill>
         <p:spPr>
@@ -4343,22 +4609,25 @@
       </p:pic>
     </p:spTree>
   </p:cSld>
+  <p:clrMapOvr>
+    <a:masterClrMapping/>
+  </p:clrMapOvr>
   <p:timing>
     <p:tnLst>
       <p:par>
-        <p:cTn id="11" dur="indefinite" restart="never" nodeType="tmRoot">
+        <p:cTn id="1" dur="indefinite" restart="never" nodeType="tmRoot">
           <p:childTnLst>
             <p:seq>
-              <p:cTn id="12" dur="indefinite" nodeType="mainSeq"/>
+              <p:cTn id="2" dur="indefinite" nodeType="mainSeq"/>
               <p:prevCondLst>
-                <p:cond delay="0" evt="onPrev">
+                <p:cond evt="onPrev" delay="0">
                   <p:tgtEl>
                     <p:sldTgt/>
                   </p:tgtEl>
                 </p:cond>
               </p:prevCondLst>
               <p:nextCondLst>
-                <p:cond delay="0" evt="onNext">
+                <p:cond evt="onNext" delay="0">
                   <p:tgtEl>
                     <p:sldTgt/>
                   </p:tgtEl>
@@ -4373,6 +4642,562 @@
 </p:sld>
 </file>
 
+<file path=ppt/slides/slide7.xml><?xml version="1.0" encoding="utf-8"?>
+<p:sld xmlns:a="http://schemas.openxmlformats.org/drawingml/2006/main" xmlns:r="http://schemas.openxmlformats.org/officeDocument/2006/relationships" xmlns:p="http://schemas.openxmlformats.org/presentationml/2006/main">
+  <p:cSld>
+    <p:spTree>
+      <p:nvGrpSpPr>
+        <p:cNvPr id="1" name=""/>
+        <p:cNvGrpSpPr/>
+        <p:nvPr/>
+      </p:nvGrpSpPr>
+      <p:grpSpPr>
+        <a:xfrm>
+          <a:off x="0" y="0"/>
+          <a:ext cx="0" cy="0"/>
+          <a:chOff x="0" y="0"/>
+          <a:chExt cx="0" cy="0"/>
+        </a:xfrm>
+      </p:grpSpPr>
+      <p:sp>
+        <p:nvSpPr>
+          <p:cNvPr id="92" name="TextShape 1"/>
+          <p:cNvSpPr txBox="1"/>
+          <p:nvPr/>
+        </p:nvSpPr>
+        <p:spPr>
+          <a:xfrm>
+            <a:off x="457200" y="274680"/>
+            <a:ext cx="8229240" cy="1142640"/>
+          </a:xfrm>
+          <a:prstGeom prst="rect">
+            <a:avLst/>
+          </a:prstGeom>
+          <a:noFill/>
+          <a:ln>
+            <a:noFill/>
+          </a:ln>
+        </p:spPr>
+        <p:txBody>
+          <a:bodyPr lIns="0" tIns="0" rIns="0" bIns="0" anchor="ctr"/>
+          <a:lstStyle/>
+          <a:p>
+            <a:endParaRPr lang="en-US" sz="1800" b="0" strike="noStrike" spc="-1">
+              <a:solidFill>
+                <a:srgbClr val="000000"/>
+              </a:solidFill>
+              <a:latin typeface="Calibri"/>
+            </a:endParaRPr>
+          </a:p>
+        </p:txBody>
+      </p:sp>
+      <p:pic>
+        <p:nvPicPr>
+          <p:cNvPr id="1026" name="Picture 2"/>
+          <p:cNvPicPr>
+            <a:picLocks noChangeAspect="1" noChangeArrowheads="1"/>
+          </p:cNvPicPr>
+          <p:nvPr/>
+        </p:nvPicPr>
+        <p:blipFill>
+          <a:blip r:embed="rId2">
+            <a:extLst>
+              <a:ext uri="{28A0092B-C50C-407E-A947-70E740481C1C}">
+                <a14:useLocalDpi xmlns:a14="http://schemas.microsoft.com/office/drawing/2010/main" val="0"/>
+              </a:ext>
+            </a:extLst>
+          </a:blip>
+          <a:srcRect/>
+          <a:stretch>
+            <a:fillRect/>
+          </a:stretch>
+        </p:blipFill>
+        <p:spPr bwMode="auto">
+          <a:xfrm>
+            <a:off x="251519" y="620688"/>
+            <a:ext cx="8632591" cy="4968552"/>
+          </a:xfrm>
+          <a:prstGeom prst="rect">
+            <a:avLst/>
+          </a:prstGeom>
+          <a:noFill/>
+          <a:ln>
+            <a:noFill/>
+          </a:ln>
+          <a:extLst>
+            <a:ext uri="{909E8E84-426E-40DD-AFC4-6F175D3DCCD1}">
+              <a14:hiddenFill xmlns:a14="http://schemas.microsoft.com/office/drawing/2010/main">
+                <a:solidFill>
+                  <a:schemeClr val="accent1"/>
+                </a:solidFill>
+              </a14:hiddenFill>
+            </a:ext>
+            <a:ext uri="{91240B29-F687-4F45-9708-019B960494DF}">
+              <a14:hiddenLine xmlns:a14="http://schemas.microsoft.com/office/drawing/2010/main" w="9525">
+                <a:solidFill>
+                  <a:schemeClr val="tx1"/>
+                </a:solidFill>
+                <a:miter lim="800000"/>
+                <a:headEnd/>
+                <a:tailEnd/>
+              </a14:hiddenLine>
+            </a:ext>
+          </a:extLst>
+        </p:spPr>
+      </p:pic>
+      <p:sp>
+        <p:nvSpPr>
+          <p:cNvPr id="2" name="TextBox 1"/>
+          <p:cNvSpPr txBox="1"/>
+          <p:nvPr/>
+        </p:nvSpPr>
+        <p:spPr>
+          <a:xfrm>
+            <a:off x="4543845" y="2204864"/>
+            <a:ext cx="2448452" cy="646331"/>
+          </a:xfrm>
+          <a:prstGeom prst="rect">
+            <a:avLst/>
+          </a:prstGeom>
+          <a:noFill/>
+        </p:spPr>
+        <p:txBody>
+          <a:bodyPr wrap="square" rtlCol="0">
+            <a:spAutoFit/>
+          </a:bodyPr>
+          <a:lstStyle/>
+          <a:p>
+            <a:r>
+              <a:rPr lang="en-US" altLang="zh-CN" dirty="0" smtClean="0"/>
+              <a:t>Size</a:t>
+            </a:r>
+            <a:r>
+              <a:rPr lang="zh-CN" altLang="en-US" dirty="0" smtClean="0"/>
+              <a:t>指向的是第一个没有元素的位置</a:t>
+            </a:r>
+            <a:endParaRPr lang="zh-CN" altLang="en-US" dirty="0"/>
+          </a:p>
+        </p:txBody>
+      </p:sp>
+    </p:spTree>
+    <p:extLst>
+      <p:ext uri="{BB962C8B-B14F-4D97-AF65-F5344CB8AC3E}">
+        <p14:creationId xmlns:p14="http://schemas.microsoft.com/office/powerpoint/2010/main" val="2809545136"/>
+      </p:ext>
+    </p:extLst>
+  </p:cSld>
+  <p:clrMapOvr>
+    <a:masterClrMapping/>
+  </p:clrMapOvr>
+  <p:timing>
+    <p:tnLst>
+      <p:par>
+        <p:cTn id="1" dur="indefinite" restart="never" nodeType="tmRoot">
+          <p:childTnLst>
+            <p:seq>
+              <p:cTn id="2" dur="indefinite" nodeType="mainSeq"/>
+              <p:prevCondLst>
+                <p:cond evt="onPrev" delay="0">
+                  <p:tgtEl>
+                    <p:sldTgt/>
+                  </p:tgtEl>
+                </p:cond>
+              </p:prevCondLst>
+              <p:nextCondLst>
+                <p:cond evt="onNext" delay="0">
+                  <p:tgtEl>
+                    <p:sldTgt/>
+                  </p:tgtEl>
+                </p:cond>
+              </p:nextCondLst>
+            </p:seq>
+          </p:childTnLst>
+        </p:cTn>
+      </p:par>
+    </p:tnLst>
+  </p:timing>
+</p:sld>
+</file>
+
+<file path=ppt/slides/slide8.xml><?xml version="1.0" encoding="utf-8"?>
+<p:sld xmlns:a="http://schemas.openxmlformats.org/drawingml/2006/main" xmlns:r="http://schemas.openxmlformats.org/officeDocument/2006/relationships" xmlns:p="http://schemas.openxmlformats.org/presentationml/2006/main">
+  <p:cSld>
+    <p:spTree>
+      <p:nvGrpSpPr>
+        <p:cNvPr id="1" name=""/>
+        <p:cNvGrpSpPr/>
+        <p:nvPr/>
+      </p:nvGrpSpPr>
+      <p:grpSpPr>
+        <a:xfrm>
+          <a:off x="0" y="0"/>
+          <a:ext cx="0" cy="0"/>
+          <a:chOff x="0" y="0"/>
+          <a:chExt cx="0" cy="0"/>
+        </a:xfrm>
+      </p:grpSpPr>
+      <p:pic>
+        <p:nvPicPr>
+          <p:cNvPr id="2050" name="Picture 2"/>
+          <p:cNvPicPr>
+            <a:picLocks noChangeAspect="1" noChangeArrowheads="1"/>
+          </p:cNvPicPr>
+          <p:nvPr/>
+        </p:nvPicPr>
+        <p:blipFill rotWithShape="1">
+          <a:blip r:embed="rId2">
+            <a:extLst>
+              <a:ext uri="{28A0092B-C50C-407E-A947-70E740481C1C}">
+                <a14:useLocalDpi xmlns:a14="http://schemas.microsoft.com/office/drawing/2010/main" val="0"/>
+              </a:ext>
+            </a:extLst>
+          </a:blip>
+          <a:srcRect l="15508" r="5997"/>
+          <a:stretch/>
+        </p:blipFill>
+        <p:spPr bwMode="auto">
+          <a:xfrm>
+            <a:off x="539552" y="260648"/>
+            <a:ext cx="8471475" cy="5832648"/>
+          </a:xfrm>
+          <a:prstGeom prst="rect">
+            <a:avLst/>
+          </a:prstGeom>
+          <a:noFill/>
+          <a:ln>
+            <a:noFill/>
+          </a:ln>
+          <a:extLst>
+            <a:ext uri="{909E8E84-426E-40DD-AFC4-6F175D3DCCD1}">
+              <a14:hiddenFill xmlns:a14="http://schemas.microsoft.com/office/drawing/2010/main">
+                <a:solidFill>
+                  <a:schemeClr val="accent1"/>
+                </a:solidFill>
+              </a14:hiddenFill>
+            </a:ext>
+            <a:ext uri="{91240B29-F687-4F45-9708-019B960494DF}">
+              <a14:hiddenLine xmlns:a14="http://schemas.microsoft.com/office/drawing/2010/main" w="9525">
+                <a:solidFill>
+                  <a:schemeClr val="tx1"/>
+                </a:solidFill>
+                <a:miter lim="800000"/>
+                <a:headEnd/>
+                <a:tailEnd/>
+              </a14:hiddenLine>
+            </a:ext>
+          </a:extLst>
+        </p:spPr>
+      </p:pic>
+      <p:sp>
+        <p:nvSpPr>
+          <p:cNvPr id="5" name="TextBox 4"/>
+          <p:cNvSpPr txBox="1"/>
+          <p:nvPr/>
+        </p:nvSpPr>
+        <p:spPr>
+          <a:xfrm>
+            <a:off x="323528" y="230969"/>
+            <a:ext cx="6624736" cy="369332"/>
+          </a:xfrm>
+          <a:prstGeom prst="rect">
+            <a:avLst/>
+          </a:prstGeom>
+          <a:noFill/>
+        </p:spPr>
+        <p:txBody>
+          <a:bodyPr wrap="square" rtlCol="0">
+            <a:spAutoFit/>
+          </a:bodyPr>
+          <a:lstStyle/>
+          <a:p>
+            <a:r>
+              <a:rPr lang="zh-CN" altLang="en-US" dirty="0" smtClean="0"/>
+              <a:t>只能是类对象，基本类型可以和包装类无缝转换</a:t>
+            </a:r>
+            <a:endParaRPr lang="zh-CN" altLang="en-US" dirty="0"/>
+          </a:p>
+        </p:txBody>
+      </p:sp>
+      <p:sp>
+        <p:nvSpPr>
+          <p:cNvPr id="6" name="矩形 5"/>
+          <p:cNvSpPr/>
+          <p:nvPr/>
+        </p:nvSpPr>
+        <p:spPr>
+          <a:xfrm>
+            <a:off x="1123600" y="2996952"/>
+            <a:ext cx="5328592" cy="720080"/>
+          </a:xfrm>
+          <a:prstGeom prst="rect">
+            <a:avLst/>
+          </a:prstGeom>
+          <a:noFill/>
+          <a:ln w="12700">
+            <a:solidFill>
+              <a:srgbClr val="FF0000"/>
+            </a:solidFill>
+          </a:ln>
+        </p:spPr>
+        <p:style>
+          <a:lnRef idx="2">
+            <a:schemeClr val="accent1">
+              <a:shade val="50000"/>
+            </a:schemeClr>
+          </a:lnRef>
+          <a:fillRef idx="1">
+            <a:schemeClr val="accent1"/>
+          </a:fillRef>
+          <a:effectRef idx="0">
+            <a:schemeClr val="accent1"/>
+          </a:effectRef>
+          <a:fontRef idx="minor">
+            <a:schemeClr val="lt1"/>
+          </a:fontRef>
+        </p:style>
+        <p:txBody>
+          <a:bodyPr rtlCol="0" anchor="ctr"/>
+          <a:lstStyle/>
+          <a:p>
+            <a:pPr algn="ctr"/>
+            <a:endParaRPr lang="zh-CN" altLang="en-US"/>
+          </a:p>
+        </p:txBody>
+      </p:sp>
+    </p:spTree>
+    <p:extLst>
+      <p:ext uri="{BB962C8B-B14F-4D97-AF65-F5344CB8AC3E}">
+        <p14:creationId xmlns:p14="http://schemas.microsoft.com/office/powerpoint/2010/main" val="893302716"/>
+      </p:ext>
+    </p:extLst>
+  </p:cSld>
+  <p:clrMapOvr>
+    <a:masterClrMapping/>
+  </p:clrMapOvr>
+</p:sld>
+</file>
+
+<file path=ppt/slides/slide9.xml><?xml version="1.0" encoding="utf-8"?>
+<p:sld xmlns:a="http://schemas.openxmlformats.org/drawingml/2006/main" xmlns:r="http://schemas.openxmlformats.org/officeDocument/2006/relationships" xmlns:p="http://schemas.openxmlformats.org/presentationml/2006/main">
+  <p:cSld>
+    <p:spTree>
+      <p:nvGrpSpPr>
+        <p:cNvPr id="1" name=""/>
+        <p:cNvGrpSpPr/>
+        <p:nvPr/>
+      </p:nvGrpSpPr>
+      <p:grpSpPr>
+        <a:xfrm>
+          <a:off x="0" y="0"/>
+          <a:ext cx="0" cy="0"/>
+          <a:chOff x="0" y="0"/>
+          <a:chExt cx="0" cy="0"/>
+        </a:xfrm>
+      </p:grpSpPr>
+      <p:pic>
+        <p:nvPicPr>
+          <p:cNvPr id="3074" name="Picture 2"/>
+          <p:cNvPicPr>
+            <a:picLocks noChangeAspect="1" noChangeArrowheads="1"/>
+          </p:cNvPicPr>
+          <p:nvPr/>
+        </p:nvPicPr>
+        <p:blipFill>
+          <a:blip r:embed="rId2">
+            <a:extLst>
+              <a:ext uri="{28A0092B-C50C-407E-A947-70E740481C1C}">
+                <a14:useLocalDpi xmlns:a14="http://schemas.microsoft.com/office/drawing/2010/main" val="0"/>
+              </a:ext>
+            </a:extLst>
+          </a:blip>
+          <a:srcRect/>
+          <a:stretch>
+            <a:fillRect/>
+          </a:stretch>
+        </p:blipFill>
+        <p:spPr bwMode="auto">
+          <a:xfrm>
+            <a:off x="323528" y="404664"/>
+            <a:ext cx="4362450" cy="2343150"/>
+          </a:xfrm>
+          <a:prstGeom prst="rect">
+            <a:avLst/>
+          </a:prstGeom>
+          <a:noFill/>
+          <a:ln>
+            <a:noFill/>
+          </a:ln>
+          <a:extLst>
+            <a:ext uri="{909E8E84-426E-40DD-AFC4-6F175D3DCCD1}">
+              <a14:hiddenFill xmlns:a14="http://schemas.microsoft.com/office/drawing/2010/main">
+                <a:solidFill>
+                  <a:schemeClr val="accent1"/>
+                </a:solidFill>
+              </a14:hiddenFill>
+            </a:ext>
+            <a:ext uri="{91240B29-F687-4F45-9708-019B960494DF}">
+              <a14:hiddenLine xmlns:a14="http://schemas.microsoft.com/office/drawing/2010/main" w="9525">
+                <a:solidFill>
+                  <a:schemeClr val="tx1"/>
+                </a:solidFill>
+                <a:miter lim="800000"/>
+                <a:headEnd/>
+                <a:tailEnd/>
+              </a14:hiddenLine>
+            </a:ext>
+          </a:extLst>
+        </p:spPr>
+      </p:pic>
+      <p:sp>
+        <p:nvSpPr>
+          <p:cNvPr id="4" name="矩形 3"/>
+          <p:cNvSpPr/>
+          <p:nvPr/>
+        </p:nvSpPr>
+        <p:spPr>
+          <a:xfrm>
+            <a:off x="1259632" y="1340768"/>
+            <a:ext cx="3240360" cy="936104"/>
+          </a:xfrm>
+          <a:prstGeom prst="rect">
+            <a:avLst/>
+          </a:prstGeom>
+          <a:noFill/>
+          <a:ln w="12700">
+            <a:solidFill>
+              <a:srgbClr val="FF0000"/>
+            </a:solidFill>
+          </a:ln>
+        </p:spPr>
+        <p:style>
+          <a:lnRef idx="2">
+            <a:schemeClr val="accent1">
+              <a:shade val="50000"/>
+            </a:schemeClr>
+          </a:lnRef>
+          <a:fillRef idx="1">
+            <a:schemeClr val="accent1"/>
+          </a:fillRef>
+          <a:effectRef idx="0">
+            <a:schemeClr val="accent1"/>
+          </a:effectRef>
+          <a:fontRef idx="minor">
+            <a:schemeClr val="lt1"/>
+          </a:fontRef>
+        </p:style>
+        <p:txBody>
+          <a:bodyPr rtlCol="0" anchor="ctr"/>
+          <a:lstStyle/>
+          <a:p>
+            <a:pPr algn="ctr"/>
+            <a:endParaRPr lang="zh-CN" altLang="en-US"/>
+          </a:p>
+        </p:txBody>
+      </p:sp>
+      <p:pic>
+        <p:nvPicPr>
+          <p:cNvPr id="3075" name="Picture 3"/>
+          <p:cNvPicPr>
+            <a:picLocks noChangeAspect="1" noChangeArrowheads="1"/>
+          </p:cNvPicPr>
+          <p:nvPr/>
+        </p:nvPicPr>
+        <p:blipFill>
+          <a:blip r:embed="rId3">
+            <a:extLst>
+              <a:ext uri="{28A0092B-C50C-407E-A947-70E740481C1C}">
+                <a14:useLocalDpi xmlns:a14="http://schemas.microsoft.com/office/drawing/2010/main" val="0"/>
+              </a:ext>
+            </a:extLst>
+          </a:blip>
+          <a:srcRect/>
+          <a:stretch>
+            <a:fillRect/>
+          </a:stretch>
+        </p:blipFill>
+        <p:spPr bwMode="auto">
+          <a:xfrm>
+            <a:off x="395536" y="2996952"/>
+            <a:ext cx="5703032" cy="2376264"/>
+          </a:xfrm>
+          <a:prstGeom prst="rect">
+            <a:avLst/>
+          </a:prstGeom>
+          <a:noFill/>
+          <a:ln>
+            <a:noFill/>
+          </a:ln>
+          <a:extLst>
+            <a:ext uri="{909E8E84-426E-40DD-AFC4-6F175D3DCCD1}">
+              <a14:hiddenFill xmlns:a14="http://schemas.microsoft.com/office/drawing/2010/main">
+                <a:solidFill>
+                  <a:schemeClr val="accent1"/>
+                </a:solidFill>
+              </a14:hiddenFill>
+            </a:ext>
+            <a:ext uri="{91240B29-F687-4F45-9708-019B960494DF}">
+              <a14:hiddenLine xmlns:a14="http://schemas.microsoft.com/office/drawing/2010/main" w="9525">
+                <a:solidFill>
+                  <a:schemeClr val="tx1"/>
+                </a:solidFill>
+                <a:miter lim="800000"/>
+                <a:headEnd/>
+                <a:tailEnd/>
+              </a14:hiddenLine>
+            </a:ext>
+          </a:extLst>
+        </p:spPr>
+      </p:pic>
+      <p:sp>
+        <p:nvSpPr>
+          <p:cNvPr id="5" name="矩形 4"/>
+          <p:cNvSpPr/>
+          <p:nvPr/>
+        </p:nvSpPr>
+        <p:spPr>
+          <a:xfrm>
+            <a:off x="395536" y="5589240"/>
+            <a:ext cx="8208912" cy="369332"/>
+          </a:xfrm>
+          <a:prstGeom prst="rect">
+            <a:avLst/>
+          </a:prstGeom>
+        </p:spPr>
+        <p:txBody>
+          <a:bodyPr wrap="square">
+            <a:spAutoFit/>
+          </a:bodyPr>
+          <a:lstStyle/>
+          <a:p>
+            <a:r>
+              <a:rPr lang="zh-CN" altLang="en-US" dirty="0" smtClean="0">
+                <a:hlinkClick r:id="rId4"/>
+              </a:rPr>
+              <a:t>具体可以参照：</a:t>
+            </a:r>
+            <a:r>
+              <a:rPr lang="en-US" altLang="zh-CN" dirty="0" smtClean="0">
+                <a:hlinkClick r:id="rId4"/>
+              </a:rPr>
+              <a:t>https://www.cnblogs.com/dolphin0520/p/3592500.html</a:t>
+            </a:r>
+            <a:endParaRPr lang="zh-CN" altLang="en-US" dirty="0"/>
+          </a:p>
+        </p:txBody>
+      </p:sp>
+    </p:spTree>
+    <p:extLst>
+      <p:ext uri="{BB962C8B-B14F-4D97-AF65-F5344CB8AC3E}">
+        <p14:creationId xmlns:p14="http://schemas.microsoft.com/office/powerpoint/2010/main" val="1760422494"/>
+      </p:ext>
+    </p:extLst>
+  </p:cSld>
+  <p:clrMapOvr>
+    <a:masterClrMapping/>
+  </p:clrMapOvr>
+</p:sld>
+</file>
+
 <file path=ppt/theme/theme1.xml><?xml version="1.0" encoding="utf-8"?>
 <a:theme xmlns:a="http://schemas.openxmlformats.org/drawingml/2006/main" name="Office Theme">
   <a:themeElements>
@@ -4384,31 +5209,31 @@
         <a:sysClr val="window" lastClr="FFFFFF"/>
       </a:lt1>
       <a:dk2>
-        <a:srgbClr val="1f497d"/>
+        <a:srgbClr val="1F497D"/>
       </a:dk2>
       <a:lt2>
-        <a:srgbClr val="eeece1"/>
+        <a:srgbClr val="EEECE1"/>
       </a:lt2>
       <a:accent1>
-        <a:srgbClr val="4f81bd"/>
+        <a:srgbClr val="4F81BD"/>
       </a:accent1>
       <a:accent2>
-        <a:srgbClr val="c0504d"/>
+        <a:srgbClr val="C0504D"/>
       </a:accent2>
       <a:accent3>
-        <a:srgbClr val="9bbb59"/>
+        <a:srgbClr val="9BBB59"/>
       </a:accent3>
       <a:accent4>
-        <a:srgbClr val="8064a2"/>
+        <a:srgbClr val="8064A2"/>
       </a:accent4>
       <a:accent5>
-        <a:srgbClr val="4bacc6"/>
+        <a:srgbClr val="4BACC6"/>
       </a:accent5>
       <a:accent6>
-        <a:srgbClr val="f79646"/>
+        <a:srgbClr val="F79646"/>
       </a:accent6>
       <a:hlink>
-        <a:srgbClr val="0000ff"/>
+        <a:srgbClr val="0000FF"/>
       </a:hlink>
       <a:folHlink>
         <a:srgbClr val="800080"/>
@@ -4593,6 +5418,8 @@
       </a:bgFillStyleLst>
     </a:fmtScheme>
   </a:themeElements>
+  <a:objectDefaults/>
+  <a:extraClrSchemeLst/>
 </a:theme>
 </file>
 
@@ -4607,31 +5434,31 @@
         <a:sysClr val="window" lastClr="FFFFFF"/>
       </a:lt1>
       <a:dk2>
-        <a:srgbClr val="1f497d"/>
+        <a:srgbClr val="1F497D"/>
       </a:dk2>
       <a:lt2>
-        <a:srgbClr val="eeece1"/>
+        <a:srgbClr val="EEECE1"/>
       </a:lt2>
       <a:accent1>
-        <a:srgbClr val="4f81bd"/>
+        <a:srgbClr val="4F81BD"/>
       </a:accent1>
       <a:accent2>
-        <a:srgbClr val="c0504d"/>
+        <a:srgbClr val="C0504D"/>
       </a:accent2>
       <a:accent3>
-        <a:srgbClr val="9bbb59"/>
+        <a:srgbClr val="9BBB59"/>
       </a:accent3>
       <a:accent4>
-        <a:srgbClr val="8064a2"/>
+        <a:srgbClr val="8064A2"/>
       </a:accent4>
       <a:accent5>
-        <a:srgbClr val="4bacc6"/>
+        <a:srgbClr val="4BACC6"/>
       </a:accent5>
       <a:accent6>
-        <a:srgbClr val="f79646"/>
+        <a:srgbClr val="F79646"/>
       </a:accent6>
       <a:hlink>
-        <a:srgbClr val="0000ff"/>
+        <a:srgbClr val="0000FF"/>
       </a:hlink>
       <a:folHlink>
         <a:srgbClr val="800080"/>
@@ -4816,5 +5643,7 @@
       </a:bgFillStyleLst>
     </a:fmtScheme>
   </a:themeElements>
+  <a:objectDefaults/>
+  <a:extraClrSchemeLst/>
 </a:theme>
 </file>
--- a/resources/datastruc_algorithm.pptx
+++ b/resources/datastruc_algorithm.pptx
@@ -1,42 +1,139 @@
 
 <file path=ppt/presentation.xml><?xml version="1.0" encoding="utf-8"?>
-<p:presentation xmlns:a="http://schemas.openxmlformats.org/drawingml/2006/main" xmlns:p="http://schemas.openxmlformats.org/presentationml/2006/main" xmlns:r="http://schemas.openxmlformats.org/officeDocument/2006/relationships" xmlns:p14="http://schemas.microsoft.com/office/powerpoint/2010/main" xmlns:p15="http://schemas.microsoft.com/office/powerpoint/2012/main" xmlns:mc="http://schemas.openxmlformats.org/markup-compatibility/2006">
+<p:presentation xmlns:a="http://schemas.openxmlformats.org/drawingml/2006/main" xmlns:r="http://schemas.openxmlformats.org/officeDocument/2006/relationships" xmlns:p="http://schemas.openxmlformats.org/presentationml/2006/main">
   <p:sldMasterIdLst>
-    <p:sldMasterId id="2147483648" r:id="rId2"/>
-    <p:sldMasterId id="2147483661" r:id="rId3"/>
-    <p:sldMasterId id="2147483674" r:id="rId4"/>
+    <p:sldMasterId id="2147483648" r:id="rId1"/>
+    <p:sldMasterId id="2147483661" r:id="rId2"/>
+    <p:sldMasterId id="2147483674" r:id="rId3"/>
   </p:sldMasterIdLst>
   <p:sldIdLst>
-    <p:sldId id="256" r:id="rId5"/>
-    <p:sldId id="257" r:id="rId6"/>
-    <p:sldId id="258" r:id="rId7"/>
-    <p:sldId id="259" r:id="rId8"/>
-    <p:sldId id="260" r:id="rId9"/>
-    <p:sldId id="261" r:id="rId10"/>
-    <p:sldId id="262" r:id="rId11"/>
-    <p:sldId id="263" r:id="rId12"/>
-    <p:sldId id="264" r:id="rId13"/>
-    <p:sldId id="265" r:id="rId14"/>
-    <p:sldId id="266" r:id="rId15"/>
-    <p:sldId id="267" r:id="rId16"/>
-    <p:sldId id="268" r:id="rId17"/>
-    <p:sldId id="269" r:id="rId18"/>
-    <p:sldId id="270" r:id="rId19"/>
-    <p:sldId id="271" r:id="rId20"/>
-    <p:sldId id="272" r:id="rId21"/>
-    <p:sldId id="273" r:id="rId22"/>
-    <p:sldId id="274" r:id="rId23"/>
-    <p:sldId id="275" r:id="rId24"/>
-    <p:sldId id="276" r:id="rId25"/>
-    <p:sldId id="277" r:id="rId26"/>
+    <p:sldId id="256" r:id="rId4"/>
+    <p:sldId id="257" r:id="rId5"/>
+    <p:sldId id="258" r:id="rId6"/>
+    <p:sldId id="259" r:id="rId7"/>
+    <p:sldId id="260" r:id="rId8"/>
+    <p:sldId id="261" r:id="rId9"/>
+    <p:sldId id="262" r:id="rId10"/>
+    <p:sldId id="263" r:id="rId11"/>
+    <p:sldId id="264" r:id="rId12"/>
+    <p:sldId id="265" r:id="rId13"/>
+    <p:sldId id="266" r:id="rId14"/>
+    <p:sldId id="267" r:id="rId15"/>
+    <p:sldId id="268" r:id="rId16"/>
+    <p:sldId id="269" r:id="rId17"/>
+    <p:sldId id="270" r:id="rId18"/>
+    <p:sldId id="271" r:id="rId19"/>
+    <p:sldId id="272" r:id="rId20"/>
+    <p:sldId id="273" r:id="rId21"/>
+    <p:sldId id="274" r:id="rId22"/>
+    <p:sldId id="275" r:id="rId23"/>
+    <p:sldId id="276" r:id="rId24"/>
+    <p:sldId id="277" r:id="rId25"/>
+    <p:sldId id="278" r:id="rId26"/>
+    <p:sldId id="279" r:id="rId27"/>
   </p:sldIdLst>
-  <p:sldSz cx="9144000" cy="6858000"/>
+  <p:sldSz cx="9144000" cy="6858000" type="screen4x3"/>
   <p:notesSz cx="7772400" cy="10058400"/>
+  <p:defaultTextStyle>
+    <a:defPPr>
+      <a:defRPr lang="zh-CN"/>
+    </a:defPPr>
+    <a:lvl1pPr marL="0" algn="l" defTabSz="914400" rtl="0" eaLnBrk="1" latinLnBrk="0" hangingPunct="1">
+      <a:defRPr sz="1800" kern="1200">
+        <a:solidFill>
+          <a:schemeClr val="tx1"/>
+        </a:solidFill>
+        <a:latin typeface="+mn-lt"/>
+        <a:ea typeface="+mn-ea"/>
+        <a:cs typeface="+mn-cs"/>
+      </a:defRPr>
+    </a:lvl1pPr>
+    <a:lvl2pPr marL="457200" algn="l" defTabSz="914400" rtl="0" eaLnBrk="1" latinLnBrk="0" hangingPunct="1">
+      <a:defRPr sz="1800" kern="1200">
+        <a:solidFill>
+          <a:schemeClr val="tx1"/>
+        </a:solidFill>
+        <a:latin typeface="+mn-lt"/>
+        <a:ea typeface="+mn-ea"/>
+        <a:cs typeface="+mn-cs"/>
+      </a:defRPr>
+    </a:lvl2pPr>
+    <a:lvl3pPr marL="914400" algn="l" defTabSz="914400" rtl="0" eaLnBrk="1" latinLnBrk="0" hangingPunct="1">
+      <a:defRPr sz="1800" kern="1200">
+        <a:solidFill>
+          <a:schemeClr val="tx1"/>
+        </a:solidFill>
+        <a:latin typeface="+mn-lt"/>
+        <a:ea typeface="+mn-ea"/>
+        <a:cs typeface="+mn-cs"/>
+      </a:defRPr>
+    </a:lvl3pPr>
+    <a:lvl4pPr marL="1371600" algn="l" defTabSz="914400" rtl="0" eaLnBrk="1" latinLnBrk="0" hangingPunct="1">
+      <a:defRPr sz="1800" kern="1200">
+        <a:solidFill>
+          <a:schemeClr val="tx1"/>
+        </a:solidFill>
+        <a:latin typeface="+mn-lt"/>
+        <a:ea typeface="+mn-ea"/>
+        <a:cs typeface="+mn-cs"/>
+      </a:defRPr>
+    </a:lvl4pPr>
+    <a:lvl5pPr marL="1828800" algn="l" defTabSz="914400" rtl="0" eaLnBrk="1" latinLnBrk="0" hangingPunct="1">
+      <a:defRPr sz="1800" kern="1200">
+        <a:solidFill>
+          <a:schemeClr val="tx1"/>
+        </a:solidFill>
+        <a:latin typeface="+mn-lt"/>
+        <a:ea typeface="+mn-ea"/>
+        <a:cs typeface="+mn-cs"/>
+      </a:defRPr>
+    </a:lvl5pPr>
+    <a:lvl6pPr marL="2286000" algn="l" defTabSz="914400" rtl="0" eaLnBrk="1" latinLnBrk="0" hangingPunct="1">
+      <a:defRPr sz="1800" kern="1200">
+        <a:solidFill>
+          <a:schemeClr val="tx1"/>
+        </a:solidFill>
+        <a:latin typeface="+mn-lt"/>
+        <a:ea typeface="+mn-ea"/>
+        <a:cs typeface="+mn-cs"/>
+      </a:defRPr>
+    </a:lvl6pPr>
+    <a:lvl7pPr marL="2743200" algn="l" defTabSz="914400" rtl="0" eaLnBrk="1" latinLnBrk="0" hangingPunct="1">
+      <a:defRPr sz="1800" kern="1200">
+        <a:solidFill>
+          <a:schemeClr val="tx1"/>
+        </a:solidFill>
+        <a:latin typeface="+mn-lt"/>
+        <a:ea typeface="+mn-ea"/>
+        <a:cs typeface="+mn-cs"/>
+      </a:defRPr>
+    </a:lvl7pPr>
+    <a:lvl8pPr marL="3200400" algn="l" defTabSz="914400" rtl="0" eaLnBrk="1" latinLnBrk="0" hangingPunct="1">
+      <a:defRPr sz="1800" kern="1200">
+        <a:solidFill>
+          <a:schemeClr val="tx1"/>
+        </a:solidFill>
+        <a:latin typeface="+mn-lt"/>
+        <a:ea typeface="+mn-ea"/>
+        <a:cs typeface="+mn-cs"/>
+      </a:defRPr>
+    </a:lvl8pPr>
+    <a:lvl9pPr marL="3657600" algn="l" defTabSz="914400" rtl="0" eaLnBrk="1" latinLnBrk="0" hangingPunct="1">
+      <a:defRPr sz="1800" kern="1200">
+        <a:solidFill>
+          <a:schemeClr val="tx1"/>
+        </a:solidFill>
+        <a:latin typeface="+mn-lt"/>
+        <a:ea typeface="+mn-ea"/>
+        <a:cs typeface="+mn-cs"/>
+      </a:defRPr>
+    </a:lvl9pPr>
+  </p:defaultTextStyle>
 </p:presentation>
 </file>
 
 <file path=ppt/slideLayouts/slideLayout1.xml><?xml version="1.0" encoding="utf-8"?>
-<p:sldLayout xmlns:a="http://schemas.openxmlformats.org/drawingml/2006/main" xmlns:p="http://schemas.openxmlformats.org/presentationml/2006/main" xmlns:r="http://schemas.openxmlformats.org/officeDocument/2006/relationships" xmlns:p14="http://schemas.microsoft.com/office/powerpoint/2010/main" xmlns:p15="http://schemas.microsoft.com/office/powerpoint/2012/main" xmlns:mc="http://schemas.openxmlformats.org/markup-compatibility/2006" type="blank" preserve="1">
+<p:sldLayout xmlns:a="http://schemas.openxmlformats.org/drawingml/2006/main" xmlns:r="http://schemas.openxmlformats.org/officeDocument/2006/relationships" xmlns:p="http://schemas.openxmlformats.org/presentationml/2006/main" type="blank" preserve="1">
   <p:cSld name="Blank Slide">
     <p:spTree>
       <p:nvGrpSpPr>
@@ -54,11 +151,14 @@
       </p:grpSpPr>
     </p:spTree>
   </p:cSld>
+  <p:clrMapOvr>
+    <a:masterClrMapping/>
+  </p:clrMapOvr>
 </p:sldLayout>
 </file>
 
 <file path=ppt/slideLayouts/slideLayout10.xml><?xml version="1.0" encoding="utf-8"?>
-<p:sldLayout xmlns:a="http://schemas.openxmlformats.org/drawingml/2006/main" xmlns:p="http://schemas.openxmlformats.org/presentationml/2006/main" xmlns:r="http://schemas.openxmlformats.org/officeDocument/2006/relationships" xmlns:p14="http://schemas.microsoft.com/office/powerpoint/2010/main" xmlns:p15="http://schemas.microsoft.com/office/powerpoint/2012/main" xmlns:mc="http://schemas.openxmlformats.org/markup-compatibility/2006" type="objOverTx" preserve="1">
+<p:sldLayout xmlns:a="http://schemas.openxmlformats.org/drawingml/2006/main" xmlns:r="http://schemas.openxmlformats.org/officeDocument/2006/relationships" xmlns:p="http://schemas.openxmlformats.org/presentationml/2006/main" type="objOverTx" preserve="1">
   <p:cSld name="Title, Content over Content">
     <p:spTree>
       <p:nvGrpSpPr>
@@ -94,9 +194,10 @@
           </a:prstGeom>
         </p:spPr>
         <p:txBody>
-          <a:bodyPr lIns="0" rIns="0" tIns="0" bIns="0" anchor="ctr"/>
-          <a:p>
-            <a:endParaRPr b="0" lang="zh-CN" sz="1800" spc="-1" strike="noStrike">
+          <a:bodyPr lIns="0" tIns="0" rIns="0" bIns="0" anchor="ctr"/>
+          <a:lstStyle/>
+          <a:p>
+            <a:endParaRPr lang="zh-CN" sz="1800" b="0" strike="noStrike" spc="-1">
               <a:solidFill>
                 <a:srgbClr val="000000"/>
               </a:solidFill>
@@ -125,11 +226,12 @@
           </a:prstGeom>
         </p:spPr>
         <p:txBody>
-          <a:bodyPr lIns="0" rIns="0" tIns="0" bIns="0">
+          <a:bodyPr lIns="0" tIns="0" rIns="0" bIns="0">
             <a:normAutofit/>
           </a:bodyPr>
-          <a:p>
-            <a:endParaRPr b="0" lang="zh-CN" sz="1800" spc="-1" strike="noStrike">
+          <a:lstStyle/>
+          <a:p>
+            <a:endParaRPr lang="zh-CN" sz="1800" b="0" strike="noStrike" spc="-1">
               <a:solidFill>
                 <a:srgbClr val="000000"/>
               </a:solidFill>
@@ -158,11 +260,12 @@
           </a:prstGeom>
         </p:spPr>
         <p:txBody>
-          <a:bodyPr lIns="0" rIns="0" tIns="0" bIns="0">
+          <a:bodyPr lIns="0" tIns="0" rIns="0" bIns="0">
             <a:normAutofit/>
           </a:bodyPr>
-          <a:p>
-            <a:endParaRPr b="0" lang="zh-CN" sz="1800" spc="-1" strike="noStrike">
+          <a:lstStyle/>
+          <a:p>
+            <a:endParaRPr lang="zh-CN" sz="1800" b="0" strike="noStrike" spc="-1">
               <a:solidFill>
                 <a:srgbClr val="000000"/>
               </a:solidFill>
@@ -173,11 +276,14 @@
       </p:sp>
     </p:spTree>
   </p:cSld>
+  <p:clrMapOvr>
+    <a:masterClrMapping/>
+  </p:clrMapOvr>
 </p:sldLayout>
 </file>
 
 <file path=ppt/slideLayouts/slideLayout11.xml><?xml version="1.0" encoding="utf-8"?>
-<p:sldLayout xmlns:a="http://schemas.openxmlformats.org/drawingml/2006/main" xmlns:p="http://schemas.openxmlformats.org/presentationml/2006/main" xmlns:r="http://schemas.openxmlformats.org/officeDocument/2006/relationships" xmlns:p14="http://schemas.microsoft.com/office/powerpoint/2010/main" xmlns:p15="http://schemas.microsoft.com/office/powerpoint/2012/main" xmlns:mc="http://schemas.openxmlformats.org/markup-compatibility/2006" type="fourObj" preserve="1">
+<p:sldLayout xmlns:a="http://schemas.openxmlformats.org/drawingml/2006/main" xmlns:r="http://schemas.openxmlformats.org/officeDocument/2006/relationships" xmlns:p="http://schemas.openxmlformats.org/presentationml/2006/main" type="fourObj" preserve="1">
   <p:cSld name="Title, 4 Content">
     <p:spTree>
       <p:nvGrpSpPr>
@@ -213,9 +319,10 @@
           </a:prstGeom>
         </p:spPr>
         <p:txBody>
-          <a:bodyPr lIns="0" rIns="0" tIns="0" bIns="0" anchor="ctr"/>
-          <a:p>
-            <a:endParaRPr b="0" lang="zh-CN" sz="1800" spc="-1" strike="noStrike">
+          <a:bodyPr lIns="0" tIns="0" rIns="0" bIns="0" anchor="ctr"/>
+          <a:lstStyle/>
+          <a:p>
+            <a:endParaRPr lang="zh-CN" sz="1800" b="0" strike="noStrike" spc="-1">
               <a:solidFill>
                 <a:srgbClr val="000000"/>
               </a:solidFill>
@@ -244,11 +351,12 @@
           </a:prstGeom>
         </p:spPr>
         <p:txBody>
-          <a:bodyPr lIns="0" rIns="0" tIns="0" bIns="0">
+          <a:bodyPr lIns="0" tIns="0" rIns="0" bIns="0">
             <a:normAutofit/>
           </a:bodyPr>
-          <a:p>
-            <a:endParaRPr b="0" lang="zh-CN" sz="1800" spc="-1" strike="noStrike">
+          <a:lstStyle/>
+          <a:p>
+            <a:endParaRPr lang="zh-CN" sz="1800" b="0" strike="noStrike" spc="-1">
               <a:solidFill>
                 <a:srgbClr val="000000"/>
               </a:solidFill>
@@ -277,11 +385,12 @@
           </a:prstGeom>
         </p:spPr>
         <p:txBody>
-          <a:bodyPr lIns="0" rIns="0" tIns="0" bIns="0">
+          <a:bodyPr lIns="0" tIns="0" rIns="0" bIns="0">
             <a:normAutofit/>
           </a:bodyPr>
-          <a:p>
-            <a:endParaRPr b="0" lang="zh-CN" sz="1800" spc="-1" strike="noStrike">
+          <a:lstStyle/>
+          <a:p>
+            <a:endParaRPr lang="zh-CN" sz="1800" b="0" strike="noStrike" spc="-1">
               <a:solidFill>
                 <a:srgbClr val="000000"/>
               </a:solidFill>
@@ -310,11 +419,12 @@
           </a:prstGeom>
         </p:spPr>
         <p:txBody>
-          <a:bodyPr lIns="0" rIns="0" tIns="0" bIns="0">
+          <a:bodyPr lIns="0" tIns="0" rIns="0" bIns="0">
             <a:normAutofit/>
           </a:bodyPr>
-          <a:p>
-            <a:endParaRPr b="0" lang="zh-CN" sz="1800" spc="-1" strike="noStrike">
+          <a:lstStyle/>
+          <a:p>
+            <a:endParaRPr lang="zh-CN" sz="1800" b="0" strike="noStrike" spc="-1">
               <a:solidFill>
                 <a:srgbClr val="000000"/>
               </a:solidFill>
@@ -343,11 +453,12 @@
           </a:prstGeom>
         </p:spPr>
         <p:txBody>
-          <a:bodyPr lIns="0" rIns="0" tIns="0" bIns="0">
+          <a:bodyPr lIns="0" tIns="0" rIns="0" bIns="0">
             <a:normAutofit/>
           </a:bodyPr>
-          <a:p>
-            <a:endParaRPr b="0" lang="zh-CN" sz="1800" spc="-1" strike="noStrike">
+          <a:lstStyle/>
+          <a:p>
+            <a:endParaRPr lang="zh-CN" sz="1800" b="0" strike="noStrike" spc="-1">
               <a:solidFill>
                 <a:srgbClr val="000000"/>
               </a:solidFill>
@@ -358,11 +469,14 @@
       </p:sp>
     </p:spTree>
   </p:cSld>
+  <p:clrMapOvr>
+    <a:masterClrMapping/>
+  </p:clrMapOvr>
 </p:sldLayout>
 </file>
 
 <file path=ppt/slideLayouts/slideLayout12.xml><?xml version="1.0" encoding="utf-8"?>
-<p:sldLayout xmlns:a="http://schemas.openxmlformats.org/drawingml/2006/main" xmlns:p="http://schemas.openxmlformats.org/presentationml/2006/main" xmlns:r="http://schemas.openxmlformats.org/officeDocument/2006/relationships" xmlns:p14="http://schemas.microsoft.com/office/powerpoint/2010/main" xmlns:p15="http://schemas.microsoft.com/office/powerpoint/2012/main" xmlns:mc="http://schemas.openxmlformats.org/markup-compatibility/2006" type="blank" preserve="1">
+<p:sldLayout xmlns:a="http://schemas.openxmlformats.org/drawingml/2006/main" xmlns:r="http://schemas.openxmlformats.org/officeDocument/2006/relationships" xmlns:p="http://schemas.openxmlformats.org/presentationml/2006/main" type="blank" preserve="1">
   <p:cSld name="Title, 6 Content">
     <p:spTree>
       <p:nvGrpSpPr>
@@ -398,9 +512,10 @@
           </a:prstGeom>
         </p:spPr>
         <p:txBody>
-          <a:bodyPr lIns="0" rIns="0" tIns="0" bIns="0" anchor="ctr"/>
-          <a:p>
-            <a:endParaRPr b="0" lang="zh-CN" sz="1800" spc="-1" strike="noStrike">
+          <a:bodyPr lIns="0" tIns="0" rIns="0" bIns="0" anchor="ctr"/>
+          <a:lstStyle/>
+          <a:p>
+            <a:endParaRPr lang="zh-CN" sz="1800" b="0" strike="noStrike" spc="-1">
               <a:solidFill>
                 <a:srgbClr val="000000"/>
               </a:solidFill>
@@ -429,11 +544,12 @@
           </a:prstGeom>
         </p:spPr>
         <p:txBody>
-          <a:bodyPr lIns="0" rIns="0" tIns="0" bIns="0">
+          <a:bodyPr lIns="0" tIns="0" rIns="0" bIns="0">
             <a:normAutofit/>
           </a:bodyPr>
-          <a:p>
-            <a:endParaRPr b="0" lang="zh-CN" sz="1800" spc="-1" strike="noStrike">
+          <a:lstStyle/>
+          <a:p>
+            <a:endParaRPr lang="zh-CN" sz="1800" b="0" strike="noStrike" spc="-1">
               <a:solidFill>
                 <a:srgbClr val="000000"/>
               </a:solidFill>
@@ -462,11 +578,12 @@
           </a:prstGeom>
         </p:spPr>
         <p:txBody>
-          <a:bodyPr lIns="0" rIns="0" tIns="0" bIns="0">
+          <a:bodyPr lIns="0" tIns="0" rIns="0" bIns="0">
             <a:normAutofit/>
           </a:bodyPr>
-          <a:p>
-            <a:endParaRPr b="0" lang="zh-CN" sz="1800" spc="-1" strike="noStrike">
+          <a:lstStyle/>
+          <a:p>
+            <a:endParaRPr lang="zh-CN" sz="1800" b="0" strike="noStrike" spc="-1">
               <a:solidFill>
                 <a:srgbClr val="000000"/>
               </a:solidFill>
@@ -495,11 +612,12 @@
           </a:prstGeom>
         </p:spPr>
         <p:txBody>
-          <a:bodyPr lIns="0" rIns="0" tIns="0" bIns="0">
+          <a:bodyPr lIns="0" tIns="0" rIns="0" bIns="0">
             <a:normAutofit/>
           </a:bodyPr>
-          <a:p>
-            <a:endParaRPr b="0" lang="zh-CN" sz="1800" spc="-1" strike="noStrike">
+          <a:lstStyle/>
+          <a:p>
+            <a:endParaRPr lang="zh-CN" sz="1800" b="0" strike="noStrike" spc="-1">
               <a:solidFill>
                 <a:srgbClr val="000000"/>
               </a:solidFill>
@@ -528,11 +646,12 @@
           </a:prstGeom>
         </p:spPr>
         <p:txBody>
-          <a:bodyPr lIns="0" rIns="0" tIns="0" bIns="0">
+          <a:bodyPr lIns="0" tIns="0" rIns="0" bIns="0">
             <a:normAutofit/>
           </a:bodyPr>
-          <a:p>
-            <a:endParaRPr b="0" lang="zh-CN" sz="1800" spc="-1" strike="noStrike">
+          <a:lstStyle/>
+          <a:p>
+            <a:endParaRPr lang="zh-CN" sz="1800" b="0" strike="noStrike" spc="-1">
               <a:solidFill>
                 <a:srgbClr val="000000"/>
               </a:solidFill>
@@ -561,11 +680,12 @@
           </a:prstGeom>
         </p:spPr>
         <p:txBody>
-          <a:bodyPr lIns="0" rIns="0" tIns="0" bIns="0">
+          <a:bodyPr lIns="0" tIns="0" rIns="0" bIns="0">
             <a:normAutofit/>
           </a:bodyPr>
-          <a:p>
-            <a:endParaRPr b="0" lang="zh-CN" sz="1800" spc="-1" strike="noStrike">
+          <a:lstStyle/>
+          <a:p>
+            <a:endParaRPr lang="zh-CN" sz="1800" b="0" strike="noStrike" spc="-1">
               <a:solidFill>
                 <a:srgbClr val="000000"/>
               </a:solidFill>
@@ -594,11 +714,12 @@
           </a:prstGeom>
         </p:spPr>
         <p:txBody>
-          <a:bodyPr lIns="0" rIns="0" tIns="0" bIns="0">
+          <a:bodyPr lIns="0" tIns="0" rIns="0" bIns="0">
             <a:normAutofit/>
           </a:bodyPr>
-          <a:p>
-            <a:endParaRPr b="0" lang="zh-CN" sz="1800" spc="-1" strike="noStrike">
+          <a:lstStyle/>
+          <a:p>
+            <a:endParaRPr lang="zh-CN" sz="1800" b="0" strike="noStrike" spc="-1">
               <a:solidFill>
                 <a:srgbClr val="000000"/>
               </a:solidFill>
@@ -609,11 +730,14 @@
       </p:sp>
     </p:spTree>
   </p:cSld>
+  <p:clrMapOvr>
+    <a:masterClrMapping/>
+  </p:clrMapOvr>
 </p:sldLayout>
 </file>
 
 <file path=ppt/slideLayouts/slideLayout13.xml><?xml version="1.0" encoding="utf-8"?>
-<p:sldLayout xmlns:a="http://schemas.openxmlformats.org/drawingml/2006/main" xmlns:p="http://schemas.openxmlformats.org/presentationml/2006/main" xmlns:r="http://schemas.openxmlformats.org/officeDocument/2006/relationships" xmlns:p14="http://schemas.microsoft.com/office/powerpoint/2010/main" xmlns:p15="http://schemas.microsoft.com/office/powerpoint/2012/main" xmlns:mc="http://schemas.openxmlformats.org/markup-compatibility/2006" type="blank" preserve="1">
+<p:sldLayout xmlns:a="http://schemas.openxmlformats.org/drawingml/2006/main" xmlns:r="http://schemas.openxmlformats.org/officeDocument/2006/relationships" xmlns:p="http://schemas.openxmlformats.org/presentationml/2006/main" type="blank" preserve="1">
   <p:cSld name="Blank Slide">
     <p:spTree>
       <p:nvGrpSpPr>
@@ -631,11 +755,14 @@
       </p:grpSpPr>
     </p:spTree>
   </p:cSld>
+  <p:clrMapOvr>
+    <a:masterClrMapping/>
+  </p:clrMapOvr>
 </p:sldLayout>
 </file>
 
 <file path=ppt/slideLayouts/slideLayout14.xml><?xml version="1.0" encoding="utf-8"?>
-<p:sldLayout xmlns:a="http://schemas.openxmlformats.org/drawingml/2006/main" xmlns:p="http://schemas.openxmlformats.org/presentationml/2006/main" xmlns:r="http://schemas.openxmlformats.org/officeDocument/2006/relationships" xmlns:p14="http://schemas.microsoft.com/office/powerpoint/2010/main" xmlns:p15="http://schemas.microsoft.com/office/powerpoint/2012/main" xmlns:mc="http://schemas.openxmlformats.org/markup-compatibility/2006" type="tx" preserve="1">
+<p:sldLayout xmlns:a="http://schemas.openxmlformats.org/drawingml/2006/main" xmlns:r="http://schemas.openxmlformats.org/officeDocument/2006/relationships" xmlns:p="http://schemas.openxmlformats.org/presentationml/2006/main" type="tx" preserve="1">
   <p:cSld name="Title Slide">
     <p:spTree>
       <p:nvGrpSpPr>
@@ -671,9 +798,10 @@
           </a:prstGeom>
         </p:spPr>
         <p:txBody>
-          <a:bodyPr lIns="0" rIns="0" tIns="0" bIns="0" anchor="ctr"/>
-          <a:p>
-            <a:endParaRPr b="0" lang="zh-CN" sz="1800" spc="-1" strike="noStrike">
+          <a:bodyPr lIns="0" tIns="0" rIns="0" bIns="0" anchor="ctr"/>
+          <a:lstStyle/>
+          <a:p>
+            <a:endParaRPr lang="zh-CN" sz="1800" b="0" strike="noStrike" spc="-1">
               <a:solidFill>
                 <a:srgbClr val="000000"/>
               </a:solidFill>
@@ -702,10 +830,11 @@
           </a:prstGeom>
         </p:spPr>
         <p:txBody>
-          <a:bodyPr lIns="0" rIns="0" tIns="0" bIns="0" anchor="ctr"/>
+          <a:bodyPr lIns="0" tIns="0" rIns="0" bIns="0" anchor="ctr"/>
+          <a:lstStyle/>
           <a:p>
             <a:pPr algn="ctr"/>
-            <a:endParaRPr b="0" lang="en-US" sz="3200" spc="-1" strike="noStrike">
+            <a:endParaRPr lang="en-US" sz="3200" b="0" strike="noStrike" spc="-1">
               <a:latin typeface="Arial"/>
             </a:endParaRPr>
           </a:p>
@@ -713,11 +842,14 @@
       </p:sp>
     </p:spTree>
   </p:cSld>
+  <p:clrMapOvr>
+    <a:masterClrMapping/>
+  </p:clrMapOvr>
 </p:sldLayout>
 </file>
 
 <file path=ppt/slideLayouts/slideLayout15.xml><?xml version="1.0" encoding="utf-8"?>
-<p:sldLayout xmlns:a="http://schemas.openxmlformats.org/drawingml/2006/main" xmlns:p="http://schemas.openxmlformats.org/presentationml/2006/main" xmlns:r="http://schemas.openxmlformats.org/officeDocument/2006/relationships" xmlns:p14="http://schemas.microsoft.com/office/powerpoint/2010/main" xmlns:p15="http://schemas.microsoft.com/office/powerpoint/2012/main" xmlns:mc="http://schemas.openxmlformats.org/markup-compatibility/2006" type="obj" preserve="1">
+<p:sldLayout xmlns:a="http://schemas.openxmlformats.org/drawingml/2006/main" xmlns:r="http://schemas.openxmlformats.org/officeDocument/2006/relationships" xmlns:p="http://schemas.openxmlformats.org/presentationml/2006/main" type="obj" preserve="1">
   <p:cSld name="Title, Content">
     <p:spTree>
       <p:nvGrpSpPr>
@@ -753,9 +885,10 @@
           </a:prstGeom>
         </p:spPr>
         <p:txBody>
-          <a:bodyPr lIns="0" rIns="0" tIns="0" bIns="0" anchor="ctr"/>
-          <a:p>
-            <a:endParaRPr b="0" lang="zh-CN" sz="1800" spc="-1" strike="noStrike">
+          <a:bodyPr lIns="0" tIns="0" rIns="0" bIns="0" anchor="ctr"/>
+          <a:lstStyle/>
+          <a:p>
+            <a:endParaRPr lang="zh-CN" sz="1800" b="0" strike="noStrike" spc="-1">
               <a:solidFill>
                 <a:srgbClr val="000000"/>
               </a:solidFill>
@@ -784,11 +917,12 @@
           </a:prstGeom>
         </p:spPr>
         <p:txBody>
-          <a:bodyPr lIns="0" rIns="0" tIns="0" bIns="0">
+          <a:bodyPr lIns="0" tIns="0" rIns="0" bIns="0">
             <a:normAutofit/>
           </a:bodyPr>
-          <a:p>
-            <a:endParaRPr b="0" lang="zh-CN" sz="1800" spc="-1" strike="noStrike">
+          <a:lstStyle/>
+          <a:p>
+            <a:endParaRPr lang="zh-CN" sz="1800" b="0" strike="noStrike" spc="-1">
               <a:solidFill>
                 <a:srgbClr val="000000"/>
               </a:solidFill>
@@ -799,11 +933,14 @@
       </p:sp>
     </p:spTree>
   </p:cSld>
+  <p:clrMapOvr>
+    <a:masterClrMapping/>
+  </p:clrMapOvr>
 </p:sldLayout>
 </file>
 
 <file path=ppt/slideLayouts/slideLayout16.xml><?xml version="1.0" encoding="utf-8"?>
-<p:sldLayout xmlns:a="http://schemas.openxmlformats.org/drawingml/2006/main" xmlns:p="http://schemas.openxmlformats.org/presentationml/2006/main" xmlns:r="http://schemas.openxmlformats.org/officeDocument/2006/relationships" xmlns:p14="http://schemas.microsoft.com/office/powerpoint/2010/main" xmlns:p15="http://schemas.microsoft.com/office/powerpoint/2012/main" xmlns:mc="http://schemas.openxmlformats.org/markup-compatibility/2006" type="twoObj" preserve="1">
+<p:sldLayout xmlns:a="http://schemas.openxmlformats.org/drawingml/2006/main" xmlns:r="http://schemas.openxmlformats.org/officeDocument/2006/relationships" xmlns:p="http://schemas.openxmlformats.org/presentationml/2006/main" type="twoObj" preserve="1">
   <p:cSld name="Title, 2 Content">
     <p:spTree>
       <p:nvGrpSpPr>
@@ -839,9 +976,10 @@
           </a:prstGeom>
         </p:spPr>
         <p:txBody>
-          <a:bodyPr lIns="0" rIns="0" tIns="0" bIns="0" anchor="ctr"/>
-          <a:p>
-            <a:endParaRPr b="0" lang="zh-CN" sz="1800" spc="-1" strike="noStrike">
+          <a:bodyPr lIns="0" tIns="0" rIns="0" bIns="0" anchor="ctr"/>
+          <a:lstStyle/>
+          <a:p>
+            <a:endParaRPr lang="zh-CN" sz="1800" b="0" strike="noStrike" spc="-1">
               <a:solidFill>
                 <a:srgbClr val="000000"/>
               </a:solidFill>
@@ -870,11 +1008,12 @@
           </a:prstGeom>
         </p:spPr>
         <p:txBody>
-          <a:bodyPr lIns="0" rIns="0" tIns="0" bIns="0">
+          <a:bodyPr lIns="0" tIns="0" rIns="0" bIns="0">
             <a:normAutofit/>
           </a:bodyPr>
-          <a:p>
-            <a:endParaRPr b="0" lang="zh-CN" sz="1800" spc="-1" strike="noStrike">
+          <a:lstStyle/>
+          <a:p>
+            <a:endParaRPr lang="zh-CN" sz="1800" b="0" strike="noStrike" spc="-1">
               <a:solidFill>
                 <a:srgbClr val="000000"/>
               </a:solidFill>
@@ -903,11 +1042,12 @@
           </a:prstGeom>
         </p:spPr>
         <p:txBody>
-          <a:bodyPr lIns="0" rIns="0" tIns="0" bIns="0">
+          <a:bodyPr lIns="0" tIns="0" rIns="0" bIns="0">
             <a:normAutofit/>
           </a:bodyPr>
-          <a:p>
-            <a:endParaRPr b="0" lang="zh-CN" sz="1800" spc="-1" strike="noStrike">
+          <a:lstStyle/>
+          <a:p>
+            <a:endParaRPr lang="zh-CN" sz="1800" b="0" strike="noStrike" spc="-1">
               <a:solidFill>
                 <a:srgbClr val="000000"/>
               </a:solidFill>
@@ -918,11 +1058,14 @@
       </p:sp>
     </p:spTree>
   </p:cSld>
+  <p:clrMapOvr>
+    <a:masterClrMapping/>
+  </p:clrMapOvr>
 </p:sldLayout>
 </file>
 
 <file path=ppt/slideLayouts/slideLayout17.xml><?xml version="1.0" encoding="utf-8"?>
-<p:sldLayout xmlns:a="http://schemas.openxmlformats.org/drawingml/2006/main" xmlns:p="http://schemas.openxmlformats.org/presentationml/2006/main" xmlns:r="http://schemas.openxmlformats.org/officeDocument/2006/relationships" xmlns:p14="http://schemas.microsoft.com/office/powerpoint/2010/main" xmlns:p15="http://schemas.microsoft.com/office/powerpoint/2012/main" xmlns:mc="http://schemas.openxmlformats.org/markup-compatibility/2006" type="titleOnly" preserve="1">
+<p:sldLayout xmlns:a="http://schemas.openxmlformats.org/drawingml/2006/main" xmlns:r="http://schemas.openxmlformats.org/officeDocument/2006/relationships" xmlns:p="http://schemas.openxmlformats.org/presentationml/2006/main" type="titleOnly" preserve="1">
   <p:cSld name="Title Only">
     <p:spTree>
       <p:nvGrpSpPr>
@@ -958,9 +1101,10 @@
           </a:prstGeom>
         </p:spPr>
         <p:txBody>
-          <a:bodyPr lIns="0" rIns="0" tIns="0" bIns="0" anchor="ctr"/>
-          <a:p>
-            <a:endParaRPr b="0" lang="zh-CN" sz="1800" spc="-1" strike="noStrike">
+          <a:bodyPr lIns="0" tIns="0" rIns="0" bIns="0" anchor="ctr"/>
+          <a:lstStyle/>
+          <a:p>
+            <a:endParaRPr lang="zh-CN" sz="1800" b="0" strike="noStrike" spc="-1">
               <a:solidFill>
                 <a:srgbClr val="000000"/>
               </a:solidFill>
@@ -971,11 +1115,14 @@
       </p:sp>
     </p:spTree>
   </p:cSld>
+  <p:clrMapOvr>
+    <a:masterClrMapping/>
+  </p:clrMapOvr>
 </p:sldLayout>
 </file>
 
 <file path=ppt/slideLayouts/slideLayout18.xml><?xml version="1.0" encoding="utf-8"?>
-<p:sldLayout xmlns:a="http://schemas.openxmlformats.org/drawingml/2006/main" xmlns:p="http://schemas.openxmlformats.org/presentationml/2006/main" xmlns:r="http://schemas.openxmlformats.org/officeDocument/2006/relationships" xmlns:p14="http://schemas.microsoft.com/office/powerpoint/2010/main" xmlns:p15="http://schemas.microsoft.com/office/powerpoint/2012/main" xmlns:mc="http://schemas.openxmlformats.org/markup-compatibility/2006" type="objOnly" preserve="1">
+<p:sldLayout xmlns:a="http://schemas.openxmlformats.org/drawingml/2006/main" xmlns:r="http://schemas.openxmlformats.org/officeDocument/2006/relationships" xmlns:p="http://schemas.openxmlformats.org/presentationml/2006/main" type="objOnly" preserve="1">
   <p:cSld name="Centered Text">
     <p:spTree>
       <p:nvGrpSpPr>
@@ -1011,10 +1158,11 @@
           </a:prstGeom>
         </p:spPr>
         <p:txBody>
-          <a:bodyPr lIns="0" rIns="0" tIns="0" bIns="0" anchor="ctr"/>
+          <a:bodyPr lIns="0" tIns="0" rIns="0" bIns="0" anchor="ctr"/>
+          <a:lstStyle/>
           <a:p>
             <a:pPr algn="ctr"/>
-            <a:endParaRPr b="0" lang="en-US" sz="3200" spc="-1" strike="noStrike">
+            <a:endParaRPr lang="en-US" sz="3200" b="0" strike="noStrike" spc="-1">
               <a:latin typeface="Arial"/>
             </a:endParaRPr>
           </a:p>
@@ -1022,11 +1170,14 @@
       </p:sp>
     </p:spTree>
   </p:cSld>
+  <p:clrMapOvr>
+    <a:masterClrMapping/>
+  </p:clrMapOvr>
 </p:sldLayout>
 </file>
 
 <file path=ppt/slideLayouts/slideLayout19.xml><?xml version="1.0" encoding="utf-8"?>
-<p:sldLayout xmlns:a="http://schemas.openxmlformats.org/drawingml/2006/main" xmlns:p="http://schemas.openxmlformats.org/presentationml/2006/main" xmlns:r="http://schemas.openxmlformats.org/officeDocument/2006/relationships" xmlns:p14="http://schemas.microsoft.com/office/powerpoint/2010/main" xmlns:p15="http://schemas.microsoft.com/office/powerpoint/2012/main" xmlns:mc="http://schemas.openxmlformats.org/markup-compatibility/2006" type="twoObjAndObj" preserve="1">
+<p:sldLayout xmlns:a="http://schemas.openxmlformats.org/drawingml/2006/main" xmlns:r="http://schemas.openxmlformats.org/officeDocument/2006/relationships" xmlns:p="http://schemas.openxmlformats.org/presentationml/2006/main" type="twoObjAndObj" preserve="1">
   <p:cSld name="Title, 2 Content and Content">
     <p:spTree>
       <p:nvGrpSpPr>
@@ -1062,9 +1213,10 @@
           </a:prstGeom>
         </p:spPr>
         <p:txBody>
-          <a:bodyPr lIns="0" rIns="0" tIns="0" bIns="0" anchor="ctr"/>
-          <a:p>
-            <a:endParaRPr b="0" lang="zh-CN" sz="1800" spc="-1" strike="noStrike">
+          <a:bodyPr lIns="0" tIns="0" rIns="0" bIns="0" anchor="ctr"/>
+          <a:lstStyle/>
+          <a:p>
+            <a:endParaRPr lang="zh-CN" sz="1800" b="0" strike="noStrike" spc="-1">
               <a:solidFill>
                 <a:srgbClr val="000000"/>
               </a:solidFill>
@@ -1093,11 +1245,12 @@
           </a:prstGeom>
         </p:spPr>
         <p:txBody>
-          <a:bodyPr lIns="0" rIns="0" tIns="0" bIns="0">
+          <a:bodyPr lIns="0" tIns="0" rIns="0" bIns="0">
             <a:normAutofit/>
           </a:bodyPr>
-          <a:p>
-            <a:endParaRPr b="0" lang="zh-CN" sz="1800" spc="-1" strike="noStrike">
+          <a:lstStyle/>
+          <a:p>
+            <a:endParaRPr lang="zh-CN" sz="1800" b="0" strike="noStrike" spc="-1">
               <a:solidFill>
                 <a:srgbClr val="000000"/>
               </a:solidFill>
@@ -1126,11 +1279,12 @@
           </a:prstGeom>
         </p:spPr>
         <p:txBody>
-          <a:bodyPr lIns="0" rIns="0" tIns="0" bIns="0">
+          <a:bodyPr lIns="0" tIns="0" rIns="0" bIns="0">
             <a:normAutofit/>
           </a:bodyPr>
-          <a:p>
-            <a:endParaRPr b="0" lang="zh-CN" sz="1800" spc="-1" strike="noStrike">
+          <a:lstStyle/>
+          <a:p>
+            <a:endParaRPr lang="zh-CN" sz="1800" b="0" strike="noStrike" spc="-1">
               <a:solidFill>
                 <a:srgbClr val="000000"/>
               </a:solidFill>
@@ -1159,11 +1313,12 @@
           </a:prstGeom>
         </p:spPr>
         <p:txBody>
-          <a:bodyPr lIns="0" rIns="0" tIns="0" bIns="0">
+          <a:bodyPr lIns="0" tIns="0" rIns="0" bIns="0">
             <a:normAutofit/>
           </a:bodyPr>
-          <a:p>
-            <a:endParaRPr b="0" lang="zh-CN" sz="1800" spc="-1" strike="noStrike">
+          <a:lstStyle/>
+          <a:p>
+            <a:endParaRPr lang="zh-CN" sz="1800" b="0" strike="noStrike" spc="-1">
               <a:solidFill>
                 <a:srgbClr val="000000"/>
               </a:solidFill>
@@ -1174,11 +1329,14 @@
       </p:sp>
     </p:spTree>
   </p:cSld>
+  <p:clrMapOvr>
+    <a:masterClrMapping/>
+  </p:clrMapOvr>
 </p:sldLayout>
 </file>
 
 <file path=ppt/slideLayouts/slideLayout2.xml><?xml version="1.0" encoding="utf-8"?>
-<p:sldLayout xmlns:a="http://schemas.openxmlformats.org/drawingml/2006/main" xmlns:p="http://schemas.openxmlformats.org/presentationml/2006/main" xmlns:r="http://schemas.openxmlformats.org/officeDocument/2006/relationships" xmlns:p14="http://schemas.microsoft.com/office/powerpoint/2010/main" xmlns:p15="http://schemas.microsoft.com/office/powerpoint/2012/main" xmlns:mc="http://schemas.openxmlformats.org/markup-compatibility/2006" type="tx" preserve="1">
+<p:sldLayout xmlns:a="http://schemas.openxmlformats.org/drawingml/2006/main" xmlns:r="http://schemas.openxmlformats.org/officeDocument/2006/relationships" xmlns:p="http://schemas.openxmlformats.org/presentationml/2006/main" type="tx" preserve="1">
   <p:cSld name="Title Slide">
     <p:spTree>
       <p:nvGrpSpPr>
@@ -1214,9 +1372,10 @@
           </a:prstGeom>
         </p:spPr>
         <p:txBody>
-          <a:bodyPr lIns="0" rIns="0" tIns="0" bIns="0" anchor="ctr"/>
-          <a:p>
-            <a:endParaRPr b="0" lang="zh-CN" sz="1800" spc="-1" strike="noStrike">
+          <a:bodyPr lIns="0" tIns="0" rIns="0" bIns="0" anchor="ctr"/>
+          <a:lstStyle/>
+          <a:p>
+            <a:endParaRPr lang="zh-CN" sz="1800" b="0" strike="noStrike" spc="-1">
               <a:solidFill>
                 <a:srgbClr val="000000"/>
               </a:solidFill>
@@ -1245,10 +1404,11 @@
           </a:prstGeom>
         </p:spPr>
         <p:txBody>
-          <a:bodyPr lIns="0" rIns="0" tIns="0" bIns="0" anchor="ctr"/>
+          <a:bodyPr lIns="0" tIns="0" rIns="0" bIns="0" anchor="ctr"/>
+          <a:lstStyle/>
           <a:p>
             <a:pPr algn="ctr"/>
-            <a:endParaRPr b="0" lang="en-US" sz="3200" spc="-1" strike="noStrike">
+            <a:endParaRPr lang="en-US" sz="3200" b="0" strike="noStrike" spc="-1">
               <a:latin typeface="Arial"/>
             </a:endParaRPr>
           </a:p>
@@ -1256,11 +1416,14 @@
       </p:sp>
     </p:spTree>
   </p:cSld>
+  <p:clrMapOvr>
+    <a:masterClrMapping/>
+  </p:clrMapOvr>
 </p:sldLayout>
 </file>
 
 <file path=ppt/slideLayouts/slideLayout20.xml><?xml version="1.0" encoding="utf-8"?>
-<p:sldLayout xmlns:a="http://schemas.openxmlformats.org/drawingml/2006/main" xmlns:p="http://schemas.openxmlformats.org/presentationml/2006/main" xmlns:r="http://schemas.openxmlformats.org/officeDocument/2006/relationships" xmlns:p14="http://schemas.microsoft.com/office/powerpoint/2010/main" xmlns:p15="http://schemas.microsoft.com/office/powerpoint/2012/main" xmlns:mc="http://schemas.openxmlformats.org/markup-compatibility/2006" type="objAndTwoObj" preserve="1">
+<p:sldLayout xmlns:a="http://schemas.openxmlformats.org/drawingml/2006/main" xmlns:r="http://schemas.openxmlformats.org/officeDocument/2006/relationships" xmlns:p="http://schemas.openxmlformats.org/presentationml/2006/main" type="objAndTwoObj" preserve="1">
   <p:cSld name="Title Content and 2 Content">
     <p:spTree>
       <p:nvGrpSpPr>
@@ -1296,9 +1459,10 @@
           </a:prstGeom>
         </p:spPr>
         <p:txBody>
-          <a:bodyPr lIns="0" rIns="0" tIns="0" bIns="0" anchor="ctr"/>
-          <a:p>
-            <a:endParaRPr b="0" lang="zh-CN" sz="1800" spc="-1" strike="noStrike">
+          <a:bodyPr lIns="0" tIns="0" rIns="0" bIns="0" anchor="ctr"/>
+          <a:lstStyle/>
+          <a:p>
+            <a:endParaRPr lang="zh-CN" sz="1800" b="0" strike="noStrike" spc="-1">
               <a:solidFill>
                 <a:srgbClr val="000000"/>
               </a:solidFill>
@@ -1327,11 +1491,12 @@
           </a:prstGeom>
         </p:spPr>
         <p:txBody>
-          <a:bodyPr lIns="0" rIns="0" tIns="0" bIns="0">
+          <a:bodyPr lIns="0" tIns="0" rIns="0" bIns="0">
             <a:normAutofit/>
           </a:bodyPr>
-          <a:p>
-            <a:endParaRPr b="0" lang="zh-CN" sz="1800" spc="-1" strike="noStrike">
+          <a:lstStyle/>
+          <a:p>
+            <a:endParaRPr lang="zh-CN" sz="1800" b="0" strike="noStrike" spc="-1">
               <a:solidFill>
                 <a:srgbClr val="000000"/>
               </a:solidFill>
@@ -1360,11 +1525,12 @@
           </a:prstGeom>
         </p:spPr>
         <p:txBody>
-          <a:bodyPr lIns="0" rIns="0" tIns="0" bIns="0">
+          <a:bodyPr lIns="0" tIns="0" rIns="0" bIns="0">
             <a:normAutofit/>
           </a:bodyPr>
-          <a:p>
-            <a:endParaRPr b="0" lang="zh-CN" sz="1800" spc="-1" strike="noStrike">
+          <a:lstStyle/>
+          <a:p>
+            <a:endParaRPr lang="zh-CN" sz="1800" b="0" strike="noStrike" spc="-1">
               <a:solidFill>
                 <a:srgbClr val="000000"/>
               </a:solidFill>
@@ -1393,11 +1559,12 @@
           </a:prstGeom>
         </p:spPr>
         <p:txBody>
-          <a:bodyPr lIns="0" rIns="0" tIns="0" bIns="0">
+          <a:bodyPr lIns="0" tIns="0" rIns="0" bIns="0">
             <a:normAutofit/>
           </a:bodyPr>
-          <a:p>
-            <a:endParaRPr b="0" lang="zh-CN" sz="1800" spc="-1" strike="noStrike">
+          <a:lstStyle/>
+          <a:p>
+            <a:endParaRPr lang="zh-CN" sz="1800" b="0" strike="noStrike" spc="-1">
               <a:solidFill>
                 <a:srgbClr val="000000"/>
               </a:solidFill>
@@ -1408,11 +1575,14 @@
       </p:sp>
     </p:spTree>
   </p:cSld>
+  <p:clrMapOvr>
+    <a:masterClrMapping/>
+  </p:clrMapOvr>
 </p:sldLayout>
 </file>
 
 <file path=ppt/slideLayouts/slideLayout21.xml><?xml version="1.0" encoding="utf-8"?>
-<p:sldLayout xmlns:a="http://schemas.openxmlformats.org/drawingml/2006/main" xmlns:p="http://schemas.openxmlformats.org/presentationml/2006/main" xmlns:r="http://schemas.openxmlformats.org/officeDocument/2006/relationships" xmlns:p14="http://schemas.microsoft.com/office/powerpoint/2010/main" xmlns:p15="http://schemas.microsoft.com/office/powerpoint/2012/main" xmlns:mc="http://schemas.openxmlformats.org/markup-compatibility/2006" type="twoObjOverTx" preserve="1">
+<p:sldLayout xmlns:a="http://schemas.openxmlformats.org/drawingml/2006/main" xmlns:r="http://schemas.openxmlformats.org/officeDocument/2006/relationships" xmlns:p="http://schemas.openxmlformats.org/presentationml/2006/main" type="twoObjOverTx" preserve="1">
   <p:cSld name="Title, 2 Content over Content">
     <p:spTree>
       <p:nvGrpSpPr>
@@ -1448,9 +1618,10 @@
           </a:prstGeom>
         </p:spPr>
         <p:txBody>
-          <a:bodyPr lIns="0" rIns="0" tIns="0" bIns="0" anchor="ctr"/>
-          <a:p>
-            <a:endParaRPr b="0" lang="zh-CN" sz="1800" spc="-1" strike="noStrike">
+          <a:bodyPr lIns="0" tIns="0" rIns="0" bIns="0" anchor="ctr"/>
+          <a:lstStyle/>
+          <a:p>
+            <a:endParaRPr lang="zh-CN" sz="1800" b="0" strike="noStrike" spc="-1">
               <a:solidFill>
                 <a:srgbClr val="000000"/>
               </a:solidFill>
@@ -1479,11 +1650,12 @@
           </a:prstGeom>
         </p:spPr>
         <p:txBody>
-          <a:bodyPr lIns="0" rIns="0" tIns="0" bIns="0">
+          <a:bodyPr lIns="0" tIns="0" rIns="0" bIns="0">
             <a:normAutofit/>
           </a:bodyPr>
-          <a:p>
-            <a:endParaRPr b="0" lang="zh-CN" sz="1800" spc="-1" strike="noStrike">
+          <a:lstStyle/>
+          <a:p>
+            <a:endParaRPr lang="zh-CN" sz="1800" b="0" strike="noStrike" spc="-1">
               <a:solidFill>
                 <a:srgbClr val="000000"/>
               </a:solidFill>
@@ -1512,11 +1684,12 @@
           </a:prstGeom>
         </p:spPr>
         <p:txBody>
-          <a:bodyPr lIns="0" rIns="0" tIns="0" bIns="0">
+          <a:bodyPr lIns="0" tIns="0" rIns="0" bIns="0">
             <a:normAutofit/>
           </a:bodyPr>
-          <a:p>
-            <a:endParaRPr b="0" lang="zh-CN" sz="1800" spc="-1" strike="noStrike">
+          <a:lstStyle/>
+          <a:p>
+            <a:endParaRPr lang="zh-CN" sz="1800" b="0" strike="noStrike" spc="-1">
               <a:solidFill>
                 <a:srgbClr val="000000"/>
               </a:solidFill>
@@ -1545,11 +1718,12 @@
           </a:prstGeom>
         </p:spPr>
         <p:txBody>
-          <a:bodyPr lIns="0" rIns="0" tIns="0" bIns="0">
+          <a:bodyPr lIns="0" tIns="0" rIns="0" bIns="0">
             <a:normAutofit/>
           </a:bodyPr>
-          <a:p>
-            <a:endParaRPr b="0" lang="zh-CN" sz="1800" spc="-1" strike="noStrike">
+          <a:lstStyle/>
+          <a:p>
+            <a:endParaRPr lang="zh-CN" sz="1800" b="0" strike="noStrike" spc="-1">
               <a:solidFill>
                 <a:srgbClr val="000000"/>
               </a:solidFill>
@@ -1560,11 +1734,14 @@
       </p:sp>
     </p:spTree>
   </p:cSld>
+  <p:clrMapOvr>
+    <a:masterClrMapping/>
+  </p:clrMapOvr>
 </p:sldLayout>
 </file>
 
 <file path=ppt/slideLayouts/slideLayout22.xml><?xml version="1.0" encoding="utf-8"?>
-<p:sldLayout xmlns:a="http://schemas.openxmlformats.org/drawingml/2006/main" xmlns:p="http://schemas.openxmlformats.org/presentationml/2006/main" xmlns:r="http://schemas.openxmlformats.org/officeDocument/2006/relationships" xmlns:p14="http://schemas.microsoft.com/office/powerpoint/2010/main" xmlns:p15="http://schemas.microsoft.com/office/powerpoint/2012/main" xmlns:mc="http://schemas.openxmlformats.org/markup-compatibility/2006" type="objOverTx" preserve="1">
+<p:sldLayout xmlns:a="http://schemas.openxmlformats.org/drawingml/2006/main" xmlns:r="http://schemas.openxmlformats.org/officeDocument/2006/relationships" xmlns:p="http://schemas.openxmlformats.org/presentationml/2006/main" type="objOverTx" preserve="1">
   <p:cSld name="Title, Content over Content">
     <p:spTree>
       <p:nvGrpSpPr>
@@ -1600,9 +1777,10 @@
           </a:prstGeom>
         </p:spPr>
         <p:txBody>
-          <a:bodyPr lIns="0" rIns="0" tIns="0" bIns="0" anchor="ctr"/>
-          <a:p>
-            <a:endParaRPr b="0" lang="zh-CN" sz="1800" spc="-1" strike="noStrike">
+          <a:bodyPr lIns="0" tIns="0" rIns="0" bIns="0" anchor="ctr"/>
+          <a:lstStyle/>
+          <a:p>
+            <a:endParaRPr lang="zh-CN" sz="1800" b="0" strike="noStrike" spc="-1">
               <a:solidFill>
                 <a:srgbClr val="000000"/>
               </a:solidFill>
@@ -1631,11 +1809,12 @@
           </a:prstGeom>
         </p:spPr>
         <p:txBody>
-          <a:bodyPr lIns="0" rIns="0" tIns="0" bIns="0">
+          <a:bodyPr lIns="0" tIns="0" rIns="0" bIns="0">
             <a:normAutofit/>
           </a:bodyPr>
-          <a:p>
-            <a:endParaRPr b="0" lang="zh-CN" sz="1800" spc="-1" strike="noStrike">
+          <a:lstStyle/>
+          <a:p>
+            <a:endParaRPr lang="zh-CN" sz="1800" b="0" strike="noStrike" spc="-1">
               <a:solidFill>
                 <a:srgbClr val="000000"/>
               </a:solidFill>
@@ -1664,11 +1843,12 @@
           </a:prstGeom>
         </p:spPr>
         <p:txBody>
-          <a:bodyPr lIns="0" rIns="0" tIns="0" bIns="0">
+          <a:bodyPr lIns="0" tIns="0" rIns="0" bIns="0">
             <a:normAutofit/>
           </a:bodyPr>
-          <a:p>
-            <a:endParaRPr b="0" lang="zh-CN" sz="1800" spc="-1" strike="noStrike">
+          <a:lstStyle/>
+          <a:p>
+            <a:endParaRPr lang="zh-CN" sz="1800" b="0" strike="noStrike" spc="-1">
               <a:solidFill>
                 <a:srgbClr val="000000"/>
               </a:solidFill>
@@ -1679,11 +1859,14 @@
       </p:sp>
     </p:spTree>
   </p:cSld>
+  <p:clrMapOvr>
+    <a:masterClrMapping/>
+  </p:clrMapOvr>
 </p:sldLayout>
 </file>
 
 <file path=ppt/slideLayouts/slideLayout23.xml><?xml version="1.0" encoding="utf-8"?>
-<p:sldLayout xmlns:a="http://schemas.openxmlformats.org/drawingml/2006/main" xmlns:p="http://schemas.openxmlformats.org/presentationml/2006/main" xmlns:r="http://schemas.openxmlformats.org/officeDocument/2006/relationships" xmlns:p14="http://schemas.microsoft.com/office/powerpoint/2010/main" xmlns:p15="http://schemas.microsoft.com/office/powerpoint/2012/main" xmlns:mc="http://schemas.openxmlformats.org/markup-compatibility/2006" type="fourObj" preserve="1">
+<p:sldLayout xmlns:a="http://schemas.openxmlformats.org/drawingml/2006/main" xmlns:r="http://schemas.openxmlformats.org/officeDocument/2006/relationships" xmlns:p="http://schemas.openxmlformats.org/presentationml/2006/main" type="fourObj" preserve="1">
   <p:cSld name="Title, 4 Content">
     <p:spTree>
       <p:nvGrpSpPr>
@@ -1719,9 +1902,10 @@
           </a:prstGeom>
         </p:spPr>
         <p:txBody>
-          <a:bodyPr lIns="0" rIns="0" tIns="0" bIns="0" anchor="ctr"/>
-          <a:p>
-            <a:endParaRPr b="0" lang="zh-CN" sz="1800" spc="-1" strike="noStrike">
+          <a:bodyPr lIns="0" tIns="0" rIns="0" bIns="0" anchor="ctr"/>
+          <a:lstStyle/>
+          <a:p>
+            <a:endParaRPr lang="zh-CN" sz="1800" b="0" strike="noStrike" spc="-1">
               <a:solidFill>
                 <a:srgbClr val="000000"/>
               </a:solidFill>
@@ -1750,11 +1934,12 @@
           </a:prstGeom>
         </p:spPr>
         <p:txBody>
-          <a:bodyPr lIns="0" rIns="0" tIns="0" bIns="0">
+          <a:bodyPr lIns="0" tIns="0" rIns="0" bIns="0">
             <a:normAutofit/>
           </a:bodyPr>
-          <a:p>
-            <a:endParaRPr b="0" lang="zh-CN" sz="1800" spc="-1" strike="noStrike">
+          <a:lstStyle/>
+          <a:p>
+            <a:endParaRPr lang="zh-CN" sz="1800" b="0" strike="noStrike" spc="-1">
               <a:solidFill>
                 <a:srgbClr val="000000"/>
               </a:solidFill>
@@ -1783,11 +1968,12 @@
           </a:prstGeom>
         </p:spPr>
         <p:txBody>
-          <a:bodyPr lIns="0" rIns="0" tIns="0" bIns="0">
+          <a:bodyPr lIns="0" tIns="0" rIns="0" bIns="0">
             <a:normAutofit/>
           </a:bodyPr>
-          <a:p>
-            <a:endParaRPr b="0" lang="zh-CN" sz="1800" spc="-1" strike="noStrike">
+          <a:lstStyle/>
+          <a:p>
+            <a:endParaRPr lang="zh-CN" sz="1800" b="0" strike="noStrike" spc="-1">
               <a:solidFill>
                 <a:srgbClr val="000000"/>
               </a:solidFill>
@@ -1816,11 +2002,12 @@
           </a:prstGeom>
         </p:spPr>
         <p:txBody>
-          <a:bodyPr lIns="0" rIns="0" tIns="0" bIns="0">
+          <a:bodyPr lIns="0" tIns="0" rIns="0" bIns="0">
             <a:normAutofit/>
           </a:bodyPr>
-          <a:p>
-            <a:endParaRPr b="0" lang="zh-CN" sz="1800" spc="-1" strike="noStrike">
+          <a:lstStyle/>
+          <a:p>
+            <a:endParaRPr lang="zh-CN" sz="1800" b="0" strike="noStrike" spc="-1">
               <a:solidFill>
                 <a:srgbClr val="000000"/>
               </a:solidFill>
@@ -1849,11 +2036,12 @@
           </a:prstGeom>
         </p:spPr>
         <p:txBody>
-          <a:bodyPr lIns="0" rIns="0" tIns="0" bIns="0">
+          <a:bodyPr lIns="0" tIns="0" rIns="0" bIns="0">
             <a:normAutofit/>
           </a:bodyPr>
-          <a:p>
-            <a:endParaRPr b="0" lang="zh-CN" sz="1800" spc="-1" strike="noStrike">
+          <a:lstStyle/>
+          <a:p>
+            <a:endParaRPr lang="zh-CN" sz="1800" b="0" strike="noStrike" spc="-1">
               <a:solidFill>
                 <a:srgbClr val="000000"/>
               </a:solidFill>
@@ -1864,11 +2052,14 @@
       </p:sp>
     </p:spTree>
   </p:cSld>
+  <p:clrMapOvr>
+    <a:masterClrMapping/>
+  </p:clrMapOvr>
 </p:sldLayout>
 </file>
 
 <file path=ppt/slideLayouts/slideLayout24.xml><?xml version="1.0" encoding="utf-8"?>
-<p:sldLayout xmlns:a="http://schemas.openxmlformats.org/drawingml/2006/main" xmlns:p="http://schemas.openxmlformats.org/presentationml/2006/main" xmlns:r="http://schemas.openxmlformats.org/officeDocument/2006/relationships" xmlns:p14="http://schemas.microsoft.com/office/powerpoint/2010/main" xmlns:p15="http://schemas.microsoft.com/office/powerpoint/2012/main" xmlns:mc="http://schemas.openxmlformats.org/markup-compatibility/2006" type="blank" preserve="1">
+<p:sldLayout xmlns:a="http://schemas.openxmlformats.org/drawingml/2006/main" xmlns:r="http://schemas.openxmlformats.org/officeDocument/2006/relationships" xmlns:p="http://schemas.openxmlformats.org/presentationml/2006/main" type="blank" preserve="1">
   <p:cSld name="Title, 6 Content">
     <p:spTree>
       <p:nvGrpSpPr>
@@ -1904,9 +2095,10 @@
           </a:prstGeom>
         </p:spPr>
         <p:txBody>
-          <a:bodyPr lIns="0" rIns="0" tIns="0" bIns="0" anchor="ctr"/>
-          <a:p>
-            <a:endParaRPr b="0" lang="zh-CN" sz="1800" spc="-1" strike="noStrike">
+          <a:bodyPr lIns="0" tIns="0" rIns="0" bIns="0" anchor="ctr"/>
+          <a:lstStyle/>
+          <a:p>
+            <a:endParaRPr lang="zh-CN" sz="1800" b="0" strike="noStrike" spc="-1">
               <a:solidFill>
                 <a:srgbClr val="000000"/>
               </a:solidFill>
@@ -1935,11 +2127,12 @@
           </a:prstGeom>
         </p:spPr>
         <p:txBody>
-          <a:bodyPr lIns="0" rIns="0" tIns="0" bIns="0">
+          <a:bodyPr lIns="0" tIns="0" rIns="0" bIns="0">
             <a:normAutofit/>
           </a:bodyPr>
-          <a:p>
-            <a:endParaRPr b="0" lang="zh-CN" sz="1800" spc="-1" strike="noStrike">
+          <a:lstStyle/>
+          <a:p>
+            <a:endParaRPr lang="zh-CN" sz="1800" b="0" strike="noStrike" spc="-1">
               <a:solidFill>
                 <a:srgbClr val="000000"/>
               </a:solidFill>
@@ -1968,11 +2161,12 @@
           </a:prstGeom>
         </p:spPr>
         <p:txBody>
-          <a:bodyPr lIns="0" rIns="0" tIns="0" bIns="0">
+          <a:bodyPr lIns="0" tIns="0" rIns="0" bIns="0">
             <a:normAutofit/>
           </a:bodyPr>
-          <a:p>
-            <a:endParaRPr b="0" lang="zh-CN" sz="1800" spc="-1" strike="noStrike">
+          <a:lstStyle/>
+          <a:p>
+            <a:endParaRPr lang="zh-CN" sz="1800" b="0" strike="noStrike" spc="-1">
               <a:solidFill>
                 <a:srgbClr val="000000"/>
               </a:solidFill>
@@ -2001,11 +2195,12 @@
           </a:prstGeom>
         </p:spPr>
         <p:txBody>
-          <a:bodyPr lIns="0" rIns="0" tIns="0" bIns="0">
+          <a:bodyPr lIns="0" tIns="0" rIns="0" bIns="0">
             <a:normAutofit/>
           </a:bodyPr>
-          <a:p>
-            <a:endParaRPr b="0" lang="zh-CN" sz="1800" spc="-1" strike="noStrike">
+          <a:lstStyle/>
+          <a:p>
+            <a:endParaRPr lang="zh-CN" sz="1800" b="0" strike="noStrike" spc="-1">
               <a:solidFill>
                 <a:srgbClr val="000000"/>
               </a:solidFill>
@@ -2034,11 +2229,12 @@
           </a:prstGeom>
         </p:spPr>
         <p:txBody>
-          <a:bodyPr lIns="0" rIns="0" tIns="0" bIns="0">
+          <a:bodyPr lIns="0" tIns="0" rIns="0" bIns="0">
             <a:normAutofit/>
           </a:bodyPr>
-          <a:p>
-            <a:endParaRPr b="0" lang="zh-CN" sz="1800" spc="-1" strike="noStrike">
+          <a:lstStyle/>
+          <a:p>
+            <a:endParaRPr lang="zh-CN" sz="1800" b="0" strike="noStrike" spc="-1">
               <a:solidFill>
                 <a:srgbClr val="000000"/>
               </a:solidFill>
@@ -2067,11 +2263,12 @@
           </a:prstGeom>
         </p:spPr>
         <p:txBody>
-          <a:bodyPr lIns="0" rIns="0" tIns="0" bIns="0">
+          <a:bodyPr lIns="0" tIns="0" rIns="0" bIns="0">
             <a:normAutofit/>
           </a:bodyPr>
-          <a:p>
-            <a:endParaRPr b="0" lang="zh-CN" sz="1800" spc="-1" strike="noStrike">
+          <a:lstStyle/>
+          <a:p>
+            <a:endParaRPr lang="zh-CN" sz="1800" b="0" strike="noStrike" spc="-1">
               <a:solidFill>
                 <a:srgbClr val="000000"/>
               </a:solidFill>
@@ -2100,11 +2297,12 @@
           </a:prstGeom>
         </p:spPr>
         <p:txBody>
-          <a:bodyPr lIns="0" rIns="0" tIns="0" bIns="0">
+          <a:bodyPr lIns="0" tIns="0" rIns="0" bIns="0">
             <a:normAutofit/>
           </a:bodyPr>
-          <a:p>
-            <a:endParaRPr b="0" lang="zh-CN" sz="1800" spc="-1" strike="noStrike">
+          <a:lstStyle/>
+          <a:p>
+            <a:endParaRPr lang="zh-CN" sz="1800" b="0" strike="noStrike" spc="-1">
               <a:solidFill>
                 <a:srgbClr val="000000"/>
               </a:solidFill>
@@ -2115,11 +2313,14 @@
       </p:sp>
     </p:spTree>
   </p:cSld>
+  <p:clrMapOvr>
+    <a:masterClrMapping/>
+  </p:clrMapOvr>
 </p:sldLayout>
 </file>
 
 <file path=ppt/slideLayouts/slideLayout25.xml><?xml version="1.0" encoding="utf-8"?>
-<p:sldLayout xmlns:a="http://schemas.openxmlformats.org/drawingml/2006/main" xmlns:p="http://schemas.openxmlformats.org/presentationml/2006/main" xmlns:r="http://schemas.openxmlformats.org/officeDocument/2006/relationships" xmlns:p14="http://schemas.microsoft.com/office/powerpoint/2010/main" xmlns:p15="http://schemas.microsoft.com/office/powerpoint/2012/main" xmlns:mc="http://schemas.openxmlformats.org/markup-compatibility/2006" type="blank" preserve="1">
+<p:sldLayout xmlns:a="http://schemas.openxmlformats.org/drawingml/2006/main" xmlns:r="http://schemas.openxmlformats.org/officeDocument/2006/relationships" xmlns:p="http://schemas.openxmlformats.org/presentationml/2006/main" type="blank" preserve="1">
   <p:cSld name="Blank Slide">
     <p:spTree>
       <p:nvGrpSpPr>
@@ -2137,11 +2338,14 @@
       </p:grpSpPr>
     </p:spTree>
   </p:cSld>
+  <p:clrMapOvr>
+    <a:masterClrMapping/>
+  </p:clrMapOvr>
 </p:sldLayout>
 </file>
 
 <file path=ppt/slideLayouts/slideLayout26.xml><?xml version="1.0" encoding="utf-8"?>
-<p:sldLayout xmlns:a="http://schemas.openxmlformats.org/drawingml/2006/main" xmlns:p="http://schemas.openxmlformats.org/presentationml/2006/main" xmlns:r="http://schemas.openxmlformats.org/officeDocument/2006/relationships" xmlns:p14="http://schemas.microsoft.com/office/powerpoint/2010/main" xmlns:p15="http://schemas.microsoft.com/office/powerpoint/2012/main" xmlns:mc="http://schemas.openxmlformats.org/markup-compatibility/2006" type="tx" preserve="1">
+<p:sldLayout xmlns:a="http://schemas.openxmlformats.org/drawingml/2006/main" xmlns:r="http://schemas.openxmlformats.org/officeDocument/2006/relationships" xmlns:p="http://schemas.openxmlformats.org/presentationml/2006/main" type="tx" preserve="1">
   <p:cSld name="Title Slide">
     <p:spTree>
       <p:nvGrpSpPr>
@@ -2177,9 +2381,10 @@
           </a:prstGeom>
         </p:spPr>
         <p:txBody>
-          <a:bodyPr lIns="0" rIns="0" tIns="0" bIns="0" anchor="ctr"/>
-          <a:p>
-            <a:endParaRPr b="0" lang="zh-CN" sz="1800" spc="-1" strike="noStrike">
+          <a:bodyPr lIns="0" tIns="0" rIns="0" bIns="0" anchor="ctr"/>
+          <a:lstStyle/>
+          <a:p>
+            <a:endParaRPr lang="zh-CN" sz="1800" b="0" strike="noStrike" spc="-1">
               <a:solidFill>
                 <a:srgbClr val="000000"/>
               </a:solidFill>
@@ -2208,10 +2413,11 @@
           </a:prstGeom>
         </p:spPr>
         <p:txBody>
-          <a:bodyPr lIns="0" rIns="0" tIns="0" bIns="0" anchor="ctr"/>
+          <a:bodyPr lIns="0" tIns="0" rIns="0" bIns="0" anchor="ctr"/>
+          <a:lstStyle/>
           <a:p>
             <a:pPr algn="ctr"/>
-            <a:endParaRPr b="0" lang="en-US" sz="3200" spc="-1" strike="noStrike">
+            <a:endParaRPr lang="en-US" sz="3200" b="0" strike="noStrike" spc="-1">
               <a:latin typeface="Arial"/>
             </a:endParaRPr>
           </a:p>
@@ -2219,11 +2425,14 @@
       </p:sp>
     </p:spTree>
   </p:cSld>
+  <p:clrMapOvr>
+    <a:masterClrMapping/>
+  </p:clrMapOvr>
 </p:sldLayout>
 </file>
 
 <file path=ppt/slideLayouts/slideLayout27.xml><?xml version="1.0" encoding="utf-8"?>
-<p:sldLayout xmlns:a="http://schemas.openxmlformats.org/drawingml/2006/main" xmlns:p="http://schemas.openxmlformats.org/presentationml/2006/main" xmlns:r="http://schemas.openxmlformats.org/officeDocument/2006/relationships" xmlns:p14="http://schemas.microsoft.com/office/powerpoint/2010/main" xmlns:p15="http://schemas.microsoft.com/office/powerpoint/2012/main" xmlns:mc="http://schemas.openxmlformats.org/markup-compatibility/2006" type="obj" preserve="1">
+<p:sldLayout xmlns:a="http://schemas.openxmlformats.org/drawingml/2006/main" xmlns:r="http://schemas.openxmlformats.org/officeDocument/2006/relationships" xmlns:p="http://schemas.openxmlformats.org/presentationml/2006/main" type="obj" preserve="1">
   <p:cSld name="Title, Content">
     <p:spTree>
       <p:nvGrpSpPr>
@@ -2259,9 +2468,10 @@
           </a:prstGeom>
         </p:spPr>
         <p:txBody>
-          <a:bodyPr lIns="0" rIns="0" tIns="0" bIns="0" anchor="ctr"/>
-          <a:p>
-            <a:endParaRPr b="0" lang="zh-CN" sz="1800" spc="-1" strike="noStrike">
+          <a:bodyPr lIns="0" tIns="0" rIns="0" bIns="0" anchor="ctr"/>
+          <a:lstStyle/>
+          <a:p>
+            <a:endParaRPr lang="zh-CN" sz="1800" b="0" strike="noStrike" spc="-1">
               <a:solidFill>
                 <a:srgbClr val="000000"/>
               </a:solidFill>
@@ -2290,11 +2500,12 @@
           </a:prstGeom>
         </p:spPr>
         <p:txBody>
-          <a:bodyPr lIns="0" rIns="0" tIns="0" bIns="0">
+          <a:bodyPr lIns="0" tIns="0" rIns="0" bIns="0">
             <a:normAutofit/>
           </a:bodyPr>
-          <a:p>
-            <a:endParaRPr b="0" lang="zh-CN" sz="1800" spc="-1" strike="noStrike">
+          <a:lstStyle/>
+          <a:p>
+            <a:endParaRPr lang="zh-CN" sz="1800" b="0" strike="noStrike" spc="-1">
               <a:solidFill>
                 <a:srgbClr val="000000"/>
               </a:solidFill>
@@ -2305,11 +2516,14 @@
       </p:sp>
     </p:spTree>
   </p:cSld>
+  <p:clrMapOvr>
+    <a:masterClrMapping/>
+  </p:clrMapOvr>
 </p:sldLayout>
 </file>
 
 <file path=ppt/slideLayouts/slideLayout28.xml><?xml version="1.0" encoding="utf-8"?>
-<p:sldLayout xmlns:a="http://schemas.openxmlformats.org/drawingml/2006/main" xmlns:p="http://schemas.openxmlformats.org/presentationml/2006/main" xmlns:r="http://schemas.openxmlformats.org/officeDocument/2006/relationships" xmlns:p14="http://schemas.microsoft.com/office/powerpoint/2010/main" xmlns:p15="http://schemas.microsoft.com/office/powerpoint/2012/main" xmlns:mc="http://schemas.openxmlformats.org/markup-compatibility/2006" type="twoObj" preserve="1">
+<p:sldLayout xmlns:a="http://schemas.openxmlformats.org/drawingml/2006/main" xmlns:r="http://schemas.openxmlformats.org/officeDocument/2006/relationships" xmlns:p="http://schemas.openxmlformats.org/presentationml/2006/main" type="twoObj" preserve="1">
   <p:cSld name="Title, 2 Content">
     <p:spTree>
       <p:nvGrpSpPr>
@@ -2345,9 +2559,10 @@
           </a:prstGeom>
         </p:spPr>
         <p:txBody>
-          <a:bodyPr lIns="0" rIns="0" tIns="0" bIns="0" anchor="ctr"/>
-          <a:p>
-            <a:endParaRPr b="0" lang="zh-CN" sz="1800" spc="-1" strike="noStrike">
+          <a:bodyPr lIns="0" tIns="0" rIns="0" bIns="0" anchor="ctr"/>
+          <a:lstStyle/>
+          <a:p>
+            <a:endParaRPr lang="zh-CN" sz="1800" b="0" strike="noStrike" spc="-1">
               <a:solidFill>
                 <a:srgbClr val="000000"/>
               </a:solidFill>
@@ -2376,11 +2591,12 @@
           </a:prstGeom>
         </p:spPr>
         <p:txBody>
-          <a:bodyPr lIns="0" rIns="0" tIns="0" bIns="0">
+          <a:bodyPr lIns="0" tIns="0" rIns="0" bIns="0">
             <a:normAutofit/>
           </a:bodyPr>
-          <a:p>
-            <a:endParaRPr b="0" lang="zh-CN" sz="1800" spc="-1" strike="noStrike">
+          <a:lstStyle/>
+          <a:p>
+            <a:endParaRPr lang="zh-CN" sz="1800" b="0" strike="noStrike" spc="-1">
               <a:solidFill>
                 <a:srgbClr val="000000"/>
               </a:solidFill>
@@ -2409,11 +2625,12 @@
           </a:prstGeom>
         </p:spPr>
         <p:txBody>
-          <a:bodyPr lIns="0" rIns="0" tIns="0" bIns="0">
+          <a:bodyPr lIns="0" tIns="0" rIns="0" bIns="0">
             <a:normAutofit/>
           </a:bodyPr>
-          <a:p>
-            <a:endParaRPr b="0" lang="zh-CN" sz="1800" spc="-1" strike="noStrike">
+          <a:lstStyle/>
+          <a:p>
+            <a:endParaRPr lang="zh-CN" sz="1800" b="0" strike="noStrike" spc="-1">
               <a:solidFill>
                 <a:srgbClr val="000000"/>
               </a:solidFill>
@@ -2424,11 +2641,14 @@
       </p:sp>
     </p:spTree>
   </p:cSld>
+  <p:clrMapOvr>
+    <a:masterClrMapping/>
+  </p:clrMapOvr>
 </p:sldLayout>
 </file>
 
 <file path=ppt/slideLayouts/slideLayout29.xml><?xml version="1.0" encoding="utf-8"?>
-<p:sldLayout xmlns:a="http://schemas.openxmlformats.org/drawingml/2006/main" xmlns:p="http://schemas.openxmlformats.org/presentationml/2006/main" xmlns:r="http://schemas.openxmlformats.org/officeDocument/2006/relationships" xmlns:p14="http://schemas.microsoft.com/office/powerpoint/2010/main" xmlns:p15="http://schemas.microsoft.com/office/powerpoint/2012/main" xmlns:mc="http://schemas.openxmlformats.org/markup-compatibility/2006" type="titleOnly" preserve="1">
+<p:sldLayout xmlns:a="http://schemas.openxmlformats.org/drawingml/2006/main" xmlns:r="http://schemas.openxmlformats.org/officeDocument/2006/relationships" xmlns:p="http://schemas.openxmlformats.org/presentationml/2006/main" type="titleOnly" preserve="1">
   <p:cSld name="Title Only">
     <p:spTree>
       <p:nvGrpSpPr>
@@ -2464,9 +2684,10 @@
           </a:prstGeom>
         </p:spPr>
         <p:txBody>
-          <a:bodyPr lIns="0" rIns="0" tIns="0" bIns="0" anchor="ctr"/>
-          <a:p>
-            <a:endParaRPr b="0" lang="zh-CN" sz="1800" spc="-1" strike="noStrike">
+          <a:bodyPr lIns="0" tIns="0" rIns="0" bIns="0" anchor="ctr"/>
+          <a:lstStyle/>
+          <a:p>
+            <a:endParaRPr lang="zh-CN" sz="1800" b="0" strike="noStrike" spc="-1">
               <a:solidFill>
                 <a:srgbClr val="000000"/>
               </a:solidFill>
@@ -2477,11 +2698,14 @@
       </p:sp>
     </p:spTree>
   </p:cSld>
+  <p:clrMapOvr>
+    <a:masterClrMapping/>
+  </p:clrMapOvr>
 </p:sldLayout>
 </file>
 
 <file path=ppt/slideLayouts/slideLayout3.xml><?xml version="1.0" encoding="utf-8"?>
-<p:sldLayout xmlns:a="http://schemas.openxmlformats.org/drawingml/2006/main" xmlns:p="http://schemas.openxmlformats.org/presentationml/2006/main" xmlns:r="http://schemas.openxmlformats.org/officeDocument/2006/relationships" xmlns:p14="http://schemas.microsoft.com/office/powerpoint/2010/main" xmlns:p15="http://schemas.microsoft.com/office/powerpoint/2012/main" xmlns:mc="http://schemas.openxmlformats.org/markup-compatibility/2006" type="obj" preserve="1">
+<p:sldLayout xmlns:a="http://schemas.openxmlformats.org/drawingml/2006/main" xmlns:r="http://schemas.openxmlformats.org/officeDocument/2006/relationships" xmlns:p="http://schemas.openxmlformats.org/presentationml/2006/main" type="obj" preserve="1">
   <p:cSld name="Title, Content">
     <p:spTree>
       <p:nvGrpSpPr>
@@ -2517,9 +2741,10 @@
           </a:prstGeom>
         </p:spPr>
         <p:txBody>
-          <a:bodyPr lIns="0" rIns="0" tIns="0" bIns="0" anchor="ctr"/>
-          <a:p>
-            <a:endParaRPr b="0" lang="zh-CN" sz="1800" spc="-1" strike="noStrike">
+          <a:bodyPr lIns="0" tIns="0" rIns="0" bIns="0" anchor="ctr"/>
+          <a:lstStyle/>
+          <a:p>
+            <a:endParaRPr lang="zh-CN" sz="1800" b="0" strike="noStrike" spc="-1">
               <a:solidFill>
                 <a:srgbClr val="000000"/>
               </a:solidFill>
@@ -2548,11 +2773,12 @@
           </a:prstGeom>
         </p:spPr>
         <p:txBody>
-          <a:bodyPr lIns="0" rIns="0" tIns="0" bIns="0">
+          <a:bodyPr lIns="0" tIns="0" rIns="0" bIns="0">
             <a:normAutofit/>
           </a:bodyPr>
-          <a:p>
-            <a:endParaRPr b="0" lang="zh-CN" sz="1800" spc="-1" strike="noStrike">
+          <a:lstStyle/>
+          <a:p>
+            <a:endParaRPr lang="zh-CN" sz="1800" b="0" strike="noStrike" spc="-1">
               <a:solidFill>
                 <a:srgbClr val="000000"/>
               </a:solidFill>
@@ -2563,11 +2789,14 @@
       </p:sp>
     </p:spTree>
   </p:cSld>
+  <p:clrMapOvr>
+    <a:masterClrMapping/>
+  </p:clrMapOvr>
 </p:sldLayout>
 </file>
 
 <file path=ppt/slideLayouts/slideLayout30.xml><?xml version="1.0" encoding="utf-8"?>
-<p:sldLayout xmlns:a="http://schemas.openxmlformats.org/drawingml/2006/main" xmlns:p="http://schemas.openxmlformats.org/presentationml/2006/main" xmlns:r="http://schemas.openxmlformats.org/officeDocument/2006/relationships" xmlns:p14="http://schemas.microsoft.com/office/powerpoint/2010/main" xmlns:p15="http://schemas.microsoft.com/office/powerpoint/2012/main" xmlns:mc="http://schemas.openxmlformats.org/markup-compatibility/2006" type="objOnly" preserve="1">
+<p:sldLayout xmlns:a="http://schemas.openxmlformats.org/drawingml/2006/main" xmlns:r="http://schemas.openxmlformats.org/officeDocument/2006/relationships" xmlns:p="http://schemas.openxmlformats.org/presentationml/2006/main" type="objOnly" preserve="1">
   <p:cSld name="Centered Text">
     <p:spTree>
       <p:nvGrpSpPr>
@@ -2603,10 +2832,11 @@
           </a:prstGeom>
         </p:spPr>
         <p:txBody>
-          <a:bodyPr lIns="0" rIns="0" tIns="0" bIns="0" anchor="ctr"/>
+          <a:bodyPr lIns="0" tIns="0" rIns="0" bIns="0" anchor="ctr"/>
+          <a:lstStyle/>
           <a:p>
             <a:pPr algn="ctr"/>
-            <a:endParaRPr b="0" lang="en-US" sz="3200" spc="-1" strike="noStrike">
+            <a:endParaRPr lang="en-US" sz="3200" b="0" strike="noStrike" spc="-1">
               <a:latin typeface="Arial"/>
             </a:endParaRPr>
           </a:p>
@@ -2614,11 +2844,14 @@
       </p:sp>
     </p:spTree>
   </p:cSld>
+  <p:clrMapOvr>
+    <a:masterClrMapping/>
+  </p:clrMapOvr>
 </p:sldLayout>
 </file>
 
 <file path=ppt/slideLayouts/slideLayout31.xml><?xml version="1.0" encoding="utf-8"?>
-<p:sldLayout xmlns:a="http://schemas.openxmlformats.org/drawingml/2006/main" xmlns:p="http://schemas.openxmlformats.org/presentationml/2006/main" xmlns:r="http://schemas.openxmlformats.org/officeDocument/2006/relationships" xmlns:p14="http://schemas.microsoft.com/office/powerpoint/2010/main" xmlns:p15="http://schemas.microsoft.com/office/powerpoint/2012/main" xmlns:mc="http://schemas.openxmlformats.org/markup-compatibility/2006" type="twoObjAndObj" preserve="1">
+<p:sldLayout xmlns:a="http://schemas.openxmlformats.org/drawingml/2006/main" xmlns:r="http://schemas.openxmlformats.org/officeDocument/2006/relationships" xmlns:p="http://schemas.openxmlformats.org/presentationml/2006/main" type="twoObjAndObj" preserve="1">
   <p:cSld name="Title, 2 Content and Content">
     <p:spTree>
       <p:nvGrpSpPr>
@@ -2654,9 +2887,10 @@
           </a:prstGeom>
         </p:spPr>
         <p:txBody>
-          <a:bodyPr lIns="0" rIns="0" tIns="0" bIns="0" anchor="ctr"/>
-          <a:p>
-            <a:endParaRPr b="0" lang="zh-CN" sz="1800" spc="-1" strike="noStrike">
+          <a:bodyPr lIns="0" tIns="0" rIns="0" bIns="0" anchor="ctr"/>
+          <a:lstStyle/>
+          <a:p>
+            <a:endParaRPr lang="zh-CN" sz="1800" b="0" strike="noStrike" spc="-1">
               <a:solidFill>
                 <a:srgbClr val="000000"/>
               </a:solidFill>
@@ -2685,11 +2919,12 @@
           </a:prstGeom>
         </p:spPr>
         <p:txBody>
-          <a:bodyPr lIns="0" rIns="0" tIns="0" bIns="0">
+          <a:bodyPr lIns="0" tIns="0" rIns="0" bIns="0">
             <a:normAutofit/>
           </a:bodyPr>
-          <a:p>
-            <a:endParaRPr b="0" lang="zh-CN" sz="1800" spc="-1" strike="noStrike">
+          <a:lstStyle/>
+          <a:p>
+            <a:endParaRPr lang="zh-CN" sz="1800" b="0" strike="noStrike" spc="-1">
               <a:solidFill>
                 <a:srgbClr val="000000"/>
               </a:solidFill>
@@ -2718,11 +2953,12 @@
           </a:prstGeom>
         </p:spPr>
         <p:txBody>
-          <a:bodyPr lIns="0" rIns="0" tIns="0" bIns="0">
+          <a:bodyPr lIns="0" tIns="0" rIns="0" bIns="0">
             <a:normAutofit/>
           </a:bodyPr>
-          <a:p>
-            <a:endParaRPr b="0" lang="zh-CN" sz="1800" spc="-1" strike="noStrike">
+          <a:lstStyle/>
+          <a:p>
+            <a:endParaRPr lang="zh-CN" sz="1800" b="0" strike="noStrike" spc="-1">
               <a:solidFill>
                 <a:srgbClr val="000000"/>
               </a:solidFill>
@@ -2751,11 +2987,12 @@
           </a:prstGeom>
         </p:spPr>
         <p:txBody>
-          <a:bodyPr lIns="0" rIns="0" tIns="0" bIns="0">
+          <a:bodyPr lIns="0" tIns="0" rIns="0" bIns="0">
             <a:normAutofit/>
           </a:bodyPr>
-          <a:p>
-            <a:endParaRPr b="0" lang="zh-CN" sz="1800" spc="-1" strike="noStrike">
+          <a:lstStyle/>
+          <a:p>
+            <a:endParaRPr lang="zh-CN" sz="1800" b="0" strike="noStrike" spc="-1">
               <a:solidFill>
                 <a:srgbClr val="000000"/>
               </a:solidFill>
@@ -2766,11 +3003,14 @@
       </p:sp>
     </p:spTree>
   </p:cSld>
+  <p:clrMapOvr>
+    <a:masterClrMapping/>
+  </p:clrMapOvr>
 </p:sldLayout>
 </file>
 
 <file path=ppt/slideLayouts/slideLayout32.xml><?xml version="1.0" encoding="utf-8"?>
-<p:sldLayout xmlns:a="http://schemas.openxmlformats.org/drawingml/2006/main" xmlns:p="http://schemas.openxmlformats.org/presentationml/2006/main" xmlns:r="http://schemas.openxmlformats.org/officeDocument/2006/relationships" xmlns:p14="http://schemas.microsoft.com/office/powerpoint/2010/main" xmlns:p15="http://schemas.microsoft.com/office/powerpoint/2012/main" xmlns:mc="http://schemas.openxmlformats.org/markup-compatibility/2006" type="objAndTwoObj" preserve="1">
+<p:sldLayout xmlns:a="http://schemas.openxmlformats.org/drawingml/2006/main" xmlns:r="http://schemas.openxmlformats.org/officeDocument/2006/relationships" xmlns:p="http://schemas.openxmlformats.org/presentationml/2006/main" type="objAndTwoObj" preserve="1">
   <p:cSld name="Title Content and 2 Content">
     <p:spTree>
       <p:nvGrpSpPr>
@@ -2806,9 +3046,10 @@
           </a:prstGeom>
         </p:spPr>
         <p:txBody>
-          <a:bodyPr lIns="0" rIns="0" tIns="0" bIns="0" anchor="ctr"/>
-          <a:p>
-            <a:endParaRPr b="0" lang="zh-CN" sz="1800" spc="-1" strike="noStrike">
+          <a:bodyPr lIns="0" tIns="0" rIns="0" bIns="0" anchor="ctr"/>
+          <a:lstStyle/>
+          <a:p>
+            <a:endParaRPr lang="zh-CN" sz="1800" b="0" strike="noStrike" spc="-1">
               <a:solidFill>
                 <a:srgbClr val="000000"/>
               </a:solidFill>
@@ -2837,11 +3078,12 @@
           </a:prstGeom>
         </p:spPr>
         <p:txBody>
-          <a:bodyPr lIns="0" rIns="0" tIns="0" bIns="0">
+          <a:bodyPr lIns="0" tIns="0" rIns="0" bIns="0">
             <a:normAutofit/>
           </a:bodyPr>
-          <a:p>
-            <a:endParaRPr b="0" lang="zh-CN" sz="1800" spc="-1" strike="noStrike">
+          <a:lstStyle/>
+          <a:p>
+            <a:endParaRPr lang="zh-CN" sz="1800" b="0" strike="noStrike" spc="-1">
               <a:solidFill>
                 <a:srgbClr val="000000"/>
               </a:solidFill>
@@ -2870,11 +3112,12 @@
           </a:prstGeom>
         </p:spPr>
         <p:txBody>
-          <a:bodyPr lIns="0" rIns="0" tIns="0" bIns="0">
+          <a:bodyPr lIns="0" tIns="0" rIns="0" bIns="0">
             <a:normAutofit/>
           </a:bodyPr>
-          <a:p>
-            <a:endParaRPr b="0" lang="zh-CN" sz="1800" spc="-1" strike="noStrike">
+          <a:lstStyle/>
+          <a:p>
+            <a:endParaRPr lang="zh-CN" sz="1800" b="0" strike="noStrike" spc="-1">
               <a:solidFill>
                 <a:srgbClr val="000000"/>
               </a:solidFill>
@@ -2903,11 +3146,12 @@
           </a:prstGeom>
         </p:spPr>
         <p:txBody>
-          <a:bodyPr lIns="0" rIns="0" tIns="0" bIns="0">
+          <a:bodyPr lIns="0" tIns="0" rIns="0" bIns="0">
             <a:normAutofit/>
           </a:bodyPr>
-          <a:p>
-            <a:endParaRPr b="0" lang="zh-CN" sz="1800" spc="-1" strike="noStrike">
+          <a:lstStyle/>
+          <a:p>
+            <a:endParaRPr lang="zh-CN" sz="1800" b="0" strike="noStrike" spc="-1">
               <a:solidFill>
                 <a:srgbClr val="000000"/>
               </a:solidFill>
@@ -2918,11 +3162,14 @@
       </p:sp>
     </p:spTree>
   </p:cSld>
+  <p:clrMapOvr>
+    <a:masterClrMapping/>
+  </p:clrMapOvr>
 </p:sldLayout>
 </file>
 
 <file path=ppt/slideLayouts/slideLayout33.xml><?xml version="1.0" encoding="utf-8"?>
-<p:sldLayout xmlns:a="http://schemas.openxmlformats.org/drawingml/2006/main" xmlns:p="http://schemas.openxmlformats.org/presentationml/2006/main" xmlns:r="http://schemas.openxmlformats.org/officeDocument/2006/relationships" xmlns:p14="http://schemas.microsoft.com/office/powerpoint/2010/main" xmlns:p15="http://schemas.microsoft.com/office/powerpoint/2012/main" xmlns:mc="http://schemas.openxmlformats.org/markup-compatibility/2006" type="twoObjOverTx" preserve="1">
+<p:sldLayout xmlns:a="http://schemas.openxmlformats.org/drawingml/2006/main" xmlns:r="http://schemas.openxmlformats.org/officeDocument/2006/relationships" xmlns:p="http://schemas.openxmlformats.org/presentationml/2006/main" type="twoObjOverTx" preserve="1">
   <p:cSld name="Title, 2 Content over Content">
     <p:spTree>
       <p:nvGrpSpPr>
@@ -2958,9 +3205,10 @@
           </a:prstGeom>
         </p:spPr>
         <p:txBody>
-          <a:bodyPr lIns="0" rIns="0" tIns="0" bIns="0" anchor="ctr"/>
-          <a:p>
-            <a:endParaRPr b="0" lang="zh-CN" sz="1800" spc="-1" strike="noStrike">
+          <a:bodyPr lIns="0" tIns="0" rIns="0" bIns="0" anchor="ctr"/>
+          <a:lstStyle/>
+          <a:p>
+            <a:endParaRPr lang="zh-CN" sz="1800" b="0" strike="noStrike" spc="-1">
               <a:solidFill>
                 <a:srgbClr val="000000"/>
               </a:solidFill>
@@ -2989,11 +3237,12 @@
           </a:prstGeom>
         </p:spPr>
         <p:txBody>
-          <a:bodyPr lIns="0" rIns="0" tIns="0" bIns="0">
+          <a:bodyPr lIns="0" tIns="0" rIns="0" bIns="0">
             <a:normAutofit/>
           </a:bodyPr>
-          <a:p>
-            <a:endParaRPr b="0" lang="zh-CN" sz="1800" spc="-1" strike="noStrike">
+          <a:lstStyle/>
+          <a:p>
+            <a:endParaRPr lang="zh-CN" sz="1800" b="0" strike="noStrike" spc="-1">
               <a:solidFill>
                 <a:srgbClr val="000000"/>
               </a:solidFill>
@@ -3022,11 +3271,12 @@
           </a:prstGeom>
         </p:spPr>
         <p:txBody>
-          <a:bodyPr lIns="0" rIns="0" tIns="0" bIns="0">
+          <a:bodyPr lIns="0" tIns="0" rIns="0" bIns="0">
             <a:normAutofit/>
           </a:bodyPr>
-          <a:p>
-            <a:endParaRPr b="0" lang="zh-CN" sz="1800" spc="-1" strike="noStrike">
+          <a:lstStyle/>
+          <a:p>
+            <a:endParaRPr lang="zh-CN" sz="1800" b="0" strike="noStrike" spc="-1">
               <a:solidFill>
                 <a:srgbClr val="000000"/>
               </a:solidFill>
@@ -3055,11 +3305,12 @@
           </a:prstGeom>
         </p:spPr>
         <p:txBody>
-          <a:bodyPr lIns="0" rIns="0" tIns="0" bIns="0">
+          <a:bodyPr lIns="0" tIns="0" rIns="0" bIns="0">
             <a:normAutofit/>
           </a:bodyPr>
-          <a:p>
-            <a:endParaRPr b="0" lang="zh-CN" sz="1800" spc="-1" strike="noStrike">
+          <a:lstStyle/>
+          <a:p>
+            <a:endParaRPr lang="zh-CN" sz="1800" b="0" strike="noStrike" spc="-1">
               <a:solidFill>
                 <a:srgbClr val="000000"/>
               </a:solidFill>
@@ -3070,11 +3321,14 @@
       </p:sp>
     </p:spTree>
   </p:cSld>
+  <p:clrMapOvr>
+    <a:masterClrMapping/>
+  </p:clrMapOvr>
 </p:sldLayout>
 </file>
 
 <file path=ppt/slideLayouts/slideLayout34.xml><?xml version="1.0" encoding="utf-8"?>
-<p:sldLayout xmlns:a="http://schemas.openxmlformats.org/drawingml/2006/main" xmlns:p="http://schemas.openxmlformats.org/presentationml/2006/main" xmlns:r="http://schemas.openxmlformats.org/officeDocument/2006/relationships" xmlns:p14="http://schemas.microsoft.com/office/powerpoint/2010/main" xmlns:p15="http://schemas.microsoft.com/office/powerpoint/2012/main" xmlns:mc="http://schemas.openxmlformats.org/markup-compatibility/2006" type="objOverTx" preserve="1">
+<p:sldLayout xmlns:a="http://schemas.openxmlformats.org/drawingml/2006/main" xmlns:r="http://schemas.openxmlformats.org/officeDocument/2006/relationships" xmlns:p="http://schemas.openxmlformats.org/presentationml/2006/main" type="objOverTx" preserve="1">
   <p:cSld name="Title, Content over Content">
     <p:spTree>
       <p:nvGrpSpPr>
@@ -3110,9 +3364,10 @@
           </a:prstGeom>
         </p:spPr>
         <p:txBody>
-          <a:bodyPr lIns="0" rIns="0" tIns="0" bIns="0" anchor="ctr"/>
-          <a:p>
-            <a:endParaRPr b="0" lang="zh-CN" sz="1800" spc="-1" strike="noStrike">
+          <a:bodyPr lIns="0" tIns="0" rIns="0" bIns="0" anchor="ctr"/>
+          <a:lstStyle/>
+          <a:p>
+            <a:endParaRPr lang="zh-CN" sz="1800" b="0" strike="noStrike" spc="-1">
               <a:solidFill>
                 <a:srgbClr val="000000"/>
               </a:solidFill>
@@ -3141,11 +3396,12 @@
           </a:prstGeom>
         </p:spPr>
         <p:txBody>
-          <a:bodyPr lIns="0" rIns="0" tIns="0" bIns="0">
+          <a:bodyPr lIns="0" tIns="0" rIns="0" bIns="0">
             <a:normAutofit/>
           </a:bodyPr>
-          <a:p>
-            <a:endParaRPr b="0" lang="zh-CN" sz="1800" spc="-1" strike="noStrike">
+          <a:lstStyle/>
+          <a:p>
+            <a:endParaRPr lang="zh-CN" sz="1800" b="0" strike="noStrike" spc="-1">
               <a:solidFill>
                 <a:srgbClr val="000000"/>
               </a:solidFill>
@@ -3174,11 +3430,12 @@
           </a:prstGeom>
         </p:spPr>
         <p:txBody>
-          <a:bodyPr lIns="0" rIns="0" tIns="0" bIns="0">
+          <a:bodyPr lIns="0" tIns="0" rIns="0" bIns="0">
             <a:normAutofit/>
           </a:bodyPr>
-          <a:p>
-            <a:endParaRPr b="0" lang="zh-CN" sz="1800" spc="-1" strike="noStrike">
+          <a:lstStyle/>
+          <a:p>
+            <a:endParaRPr lang="zh-CN" sz="1800" b="0" strike="noStrike" spc="-1">
               <a:solidFill>
                 <a:srgbClr val="000000"/>
               </a:solidFill>
@@ -3189,11 +3446,14 @@
       </p:sp>
     </p:spTree>
   </p:cSld>
+  <p:clrMapOvr>
+    <a:masterClrMapping/>
+  </p:clrMapOvr>
 </p:sldLayout>
 </file>
 
 <file path=ppt/slideLayouts/slideLayout35.xml><?xml version="1.0" encoding="utf-8"?>
-<p:sldLayout xmlns:a="http://schemas.openxmlformats.org/drawingml/2006/main" xmlns:p="http://schemas.openxmlformats.org/presentationml/2006/main" xmlns:r="http://schemas.openxmlformats.org/officeDocument/2006/relationships" xmlns:p14="http://schemas.microsoft.com/office/powerpoint/2010/main" xmlns:p15="http://schemas.microsoft.com/office/powerpoint/2012/main" xmlns:mc="http://schemas.openxmlformats.org/markup-compatibility/2006" type="fourObj" preserve="1">
+<p:sldLayout xmlns:a="http://schemas.openxmlformats.org/drawingml/2006/main" xmlns:r="http://schemas.openxmlformats.org/officeDocument/2006/relationships" xmlns:p="http://schemas.openxmlformats.org/presentationml/2006/main" type="fourObj" preserve="1">
   <p:cSld name="Title, 4 Content">
     <p:spTree>
       <p:nvGrpSpPr>
@@ -3229,9 +3489,10 @@
           </a:prstGeom>
         </p:spPr>
         <p:txBody>
-          <a:bodyPr lIns="0" rIns="0" tIns="0" bIns="0" anchor="ctr"/>
-          <a:p>
-            <a:endParaRPr b="0" lang="zh-CN" sz="1800" spc="-1" strike="noStrike">
+          <a:bodyPr lIns="0" tIns="0" rIns="0" bIns="0" anchor="ctr"/>
+          <a:lstStyle/>
+          <a:p>
+            <a:endParaRPr lang="zh-CN" sz="1800" b="0" strike="noStrike" spc="-1">
               <a:solidFill>
                 <a:srgbClr val="000000"/>
               </a:solidFill>
@@ -3260,11 +3521,12 @@
           </a:prstGeom>
         </p:spPr>
         <p:txBody>
-          <a:bodyPr lIns="0" rIns="0" tIns="0" bIns="0">
+          <a:bodyPr lIns="0" tIns="0" rIns="0" bIns="0">
             <a:normAutofit/>
           </a:bodyPr>
-          <a:p>
-            <a:endParaRPr b="0" lang="zh-CN" sz="1800" spc="-1" strike="noStrike">
+          <a:lstStyle/>
+          <a:p>
+            <a:endParaRPr lang="zh-CN" sz="1800" b="0" strike="noStrike" spc="-1">
               <a:solidFill>
                 <a:srgbClr val="000000"/>
               </a:solidFill>
@@ -3293,11 +3555,12 @@
           </a:prstGeom>
         </p:spPr>
         <p:txBody>
-          <a:bodyPr lIns="0" rIns="0" tIns="0" bIns="0">
+          <a:bodyPr lIns="0" tIns="0" rIns="0" bIns="0">
             <a:normAutofit/>
           </a:bodyPr>
-          <a:p>
-            <a:endParaRPr b="0" lang="zh-CN" sz="1800" spc="-1" strike="noStrike">
+          <a:lstStyle/>
+          <a:p>
+            <a:endParaRPr lang="zh-CN" sz="1800" b="0" strike="noStrike" spc="-1">
               <a:solidFill>
                 <a:srgbClr val="000000"/>
               </a:solidFill>
@@ -3326,11 +3589,12 @@
           </a:prstGeom>
         </p:spPr>
         <p:txBody>
-          <a:bodyPr lIns="0" rIns="0" tIns="0" bIns="0">
+          <a:bodyPr lIns="0" tIns="0" rIns="0" bIns="0">
             <a:normAutofit/>
           </a:bodyPr>
-          <a:p>
-            <a:endParaRPr b="0" lang="zh-CN" sz="1800" spc="-1" strike="noStrike">
+          <a:lstStyle/>
+          <a:p>
+            <a:endParaRPr lang="zh-CN" sz="1800" b="0" strike="noStrike" spc="-1">
               <a:solidFill>
                 <a:srgbClr val="000000"/>
               </a:solidFill>
@@ -3359,11 +3623,12 @@
           </a:prstGeom>
         </p:spPr>
         <p:txBody>
-          <a:bodyPr lIns="0" rIns="0" tIns="0" bIns="0">
+          <a:bodyPr lIns="0" tIns="0" rIns="0" bIns="0">
             <a:normAutofit/>
           </a:bodyPr>
-          <a:p>
-            <a:endParaRPr b="0" lang="zh-CN" sz="1800" spc="-1" strike="noStrike">
+          <a:lstStyle/>
+          <a:p>
+            <a:endParaRPr lang="zh-CN" sz="1800" b="0" strike="noStrike" spc="-1">
               <a:solidFill>
                 <a:srgbClr val="000000"/>
               </a:solidFill>
@@ -3374,11 +3639,14 @@
       </p:sp>
     </p:spTree>
   </p:cSld>
+  <p:clrMapOvr>
+    <a:masterClrMapping/>
+  </p:clrMapOvr>
 </p:sldLayout>
 </file>
 
 <file path=ppt/slideLayouts/slideLayout36.xml><?xml version="1.0" encoding="utf-8"?>
-<p:sldLayout xmlns:a="http://schemas.openxmlformats.org/drawingml/2006/main" xmlns:p="http://schemas.openxmlformats.org/presentationml/2006/main" xmlns:r="http://schemas.openxmlformats.org/officeDocument/2006/relationships" xmlns:p14="http://schemas.microsoft.com/office/powerpoint/2010/main" xmlns:p15="http://schemas.microsoft.com/office/powerpoint/2012/main" xmlns:mc="http://schemas.openxmlformats.org/markup-compatibility/2006" type="blank" preserve="1">
+<p:sldLayout xmlns:a="http://schemas.openxmlformats.org/drawingml/2006/main" xmlns:r="http://schemas.openxmlformats.org/officeDocument/2006/relationships" xmlns:p="http://schemas.openxmlformats.org/presentationml/2006/main" type="blank" preserve="1">
   <p:cSld name="Title, 6 Content">
     <p:spTree>
       <p:nvGrpSpPr>
@@ -3414,9 +3682,10 @@
           </a:prstGeom>
         </p:spPr>
         <p:txBody>
-          <a:bodyPr lIns="0" rIns="0" tIns="0" bIns="0" anchor="ctr"/>
-          <a:p>
-            <a:endParaRPr b="0" lang="zh-CN" sz="1800" spc="-1" strike="noStrike">
+          <a:bodyPr lIns="0" tIns="0" rIns="0" bIns="0" anchor="ctr"/>
+          <a:lstStyle/>
+          <a:p>
+            <a:endParaRPr lang="zh-CN" sz="1800" b="0" strike="noStrike" spc="-1">
               <a:solidFill>
                 <a:srgbClr val="000000"/>
               </a:solidFill>
@@ -3445,11 +3714,12 @@
           </a:prstGeom>
         </p:spPr>
         <p:txBody>
-          <a:bodyPr lIns="0" rIns="0" tIns="0" bIns="0">
+          <a:bodyPr lIns="0" tIns="0" rIns="0" bIns="0">
             <a:normAutofit/>
           </a:bodyPr>
-          <a:p>
-            <a:endParaRPr b="0" lang="zh-CN" sz="1800" spc="-1" strike="noStrike">
+          <a:lstStyle/>
+          <a:p>
+            <a:endParaRPr lang="zh-CN" sz="1800" b="0" strike="noStrike" spc="-1">
               <a:solidFill>
                 <a:srgbClr val="000000"/>
               </a:solidFill>
@@ -3478,11 +3748,12 @@
           </a:prstGeom>
         </p:spPr>
         <p:txBody>
-          <a:bodyPr lIns="0" rIns="0" tIns="0" bIns="0">
+          <a:bodyPr lIns="0" tIns="0" rIns="0" bIns="0">
             <a:normAutofit/>
           </a:bodyPr>
-          <a:p>
-            <a:endParaRPr b="0" lang="zh-CN" sz="1800" spc="-1" strike="noStrike">
+          <a:lstStyle/>
+          <a:p>
+            <a:endParaRPr lang="zh-CN" sz="1800" b="0" strike="noStrike" spc="-1">
               <a:solidFill>
                 <a:srgbClr val="000000"/>
               </a:solidFill>
@@ -3511,11 +3782,12 @@
           </a:prstGeom>
         </p:spPr>
         <p:txBody>
-          <a:bodyPr lIns="0" rIns="0" tIns="0" bIns="0">
+          <a:bodyPr lIns="0" tIns="0" rIns="0" bIns="0">
             <a:normAutofit/>
           </a:bodyPr>
-          <a:p>
-            <a:endParaRPr b="0" lang="zh-CN" sz="1800" spc="-1" strike="noStrike">
+          <a:lstStyle/>
+          <a:p>
+            <a:endParaRPr lang="zh-CN" sz="1800" b="0" strike="noStrike" spc="-1">
               <a:solidFill>
                 <a:srgbClr val="000000"/>
               </a:solidFill>
@@ -3544,11 +3816,12 @@
           </a:prstGeom>
         </p:spPr>
         <p:txBody>
-          <a:bodyPr lIns="0" rIns="0" tIns="0" bIns="0">
+          <a:bodyPr lIns="0" tIns="0" rIns="0" bIns="0">
             <a:normAutofit/>
           </a:bodyPr>
-          <a:p>
-            <a:endParaRPr b="0" lang="zh-CN" sz="1800" spc="-1" strike="noStrike">
+          <a:lstStyle/>
+          <a:p>
+            <a:endParaRPr lang="zh-CN" sz="1800" b="0" strike="noStrike" spc="-1">
               <a:solidFill>
                 <a:srgbClr val="000000"/>
               </a:solidFill>
@@ -3577,11 +3850,12 @@
           </a:prstGeom>
         </p:spPr>
         <p:txBody>
-          <a:bodyPr lIns="0" rIns="0" tIns="0" bIns="0">
+          <a:bodyPr lIns="0" tIns="0" rIns="0" bIns="0">
             <a:normAutofit/>
           </a:bodyPr>
-          <a:p>
-            <a:endParaRPr b="0" lang="zh-CN" sz="1800" spc="-1" strike="noStrike">
+          <a:lstStyle/>
+          <a:p>
+            <a:endParaRPr lang="zh-CN" sz="1800" b="0" strike="noStrike" spc="-1">
               <a:solidFill>
                 <a:srgbClr val="000000"/>
               </a:solidFill>
@@ -3610,11 +3884,12 @@
           </a:prstGeom>
         </p:spPr>
         <p:txBody>
-          <a:bodyPr lIns="0" rIns="0" tIns="0" bIns="0">
+          <a:bodyPr lIns="0" tIns="0" rIns="0" bIns="0">
             <a:normAutofit/>
           </a:bodyPr>
-          <a:p>
-            <a:endParaRPr b="0" lang="zh-CN" sz="1800" spc="-1" strike="noStrike">
+          <a:lstStyle/>
+          <a:p>
+            <a:endParaRPr lang="zh-CN" sz="1800" b="0" strike="noStrike" spc="-1">
               <a:solidFill>
                 <a:srgbClr val="000000"/>
               </a:solidFill>
@@ -3625,11 +3900,14 @@
       </p:sp>
     </p:spTree>
   </p:cSld>
+  <p:clrMapOvr>
+    <a:masterClrMapping/>
+  </p:clrMapOvr>
 </p:sldLayout>
 </file>
 
 <file path=ppt/slideLayouts/slideLayout4.xml><?xml version="1.0" encoding="utf-8"?>
-<p:sldLayout xmlns:a="http://schemas.openxmlformats.org/drawingml/2006/main" xmlns:p="http://schemas.openxmlformats.org/presentationml/2006/main" xmlns:r="http://schemas.openxmlformats.org/officeDocument/2006/relationships" xmlns:p14="http://schemas.microsoft.com/office/powerpoint/2010/main" xmlns:p15="http://schemas.microsoft.com/office/powerpoint/2012/main" xmlns:mc="http://schemas.openxmlformats.org/markup-compatibility/2006" type="twoObj" preserve="1">
+<p:sldLayout xmlns:a="http://schemas.openxmlformats.org/drawingml/2006/main" xmlns:r="http://schemas.openxmlformats.org/officeDocument/2006/relationships" xmlns:p="http://schemas.openxmlformats.org/presentationml/2006/main" type="twoObj" preserve="1">
   <p:cSld name="Title, 2 Content">
     <p:spTree>
       <p:nvGrpSpPr>
@@ -3665,9 +3943,10 @@
           </a:prstGeom>
         </p:spPr>
         <p:txBody>
-          <a:bodyPr lIns="0" rIns="0" tIns="0" bIns="0" anchor="ctr"/>
-          <a:p>
-            <a:endParaRPr b="0" lang="zh-CN" sz="1800" spc="-1" strike="noStrike">
+          <a:bodyPr lIns="0" tIns="0" rIns="0" bIns="0" anchor="ctr"/>
+          <a:lstStyle/>
+          <a:p>
+            <a:endParaRPr lang="zh-CN" sz="1800" b="0" strike="noStrike" spc="-1">
               <a:solidFill>
                 <a:srgbClr val="000000"/>
               </a:solidFill>
@@ -3696,11 +3975,12 @@
           </a:prstGeom>
         </p:spPr>
         <p:txBody>
-          <a:bodyPr lIns="0" rIns="0" tIns="0" bIns="0">
+          <a:bodyPr lIns="0" tIns="0" rIns="0" bIns="0">
             <a:normAutofit/>
           </a:bodyPr>
-          <a:p>
-            <a:endParaRPr b="0" lang="zh-CN" sz="1800" spc="-1" strike="noStrike">
+          <a:lstStyle/>
+          <a:p>
+            <a:endParaRPr lang="zh-CN" sz="1800" b="0" strike="noStrike" spc="-1">
               <a:solidFill>
                 <a:srgbClr val="000000"/>
               </a:solidFill>
@@ -3729,11 +4009,12 @@
           </a:prstGeom>
         </p:spPr>
         <p:txBody>
-          <a:bodyPr lIns="0" rIns="0" tIns="0" bIns="0">
+          <a:bodyPr lIns="0" tIns="0" rIns="0" bIns="0">
             <a:normAutofit/>
           </a:bodyPr>
-          <a:p>
-            <a:endParaRPr b="0" lang="zh-CN" sz="1800" spc="-1" strike="noStrike">
+          <a:lstStyle/>
+          <a:p>
+            <a:endParaRPr lang="zh-CN" sz="1800" b="0" strike="noStrike" spc="-1">
               <a:solidFill>
                 <a:srgbClr val="000000"/>
               </a:solidFill>
@@ -3744,11 +4025,14 @@
       </p:sp>
     </p:spTree>
   </p:cSld>
+  <p:clrMapOvr>
+    <a:masterClrMapping/>
+  </p:clrMapOvr>
 </p:sldLayout>
 </file>
 
 <file path=ppt/slideLayouts/slideLayout5.xml><?xml version="1.0" encoding="utf-8"?>
-<p:sldLayout xmlns:a="http://schemas.openxmlformats.org/drawingml/2006/main" xmlns:p="http://schemas.openxmlformats.org/presentationml/2006/main" xmlns:r="http://schemas.openxmlformats.org/officeDocument/2006/relationships" xmlns:p14="http://schemas.microsoft.com/office/powerpoint/2010/main" xmlns:p15="http://schemas.microsoft.com/office/powerpoint/2012/main" xmlns:mc="http://schemas.openxmlformats.org/markup-compatibility/2006" type="titleOnly" preserve="1">
+<p:sldLayout xmlns:a="http://schemas.openxmlformats.org/drawingml/2006/main" xmlns:r="http://schemas.openxmlformats.org/officeDocument/2006/relationships" xmlns:p="http://schemas.openxmlformats.org/presentationml/2006/main" type="titleOnly" preserve="1">
   <p:cSld name="Title Only">
     <p:spTree>
       <p:nvGrpSpPr>
@@ -3784,9 +4068,10 @@
           </a:prstGeom>
         </p:spPr>
         <p:txBody>
-          <a:bodyPr lIns="0" rIns="0" tIns="0" bIns="0" anchor="ctr"/>
-          <a:p>
-            <a:endParaRPr b="0" lang="zh-CN" sz="1800" spc="-1" strike="noStrike">
+          <a:bodyPr lIns="0" tIns="0" rIns="0" bIns="0" anchor="ctr"/>
+          <a:lstStyle/>
+          <a:p>
+            <a:endParaRPr lang="zh-CN" sz="1800" b="0" strike="noStrike" spc="-1">
               <a:solidFill>
                 <a:srgbClr val="000000"/>
               </a:solidFill>
@@ -3797,11 +4082,14 @@
       </p:sp>
     </p:spTree>
   </p:cSld>
+  <p:clrMapOvr>
+    <a:masterClrMapping/>
+  </p:clrMapOvr>
 </p:sldLayout>
 </file>
 
 <file path=ppt/slideLayouts/slideLayout6.xml><?xml version="1.0" encoding="utf-8"?>
-<p:sldLayout xmlns:a="http://schemas.openxmlformats.org/drawingml/2006/main" xmlns:p="http://schemas.openxmlformats.org/presentationml/2006/main" xmlns:r="http://schemas.openxmlformats.org/officeDocument/2006/relationships" xmlns:p14="http://schemas.microsoft.com/office/powerpoint/2010/main" xmlns:p15="http://schemas.microsoft.com/office/powerpoint/2012/main" xmlns:mc="http://schemas.openxmlformats.org/markup-compatibility/2006" type="objOnly" preserve="1">
+<p:sldLayout xmlns:a="http://schemas.openxmlformats.org/drawingml/2006/main" xmlns:r="http://schemas.openxmlformats.org/officeDocument/2006/relationships" xmlns:p="http://schemas.openxmlformats.org/presentationml/2006/main" type="objOnly" preserve="1">
   <p:cSld name="Centered Text">
     <p:spTree>
       <p:nvGrpSpPr>
@@ -3837,10 +4125,11 @@
           </a:prstGeom>
         </p:spPr>
         <p:txBody>
-          <a:bodyPr lIns="0" rIns="0" tIns="0" bIns="0" anchor="ctr"/>
+          <a:bodyPr lIns="0" tIns="0" rIns="0" bIns="0" anchor="ctr"/>
+          <a:lstStyle/>
           <a:p>
             <a:pPr algn="ctr"/>
-            <a:endParaRPr b="0" lang="en-US" sz="3200" spc="-1" strike="noStrike">
+            <a:endParaRPr lang="en-US" sz="3200" b="0" strike="noStrike" spc="-1">
               <a:latin typeface="Arial"/>
             </a:endParaRPr>
           </a:p>
@@ -3848,11 +4137,14 @@
       </p:sp>
     </p:spTree>
   </p:cSld>
+  <p:clrMapOvr>
+    <a:masterClrMapping/>
+  </p:clrMapOvr>
 </p:sldLayout>
 </file>
 
 <file path=ppt/slideLayouts/slideLayout7.xml><?xml version="1.0" encoding="utf-8"?>
-<p:sldLayout xmlns:a="http://schemas.openxmlformats.org/drawingml/2006/main" xmlns:p="http://schemas.openxmlformats.org/presentationml/2006/main" xmlns:r="http://schemas.openxmlformats.org/officeDocument/2006/relationships" xmlns:p14="http://schemas.microsoft.com/office/powerpoint/2010/main" xmlns:p15="http://schemas.microsoft.com/office/powerpoint/2012/main" xmlns:mc="http://schemas.openxmlformats.org/markup-compatibility/2006" type="twoObjAndObj" preserve="1">
+<p:sldLayout xmlns:a="http://schemas.openxmlformats.org/drawingml/2006/main" xmlns:r="http://schemas.openxmlformats.org/officeDocument/2006/relationships" xmlns:p="http://schemas.openxmlformats.org/presentationml/2006/main" type="twoObjAndObj" preserve="1">
   <p:cSld name="Title, 2 Content and Content">
     <p:spTree>
       <p:nvGrpSpPr>
@@ -3888,9 +4180,10 @@
           </a:prstGeom>
         </p:spPr>
         <p:txBody>
-          <a:bodyPr lIns="0" rIns="0" tIns="0" bIns="0" anchor="ctr"/>
-          <a:p>
-            <a:endParaRPr b="0" lang="zh-CN" sz="1800" spc="-1" strike="noStrike">
+          <a:bodyPr lIns="0" tIns="0" rIns="0" bIns="0" anchor="ctr"/>
+          <a:lstStyle/>
+          <a:p>
+            <a:endParaRPr lang="zh-CN" sz="1800" b="0" strike="noStrike" spc="-1">
               <a:solidFill>
                 <a:srgbClr val="000000"/>
               </a:solidFill>
@@ -3919,11 +4212,12 @@
           </a:prstGeom>
         </p:spPr>
         <p:txBody>
-          <a:bodyPr lIns="0" rIns="0" tIns="0" bIns="0">
+          <a:bodyPr lIns="0" tIns="0" rIns="0" bIns="0">
             <a:normAutofit/>
           </a:bodyPr>
-          <a:p>
-            <a:endParaRPr b="0" lang="zh-CN" sz="1800" spc="-1" strike="noStrike">
+          <a:lstStyle/>
+          <a:p>
+            <a:endParaRPr lang="zh-CN" sz="1800" b="0" strike="noStrike" spc="-1">
               <a:solidFill>
                 <a:srgbClr val="000000"/>
               </a:solidFill>
@@ -3952,11 +4246,12 @@
           </a:prstGeom>
         </p:spPr>
         <p:txBody>
-          <a:bodyPr lIns="0" rIns="0" tIns="0" bIns="0">
+          <a:bodyPr lIns="0" tIns="0" rIns="0" bIns="0">
             <a:normAutofit/>
           </a:bodyPr>
-          <a:p>
-            <a:endParaRPr b="0" lang="zh-CN" sz="1800" spc="-1" strike="noStrike">
+          <a:lstStyle/>
+          <a:p>
+            <a:endParaRPr lang="zh-CN" sz="1800" b="0" strike="noStrike" spc="-1">
               <a:solidFill>
                 <a:srgbClr val="000000"/>
               </a:solidFill>
@@ -3985,11 +4280,12 @@
           </a:prstGeom>
         </p:spPr>
         <p:txBody>
-          <a:bodyPr lIns="0" rIns="0" tIns="0" bIns="0">
+          <a:bodyPr lIns="0" tIns="0" rIns="0" bIns="0">
             <a:normAutofit/>
           </a:bodyPr>
-          <a:p>
-            <a:endParaRPr b="0" lang="zh-CN" sz="1800" spc="-1" strike="noStrike">
+          <a:lstStyle/>
+          <a:p>
+            <a:endParaRPr lang="zh-CN" sz="1800" b="0" strike="noStrike" spc="-1">
               <a:solidFill>
                 <a:srgbClr val="000000"/>
               </a:solidFill>
@@ -4000,11 +4296,14 @@
       </p:sp>
     </p:spTree>
   </p:cSld>
+  <p:clrMapOvr>
+    <a:masterClrMapping/>
+  </p:clrMapOvr>
 </p:sldLayout>
 </file>
 
 <file path=ppt/slideLayouts/slideLayout8.xml><?xml version="1.0" encoding="utf-8"?>
-<p:sldLayout xmlns:a="http://schemas.openxmlformats.org/drawingml/2006/main" xmlns:p="http://schemas.openxmlformats.org/presentationml/2006/main" xmlns:r="http://schemas.openxmlformats.org/officeDocument/2006/relationships" xmlns:p14="http://schemas.microsoft.com/office/powerpoint/2010/main" xmlns:p15="http://schemas.microsoft.com/office/powerpoint/2012/main" xmlns:mc="http://schemas.openxmlformats.org/markup-compatibility/2006" type="objAndTwoObj" preserve="1">
+<p:sldLayout xmlns:a="http://schemas.openxmlformats.org/drawingml/2006/main" xmlns:r="http://schemas.openxmlformats.org/officeDocument/2006/relationships" xmlns:p="http://schemas.openxmlformats.org/presentationml/2006/main" type="objAndTwoObj" preserve="1">
   <p:cSld name="Title Content and 2 Content">
     <p:spTree>
       <p:nvGrpSpPr>
@@ -4040,9 +4339,10 @@
           </a:prstGeom>
         </p:spPr>
         <p:txBody>
-          <a:bodyPr lIns="0" rIns="0" tIns="0" bIns="0" anchor="ctr"/>
-          <a:p>
-            <a:endParaRPr b="0" lang="zh-CN" sz="1800" spc="-1" strike="noStrike">
+          <a:bodyPr lIns="0" tIns="0" rIns="0" bIns="0" anchor="ctr"/>
+          <a:lstStyle/>
+          <a:p>
+            <a:endParaRPr lang="zh-CN" sz="1800" b="0" strike="noStrike" spc="-1">
               <a:solidFill>
                 <a:srgbClr val="000000"/>
               </a:solidFill>
@@ -4071,11 +4371,12 @@
           </a:prstGeom>
         </p:spPr>
         <p:txBody>
-          <a:bodyPr lIns="0" rIns="0" tIns="0" bIns="0">
+          <a:bodyPr lIns="0" tIns="0" rIns="0" bIns="0">
             <a:normAutofit/>
           </a:bodyPr>
-          <a:p>
-            <a:endParaRPr b="0" lang="zh-CN" sz="1800" spc="-1" strike="noStrike">
+          <a:lstStyle/>
+          <a:p>
+            <a:endParaRPr lang="zh-CN" sz="1800" b="0" strike="noStrike" spc="-1">
               <a:solidFill>
                 <a:srgbClr val="000000"/>
               </a:solidFill>
@@ -4104,11 +4405,12 @@
           </a:prstGeom>
         </p:spPr>
         <p:txBody>
-          <a:bodyPr lIns="0" rIns="0" tIns="0" bIns="0">
+          <a:bodyPr lIns="0" tIns="0" rIns="0" bIns="0">
             <a:normAutofit/>
           </a:bodyPr>
-          <a:p>
-            <a:endParaRPr b="0" lang="zh-CN" sz="1800" spc="-1" strike="noStrike">
+          <a:lstStyle/>
+          <a:p>
+            <a:endParaRPr lang="zh-CN" sz="1800" b="0" strike="noStrike" spc="-1">
               <a:solidFill>
                 <a:srgbClr val="000000"/>
               </a:solidFill>
@@ -4137,11 +4439,12 @@
           </a:prstGeom>
         </p:spPr>
         <p:txBody>
-          <a:bodyPr lIns="0" rIns="0" tIns="0" bIns="0">
+          <a:bodyPr lIns="0" tIns="0" rIns="0" bIns="0">
             <a:normAutofit/>
           </a:bodyPr>
-          <a:p>
-            <a:endParaRPr b="0" lang="zh-CN" sz="1800" spc="-1" strike="noStrike">
+          <a:lstStyle/>
+          <a:p>
+            <a:endParaRPr lang="zh-CN" sz="1800" b="0" strike="noStrike" spc="-1">
               <a:solidFill>
                 <a:srgbClr val="000000"/>
               </a:solidFill>
@@ -4152,11 +4455,14 @@
       </p:sp>
     </p:spTree>
   </p:cSld>
+  <p:clrMapOvr>
+    <a:masterClrMapping/>
+  </p:clrMapOvr>
 </p:sldLayout>
 </file>
 
 <file path=ppt/slideLayouts/slideLayout9.xml><?xml version="1.0" encoding="utf-8"?>
-<p:sldLayout xmlns:a="http://schemas.openxmlformats.org/drawingml/2006/main" xmlns:p="http://schemas.openxmlformats.org/presentationml/2006/main" xmlns:r="http://schemas.openxmlformats.org/officeDocument/2006/relationships" xmlns:p14="http://schemas.microsoft.com/office/powerpoint/2010/main" xmlns:p15="http://schemas.microsoft.com/office/powerpoint/2012/main" xmlns:mc="http://schemas.openxmlformats.org/markup-compatibility/2006" type="twoObjOverTx" preserve="1">
+<p:sldLayout xmlns:a="http://schemas.openxmlformats.org/drawingml/2006/main" xmlns:r="http://schemas.openxmlformats.org/officeDocument/2006/relationships" xmlns:p="http://schemas.openxmlformats.org/presentationml/2006/main" type="twoObjOverTx" preserve="1">
   <p:cSld name="Title, 2 Content over Content">
     <p:spTree>
       <p:nvGrpSpPr>
@@ -4192,9 +4498,10 @@
           </a:prstGeom>
         </p:spPr>
         <p:txBody>
-          <a:bodyPr lIns="0" rIns="0" tIns="0" bIns="0" anchor="ctr"/>
-          <a:p>
-            <a:endParaRPr b="0" lang="zh-CN" sz="1800" spc="-1" strike="noStrike">
+          <a:bodyPr lIns="0" tIns="0" rIns="0" bIns="0" anchor="ctr"/>
+          <a:lstStyle/>
+          <a:p>
+            <a:endParaRPr lang="zh-CN" sz="1800" b="0" strike="noStrike" spc="-1">
               <a:solidFill>
                 <a:srgbClr val="000000"/>
               </a:solidFill>
@@ -4223,11 +4530,12 @@
           </a:prstGeom>
         </p:spPr>
         <p:txBody>
-          <a:bodyPr lIns="0" rIns="0" tIns="0" bIns="0">
+          <a:bodyPr lIns="0" tIns="0" rIns="0" bIns="0">
             <a:normAutofit/>
           </a:bodyPr>
-          <a:p>
-            <a:endParaRPr b="0" lang="zh-CN" sz="1800" spc="-1" strike="noStrike">
+          <a:lstStyle/>
+          <a:p>
+            <a:endParaRPr lang="zh-CN" sz="1800" b="0" strike="noStrike" spc="-1">
               <a:solidFill>
                 <a:srgbClr val="000000"/>
               </a:solidFill>
@@ -4256,11 +4564,12 @@
           </a:prstGeom>
         </p:spPr>
         <p:txBody>
-          <a:bodyPr lIns="0" rIns="0" tIns="0" bIns="0">
+          <a:bodyPr lIns="0" tIns="0" rIns="0" bIns="0">
             <a:normAutofit/>
           </a:bodyPr>
-          <a:p>
-            <a:endParaRPr b="0" lang="zh-CN" sz="1800" spc="-1" strike="noStrike">
+          <a:lstStyle/>
+          <a:p>
+            <a:endParaRPr lang="zh-CN" sz="1800" b="0" strike="noStrike" spc="-1">
               <a:solidFill>
                 <a:srgbClr val="000000"/>
               </a:solidFill>
@@ -4289,11 +4598,12 @@
           </a:prstGeom>
         </p:spPr>
         <p:txBody>
-          <a:bodyPr lIns="0" rIns="0" tIns="0" bIns="0">
+          <a:bodyPr lIns="0" tIns="0" rIns="0" bIns="0">
             <a:normAutofit/>
           </a:bodyPr>
-          <a:p>
-            <a:endParaRPr b="0" lang="zh-CN" sz="1800" spc="-1" strike="noStrike">
+          <a:lstStyle/>
+          <a:p>
+            <a:endParaRPr lang="zh-CN" sz="1800" b="0" strike="noStrike" spc="-1">
               <a:solidFill>
                 <a:srgbClr val="000000"/>
               </a:solidFill>
@@ -4304,17 +4614,21 @@
       </p:sp>
     </p:spTree>
   </p:cSld>
+  <p:clrMapOvr>
+    <a:masterClrMapping/>
+  </p:clrMapOvr>
 </p:sldLayout>
 </file>
 
 <file path=ppt/slideMasters/slideMaster1.xml><?xml version="1.0" encoding="utf-8"?>
-<p:sldMaster xmlns:a="http://schemas.openxmlformats.org/drawingml/2006/main" xmlns:p="http://schemas.openxmlformats.org/presentationml/2006/main" xmlns:r="http://schemas.openxmlformats.org/officeDocument/2006/relationships" xmlns:p14="http://schemas.microsoft.com/office/powerpoint/2010/main" xmlns:p15="http://schemas.microsoft.com/office/powerpoint/2012/main" xmlns:mc="http://schemas.openxmlformats.org/markup-compatibility/2006">
+<p:sldMaster xmlns:a="http://schemas.openxmlformats.org/drawingml/2006/main" xmlns:r="http://schemas.openxmlformats.org/officeDocument/2006/relationships" xmlns:p="http://schemas.openxmlformats.org/presentationml/2006/main">
   <p:cSld>
     <p:bg>
       <p:bgPr>
         <a:solidFill>
-          <a:srgbClr val="ffffff"/>
+          <a:srgbClr val="FFFFFF"/>
         </a:solidFill>
+        <a:effectLst/>
       </p:bgPr>
     </p:bg>
     <p:spTree>
@@ -4333,7 +4647,7 @@
       </p:grpSpPr>
       <p:sp>
         <p:nvSpPr>
-          <p:cNvPr id="0" name="PlaceHolder 1"/>
+          <p:cNvPr id="2" name="PlaceHolder 1"/>
           <p:cNvSpPr>
             <a:spLocks noGrp="1"/>
           </p:cNvSpPr>
@@ -4351,10 +4665,11 @@
           </a:prstGeom>
         </p:spPr>
         <p:txBody>
-          <a:bodyPr lIns="0" rIns="0" tIns="0" bIns="0" anchor="ctr"/>
+          <a:bodyPr lIns="0" tIns="0" rIns="0" bIns="0" anchor="ctr"/>
+          <a:lstStyle/>
           <a:p>
             <a:r>
-              <a:rPr b="0" lang="zh-CN" sz="1800" spc="-1" strike="noStrike">
+              <a:rPr lang="zh-CN" sz="1800" b="0" strike="noStrike" spc="-1">
                 <a:solidFill>
                   <a:srgbClr val="000000"/>
                 </a:solidFill>
@@ -4362,18 +4677,12 @@
               </a:rPr>
               <a:t>Click to edit the title text format</a:t>
             </a:r>
-            <a:endParaRPr b="0" lang="zh-CN" sz="1800" spc="-1" strike="noStrike">
-              <a:solidFill>
-                <a:srgbClr val="000000"/>
-              </a:solidFill>
-              <a:latin typeface="Arial"/>
-            </a:endParaRPr>
-          </a:p>
-        </p:txBody>
-      </p:sp>
-      <p:sp>
-        <p:nvSpPr>
-          <p:cNvPr id="1" name="PlaceHolder 2"/>
+          </a:p>
+        </p:txBody>
+      </p:sp>
+      <p:sp>
+        <p:nvSpPr>
+          <p:cNvPr id="3" name="PlaceHolder 2"/>
           <p:cNvSpPr>
             <a:spLocks noGrp="1"/>
           </p:cNvSpPr>
@@ -4391,9 +4700,10 @@
           </a:prstGeom>
         </p:spPr>
         <p:txBody>
-          <a:bodyPr lIns="0" rIns="0" tIns="0" bIns="0">
+          <a:bodyPr lIns="0" tIns="0" rIns="0" bIns="0">
             <a:normAutofit/>
           </a:bodyPr>
+          <a:lstStyle/>
           <a:p>
             <a:pPr marL="432000" indent="-324000">
               <a:spcBef>
@@ -4407,7 +4717,7 @@
               <a:buChar char=""/>
             </a:pPr>
             <a:r>
-              <a:rPr b="0" lang="zh-CN" sz="1800" spc="-1" strike="noStrike">
+              <a:rPr lang="zh-CN" sz="1800" b="0" strike="noStrike" spc="-1">
                 <a:solidFill>
                   <a:srgbClr val="000000"/>
                 </a:solidFill>
@@ -4415,15 +4725,9 @@
               </a:rPr>
               <a:t>Click to edit the outline text format</a:t>
             </a:r>
-            <a:endParaRPr b="0" lang="zh-CN" sz="1800" spc="-1" strike="noStrike">
-              <a:solidFill>
-                <a:srgbClr val="000000"/>
-              </a:solidFill>
-              <a:latin typeface="Arial"/>
-            </a:endParaRPr>
-          </a:p>
-          <a:p>
-            <a:pPr lvl="1" marL="864000" indent="-324000">
+          </a:p>
+          <a:p>
+            <a:pPr marL="864000" lvl="1" indent="-324000">
               <a:spcBef>
                 <a:spcPts val="1134"/>
               </a:spcBef>
@@ -4435,7 +4739,7 @@
               <a:buChar char=""/>
             </a:pPr>
             <a:r>
-              <a:rPr b="0" lang="zh-CN" sz="1800" spc="-1" strike="noStrike">
+              <a:rPr lang="zh-CN" sz="1800" b="0" strike="noStrike" spc="-1">
                 <a:solidFill>
                   <a:srgbClr val="000000"/>
                 </a:solidFill>
@@ -4443,15 +4747,9 @@
               </a:rPr>
               <a:t>Second Outline Level</a:t>
             </a:r>
-            <a:endParaRPr b="0" lang="zh-CN" sz="1800" spc="-1" strike="noStrike">
-              <a:solidFill>
-                <a:srgbClr val="000000"/>
-              </a:solidFill>
-              <a:latin typeface="Arial"/>
-            </a:endParaRPr>
-          </a:p>
-          <a:p>
-            <a:pPr lvl="2" marL="1296000" indent="-288000">
+          </a:p>
+          <a:p>
+            <a:pPr marL="1296000" lvl="2" indent="-288000">
               <a:spcBef>
                 <a:spcPts val="850"/>
               </a:spcBef>
@@ -4463,7 +4761,7 @@
               <a:buChar char=""/>
             </a:pPr>
             <a:r>
-              <a:rPr b="0" lang="zh-CN" sz="1800" spc="-1" strike="noStrike">
+              <a:rPr lang="zh-CN" sz="1800" b="0" strike="noStrike" spc="-1">
                 <a:solidFill>
                   <a:srgbClr val="000000"/>
                 </a:solidFill>
@@ -4471,15 +4769,9 @@
               </a:rPr>
               <a:t>Third Outline Level</a:t>
             </a:r>
-            <a:endParaRPr b="0" lang="zh-CN" sz="1800" spc="-1" strike="noStrike">
-              <a:solidFill>
-                <a:srgbClr val="000000"/>
-              </a:solidFill>
-              <a:latin typeface="Arial"/>
-            </a:endParaRPr>
-          </a:p>
-          <a:p>
-            <a:pPr lvl="3" marL="1728000" indent="-216000">
+          </a:p>
+          <a:p>
+            <a:pPr marL="1728000" lvl="3" indent="-216000">
               <a:spcBef>
                 <a:spcPts val="567"/>
               </a:spcBef>
@@ -4491,7 +4783,7 @@
               <a:buChar char=""/>
             </a:pPr>
             <a:r>
-              <a:rPr b="0" lang="zh-CN" sz="1800" spc="-1" strike="noStrike">
+              <a:rPr lang="zh-CN" sz="1800" b="0" strike="noStrike" spc="-1">
                 <a:solidFill>
                   <a:srgbClr val="000000"/>
                 </a:solidFill>
@@ -4499,15 +4791,9 @@
               </a:rPr>
               <a:t>Fourth Outline Level</a:t>
             </a:r>
-            <a:endParaRPr b="0" lang="zh-CN" sz="1800" spc="-1" strike="noStrike">
-              <a:solidFill>
-                <a:srgbClr val="000000"/>
-              </a:solidFill>
-              <a:latin typeface="Arial"/>
-            </a:endParaRPr>
-          </a:p>
-          <a:p>
-            <a:pPr lvl="4" marL="2160000" indent="-216000">
+          </a:p>
+          <a:p>
+            <a:pPr marL="2160000" lvl="4" indent="-216000">
               <a:spcBef>
                 <a:spcPts val="283"/>
               </a:spcBef>
@@ -4519,7 +4805,7 @@
               <a:buChar char=""/>
             </a:pPr>
             <a:r>
-              <a:rPr b="0" lang="zh-CN" sz="2000" spc="-1" strike="noStrike">
+              <a:rPr lang="zh-CN" sz="2000" b="0" strike="noStrike" spc="-1">
                 <a:solidFill>
                   <a:srgbClr val="000000"/>
                 </a:solidFill>
@@ -4527,15 +4813,9 @@
               </a:rPr>
               <a:t>Fifth Outline Level</a:t>
             </a:r>
-            <a:endParaRPr b="0" lang="zh-CN" sz="2000" spc="-1" strike="noStrike">
-              <a:solidFill>
-                <a:srgbClr val="000000"/>
-              </a:solidFill>
-              <a:latin typeface="Arial"/>
-            </a:endParaRPr>
-          </a:p>
-          <a:p>
-            <a:pPr lvl="5" marL="2592000" indent="-216000">
+          </a:p>
+          <a:p>
+            <a:pPr marL="2592000" lvl="5" indent="-216000">
               <a:spcBef>
                 <a:spcPts val="283"/>
               </a:spcBef>
@@ -4547,7 +4827,7 @@
               <a:buChar char=""/>
             </a:pPr>
             <a:r>
-              <a:rPr b="0" lang="zh-CN" sz="2000" spc="-1" strike="noStrike">
+              <a:rPr lang="zh-CN" sz="2000" b="0" strike="noStrike" spc="-1">
                 <a:solidFill>
                   <a:srgbClr val="000000"/>
                 </a:solidFill>
@@ -4555,15 +4835,9 @@
               </a:rPr>
               <a:t>Sixth Outline Level</a:t>
             </a:r>
-            <a:endParaRPr b="0" lang="zh-CN" sz="2000" spc="-1" strike="noStrike">
-              <a:solidFill>
-                <a:srgbClr val="000000"/>
-              </a:solidFill>
-              <a:latin typeface="Arial"/>
-            </a:endParaRPr>
-          </a:p>
-          <a:p>
-            <a:pPr lvl="6" marL="3024000" indent="-216000">
+          </a:p>
+          <a:p>
+            <a:pPr marL="3024000" lvl="6" indent="-216000">
               <a:spcBef>
                 <a:spcPts val="283"/>
               </a:spcBef>
@@ -4575,7 +4849,7 @@
               <a:buChar char=""/>
             </a:pPr>
             <a:r>
-              <a:rPr b="0" lang="zh-CN" sz="2000" spc="-1" strike="noStrike">
+              <a:rPr lang="zh-CN" sz="2000" b="0" strike="noStrike" spc="-1">
                 <a:solidFill>
                   <a:srgbClr val="000000"/>
                 </a:solidFill>
@@ -4583,43 +4857,43 @@
               </a:rPr>
               <a:t>Seventh Outline Level</a:t>
             </a:r>
-            <a:endParaRPr b="0" lang="zh-CN" sz="2000" spc="-1" strike="noStrike">
-              <a:solidFill>
-                <a:srgbClr val="000000"/>
-              </a:solidFill>
-              <a:latin typeface="Arial"/>
-            </a:endParaRPr>
           </a:p>
         </p:txBody>
       </p:sp>
     </p:spTree>
   </p:cSld>
-  <p:clrMap bg1="lt1" bg2="lt2" tx1="dk1" tx2="dk2" accent1="accent1" accent2="accent2" accent3="accent3" accent4="accent4" accent5="accent5" accent6="accent6" hlink="hlink" folHlink="folHlink"/>
+  <p:clrMap bg1="lt1" tx1="dk1" bg2="lt2" tx2="dk2" accent1="accent1" accent2="accent2" accent3="accent3" accent4="accent4" accent5="accent5" accent6="accent6" hlink="hlink" folHlink="folHlink"/>
   <p:sldLayoutIdLst>
-    <p:sldLayoutId id="2147483649" r:id="rId2"/>
-    <p:sldLayoutId id="2147483650" r:id="rId3"/>
-    <p:sldLayoutId id="2147483651" r:id="rId4"/>
-    <p:sldLayoutId id="2147483652" r:id="rId5"/>
-    <p:sldLayoutId id="2147483653" r:id="rId6"/>
-    <p:sldLayoutId id="2147483654" r:id="rId7"/>
-    <p:sldLayoutId id="2147483655" r:id="rId8"/>
-    <p:sldLayoutId id="2147483656" r:id="rId9"/>
-    <p:sldLayoutId id="2147483657" r:id="rId10"/>
-    <p:sldLayoutId id="2147483658" r:id="rId11"/>
-    <p:sldLayoutId id="2147483659" r:id="rId12"/>
-    <p:sldLayoutId id="2147483660" r:id="rId13"/>
+    <p:sldLayoutId id="2147483649" r:id="rId1"/>
+    <p:sldLayoutId id="2147483650" r:id="rId2"/>
+    <p:sldLayoutId id="2147483651" r:id="rId3"/>
+    <p:sldLayoutId id="2147483652" r:id="rId4"/>
+    <p:sldLayoutId id="2147483653" r:id="rId5"/>
+    <p:sldLayoutId id="2147483654" r:id="rId6"/>
+    <p:sldLayoutId id="2147483655" r:id="rId7"/>
+    <p:sldLayoutId id="2147483656" r:id="rId8"/>
+    <p:sldLayoutId id="2147483657" r:id="rId9"/>
+    <p:sldLayoutId id="2147483658" r:id="rId10"/>
+    <p:sldLayoutId id="2147483659" r:id="rId11"/>
+    <p:sldLayoutId id="2147483660" r:id="rId12"/>
   </p:sldLayoutIdLst>
+  <p:txStyles>
+    <p:titleStyle/>
+    <p:bodyStyle/>
+    <p:otherStyle/>
+  </p:txStyles>
 </p:sldMaster>
 </file>
 
 <file path=ppt/slideMasters/slideMaster2.xml><?xml version="1.0" encoding="utf-8"?>
-<p:sldMaster xmlns:a="http://schemas.openxmlformats.org/drawingml/2006/main" xmlns:p="http://schemas.openxmlformats.org/presentationml/2006/main" xmlns:r="http://schemas.openxmlformats.org/officeDocument/2006/relationships" xmlns:p14="http://schemas.microsoft.com/office/powerpoint/2010/main" xmlns:p15="http://schemas.microsoft.com/office/powerpoint/2012/main" xmlns:mc="http://schemas.openxmlformats.org/markup-compatibility/2006">
+<p:sldMaster xmlns:a="http://schemas.openxmlformats.org/drawingml/2006/main" xmlns:r="http://schemas.openxmlformats.org/officeDocument/2006/relationships" xmlns:p="http://schemas.openxmlformats.org/presentationml/2006/main">
   <p:cSld>
     <p:bg>
       <p:bgPr>
         <a:solidFill>
-          <a:srgbClr val="ffffff"/>
+          <a:srgbClr val="FFFFFF"/>
         </a:solidFill>
+        <a:effectLst/>
       </p:bgPr>
     </p:bg>
     <p:spTree>
@@ -4656,10 +4930,11 @@
           </a:prstGeom>
         </p:spPr>
         <p:txBody>
-          <a:bodyPr lIns="0" rIns="0" tIns="0" bIns="0" anchor="ctr"/>
+          <a:bodyPr lIns="0" tIns="0" rIns="0" bIns="0" anchor="ctr"/>
+          <a:lstStyle/>
           <a:p>
             <a:r>
-              <a:rPr b="0" lang="zh-CN" sz="1800" spc="-1" strike="noStrike">
+              <a:rPr lang="zh-CN" sz="1800" b="0" strike="noStrike" spc="-1">
                 <a:solidFill>
                   <a:srgbClr val="000000"/>
                 </a:solidFill>
@@ -4667,12 +4942,6 @@
               </a:rPr>
               <a:t>Click to edit the title text format</a:t>
             </a:r>
-            <a:endParaRPr b="0" lang="zh-CN" sz="1800" spc="-1" strike="noStrike">
-              <a:solidFill>
-                <a:srgbClr val="000000"/>
-              </a:solidFill>
-              <a:latin typeface="Arial"/>
-            </a:endParaRPr>
           </a:p>
         </p:txBody>
       </p:sp>
@@ -4696,9 +4965,10 @@
           </a:prstGeom>
         </p:spPr>
         <p:txBody>
-          <a:bodyPr lIns="0" rIns="0" tIns="0" bIns="0">
+          <a:bodyPr lIns="0" tIns="0" rIns="0" bIns="0">
             <a:normAutofit/>
           </a:bodyPr>
+          <a:lstStyle/>
           <a:p>
             <a:pPr marL="432000" indent="-324000">
               <a:spcBef>
@@ -4712,7 +4982,7 @@
               <a:buChar char=""/>
             </a:pPr>
             <a:r>
-              <a:rPr b="0" lang="zh-CN" sz="1800" spc="-1" strike="noStrike">
+              <a:rPr lang="zh-CN" sz="1800" b="0" strike="noStrike" spc="-1">
                 <a:solidFill>
                   <a:srgbClr val="000000"/>
                 </a:solidFill>
@@ -4720,15 +4990,9 @@
               </a:rPr>
               <a:t>Click to edit the outline text format</a:t>
             </a:r>
-            <a:endParaRPr b="0" lang="zh-CN" sz="1800" spc="-1" strike="noStrike">
-              <a:solidFill>
-                <a:srgbClr val="000000"/>
-              </a:solidFill>
-              <a:latin typeface="Arial"/>
-            </a:endParaRPr>
-          </a:p>
-          <a:p>
-            <a:pPr lvl="1" marL="864000" indent="-324000">
+          </a:p>
+          <a:p>
+            <a:pPr marL="864000" lvl="1" indent="-324000">
               <a:spcBef>
                 <a:spcPts val="1134"/>
               </a:spcBef>
@@ -4740,7 +5004,7 @@
               <a:buChar char=""/>
             </a:pPr>
             <a:r>
-              <a:rPr b="0" lang="zh-CN" sz="1800" spc="-1" strike="noStrike">
+              <a:rPr lang="zh-CN" sz="1800" b="0" strike="noStrike" spc="-1">
                 <a:solidFill>
                   <a:srgbClr val="000000"/>
                 </a:solidFill>
@@ -4748,15 +5012,9 @@
               </a:rPr>
               <a:t>Second Outline Level</a:t>
             </a:r>
-            <a:endParaRPr b="0" lang="zh-CN" sz="1800" spc="-1" strike="noStrike">
-              <a:solidFill>
-                <a:srgbClr val="000000"/>
-              </a:solidFill>
-              <a:latin typeface="Arial"/>
-            </a:endParaRPr>
-          </a:p>
-          <a:p>
-            <a:pPr lvl="2" marL="1296000" indent="-288000">
+          </a:p>
+          <a:p>
+            <a:pPr marL="1296000" lvl="2" indent="-288000">
               <a:spcBef>
                 <a:spcPts val="850"/>
               </a:spcBef>
@@ -4768,7 +5026,7 @@
               <a:buChar char=""/>
             </a:pPr>
             <a:r>
-              <a:rPr b="0" lang="zh-CN" sz="1800" spc="-1" strike="noStrike">
+              <a:rPr lang="zh-CN" sz="1800" b="0" strike="noStrike" spc="-1">
                 <a:solidFill>
                   <a:srgbClr val="000000"/>
                 </a:solidFill>
@@ -4776,15 +5034,9 @@
               </a:rPr>
               <a:t>Third Outline Level</a:t>
             </a:r>
-            <a:endParaRPr b="0" lang="zh-CN" sz="1800" spc="-1" strike="noStrike">
-              <a:solidFill>
-                <a:srgbClr val="000000"/>
-              </a:solidFill>
-              <a:latin typeface="Arial"/>
-            </a:endParaRPr>
-          </a:p>
-          <a:p>
-            <a:pPr lvl="3" marL="1728000" indent="-216000">
+          </a:p>
+          <a:p>
+            <a:pPr marL="1728000" lvl="3" indent="-216000">
               <a:spcBef>
                 <a:spcPts val="567"/>
               </a:spcBef>
@@ -4796,7 +5048,7 @@
               <a:buChar char=""/>
             </a:pPr>
             <a:r>
-              <a:rPr b="0" lang="zh-CN" sz="1800" spc="-1" strike="noStrike">
+              <a:rPr lang="zh-CN" sz="1800" b="0" strike="noStrike" spc="-1">
                 <a:solidFill>
                   <a:srgbClr val="000000"/>
                 </a:solidFill>
@@ -4804,15 +5056,9 @@
               </a:rPr>
               <a:t>Fourth Outline Level</a:t>
             </a:r>
-            <a:endParaRPr b="0" lang="zh-CN" sz="1800" spc="-1" strike="noStrike">
-              <a:solidFill>
-                <a:srgbClr val="000000"/>
-              </a:solidFill>
-              <a:latin typeface="Arial"/>
-            </a:endParaRPr>
-          </a:p>
-          <a:p>
-            <a:pPr lvl="4" marL="2160000" indent="-216000">
+          </a:p>
+          <a:p>
+            <a:pPr marL="2160000" lvl="4" indent="-216000">
               <a:spcBef>
                 <a:spcPts val="283"/>
               </a:spcBef>
@@ -4824,7 +5070,7 @@
               <a:buChar char=""/>
             </a:pPr>
             <a:r>
-              <a:rPr b="0" lang="zh-CN" sz="2000" spc="-1" strike="noStrike">
+              <a:rPr lang="zh-CN" sz="2000" b="0" strike="noStrike" spc="-1">
                 <a:solidFill>
                   <a:srgbClr val="000000"/>
                 </a:solidFill>
@@ -4832,15 +5078,9 @@
               </a:rPr>
               <a:t>Fifth Outline Level</a:t>
             </a:r>
-            <a:endParaRPr b="0" lang="zh-CN" sz="2000" spc="-1" strike="noStrike">
-              <a:solidFill>
-                <a:srgbClr val="000000"/>
-              </a:solidFill>
-              <a:latin typeface="Arial"/>
-            </a:endParaRPr>
-          </a:p>
-          <a:p>
-            <a:pPr lvl="5" marL="2592000" indent="-216000">
+          </a:p>
+          <a:p>
+            <a:pPr marL="2592000" lvl="5" indent="-216000">
               <a:spcBef>
                 <a:spcPts val="283"/>
               </a:spcBef>
@@ -4852,7 +5092,7 @@
               <a:buChar char=""/>
             </a:pPr>
             <a:r>
-              <a:rPr b="0" lang="zh-CN" sz="2000" spc="-1" strike="noStrike">
+              <a:rPr lang="zh-CN" sz="2000" b="0" strike="noStrike" spc="-1">
                 <a:solidFill>
                   <a:srgbClr val="000000"/>
                 </a:solidFill>
@@ -4860,15 +5100,9 @@
               </a:rPr>
               <a:t>Sixth Outline Level</a:t>
             </a:r>
-            <a:endParaRPr b="0" lang="zh-CN" sz="2000" spc="-1" strike="noStrike">
-              <a:solidFill>
-                <a:srgbClr val="000000"/>
-              </a:solidFill>
-              <a:latin typeface="Arial"/>
-            </a:endParaRPr>
-          </a:p>
-          <a:p>
-            <a:pPr lvl="6" marL="3024000" indent="-216000">
+          </a:p>
+          <a:p>
+            <a:pPr marL="3024000" lvl="6" indent="-216000">
               <a:spcBef>
                 <a:spcPts val="283"/>
               </a:spcBef>
@@ -4880,7 +5114,7 @@
               <a:buChar char=""/>
             </a:pPr>
             <a:r>
-              <a:rPr b="0" lang="zh-CN" sz="2000" spc="-1" strike="noStrike">
+              <a:rPr lang="zh-CN" sz="2000" b="0" strike="noStrike" spc="-1">
                 <a:solidFill>
                   <a:srgbClr val="000000"/>
                 </a:solidFill>
@@ -4888,43 +5122,43 @@
               </a:rPr>
               <a:t>Seventh Outline Level</a:t>
             </a:r>
-            <a:endParaRPr b="0" lang="zh-CN" sz="2000" spc="-1" strike="noStrike">
-              <a:solidFill>
-                <a:srgbClr val="000000"/>
-              </a:solidFill>
-              <a:latin typeface="Arial"/>
-            </a:endParaRPr>
           </a:p>
         </p:txBody>
       </p:sp>
     </p:spTree>
   </p:cSld>
-  <p:clrMap bg1="lt1" bg2="lt2" tx1="dk1" tx2="dk2" accent1="accent1" accent2="accent2" accent3="accent3" accent4="accent4" accent5="accent5" accent6="accent6" hlink="hlink" folHlink="folHlink"/>
+  <p:clrMap bg1="lt1" tx1="dk1" bg2="lt2" tx2="dk2" accent1="accent1" accent2="accent2" accent3="accent3" accent4="accent4" accent5="accent5" accent6="accent6" hlink="hlink" folHlink="folHlink"/>
   <p:sldLayoutIdLst>
-    <p:sldLayoutId id="2147483662" r:id="rId2"/>
-    <p:sldLayoutId id="2147483663" r:id="rId3"/>
-    <p:sldLayoutId id="2147483664" r:id="rId4"/>
-    <p:sldLayoutId id="2147483665" r:id="rId5"/>
-    <p:sldLayoutId id="2147483666" r:id="rId6"/>
-    <p:sldLayoutId id="2147483667" r:id="rId7"/>
-    <p:sldLayoutId id="2147483668" r:id="rId8"/>
-    <p:sldLayoutId id="2147483669" r:id="rId9"/>
-    <p:sldLayoutId id="2147483670" r:id="rId10"/>
-    <p:sldLayoutId id="2147483671" r:id="rId11"/>
-    <p:sldLayoutId id="2147483672" r:id="rId12"/>
-    <p:sldLayoutId id="2147483673" r:id="rId13"/>
+    <p:sldLayoutId id="2147483662" r:id="rId1"/>
+    <p:sldLayoutId id="2147483663" r:id="rId2"/>
+    <p:sldLayoutId id="2147483664" r:id="rId3"/>
+    <p:sldLayoutId id="2147483665" r:id="rId4"/>
+    <p:sldLayoutId id="2147483666" r:id="rId5"/>
+    <p:sldLayoutId id="2147483667" r:id="rId6"/>
+    <p:sldLayoutId id="2147483668" r:id="rId7"/>
+    <p:sldLayoutId id="2147483669" r:id="rId8"/>
+    <p:sldLayoutId id="2147483670" r:id="rId9"/>
+    <p:sldLayoutId id="2147483671" r:id="rId10"/>
+    <p:sldLayoutId id="2147483672" r:id="rId11"/>
+    <p:sldLayoutId id="2147483673" r:id="rId12"/>
   </p:sldLayoutIdLst>
+  <p:txStyles>
+    <p:titleStyle/>
+    <p:bodyStyle/>
+    <p:otherStyle/>
+  </p:txStyles>
 </p:sldMaster>
 </file>
 
 <file path=ppt/slideMasters/slideMaster3.xml><?xml version="1.0" encoding="utf-8"?>
-<p:sldMaster xmlns:a="http://schemas.openxmlformats.org/drawingml/2006/main" xmlns:p="http://schemas.openxmlformats.org/presentationml/2006/main" xmlns:r="http://schemas.openxmlformats.org/officeDocument/2006/relationships" xmlns:p14="http://schemas.microsoft.com/office/powerpoint/2010/main" xmlns:p15="http://schemas.microsoft.com/office/powerpoint/2012/main" xmlns:mc="http://schemas.openxmlformats.org/markup-compatibility/2006">
+<p:sldMaster xmlns:a="http://schemas.openxmlformats.org/drawingml/2006/main" xmlns:r="http://schemas.openxmlformats.org/officeDocument/2006/relationships" xmlns:p="http://schemas.openxmlformats.org/presentationml/2006/main">
   <p:cSld>
     <p:bg>
       <p:bgPr>
         <a:solidFill>
-          <a:srgbClr val="ffffff"/>
+          <a:srgbClr val="FFFFFF"/>
         </a:solidFill>
+        <a:effectLst/>
       </p:bgPr>
     </p:bg>
     <p:spTree>
@@ -4961,10 +5195,11 @@
           </a:prstGeom>
         </p:spPr>
         <p:txBody>
-          <a:bodyPr lIns="0" rIns="0" tIns="0" bIns="0" anchor="ctr"/>
+          <a:bodyPr lIns="0" tIns="0" rIns="0" bIns="0" anchor="ctr"/>
+          <a:lstStyle/>
           <a:p>
             <a:r>
-              <a:rPr b="0" lang="zh-CN" sz="1800" spc="-1" strike="noStrike">
+              <a:rPr lang="zh-CN" sz="1800" b="0" strike="noStrike" spc="-1">
                 <a:solidFill>
                   <a:srgbClr val="000000"/>
                 </a:solidFill>
@@ -4972,12 +5207,6 @@
               </a:rPr>
               <a:t>Click to edit the title text format</a:t>
             </a:r>
-            <a:endParaRPr b="0" lang="zh-CN" sz="1800" spc="-1" strike="noStrike">
-              <a:solidFill>
-                <a:srgbClr val="000000"/>
-              </a:solidFill>
-              <a:latin typeface="Arial"/>
-            </a:endParaRPr>
           </a:p>
         </p:txBody>
       </p:sp>
@@ -5001,9 +5230,10 @@
           </a:prstGeom>
         </p:spPr>
         <p:txBody>
-          <a:bodyPr lIns="0" rIns="0" tIns="0" bIns="0">
+          <a:bodyPr lIns="0" tIns="0" rIns="0" bIns="0">
             <a:normAutofit/>
           </a:bodyPr>
+          <a:lstStyle/>
           <a:p>
             <a:pPr marL="432000" indent="-324000">
               <a:spcBef>
@@ -5017,7 +5247,7 @@
               <a:buChar char=""/>
             </a:pPr>
             <a:r>
-              <a:rPr b="0" lang="zh-CN" sz="1800" spc="-1" strike="noStrike">
+              <a:rPr lang="zh-CN" sz="1800" b="0" strike="noStrike" spc="-1">
                 <a:solidFill>
                   <a:srgbClr val="000000"/>
                 </a:solidFill>
@@ -5025,15 +5255,9 @@
               </a:rPr>
               <a:t>Click to edit the outline text format</a:t>
             </a:r>
-            <a:endParaRPr b="0" lang="zh-CN" sz="1800" spc="-1" strike="noStrike">
-              <a:solidFill>
-                <a:srgbClr val="000000"/>
-              </a:solidFill>
-              <a:latin typeface="Arial"/>
-            </a:endParaRPr>
-          </a:p>
-          <a:p>
-            <a:pPr lvl="1" marL="864000" indent="-324000">
+          </a:p>
+          <a:p>
+            <a:pPr marL="864000" lvl="1" indent="-324000">
               <a:spcBef>
                 <a:spcPts val="1134"/>
               </a:spcBef>
@@ -5045,7 +5269,7 @@
               <a:buChar char=""/>
             </a:pPr>
             <a:r>
-              <a:rPr b="0" lang="zh-CN" sz="1800" spc="-1" strike="noStrike">
+              <a:rPr lang="zh-CN" sz="1800" b="0" strike="noStrike" spc="-1">
                 <a:solidFill>
                   <a:srgbClr val="000000"/>
                 </a:solidFill>
@@ -5053,15 +5277,9 @@
               </a:rPr>
               <a:t>Second Outline Level</a:t>
             </a:r>
-            <a:endParaRPr b="0" lang="zh-CN" sz="1800" spc="-1" strike="noStrike">
-              <a:solidFill>
-                <a:srgbClr val="000000"/>
-              </a:solidFill>
-              <a:latin typeface="Arial"/>
-            </a:endParaRPr>
-          </a:p>
-          <a:p>
-            <a:pPr lvl="2" marL="1296000" indent="-288000">
+          </a:p>
+          <a:p>
+            <a:pPr marL="1296000" lvl="2" indent="-288000">
               <a:spcBef>
                 <a:spcPts val="850"/>
               </a:spcBef>
@@ -5073,7 +5291,7 @@
               <a:buChar char=""/>
             </a:pPr>
             <a:r>
-              <a:rPr b="0" lang="zh-CN" sz="1800" spc="-1" strike="noStrike">
+              <a:rPr lang="zh-CN" sz="1800" b="0" strike="noStrike" spc="-1">
                 <a:solidFill>
                   <a:srgbClr val="000000"/>
                 </a:solidFill>
@@ -5081,15 +5299,9 @@
               </a:rPr>
               <a:t>Third Outline Level</a:t>
             </a:r>
-            <a:endParaRPr b="0" lang="zh-CN" sz="1800" spc="-1" strike="noStrike">
-              <a:solidFill>
-                <a:srgbClr val="000000"/>
-              </a:solidFill>
-              <a:latin typeface="Arial"/>
-            </a:endParaRPr>
-          </a:p>
-          <a:p>
-            <a:pPr lvl="3" marL="1728000" indent="-216000">
+          </a:p>
+          <a:p>
+            <a:pPr marL="1728000" lvl="3" indent="-216000">
               <a:spcBef>
                 <a:spcPts val="567"/>
               </a:spcBef>
@@ -5101,7 +5313,7 @@
               <a:buChar char=""/>
             </a:pPr>
             <a:r>
-              <a:rPr b="0" lang="zh-CN" sz="1800" spc="-1" strike="noStrike">
+              <a:rPr lang="zh-CN" sz="1800" b="0" strike="noStrike" spc="-1">
                 <a:solidFill>
                   <a:srgbClr val="000000"/>
                 </a:solidFill>
@@ -5109,15 +5321,9 @@
               </a:rPr>
               <a:t>Fourth Outline Level</a:t>
             </a:r>
-            <a:endParaRPr b="0" lang="zh-CN" sz="1800" spc="-1" strike="noStrike">
-              <a:solidFill>
-                <a:srgbClr val="000000"/>
-              </a:solidFill>
-              <a:latin typeface="Arial"/>
-            </a:endParaRPr>
-          </a:p>
-          <a:p>
-            <a:pPr lvl="4" marL="2160000" indent="-216000">
+          </a:p>
+          <a:p>
+            <a:pPr marL="2160000" lvl="4" indent="-216000">
               <a:spcBef>
                 <a:spcPts val="283"/>
               </a:spcBef>
@@ -5129,7 +5335,7 @@
               <a:buChar char=""/>
             </a:pPr>
             <a:r>
-              <a:rPr b="0" lang="zh-CN" sz="2000" spc="-1" strike="noStrike">
+              <a:rPr lang="zh-CN" sz="2000" b="0" strike="noStrike" spc="-1">
                 <a:solidFill>
                   <a:srgbClr val="000000"/>
                 </a:solidFill>
@@ -5137,15 +5343,9 @@
               </a:rPr>
               <a:t>Fifth Outline Level</a:t>
             </a:r>
-            <a:endParaRPr b="0" lang="zh-CN" sz="2000" spc="-1" strike="noStrike">
-              <a:solidFill>
-                <a:srgbClr val="000000"/>
-              </a:solidFill>
-              <a:latin typeface="Arial"/>
-            </a:endParaRPr>
-          </a:p>
-          <a:p>
-            <a:pPr lvl="5" marL="2592000" indent="-216000">
+          </a:p>
+          <a:p>
+            <a:pPr marL="2592000" lvl="5" indent="-216000">
               <a:spcBef>
                 <a:spcPts val="283"/>
               </a:spcBef>
@@ -5157,7 +5357,7 @@
               <a:buChar char=""/>
             </a:pPr>
             <a:r>
-              <a:rPr b="0" lang="zh-CN" sz="2000" spc="-1" strike="noStrike">
+              <a:rPr lang="zh-CN" sz="2000" b="0" strike="noStrike" spc="-1">
                 <a:solidFill>
                   <a:srgbClr val="000000"/>
                 </a:solidFill>
@@ -5165,15 +5365,9 @@
               </a:rPr>
               <a:t>Sixth Outline Level</a:t>
             </a:r>
-            <a:endParaRPr b="0" lang="zh-CN" sz="2000" spc="-1" strike="noStrike">
-              <a:solidFill>
-                <a:srgbClr val="000000"/>
-              </a:solidFill>
-              <a:latin typeface="Arial"/>
-            </a:endParaRPr>
-          </a:p>
-          <a:p>
-            <a:pPr lvl="6" marL="3024000" indent="-216000">
+          </a:p>
+          <a:p>
+            <a:pPr marL="3024000" lvl="6" indent="-216000">
               <a:spcBef>
                 <a:spcPts val="283"/>
               </a:spcBef>
@@ -5185,7 +5379,7 @@
               <a:buChar char=""/>
             </a:pPr>
             <a:r>
-              <a:rPr b="0" lang="zh-CN" sz="2000" spc="-1" strike="noStrike">
+              <a:rPr lang="zh-CN" sz="2000" b="0" strike="noStrike" spc="-1">
                 <a:solidFill>
                   <a:srgbClr val="000000"/>
                 </a:solidFill>
@@ -5193,37 +5387,36 @@
               </a:rPr>
               <a:t>Seventh Outline Level</a:t>
             </a:r>
-            <a:endParaRPr b="0" lang="zh-CN" sz="2000" spc="-1" strike="noStrike">
-              <a:solidFill>
-                <a:srgbClr val="000000"/>
-              </a:solidFill>
-              <a:latin typeface="Arial"/>
-            </a:endParaRPr>
           </a:p>
         </p:txBody>
       </p:sp>
     </p:spTree>
   </p:cSld>
-  <p:clrMap bg1="lt1" bg2="lt2" tx1="dk1" tx2="dk2" accent1="accent1" accent2="accent2" accent3="accent3" accent4="accent4" accent5="accent5" accent6="accent6" hlink="hlink" folHlink="folHlink"/>
+  <p:clrMap bg1="lt1" tx1="dk1" bg2="lt2" tx2="dk2" accent1="accent1" accent2="accent2" accent3="accent3" accent4="accent4" accent5="accent5" accent6="accent6" hlink="hlink" folHlink="folHlink"/>
   <p:sldLayoutIdLst>
-    <p:sldLayoutId id="2147483675" r:id="rId2"/>
-    <p:sldLayoutId id="2147483676" r:id="rId3"/>
-    <p:sldLayoutId id="2147483677" r:id="rId4"/>
-    <p:sldLayoutId id="2147483678" r:id="rId5"/>
-    <p:sldLayoutId id="2147483679" r:id="rId6"/>
-    <p:sldLayoutId id="2147483680" r:id="rId7"/>
-    <p:sldLayoutId id="2147483681" r:id="rId8"/>
-    <p:sldLayoutId id="2147483682" r:id="rId9"/>
-    <p:sldLayoutId id="2147483683" r:id="rId10"/>
-    <p:sldLayoutId id="2147483684" r:id="rId11"/>
-    <p:sldLayoutId id="2147483685" r:id="rId12"/>
-    <p:sldLayoutId id="2147483686" r:id="rId13"/>
+    <p:sldLayoutId id="2147483675" r:id="rId1"/>
+    <p:sldLayoutId id="2147483676" r:id="rId2"/>
+    <p:sldLayoutId id="2147483677" r:id="rId3"/>
+    <p:sldLayoutId id="2147483678" r:id="rId4"/>
+    <p:sldLayoutId id="2147483679" r:id="rId5"/>
+    <p:sldLayoutId id="2147483680" r:id="rId6"/>
+    <p:sldLayoutId id="2147483681" r:id="rId7"/>
+    <p:sldLayoutId id="2147483682" r:id="rId8"/>
+    <p:sldLayoutId id="2147483683" r:id="rId9"/>
+    <p:sldLayoutId id="2147483684" r:id="rId10"/>
+    <p:sldLayoutId id="2147483685" r:id="rId11"/>
+    <p:sldLayoutId id="2147483686" r:id="rId12"/>
   </p:sldLayoutIdLst>
+  <p:txStyles>
+    <p:titleStyle/>
+    <p:bodyStyle/>
+    <p:otherStyle/>
+  </p:txStyles>
 </p:sldMaster>
 </file>
 
 <file path=ppt/slides/slide1.xml><?xml version="1.0" encoding="utf-8"?>
-<p:sld xmlns:a="http://schemas.openxmlformats.org/drawingml/2006/main" xmlns:p="http://schemas.openxmlformats.org/presentationml/2006/main" xmlns:r="http://schemas.openxmlformats.org/officeDocument/2006/relationships" xmlns:p14="http://schemas.microsoft.com/office/powerpoint/2010/main" xmlns:p15="http://schemas.microsoft.com/office/powerpoint/2012/main" xmlns:mc="http://schemas.openxmlformats.org/markup-compatibility/2006">
+<p:sld xmlns:a="http://schemas.openxmlformats.org/drawingml/2006/main" xmlns:r="http://schemas.openxmlformats.org/officeDocument/2006/relationships" xmlns:p="http://schemas.openxmlformats.org/presentationml/2006/main">
   <p:cSld>
     <p:spTree>
       <p:nvGrpSpPr>
@@ -5259,13 +5452,20 @@
           </a:ln>
         </p:spPr>
         <p:style>
-          <a:lnRef idx="0"/>
-          <a:fillRef idx="0"/>
-          <a:effectRef idx="0"/>
+          <a:lnRef idx="0">
+            <a:scrgbClr r="0" g="0" b="0"/>
+          </a:lnRef>
+          <a:fillRef idx="0">
+            <a:scrgbClr r="0" g="0" b="0"/>
+          </a:fillRef>
+          <a:effectRef idx="0">
+            <a:scrgbClr r="0" g="0" b="0"/>
+          </a:effectRef>
           <a:fontRef idx="minor"/>
         </p:style>
         <p:txBody>
-          <a:bodyPr lIns="90000" rIns="90000" tIns="45000" bIns="45000" anchor="ctr"/>
+          <a:bodyPr lIns="90000" tIns="45000" rIns="90000" bIns="45000" anchor="ctr"/>
+          <a:lstStyle/>
           <a:p>
             <a:pPr algn="ctr">
               <a:lnSpc>
@@ -5273,7 +5473,7 @@
               </a:lnSpc>
             </a:pPr>
             <a:r>
-              <a:rPr b="0" lang="en-US" sz="4400" spc="-1" strike="noStrike">
+              <a:rPr lang="en-US" sz="4400" b="0" strike="noStrike" spc="-1">
                 <a:solidFill>
                   <a:srgbClr val="000000"/>
                 </a:solidFill>
@@ -5282,7 +5482,7 @@
               </a:rPr>
               <a:t>数据结构与算法</a:t>
             </a:r>
-            <a:endParaRPr b="0" lang="en-US" sz="4400" spc="-1" strike="noStrike">
+            <a:endParaRPr lang="en-US" sz="4400" b="0" strike="noStrike" spc="-1">
               <a:latin typeface="Arial"/>
             </a:endParaRPr>
           </a:p>
@@ -5308,9 +5508,15 @@
           </a:ln>
         </p:spPr>
         <p:style>
-          <a:lnRef idx="0"/>
-          <a:fillRef idx="0"/>
-          <a:effectRef idx="0"/>
+          <a:lnRef idx="0">
+            <a:scrgbClr r="0" g="0" b="0"/>
+          </a:lnRef>
+          <a:fillRef idx="0">
+            <a:scrgbClr r="0" g="0" b="0"/>
+          </a:fillRef>
+          <a:effectRef idx="0">
+            <a:scrgbClr r="0" g="0" b="0"/>
+          </a:effectRef>
           <a:fontRef idx="minor"/>
         </p:style>
       </p:sp>
@@ -5382,7 +5588,8 @@
           <a:fontRef idx="minor"/>
         </p:style>
         <p:txBody>
-          <a:bodyPr lIns="0" rIns="0" tIns="0" bIns="0" anchor="ctr"/>
+          <a:bodyPr lIns="0" tIns="0" rIns="0" bIns="0" anchor="ctr"/>
+          <a:lstStyle/>
           <a:p>
             <a:pPr algn="ctr">
               <a:lnSpc>
@@ -5390,7 +5597,7 @@
               </a:lnSpc>
             </a:pPr>
             <a:r>
-              <a:rPr b="0" lang="en-US" sz="1000" spc="-1" strike="noStrike">
+              <a:rPr lang="en-US" sz="1000" b="0" strike="noStrike" spc="-1">
                 <a:solidFill>
                   <a:srgbClr val="000000"/>
                 </a:solidFill>
@@ -5399,7 +5606,7 @@
               </a:rPr>
               <a:t>Unrestricted</a:t>
             </a:r>
-            <a:endParaRPr b="0" lang="en-US" sz="1000" spc="-1" strike="noStrike">
+            <a:endParaRPr lang="en-US" sz="1000" b="0" strike="noStrike" spc="-1">
               <a:latin typeface="Arial"/>
             </a:endParaRPr>
           </a:p>
@@ -5407,6 +5614,9 @@
       </p:sp>
     </p:spTree>
   </p:cSld>
+  <p:clrMapOvr>
+    <a:masterClrMapping/>
+  </p:clrMapOvr>
   <p:timing>
     <p:tnLst>
       <p:par>
@@ -5415,14 +5625,14 @@
             <p:seq>
               <p:cTn id="2" dur="indefinite" nodeType="mainSeq"/>
               <p:prevCondLst>
-                <p:cond delay="0" evt="onPrev">
+                <p:cond evt="onPrev" delay="0">
                   <p:tgtEl>
                     <p:sldTgt/>
                   </p:tgtEl>
                 </p:cond>
               </p:prevCondLst>
               <p:nextCondLst>
-                <p:cond delay="0" evt="onNext">
+                <p:cond evt="onNext" delay="0">
                   <p:tgtEl>
                     <p:sldTgt/>
                   </p:tgtEl>
@@ -5438,7 +5648,7 @@
 </file>
 
 <file path=ppt/slides/slide10.xml><?xml version="1.0" encoding="utf-8"?>
-<p:sld xmlns:a="http://schemas.openxmlformats.org/drawingml/2006/main" xmlns:p="http://schemas.openxmlformats.org/presentationml/2006/main" xmlns:r="http://schemas.openxmlformats.org/officeDocument/2006/relationships" xmlns:p14="http://schemas.microsoft.com/office/powerpoint/2010/main" xmlns:p15="http://schemas.microsoft.com/office/powerpoint/2012/main" xmlns:mc="http://schemas.openxmlformats.org/markup-compatibility/2006">
+<p:sld xmlns:a="http://schemas.openxmlformats.org/drawingml/2006/main" xmlns:r="http://schemas.openxmlformats.org/officeDocument/2006/relationships" xmlns:p="http://schemas.openxmlformats.org/presentationml/2006/main">
   <p:cSld>
     <p:spTree>
       <p:nvGrpSpPr>
@@ -5474,7 +5684,8 @@
           </a:ln>
         </p:spPr>
         <p:txBody>
-          <a:bodyPr lIns="0" rIns="0" tIns="0" bIns="0" anchor="ctr"/>
+          <a:bodyPr lIns="0" tIns="0" rIns="0" bIns="0" anchor="ctr"/>
+          <a:lstStyle/>
           <a:p>
             <a:pPr>
               <a:lnSpc>
@@ -5482,7 +5693,7 @@
               </a:lnSpc>
             </a:pPr>
             <a:r>
-              <a:rPr b="0" lang="zh-CN" sz="1800" spc="-1" strike="noStrike">
+              <a:rPr lang="zh-CN" sz="1800" b="0" strike="noStrike" spc="-1">
                 <a:solidFill>
                   <a:srgbClr val="000000"/>
                 </a:solidFill>
@@ -5490,41 +5701,12 @@
               </a:rPr>
               <a:t>删除元素后，可以手动将没有用的元素指向空，以便于被垃圾回收</a:t>
             </a:r>
-            <a:endParaRPr b="0" lang="zh-CN" sz="1800" spc="-1" strike="noStrike">
-              <a:solidFill>
-                <a:srgbClr val="000000"/>
-              </a:solidFill>
-              <a:latin typeface="Arial"/>
-            </a:endParaRPr>
           </a:p>
         </p:txBody>
       </p:sp>
       <p:pic>
         <p:nvPicPr>
-          <p:cNvPr id="137" name="Picture 2" descr=""/>
-          <p:cNvPicPr/>
-          <p:nvPr/>
-        </p:nvPicPr>
-        <p:blipFill>
-          <a:blip r:embed="rId1"/>
-          <a:stretch/>
-        </p:blipFill>
-        <p:spPr>
-          <a:xfrm>
-            <a:off x="395640" y="802800"/>
-            <a:ext cx="6524280" cy="2647440"/>
-          </a:xfrm>
-          <a:prstGeom prst="rect">
-            <a:avLst/>
-          </a:prstGeom>
-          <a:ln>
-            <a:noFill/>
-          </a:ln>
-        </p:spPr>
-      </p:pic>
-      <p:pic>
-        <p:nvPicPr>
-          <p:cNvPr id="138" name="" descr=""/>
+          <p:cNvPr id="137" name="Picture 2"/>
           <p:cNvPicPr/>
           <p:nvPr/>
         </p:nvPicPr>
@@ -5534,8 +5716,8 @@
         </p:blipFill>
         <p:spPr>
           <a:xfrm>
-            <a:off x="274320" y="4225680"/>
-            <a:ext cx="6324120" cy="1352160"/>
+            <a:off x="395640" y="802800"/>
+            <a:ext cx="6524280" cy="2647440"/>
           </a:xfrm>
           <a:prstGeom prst="rect">
             <a:avLst/>
@@ -5545,6 +5727,29 @@
           </a:ln>
         </p:spPr>
       </p:pic>
+      <p:pic>
+        <p:nvPicPr>
+          <p:cNvPr id="138" name="图片 137"/>
+          <p:cNvPicPr/>
+          <p:nvPr/>
+        </p:nvPicPr>
+        <p:blipFill>
+          <a:blip r:embed="rId3"/>
+          <a:stretch/>
+        </p:blipFill>
+        <p:spPr>
+          <a:xfrm>
+            <a:off x="274320" y="4225680"/>
+            <a:ext cx="6324120" cy="1352160"/>
+          </a:xfrm>
+          <a:prstGeom prst="rect">
+            <a:avLst/>
+          </a:prstGeom>
+          <a:ln>
+            <a:noFill/>
+          </a:ln>
+        </p:spPr>
+      </p:pic>
       <p:sp>
         <p:nvSpPr>
           <p:cNvPr id="139" name="CustomShape 2"/>
@@ -5562,7 +5767,7 @@
           <a:noFill/>
           <a:ln w="12600">
             <a:solidFill>
-              <a:srgbClr val="ff0000"/>
+              <a:srgbClr val="FF0000"/>
             </a:solidFill>
             <a:round/>
           </a:ln>
@@ -5602,13 +5807,20 @@
           </a:ln>
         </p:spPr>
         <p:style>
-          <a:lnRef idx="0"/>
-          <a:fillRef idx="0"/>
-          <a:effectRef idx="0"/>
+          <a:lnRef idx="0">
+            <a:scrgbClr r="0" g="0" b="0"/>
+          </a:lnRef>
+          <a:fillRef idx="0">
+            <a:scrgbClr r="0" g="0" b="0"/>
+          </a:fillRef>
+          <a:effectRef idx="0">
+            <a:scrgbClr r="0" g="0" b="0"/>
+          </a:effectRef>
           <a:fontRef idx="minor"/>
         </p:style>
         <p:txBody>
-          <a:bodyPr lIns="90000" rIns="90000" tIns="45000" bIns="45000"/>
+          <a:bodyPr lIns="90000" tIns="45000" rIns="90000" bIns="45000"/>
+          <a:lstStyle/>
           <a:p>
             <a:pPr>
               <a:lnSpc>
@@ -5616,7 +5828,7 @@
               </a:lnSpc>
             </a:pPr>
             <a:r>
-              <a:rPr b="0" lang="en-US" sz="1800" spc="-1" strike="noStrike">
+              <a:rPr lang="en-US" sz="1800" b="0" strike="noStrike" spc="-1">
                 <a:solidFill>
                   <a:srgbClr val="000000"/>
                 </a:solidFill>
@@ -5625,7 +5837,7 @@
               </a:rPr>
               <a:t>这里声明的时候时包装类，传入的时候是基本类型，因为基本类型可以和包装类无缝转换</a:t>
             </a:r>
-            <a:endParaRPr b="0" lang="en-US" sz="1800" spc="-1" strike="noStrike">
+            <a:endParaRPr lang="en-US" sz="1800" b="0" strike="noStrike" spc="-1">
               <a:latin typeface="Arial"/>
             </a:endParaRPr>
           </a:p>
@@ -5633,22 +5845,25 @@
       </p:sp>
     </p:spTree>
   </p:cSld>
+  <p:clrMapOvr>
+    <a:masterClrMapping/>
+  </p:clrMapOvr>
   <p:timing>
     <p:tnLst>
       <p:par>
-        <p:cTn id="19" dur="indefinite" restart="never" nodeType="tmRoot">
+        <p:cTn id="1" dur="indefinite" restart="never" nodeType="tmRoot">
           <p:childTnLst>
             <p:seq>
-              <p:cTn id="20" dur="indefinite" nodeType="mainSeq"/>
+              <p:cTn id="2" dur="indefinite" nodeType="mainSeq"/>
               <p:prevCondLst>
-                <p:cond delay="0" evt="onPrev">
+                <p:cond evt="onPrev" delay="0">
                   <p:tgtEl>
                     <p:sldTgt/>
                   </p:tgtEl>
                 </p:cond>
               </p:prevCondLst>
               <p:nextCondLst>
-                <p:cond delay="0" evt="onNext">
+                <p:cond evt="onNext" delay="0">
                   <p:tgtEl>
                     <p:sldTgt/>
                   </p:tgtEl>
@@ -5664,7 +5879,7 @@
 </file>
 
 <file path=ppt/slides/slide11.xml><?xml version="1.0" encoding="utf-8"?>
-<p:sld xmlns:a="http://schemas.openxmlformats.org/drawingml/2006/main" xmlns:p="http://schemas.openxmlformats.org/presentationml/2006/main" xmlns:r="http://schemas.openxmlformats.org/officeDocument/2006/relationships" xmlns:p14="http://schemas.microsoft.com/office/powerpoint/2010/main" xmlns:p15="http://schemas.microsoft.com/office/powerpoint/2012/main" xmlns:mc="http://schemas.openxmlformats.org/markup-compatibility/2006">
+<p:sld xmlns:a="http://schemas.openxmlformats.org/drawingml/2006/main" xmlns:r="http://schemas.openxmlformats.org/officeDocument/2006/relationships" xmlns:p="http://schemas.openxmlformats.org/presentationml/2006/main">
   <p:cSld>
     <p:spTree>
       <p:nvGrpSpPr>
@@ -5700,79 +5915,29 @@
           </a:ln>
         </p:spPr>
         <p:txBody>
-          <a:bodyPr lIns="0" rIns="0" tIns="0" bIns="0" anchor="ctr"/>
+          <a:bodyPr lIns="0" tIns="0" rIns="0" bIns="0" anchor="ctr"/>
+          <a:lstStyle/>
           <a:p>
             <a:r>
-              <a:rPr b="0" lang="zh-CN" sz="1800" spc="-1" strike="noStrike">
+              <a:rPr lang="zh-CN" sz="1800" b="0" strike="noStrike" spc="-1">
                 <a:solidFill>
                   <a:srgbClr val="000000"/>
                 </a:solidFill>
                 <a:latin typeface="Arial"/>
               </a:rPr>
-              <a:t>data</a:t>
+              <a:t>data指向新的newData后，newData不再使用而失效。原来的数组被垃圾回收机制回收</a:t>
             </a:r>
-            <a:r>
-              <a:rPr b="0" lang="zh-CN" sz="1800" spc="-1" strike="noStrike">
-                <a:solidFill>
-                  <a:srgbClr val="000000"/>
-                </a:solidFill>
-                <a:latin typeface="Arial"/>
-              </a:rPr>
-              <a:t>指向新的</a:t>
-            </a:r>
-            <a:r>
-              <a:rPr b="0" lang="zh-CN" sz="1800" spc="-1" strike="noStrike">
-                <a:solidFill>
-                  <a:srgbClr val="000000"/>
-                </a:solidFill>
-                <a:latin typeface="Arial"/>
-              </a:rPr>
-              <a:t>newData</a:t>
-            </a:r>
-            <a:r>
-              <a:rPr b="0" lang="zh-CN" sz="1800" spc="-1" strike="noStrike">
-                <a:solidFill>
-                  <a:srgbClr val="000000"/>
-                </a:solidFill>
-                <a:latin typeface="Arial"/>
-              </a:rPr>
-              <a:t>后，</a:t>
-            </a:r>
-            <a:r>
-              <a:rPr b="0" lang="zh-CN" sz="1800" spc="-1" strike="noStrike">
-                <a:solidFill>
-                  <a:srgbClr val="000000"/>
-                </a:solidFill>
-                <a:latin typeface="Arial"/>
-              </a:rPr>
-              <a:t>newData</a:t>
-            </a:r>
-            <a:r>
-              <a:rPr b="0" lang="zh-CN" sz="1800" spc="-1" strike="noStrike">
-                <a:solidFill>
-                  <a:srgbClr val="000000"/>
-                </a:solidFill>
-                <a:latin typeface="Arial"/>
-              </a:rPr>
-              <a:t>不再使用而失效。原来的数组被垃圾回收机制回收</a:t>
-            </a:r>
-            <a:endParaRPr b="0" lang="zh-CN" sz="1800" spc="-1" strike="noStrike">
-              <a:solidFill>
-                <a:srgbClr val="000000"/>
-              </a:solidFill>
-              <a:latin typeface="Arial"/>
-            </a:endParaRPr>
           </a:p>
         </p:txBody>
       </p:sp>
       <p:pic>
         <p:nvPicPr>
-          <p:cNvPr id="142" name="" descr=""/>
+          <p:cNvPr id="142" name="图片 141"/>
           <p:cNvPicPr/>
           <p:nvPr/>
         </p:nvPicPr>
         <p:blipFill>
-          <a:blip r:embed="rId1"/>
+          <a:blip r:embed="rId2"/>
           <a:stretch/>
         </p:blipFill>
         <p:spPr>
@@ -5790,22 +5955,25 @@
       </p:pic>
     </p:spTree>
   </p:cSld>
+  <p:clrMapOvr>
+    <a:masterClrMapping/>
+  </p:clrMapOvr>
   <p:timing>
     <p:tnLst>
       <p:par>
-        <p:cTn id="21" dur="indefinite" restart="never" nodeType="tmRoot">
+        <p:cTn id="1" dur="indefinite" restart="never" nodeType="tmRoot">
           <p:childTnLst>
             <p:seq>
-              <p:cTn id="22" dur="indefinite" nodeType="mainSeq"/>
+              <p:cTn id="2" dur="indefinite" nodeType="mainSeq"/>
               <p:prevCondLst>
-                <p:cond delay="0" evt="onPrev">
+                <p:cond evt="onPrev" delay="0">
                   <p:tgtEl>
                     <p:sldTgt/>
                   </p:tgtEl>
                 </p:cond>
               </p:prevCondLst>
               <p:nextCondLst>
-                <p:cond delay="0" evt="onNext">
+                <p:cond evt="onNext" delay="0">
                   <p:tgtEl>
                     <p:sldTgt/>
                   </p:tgtEl>
@@ -5821,7 +5989,7 @@
 </file>
 
 <file path=ppt/slides/slide12.xml><?xml version="1.0" encoding="utf-8"?>
-<p:sld xmlns:a="http://schemas.openxmlformats.org/drawingml/2006/main" xmlns:p="http://schemas.openxmlformats.org/presentationml/2006/main" xmlns:r="http://schemas.openxmlformats.org/officeDocument/2006/relationships" xmlns:p14="http://schemas.microsoft.com/office/powerpoint/2010/main" xmlns:p15="http://schemas.microsoft.com/office/powerpoint/2012/main" xmlns:mc="http://schemas.openxmlformats.org/markup-compatibility/2006">
+<p:sld xmlns:a="http://schemas.openxmlformats.org/drawingml/2006/main" xmlns:r="http://schemas.openxmlformats.org/officeDocument/2006/relationships" xmlns:p="http://schemas.openxmlformats.org/presentationml/2006/main">
   <p:cSld>
     <p:spTree>
       <p:nvGrpSpPr>
@@ -5857,9 +6025,10 @@
           </a:ln>
         </p:spPr>
         <p:txBody>
-          <a:bodyPr lIns="0" rIns="0" tIns="0" bIns="0" anchor="ctr"/>
-          <a:p>
-            <a:endParaRPr b="0" lang="zh-CN" sz="1800" spc="-1" strike="noStrike">
+          <a:bodyPr lIns="0" tIns="0" rIns="0" bIns="0" anchor="ctr"/>
+          <a:lstStyle/>
+          <a:p>
+            <a:endParaRPr lang="zh-CN" sz="1800" b="0" strike="noStrike" spc="-1">
               <a:solidFill>
                 <a:srgbClr val="000000"/>
               </a:solidFill>
@@ -5870,12 +6039,12 @@
       </p:sp>
       <p:pic>
         <p:nvPicPr>
-          <p:cNvPr id="144" name="" descr=""/>
+          <p:cNvPr id="144" name="图片 143"/>
           <p:cNvPicPr/>
           <p:nvPr/>
         </p:nvPicPr>
         <p:blipFill>
-          <a:blip r:embed="rId1"/>
+          <a:blip r:embed="rId2"/>
           <a:stretch/>
         </p:blipFill>
         <p:spPr>
@@ -5893,22 +6062,25 @@
       </p:pic>
     </p:spTree>
   </p:cSld>
+  <p:clrMapOvr>
+    <a:masterClrMapping/>
+  </p:clrMapOvr>
   <p:timing>
     <p:tnLst>
       <p:par>
-        <p:cTn id="23" dur="indefinite" restart="never" nodeType="tmRoot">
+        <p:cTn id="1" dur="indefinite" restart="never" nodeType="tmRoot">
           <p:childTnLst>
             <p:seq>
-              <p:cTn id="24" dur="indefinite" nodeType="mainSeq"/>
+              <p:cTn id="2" dur="indefinite" nodeType="mainSeq"/>
               <p:prevCondLst>
-                <p:cond delay="0" evt="onPrev">
+                <p:cond evt="onPrev" delay="0">
                   <p:tgtEl>
                     <p:sldTgt/>
                   </p:tgtEl>
                 </p:cond>
               </p:prevCondLst>
               <p:nextCondLst>
-                <p:cond delay="0" evt="onNext">
+                <p:cond evt="onNext" delay="0">
                   <p:tgtEl>
                     <p:sldTgt/>
                   </p:tgtEl>
@@ -5924,7 +6096,7 @@
 </file>
 
 <file path=ppt/slides/slide13.xml><?xml version="1.0" encoding="utf-8"?>
-<p:sld xmlns:a="http://schemas.openxmlformats.org/drawingml/2006/main" xmlns:p="http://schemas.openxmlformats.org/presentationml/2006/main" xmlns:r="http://schemas.openxmlformats.org/officeDocument/2006/relationships" xmlns:p14="http://schemas.microsoft.com/office/powerpoint/2010/main" xmlns:p15="http://schemas.microsoft.com/office/powerpoint/2012/main" xmlns:mc="http://schemas.openxmlformats.org/markup-compatibility/2006">
+<p:sld xmlns:a="http://schemas.openxmlformats.org/drawingml/2006/main" xmlns:r="http://schemas.openxmlformats.org/officeDocument/2006/relationships" xmlns:p="http://schemas.openxmlformats.org/presentationml/2006/main">
   <p:cSld>
     <p:spTree>
       <p:nvGrpSpPr>
@@ -5960,10 +6132,11 @@
           </a:ln>
         </p:spPr>
         <p:txBody>
-          <a:bodyPr lIns="0" rIns="0" tIns="0" bIns="0" anchor="ctr"/>
+          <a:bodyPr lIns="0" tIns="0" rIns="0" bIns="0" anchor="ctr"/>
+          <a:lstStyle/>
           <a:p>
             <a:r>
-              <a:rPr b="0" lang="zh-CN" sz="1800" spc="-1" strike="noStrike">
+              <a:rPr lang="zh-CN" sz="1800" b="0" strike="noStrike" spc="-1">
                 <a:solidFill>
                   <a:srgbClr val="000000"/>
                 </a:solidFill>
@@ -5971,23 +6144,17 @@
               </a:rPr>
               <a:t>高阶项忽略低阶</a:t>
             </a:r>
-            <a:endParaRPr b="0" lang="zh-CN" sz="1800" spc="-1" strike="noStrike">
-              <a:solidFill>
-                <a:srgbClr val="000000"/>
-              </a:solidFill>
-              <a:latin typeface="Arial"/>
-            </a:endParaRPr>
           </a:p>
         </p:txBody>
       </p:sp>
       <p:pic>
         <p:nvPicPr>
-          <p:cNvPr id="146" name="" descr=""/>
+          <p:cNvPr id="146" name="图片 145"/>
           <p:cNvPicPr/>
           <p:nvPr/>
         </p:nvPicPr>
         <p:blipFill>
-          <a:blip r:embed="rId1"/>
+          <a:blip r:embed="rId2"/>
           <a:stretch/>
         </p:blipFill>
         <p:spPr>
@@ -6005,22 +6172,25 @@
       </p:pic>
     </p:spTree>
   </p:cSld>
+  <p:clrMapOvr>
+    <a:masterClrMapping/>
+  </p:clrMapOvr>
   <p:timing>
     <p:tnLst>
       <p:par>
-        <p:cTn id="25" dur="indefinite" restart="never" nodeType="tmRoot">
+        <p:cTn id="1" dur="indefinite" restart="never" nodeType="tmRoot">
           <p:childTnLst>
             <p:seq>
-              <p:cTn id="26" dur="indefinite" nodeType="mainSeq"/>
+              <p:cTn id="2" dur="indefinite" nodeType="mainSeq"/>
               <p:prevCondLst>
-                <p:cond delay="0" evt="onPrev">
+                <p:cond evt="onPrev" delay="0">
                   <p:tgtEl>
                     <p:sldTgt/>
                   </p:tgtEl>
                 </p:cond>
               </p:prevCondLst>
               <p:nextCondLst>
-                <p:cond delay="0" evt="onNext">
+                <p:cond evt="onNext" delay="0">
                   <p:tgtEl>
                     <p:sldTgt/>
                   </p:tgtEl>
@@ -6036,7 +6206,7 @@
 </file>
 
 <file path=ppt/slides/slide14.xml><?xml version="1.0" encoding="utf-8"?>
-<p:sld xmlns:a="http://schemas.openxmlformats.org/drawingml/2006/main" xmlns:p="http://schemas.openxmlformats.org/presentationml/2006/main" xmlns:r="http://schemas.openxmlformats.org/officeDocument/2006/relationships" xmlns:p14="http://schemas.microsoft.com/office/powerpoint/2010/main" xmlns:p15="http://schemas.microsoft.com/office/powerpoint/2012/main" xmlns:mc="http://schemas.openxmlformats.org/markup-compatibility/2006">
+<p:sld xmlns:a="http://schemas.openxmlformats.org/drawingml/2006/main" xmlns:r="http://schemas.openxmlformats.org/officeDocument/2006/relationships" xmlns:p="http://schemas.openxmlformats.org/presentationml/2006/main">
   <p:cSld>
     <p:spTree>
       <p:nvGrpSpPr>
@@ -6072,10 +6242,11 @@
           </a:ln>
         </p:spPr>
         <p:txBody>
-          <a:bodyPr lIns="0" rIns="0" tIns="0" bIns="0" anchor="ctr"/>
+          <a:bodyPr lIns="0" tIns="0" rIns="0" bIns="0" anchor="ctr"/>
+          <a:lstStyle/>
           <a:p>
             <a:r>
-              <a:rPr b="0" lang="zh-CN" sz="1800" spc="-1" strike="noStrike">
+              <a:rPr lang="zh-CN" sz="1800" b="0" strike="noStrike" spc="-1">
                 <a:solidFill>
                   <a:srgbClr val="000000"/>
                 </a:solidFill>
@@ -6083,69 +6254,30 @@
               </a:rPr>
               <a:t>考虑最差情况</a:t>
             </a:r>
+            <a:r>
+              <a:t/>
+            </a:r>
             <a:br/>
             <a:r>
-              <a:rPr b="0" lang="zh-CN" sz="1800" spc="-1" strike="noStrike">
+              <a:rPr lang="zh-CN" sz="1800" b="0" strike="noStrike" spc="-1">
                 <a:solidFill>
                   <a:srgbClr val="000000"/>
                 </a:solidFill>
                 <a:latin typeface="Arial"/>
               </a:rPr>
-              <a:t>删除复杂度也是</a:t>
+              <a:t>删除复杂度也是O(n)。修改复杂度是O(1)，支持随机访问</a:t>
             </a:r>
-            <a:r>
-              <a:rPr b="0" lang="zh-CN" sz="1800" spc="-1" strike="noStrike">
-                <a:solidFill>
-                  <a:srgbClr val="000000"/>
-                </a:solidFill>
-                <a:latin typeface="Arial"/>
-              </a:rPr>
-              <a:t>O(n)</a:t>
-            </a:r>
-            <a:r>
-              <a:rPr b="0" lang="zh-CN" sz="1800" spc="-1" strike="noStrike">
-                <a:solidFill>
-                  <a:srgbClr val="000000"/>
-                </a:solidFill>
-                <a:latin typeface="Arial"/>
-              </a:rPr>
-              <a:t>。修改复杂度是</a:t>
-            </a:r>
-            <a:r>
-              <a:rPr b="0" lang="zh-CN" sz="1800" spc="-1" strike="noStrike">
-                <a:solidFill>
-                  <a:srgbClr val="000000"/>
-                </a:solidFill>
-                <a:latin typeface="Arial"/>
-              </a:rPr>
-              <a:t>O(1)</a:t>
-            </a:r>
-            <a:r>
-              <a:rPr b="0" lang="zh-CN" sz="1800" spc="-1" strike="noStrike">
-                <a:solidFill>
-                  <a:srgbClr val="000000"/>
-                </a:solidFill>
-                <a:latin typeface="Arial"/>
-              </a:rPr>
-              <a:t>，支持随机访问</a:t>
-            </a:r>
-            <a:endParaRPr b="0" lang="zh-CN" sz="1800" spc="-1" strike="noStrike">
-              <a:solidFill>
-                <a:srgbClr val="000000"/>
-              </a:solidFill>
-              <a:latin typeface="Arial"/>
-            </a:endParaRPr>
           </a:p>
         </p:txBody>
       </p:sp>
       <p:pic>
         <p:nvPicPr>
-          <p:cNvPr id="148" name="" descr=""/>
+          <p:cNvPr id="148" name="图片 147"/>
           <p:cNvPicPr/>
           <p:nvPr/>
         </p:nvPicPr>
         <p:blipFill>
-          <a:blip r:embed="rId1"/>
+          <a:blip r:embed="rId2"/>
           <a:stretch/>
         </p:blipFill>
         <p:spPr>
@@ -6163,22 +6295,25 @@
       </p:pic>
     </p:spTree>
   </p:cSld>
+  <p:clrMapOvr>
+    <a:masterClrMapping/>
+  </p:clrMapOvr>
   <p:timing>
     <p:tnLst>
       <p:par>
-        <p:cTn id="27" dur="indefinite" restart="never" nodeType="tmRoot">
+        <p:cTn id="1" dur="indefinite" restart="never" nodeType="tmRoot">
           <p:childTnLst>
             <p:seq>
-              <p:cTn id="28" dur="indefinite" nodeType="mainSeq"/>
+              <p:cTn id="2" dur="indefinite" nodeType="mainSeq"/>
               <p:prevCondLst>
-                <p:cond delay="0" evt="onPrev">
+                <p:cond evt="onPrev" delay="0">
                   <p:tgtEl>
                     <p:sldTgt/>
                   </p:tgtEl>
                 </p:cond>
               </p:prevCondLst>
               <p:nextCondLst>
-                <p:cond delay="0" evt="onNext">
+                <p:cond evt="onNext" delay="0">
                   <p:tgtEl>
                     <p:sldTgt/>
                   </p:tgtEl>
@@ -6194,7 +6329,7 @@
 </file>
 
 <file path=ppt/slides/slide15.xml><?xml version="1.0" encoding="utf-8"?>
-<p:sld xmlns:a="http://schemas.openxmlformats.org/drawingml/2006/main" xmlns:p="http://schemas.openxmlformats.org/presentationml/2006/main" xmlns:r="http://schemas.openxmlformats.org/officeDocument/2006/relationships" xmlns:p14="http://schemas.microsoft.com/office/powerpoint/2010/main" xmlns:p15="http://schemas.microsoft.com/office/powerpoint/2012/main" xmlns:mc="http://schemas.openxmlformats.org/markup-compatibility/2006">
+<p:sld xmlns:a="http://schemas.openxmlformats.org/drawingml/2006/main" xmlns:r="http://schemas.openxmlformats.org/officeDocument/2006/relationships" xmlns:p="http://schemas.openxmlformats.org/presentationml/2006/main">
   <p:cSld>
     <p:spTree>
       <p:nvGrpSpPr>
@@ -6212,12 +6347,12 @@
       </p:grpSpPr>
       <p:pic>
         <p:nvPicPr>
-          <p:cNvPr id="149" name="" descr=""/>
+          <p:cNvPr id="149" name="图片 148"/>
           <p:cNvPicPr/>
           <p:nvPr/>
         </p:nvPicPr>
         <p:blipFill>
-          <a:blip r:embed="rId1"/>
+          <a:blip r:embed="rId2"/>
           <a:stretch/>
         </p:blipFill>
         <p:spPr>
@@ -6235,22 +6370,25 @@
       </p:pic>
     </p:spTree>
   </p:cSld>
+  <p:clrMapOvr>
+    <a:masterClrMapping/>
+  </p:clrMapOvr>
   <p:timing>
     <p:tnLst>
       <p:par>
-        <p:cTn id="29" dur="indefinite" restart="never" nodeType="tmRoot">
+        <p:cTn id="1" dur="indefinite" restart="never" nodeType="tmRoot">
           <p:childTnLst>
             <p:seq>
-              <p:cTn id="30" dur="indefinite" nodeType="mainSeq"/>
+              <p:cTn id="2" dur="indefinite" nodeType="mainSeq"/>
               <p:prevCondLst>
-                <p:cond delay="0" evt="onPrev">
+                <p:cond evt="onPrev" delay="0">
                   <p:tgtEl>
                     <p:sldTgt/>
                   </p:tgtEl>
                 </p:cond>
               </p:prevCondLst>
               <p:nextCondLst>
-                <p:cond delay="0" evt="onNext">
+                <p:cond evt="onNext" delay="0">
                   <p:tgtEl>
                     <p:sldTgt/>
                   </p:tgtEl>
@@ -6266,7 +6404,7 @@
 </file>
 
 <file path=ppt/slides/slide16.xml><?xml version="1.0" encoding="utf-8"?>
-<p:sld xmlns:a="http://schemas.openxmlformats.org/drawingml/2006/main" xmlns:p="http://schemas.openxmlformats.org/presentationml/2006/main" xmlns:r="http://schemas.openxmlformats.org/officeDocument/2006/relationships" xmlns:p14="http://schemas.microsoft.com/office/powerpoint/2010/main" xmlns:p15="http://schemas.microsoft.com/office/powerpoint/2012/main" xmlns:mc="http://schemas.openxmlformats.org/markup-compatibility/2006">
+<p:sld xmlns:a="http://schemas.openxmlformats.org/drawingml/2006/main" xmlns:r="http://schemas.openxmlformats.org/officeDocument/2006/relationships" xmlns:p="http://schemas.openxmlformats.org/presentationml/2006/main">
   <p:cSld>
     <p:spTree>
       <p:nvGrpSpPr>
@@ -6302,10 +6440,11 @@
           </a:ln>
         </p:spPr>
         <p:txBody>
-          <a:bodyPr lIns="0" rIns="0" tIns="0" bIns="0" anchor="ctr"/>
+          <a:bodyPr lIns="0" tIns="0" rIns="0" bIns="0" anchor="ctr"/>
+          <a:lstStyle/>
           <a:p>
             <a:r>
-              <a:rPr b="0" lang="zh-CN" sz="1800" spc="-1" strike="noStrike">
+              <a:rPr lang="zh-CN" sz="1800" b="0" strike="noStrike" spc="-1">
                 <a:solidFill>
                   <a:srgbClr val="000000"/>
                 </a:solidFill>
@@ -6313,12 +6452,6 @@
               </a:rPr>
               <a:t>均摊复杂度</a:t>
             </a:r>
-            <a:endParaRPr b="0" lang="zh-CN" sz="1800" spc="-1" strike="noStrike">
-              <a:solidFill>
-                <a:srgbClr val="000000"/>
-              </a:solidFill>
-              <a:latin typeface="Arial"/>
-            </a:endParaRPr>
           </a:p>
         </p:txBody>
       </p:sp>
@@ -6342,9 +6475,10 @@
           </a:ln>
         </p:spPr>
         <p:txBody>
-          <a:bodyPr lIns="0" rIns="0" tIns="0" bIns="0">
+          <a:bodyPr lIns="0" tIns="0" rIns="0" bIns="0">
             <a:normAutofit/>
           </a:bodyPr>
+          <a:lstStyle/>
           <a:p>
             <a:pPr marL="432000" indent="-324000">
               <a:spcBef>
@@ -6358,7 +6492,7 @@
               <a:buChar char=""/>
             </a:pPr>
             <a:r>
-              <a:rPr b="0" lang="zh-CN" sz="1800" spc="-1" strike="noStrike">
+              <a:rPr lang="zh-CN" sz="1800" b="0" strike="noStrike" spc="-1">
                 <a:solidFill>
                   <a:srgbClr val="000000"/>
                 </a:solidFill>
@@ -6366,23 +6500,17 @@
               </a:rPr>
               <a:t>一个相对比较耗时的操作，如果能保证不会每次都触发的话，这个耗时操作的时间是可以分摊到其他基本操作的</a:t>
             </a:r>
-            <a:endParaRPr b="0" lang="zh-CN" sz="1800" spc="-1" strike="noStrike">
-              <a:solidFill>
-                <a:srgbClr val="000000"/>
-              </a:solidFill>
-              <a:latin typeface="Arial"/>
-            </a:endParaRPr>
           </a:p>
         </p:txBody>
       </p:sp>
       <p:pic>
         <p:nvPicPr>
-          <p:cNvPr id="152" name="" descr=""/>
+          <p:cNvPr id="152" name="图片 151"/>
           <p:cNvPicPr/>
           <p:nvPr/>
         </p:nvPicPr>
         <p:blipFill>
-          <a:blip r:embed="rId1"/>
+          <a:blip r:embed="rId2"/>
           <a:stretch/>
         </p:blipFill>
         <p:spPr>
@@ -6400,22 +6528,25 @@
       </p:pic>
     </p:spTree>
   </p:cSld>
+  <p:clrMapOvr>
+    <a:masterClrMapping/>
+  </p:clrMapOvr>
   <p:timing>
     <p:tnLst>
       <p:par>
-        <p:cTn id="31" dur="indefinite" restart="never" nodeType="tmRoot">
+        <p:cTn id="1" dur="indefinite" restart="never" nodeType="tmRoot">
           <p:childTnLst>
             <p:seq>
-              <p:cTn id="32" dur="indefinite" nodeType="mainSeq"/>
+              <p:cTn id="2" dur="indefinite" nodeType="mainSeq"/>
               <p:prevCondLst>
-                <p:cond delay="0" evt="onPrev">
+                <p:cond evt="onPrev" delay="0">
                   <p:tgtEl>
                     <p:sldTgt/>
                   </p:tgtEl>
                 </p:cond>
               </p:prevCondLst>
               <p:nextCondLst>
-                <p:cond delay="0" evt="onNext">
+                <p:cond evt="onNext" delay="0">
                   <p:tgtEl>
                     <p:sldTgt/>
                   </p:tgtEl>
@@ -6431,7 +6562,7 @@
 </file>
 
 <file path=ppt/slides/slide17.xml><?xml version="1.0" encoding="utf-8"?>
-<p:sld xmlns:a="http://schemas.openxmlformats.org/drawingml/2006/main" xmlns:p="http://schemas.openxmlformats.org/presentationml/2006/main" xmlns:r="http://schemas.openxmlformats.org/officeDocument/2006/relationships" xmlns:p14="http://schemas.microsoft.com/office/powerpoint/2010/main" xmlns:p15="http://schemas.microsoft.com/office/powerpoint/2012/main" xmlns:mc="http://schemas.openxmlformats.org/markup-compatibility/2006">
+<p:sld xmlns:a="http://schemas.openxmlformats.org/drawingml/2006/main" xmlns:r="http://schemas.openxmlformats.org/officeDocument/2006/relationships" xmlns:p="http://schemas.openxmlformats.org/presentationml/2006/main">
   <p:cSld>
     <p:spTree>
       <p:nvGrpSpPr>
@@ -6449,12 +6580,12 @@
       </p:grpSpPr>
       <p:pic>
         <p:nvPicPr>
-          <p:cNvPr id="153" name="" descr=""/>
+          <p:cNvPr id="153" name="图片 152"/>
           <p:cNvPicPr/>
           <p:nvPr/>
         </p:nvPicPr>
         <p:blipFill>
-          <a:blip r:embed="rId1"/>
+          <a:blip r:embed="rId2"/>
           <a:stretch/>
         </p:blipFill>
         <p:spPr>
@@ -6472,22 +6603,25 @@
       </p:pic>
     </p:spTree>
   </p:cSld>
+  <p:clrMapOvr>
+    <a:masterClrMapping/>
+  </p:clrMapOvr>
   <p:timing>
     <p:tnLst>
       <p:par>
-        <p:cTn id="33" dur="indefinite" restart="never" nodeType="tmRoot">
+        <p:cTn id="1" dur="indefinite" restart="never" nodeType="tmRoot">
           <p:childTnLst>
             <p:seq>
-              <p:cTn id="34" dur="indefinite" nodeType="mainSeq"/>
+              <p:cTn id="2" dur="indefinite" nodeType="mainSeq"/>
               <p:prevCondLst>
-                <p:cond delay="0" evt="onPrev">
+                <p:cond evt="onPrev" delay="0">
                   <p:tgtEl>
                     <p:sldTgt/>
                   </p:tgtEl>
                 </p:cond>
               </p:prevCondLst>
               <p:nextCondLst>
-                <p:cond delay="0" evt="onNext">
+                <p:cond evt="onNext" delay="0">
                   <p:tgtEl>
                     <p:sldTgt/>
                   </p:tgtEl>
@@ -6503,7 +6637,7 @@
 </file>
 
 <file path=ppt/slides/slide18.xml><?xml version="1.0" encoding="utf-8"?>
-<p:sld xmlns:a="http://schemas.openxmlformats.org/drawingml/2006/main" xmlns:p="http://schemas.openxmlformats.org/presentationml/2006/main" xmlns:r="http://schemas.openxmlformats.org/officeDocument/2006/relationships" xmlns:p14="http://schemas.microsoft.com/office/powerpoint/2010/main" xmlns:p15="http://schemas.microsoft.com/office/powerpoint/2012/main" xmlns:mc="http://schemas.openxmlformats.org/markup-compatibility/2006">
+<p:sld xmlns:a="http://schemas.openxmlformats.org/drawingml/2006/main" xmlns:r="http://schemas.openxmlformats.org/officeDocument/2006/relationships" xmlns:p="http://schemas.openxmlformats.org/presentationml/2006/main">
   <p:cSld>
     <p:spTree>
       <p:nvGrpSpPr>
@@ -6539,10 +6673,11 @@
           </a:ln>
         </p:spPr>
         <p:txBody>
-          <a:bodyPr lIns="0" rIns="0" tIns="0" bIns="0" anchor="ctr"/>
+          <a:bodyPr lIns="0" tIns="0" rIns="0" bIns="0" anchor="ctr"/>
+          <a:lstStyle/>
           <a:p>
             <a:r>
-              <a:rPr b="0" lang="zh-CN" sz="1800" spc="-1" strike="noStrike">
+              <a:rPr lang="zh-CN" sz="1800" b="0" strike="noStrike" spc="-1">
                 <a:solidFill>
                   <a:srgbClr val="000000"/>
                 </a:solidFill>
@@ -6550,23 +6685,17 @@
               </a:rPr>
               <a:t>特殊情况下，复杂度上升</a:t>
             </a:r>
-            <a:endParaRPr b="0" lang="zh-CN" sz="1800" spc="-1" strike="noStrike">
-              <a:solidFill>
-                <a:srgbClr val="000000"/>
-              </a:solidFill>
-              <a:latin typeface="Arial"/>
-            </a:endParaRPr>
           </a:p>
         </p:txBody>
       </p:sp>
       <p:pic>
         <p:nvPicPr>
-          <p:cNvPr id="155" name="" descr=""/>
+          <p:cNvPr id="155" name="图片 154"/>
           <p:cNvPicPr/>
           <p:nvPr/>
         </p:nvPicPr>
         <p:blipFill>
-          <a:blip r:embed="rId1"/>
+          <a:blip r:embed="rId2"/>
           <a:stretch/>
         </p:blipFill>
         <p:spPr>
@@ -6584,22 +6713,25 @@
       </p:pic>
     </p:spTree>
   </p:cSld>
+  <p:clrMapOvr>
+    <a:masterClrMapping/>
+  </p:clrMapOvr>
   <p:timing>
     <p:tnLst>
       <p:par>
-        <p:cTn id="35" dur="indefinite" restart="never" nodeType="tmRoot">
+        <p:cTn id="1" dur="indefinite" restart="never" nodeType="tmRoot">
           <p:childTnLst>
             <p:seq>
-              <p:cTn id="36" dur="indefinite" nodeType="mainSeq"/>
+              <p:cTn id="2" dur="indefinite" nodeType="mainSeq"/>
               <p:prevCondLst>
-                <p:cond delay="0" evt="onPrev">
+                <p:cond evt="onPrev" delay="0">
                   <p:tgtEl>
                     <p:sldTgt/>
                   </p:tgtEl>
                 </p:cond>
               </p:prevCondLst>
               <p:nextCondLst>
-                <p:cond delay="0" evt="onNext">
+                <p:cond evt="onNext" delay="0">
                   <p:tgtEl>
                     <p:sldTgt/>
                   </p:tgtEl>
@@ -6615,7 +6747,7 @@
 </file>
 
 <file path=ppt/slides/slide19.xml><?xml version="1.0" encoding="utf-8"?>
-<p:sld xmlns:a="http://schemas.openxmlformats.org/drawingml/2006/main" xmlns:p="http://schemas.openxmlformats.org/presentationml/2006/main" xmlns:r="http://schemas.openxmlformats.org/officeDocument/2006/relationships" xmlns:p14="http://schemas.microsoft.com/office/powerpoint/2010/main" xmlns:p15="http://schemas.microsoft.com/office/powerpoint/2012/main" xmlns:mc="http://schemas.openxmlformats.org/markup-compatibility/2006">
+<p:sld xmlns:a="http://schemas.openxmlformats.org/drawingml/2006/main" xmlns:r="http://schemas.openxmlformats.org/officeDocument/2006/relationships" xmlns:p="http://schemas.openxmlformats.org/presentationml/2006/main">
   <p:cSld>
     <p:spTree>
       <p:nvGrpSpPr>
@@ -6651,10 +6783,11 @@
           </a:ln>
         </p:spPr>
         <p:txBody>
-          <a:bodyPr lIns="0" rIns="0" tIns="0" bIns="0" anchor="ctr"/>
+          <a:bodyPr lIns="0" tIns="0" rIns="0" bIns="0" anchor="ctr"/>
+          <a:lstStyle/>
           <a:p>
             <a:r>
-              <a:rPr b="0" lang="zh-CN" sz="1800" spc="-1" strike="noStrike">
+              <a:rPr lang="zh-CN" sz="1800" b="0" strike="noStrike" spc="-1">
                 <a:solidFill>
                   <a:srgbClr val="000000"/>
                 </a:solidFill>
@@ -6662,23 +6795,17 @@
               </a:rPr>
               <a:t>用懒算法，防止复杂度震荡</a:t>
             </a:r>
-            <a:endParaRPr b="0" lang="zh-CN" sz="1800" spc="-1" strike="noStrike">
-              <a:solidFill>
-                <a:srgbClr val="000000"/>
-              </a:solidFill>
-              <a:latin typeface="Arial"/>
-            </a:endParaRPr>
           </a:p>
         </p:txBody>
       </p:sp>
       <p:pic>
         <p:nvPicPr>
-          <p:cNvPr id="157" name="" descr=""/>
+          <p:cNvPr id="157" name="图片 156"/>
           <p:cNvPicPr/>
           <p:nvPr/>
         </p:nvPicPr>
         <p:blipFill>
-          <a:blip r:embed="rId1"/>
+          <a:blip r:embed="rId2"/>
           <a:stretch/>
         </p:blipFill>
         <p:spPr>
@@ -6696,22 +6823,25 @@
       </p:pic>
     </p:spTree>
   </p:cSld>
+  <p:clrMapOvr>
+    <a:masterClrMapping/>
+  </p:clrMapOvr>
   <p:timing>
     <p:tnLst>
       <p:par>
-        <p:cTn id="37" dur="indefinite" restart="never" nodeType="tmRoot">
+        <p:cTn id="1" dur="indefinite" restart="never" nodeType="tmRoot">
           <p:childTnLst>
             <p:seq>
-              <p:cTn id="38" dur="indefinite" nodeType="mainSeq"/>
+              <p:cTn id="2" dur="indefinite" nodeType="mainSeq"/>
               <p:prevCondLst>
-                <p:cond delay="0" evt="onPrev">
+                <p:cond evt="onPrev" delay="0">
                   <p:tgtEl>
                     <p:sldTgt/>
                   </p:tgtEl>
                 </p:cond>
               </p:prevCondLst>
               <p:nextCondLst>
-                <p:cond delay="0" evt="onNext">
+                <p:cond evt="onNext" delay="0">
                   <p:tgtEl>
                     <p:sldTgt/>
                   </p:tgtEl>
@@ -6727,7 +6857,7 @@
 </file>
 
 <file path=ppt/slides/slide2.xml><?xml version="1.0" encoding="utf-8"?>
-<p:sld xmlns:a="http://schemas.openxmlformats.org/drawingml/2006/main" xmlns:p="http://schemas.openxmlformats.org/presentationml/2006/main" xmlns:r="http://schemas.openxmlformats.org/officeDocument/2006/relationships" xmlns:p14="http://schemas.microsoft.com/office/powerpoint/2010/main" xmlns:p15="http://schemas.microsoft.com/office/powerpoint/2012/main" xmlns:mc="http://schemas.openxmlformats.org/markup-compatibility/2006">
+<p:sld xmlns:a="http://schemas.openxmlformats.org/drawingml/2006/main" xmlns:r="http://schemas.openxmlformats.org/officeDocument/2006/relationships" xmlns:p="http://schemas.openxmlformats.org/presentationml/2006/main">
   <p:cSld>
     <p:spTree>
       <p:nvGrpSpPr>
@@ -6745,12 +6875,12 @@
       </p:grpSpPr>
       <p:pic>
         <p:nvPicPr>
-          <p:cNvPr id="118" name="Picture 2" descr=""/>
+          <p:cNvPr id="118" name="Picture 2"/>
           <p:cNvPicPr/>
           <p:nvPr/>
         </p:nvPicPr>
         <p:blipFill>
-          <a:blip r:embed="rId1"/>
+          <a:blip r:embed="rId2"/>
           <a:stretch/>
         </p:blipFill>
         <p:spPr>
@@ -6768,22 +6898,25 @@
       </p:pic>
     </p:spTree>
   </p:cSld>
+  <p:clrMapOvr>
+    <a:masterClrMapping/>
+  </p:clrMapOvr>
   <p:timing>
     <p:tnLst>
       <p:par>
-        <p:cTn id="3" dur="indefinite" restart="never" nodeType="tmRoot">
+        <p:cTn id="1" dur="indefinite" restart="never" nodeType="tmRoot">
           <p:childTnLst>
             <p:seq>
-              <p:cTn id="4" dur="indefinite" nodeType="mainSeq"/>
+              <p:cTn id="2" dur="indefinite" nodeType="mainSeq"/>
               <p:prevCondLst>
-                <p:cond delay="0" evt="onPrev">
+                <p:cond evt="onPrev" delay="0">
                   <p:tgtEl>
                     <p:sldTgt/>
                   </p:tgtEl>
                 </p:cond>
               </p:prevCondLst>
               <p:nextCondLst>
-                <p:cond delay="0" evt="onNext">
+                <p:cond evt="onNext" delay="0">
                   <p:tgtEl>
                     <p:sldTgt/>
                   </p:tgtEl>
@@ -6799,7 +6932,7 @@
 </file>
 
 <file path=ppt/slides/slide20.xml><?xml version="1.0" encoding="utf-8"?>
-<p:sld xmlns:a="http://schemas.openxmlformats.org/drawingml/2006/main" xmlns:p="http://schemas.openxmlformats.org/presentationml/2006/main" xmlns:r="http://schemas.openxmlformats.org/officeDocument/2006/relationships" xmlns:p14="http://schemas.microsoft.com/office/powerpoint/2010/main" xmlns:p15="http://schemas.microsoft.com/office/powerpoint/2012/main" xmlns:mc="http://schemas.openxmlformats.org/markup-compatibility/2006">
+<p:sld xmlns:a="http://schemas.openxmlformats.org/drawingml/2006/main" xmlns:r="http://schemas.openxmlformats.org/officeDocument/2006/relationships" xmlns:p="http://schemas.openxmlformats.org/presentationml/2006/main">
   <p:cSld>
     <p:spTree>
       <p:nvGrpSpPr>
@@ -6817,12 +6950,12 @@
       </p:grpSpPr>
       <p:pic>
         <p:nvPicPr>
-          <p:cNvPr id="158" name="" descr=""/>
+          <p:cNvPr id="158" name="图片 157"/>
           <p:cNvPicPr/>
           <p:nvPr/>
         </p:nvPicPr>
         <p:blipFill>
-          <a:blip r:embed="rId1"/>
+          <a:blip r:embed="rId2"/>
           <a:stretch/>
         </p:blipFill>
         <p:spPr>
@@ -6835,7 +6968,7 @@
           </a:prstGeom>
           <a:ln>
             <a:solidFill>
-              <a:srgbClr val="3465a4"/>
+              <a:srgbClr val="3465A4"/>
             </a:solidFill>
           </a:ln>
         </p:spPr>
@@ -6860,10 +6993,11 @@
           </a:ln>
         </p:spPr>
         <p:txBody>
-          <a:bodyPr lIns="0" rIns="0" tIns="0" bIns="0" anchor="ctr"/>
+          <a:bodyPr lIns="0" tIns="0" rIns="0" bIns="0" anchor="ctr"/>
+          <a:lstStyle/>
           <a:p>
             <a:r>
-              <a:rPr b="0" lang="zh-CN" sz="1800" spc="-1" strike="noStrike">
+              <a:rPr lang="zh-CN" sz="1800" b="0" strike="noStrike" spc="-1">
                 <a:solidFill>
                   <a:srgbClr val="000000"/>
                 </a:solidFill>
@@ -6871,43 +7005,12 @@
               </a:rPr>
               <a:t>同一端</a:t>
             </a:r>
-            <a:endParaRPr b="0" lang="zh-CN" sz="1800" spc="-1" strike="noStrike">
-              <a:solidFill>
-                <a:srgbClr val="000000"/>
-              </a:solidFill>
-              <a:latin typeface="Arial"/>
-            </a:endParaRPr>
           </a:p>
         </p:txBody>
       </p:sp>
       <p:pic>
         <p:nvPicPr>
-          <p:cNvPr id="160" name="" descr=""/>
-          <p:cNvPicPr/>
-          <p:nvPr/>
-        </p:nvPicPr>
-        <p:blipFill>
-          <a:blip r:embed="rId2"/>
-          <a:stretch/>
-        </p:blipFill>
-        <p:spPr>
-          <a:xfrm>
-            <a:off x="4023360" y="46440"/>
-            <a:ext cx="4957920" cy="2788200"/>
-          </a:xfrm>
-          <a:prstGeom prst="rect">
-            <a:avLst/>
-          </a:prstGeom>
-          <a:ln>
-            <a:solidFill>
-              <a:srgbClr val="3465a4"/>
-            </a:solidFill>
-          </a:ln>
-        </p:spPr>
-      </p:pic>
-      <p:pic>
-        <p:nvPicPr>
-          <p:cNvPr id="161" name="" descr=""/>
+          <p:cNvPr id="160" name="图片 159"/>
           <p:cNvPicPr/>
           <p:nvPr/>
         </p:nvPicPr>
@@ -6917,22 +7020,22 @@
         </p:blipFill>
         <p:spPr>
           <a:xfrm>
-            <a:off x="50040" y="3441600"/>
-            <a:ext cx="4389120" cy="2408400"/>
+            <a:off x="4023360" y="46440"/>
+            <a:ext cx="4957920" cy="2788200"/>
           </a:xfrm>
           <a:prstGeom prst="rect">
             <a:avLst/>
           </a:prstGeom>
           <a:ln>
             <a:solidFill>
-              <a:srgbClr val="3465a4"/>
+              <a:srgbClr val="3465A4"/>
             </a:solidFill>
           </a:ln>
         </p:spPr>
       </p:pic>
       <p:pic>
         <p:nvPicPr>
-          <p:cNvPr id="162" name="" descr=""/>
+          <p:cNvPr id="161" name="图片 160"/>
           <p:cNvPicPr/>
           <p:nvPr/>
         </p:nvPicPr>
@@ -6942,6 +7045,31 @@
         </p:blipFill>
         <p:spPr>
           <a:xfrm>
+            <a:off x="50040" y="3441600"/>
+            <a:ext cx="4389120" cy="2408400"/>
+          </a:xfrm>
+          <a:prstGeom prst="rect">
+            <a:avLst/>
+          </a:prstGeom>
+          <a:ln>
+            <a:solidFill>
+              <a:srgbClr val="3465A4"/>
+            </a:solidFill>
+          </a:ln>
+        </p:spPr>
+      </p:pic>
+      <p:pic>
+        <p:nvPicPr>
+          <p:cNvPr id="162" name="图片 161"/>
+          <p:cNvPicPr/>
+          <p:nvPr/>
+        </p:nvPicPr>
+        <p:blipFill>
+          <a:blip r:embed="rId5"/>
+          <a:stretch/>
+        </p:blipFill>
+        <p:spPr>
+          <a:xfrm>
             <a:off x="4663440" y="3610440"/>
             <a:ext cx="4114800" cy="2150280"/>
           </a:xfrm>
@@ -6950,29 +7078,32 @@
           </a:prstGeom>
           <a:ln>
             <a:solidFill>
-              <a:srgbClr val="3465a4"/>
+              <a:srgbClr val="3465A4"/>
             </a:solidFill>
           </a:ln>
         </p:spPr>
       </p:pic>
     </p:spTree>
   </p:cSld>
+  <p:clrMapOvr>
+    <a:masterClrMapping/>
+  </p:clrMapOvr>
   <p:timing>
     <p:tnLst>
       <p:par>
-        <p:cTn id="39" dur="indefinite" restart="never" nodeType="tmRoot">
+        <p:cTn id="1" dur="indefinite" restart="never" nodeType="tmRoot">
           <p:childTnLst>
             <p:seq>
-              <p:cTn id="40" dur="indefinite" nodeType="mainSeq"/>
+              <p:cTn id="2" dur="indefinite" nodeType="mainSeq"/>
               <p:prevCondLst>
-                <p:cond delay="0" evt="onPrev">
+                <p:cond evt="onPrev" delay="0">
                   <p:tgtEl>
                     <p:sldTgt/>
                   </p:tgtEl>
                 </p:cond>
               </p:prevCondLst>
               <p:nextCondLst>
-                <p:cond delay="0" evt="onNext">
+                <p:cond evt="onNext" delay="0">
                   <p:tgtEl>
                     <p:sldTgt/>
                   </p:tgtEl>
@@ -6988,7 +7119,7 @@
 </file>
 
 <file path=ppt/slides/slide21.xml><?xml version="1.0" encoding="utf-8"?>
-<p:sld xmlns:a="http://schemas.openxmlformats.org/drawingml/2006/main" xmlns:p="http://schemas.openxmlformats.org/presentationml/2006/main" xmlns:r="http://schemas.openxmlformats.org/officeDocument/2006/relationships" xmlns:p14="http://schemas.microsoft.com/office/powerpoint/2010/main" xmlns:p15="http://schemas.microsoft.com/office/powerpoint/2012/main" xmlns:mc="http://schemas.openxmlformats.org/markup-compatibility/2006">
+<p:sld xmlns:a="http://schemas.openxmlformats.org/drawingml/2006/main" xmlns:r="http://schemas.openxmlformats.org/officeDocument/2006/relationships" xmlns:p="http://schemas.openxmlformats.org/presentationml/2006/main">
   <p:cSld>
     <p:spTree>
       <p:nvGrpSpPr>
@@ -7006,12 +7137,12 @@
       </p:grpSpPr>
       <p:pic>
         <p:nvPicPr>
-          <p:cNvPr id="163" name="" descr=""/>
+          <p:cNvPr id="163" name="图片 162"/>
           <p:cNvPicPr/>
           <p:nvPr/>
         </p:nvPicPr>
         <p:blipFill>
-          <a:blip r:embed="rId1"/>
+          <a:blip r:embed="rId2"/>
           <a:stretch/>
         </p:blipFill>
         <p:spPr>
@@ -7029,22 +7160,25 @@
       </p:pic>
     </p:spTree>
   </p:cSld>
+  <p:clrMapOvr>
+    <a:masterClrMapping/>
+  </p:clrMapOvr>
   <p:timing>
     <p:tnLst>
       <p:par>
-        <p:cTn id="41" dur="indefinite" restart="never" nodeType="tmRoot">
+        <p:cTn id="1" dur="indefinite" restart="never" nodeType="tmRoot">
           <p:childTnLst>
             <p:seq>
-              <p:cTn id="42" dur="indefinite" nodeType="mainSeq"/>
+              <p:cTn id="2" dur="indefinite" nodeType="mainSeq"/>
               <p:prevCondLst>
-                <p:cond delay="0" evt="onPrev">
+                <p:cond evt="onPrev" delay="0">
                   <p:tgtEl>
                     <p:sldTgt/>
                   </p:tgtEl>
                 </p:cond>
               </p:prevCondLst>
               <p:nextCondLst>
-                <p:cond delay="0" evt="onNext">
+                <p:cond evt="onNext" delay="0">
                   <p:tgtEl>
                     <p:sldTgt/>
                   </p:tgtEl>
@@ -7060,7 +7194,7 @@
 </file>
 
 <file path=ppt/slides/slide22.xml><?xml version="1.0" encoding="utf-8"?>
-<p:sld xmlns:a="http://schemas.openxmlformats.org/drawingml/2006/main" xmlns:p="http://schemas.openxmlformats.org/presentationml/2006/main" xmlns:r="http://schemas.openxmlformats.org/officeDocument/2006/relationships" xmlns:p14="http://schemas.microsoft.com/office/powerpoint/2010/main" xmlns:p15="http://schemas.microsoft.com/office/powerpoint/2012/main" xmlns:mc="http://schemas.openxmlformats.org/markup-compatibility/2006">
+<p:sld xmlns:a="http://schemas.openxmlformats.org/drawingml/2006/main" xmlns:r="http://schemas.openxmlformats.org/officeDocument/2006/relationships" xmlns:p="http://schemas.openxmlformats.org/presentationml/2006/main">
   <p:cSld>
     <p:spTree>
       <p:nvGrpSpPr>
@@ -7096,106 +7230,29 @@
           </a:ln>
         </p:spPr>
         <p:txBody>
-          <a:bodyPr lIns="0" rIns="0" tIns="0" bIns="0" anchor="ctr"/>
+          <a:bodyPr lIns="0" tIns="0" rIns="0" bIns="0" anchor="ctr"/>
+          <a:lstStyle/>
           <a:p>
             <a:r>
-              <a:rPr b="0" lang="zh-CN" sz="1800" spc="-1" strike="noStrike">
+              <a:rPr lang="zh-CN" sz="1800" b="0" strike="noStrike" spc="-1" dirty="0">
                 <a:solidFill>
                   <a:srgbClr val="000000"/>
                 </a:solidFill>
                 <a:latin typeface="Arial"/>
               </a:rPr>
-              <a:t>设计方案：接口类</a:t>
+              <a:t>设计方案：接口类Stack中定义下列方法，在ArrayStack泛型类中实现。ArrayStack基于之前定义的动态数组Array实现</a:t>
             </a:r>
-            <a:r>
-              <a:rPr b="0" lang="zh-CN" sz="1800" spc="-1" strike="noStrike">
-                <a:solidFill>
-                  <a:srgbClr val="000000"/>
-                </a:solidFill>
-                <a:latin typeface="Arial"/>
-              </a:rPr>
-              <a:t>Stack</a:t>
-            </a:r>
-            <a:r>
-              <a:rPr b="0" lang="zh-CN" sz="1800" spc="-1" strike="noStrike">
-                <a:solidFill>
-                  <a:srgbClr val="000000"/>
-                </a:solidFill>
-                <a:latin typeface="Arial"/>
-              </a:rPr>
-              <a:t>中定义下列方法，在</a:t>
-            </a:r>
-            <a:r>
-              <a:rPr b="0" lang="zh-CN" sz="1800" spc="-1" strike="noStrike">
-                <a:solidFill>
-                  <a:srgbClr val="000000"/>
-                </a:solidFill>
-                <a:latin typeface="Arial"/>
-              </a:rPr>
-              <a:t>ArrayStack</a:t>
-            </a:r>
-            <a:r>
-              <a:rPr b="0" lang="zh-CN" sz="1800" spc="-1" strike="noStrike">
-                <a:solidFill>
-                  <a:srgbClr val="000000"/>
-                </a:solidFill>
-                <a:latin typeface="Arial"/>
-              </a:rPr>
-              <a:t>泛型类中实现。</a:t>
-            </a:r>
-            <a:r>
-              <a:rPr b="0" lang="zh-CN" sz="1800" spc="-1" strike="noStrike">
-                <a:solidFill>
-                  <a:srgbClr val="000000"/>
-                </a:solidFill>
-                <a:latin typeface="Arial"/>
-              </a:rPr>
-              <a:t>ArrayStack</a:t>
-            </a:r>
-            <a:r>
-              <a:rPr b="0" lang="zh-CN" sz="1800" spc="-1" strike="noStrike">
-                <a:solidFill>
-                  <a:srgbClr val="000000"/>
-                </a:solidFill>
-                <a:latin typeface="Arial"/>
-              </a:rPr>
-              <a:t>基于之前定义的动态数组</a:t>
-            </a:r>
-            <a:r>
-              <a:rPr b="0" lang="zh-CN" sz="1800" spc="-1" strike="noStrike">
-                <a:solidFill>
-                  <a:srgbClr val="000000"/>
-                </a:solidFill>
-                <a:latin typeface="Arial"/>
-              </a:rPr>
-              <a:t>Array</a:t>
-            </a:r>
-            <a:r>
-              <a:rPr b="0" lang="zh-CN" sz="1800" spc="-1" strike="noStrike">
-                <a:solidFill>
-                  <a:srgbClr val="000000"/>
-                </a:solidFill>
-                <a:latin typeface="Arial"/>
-              </a:rPr>
-              <a:t>实现</a:t>
-            </a:r>
-            <a:endParaRPr b="0" lang="zh-CN" sz="1800" spc="-1" strike="noStrike">
-              <a:solidFill>
-                <a:srgbClr val="000000"/>
-              </a:solidFill>
-              <a:latin typeface="Arial"/>
-            </a:endParaRPr>
           </a:p>
         </p:txBody>
       </p:sp>
       <p:pic>
         <p:nvPicPr>
-          <p:cNvPr id="165" name="" descr=""/>
+          <p:cNvPr id="165" name="图片 164"/>
           <p:cNvPicPr/>
           <p:nvPr/>
         </p:nvPicPr>
         <p:blipFill>
-          <a:blip r:embed="rId1"/>
+          <a:blip r:embed="rId2"/>
           <a:stretch/>
         </p:blipFill>
         <p:spPr>
@@ -7213,22 +7270,25 @@
       </p:pic>
     </p:spTree>
   </p:cSld>
+  <p:clrMapOvr>
+    <a:masterClrMapping/>
+  </p:clrMapOvr>
   <p:timing>
     <p:tnLst>
       <p:par>
-        <p:cTn id="43" dur="indefinite" restart="never" nodeType="tmRoot">
+        <p:cTn id="1" dur="indefinite" restart="never" nodeType="tmRoot">
           <p:childTnLst>
             <p:seq>
-              <p:cTn id="44" dur="indefinite" nodeType="mainSeq"/>
+              <p:cTn id="2" dur="indefinite" nodeType="mainSeq"/>
               <p:prevCondLst>
-                <p:cond delay="0" evt="onPrev">
+                <p:cond evt="onPrev" delay="0">
                   <p:tgtEl>
                     <p:sldTgt/>
                   </p:tgtEl>
                 </p:cond>
               </p:prevCondLst>
               <p:nextCondLst>
-                <p:cond delay="0" evt="onNext">
+                <p:cond evt="onNext" delay="0">
                   <p:tgtEl>
                     <p:sldTgt/>
                   </p:tgtEl>
@@ -7243,8 +7303,8 @@
 </p:sld>
 </file>
 
-<file path=ppt/slides/slide3.xml><?xml version="1.0" encoding="utf-8"?>
-<p:sld xmlns:a="http://schemas.openxmlformats.org/drawingml/2006/main" xmlns:p="http://schemas.openxmlformats.org/presentationml/2006/main" xmlns:r="http://schemas.openxmlformats.org/officeDocument/2006/relationships" xmlns:p14="http://schemas.microsoft.com/office/powerpoint/2010/main" xmlns:p15="http://schemas.microsoft.com/office/powerpoint/2012/main" xmlns:mc="http://schemas.openxmlformats.org/markup-compatibility/2006">
+<file path=ppt/slides/slide23.xml><?xml version="1.0" encoding="utf-8"?>
+<p:sld xmlns:a="http://schemas.openxmlformats.org/drawingml/2006/main" xmlns:r="http://schemas.openxmlformats.org/officeDocument/2006/relationships" xmlns:p="http://schemas.openxmlformats.org/presentationml/2006/main">
   <p:cSld>
     <p:spTree>
       <p:nvGrpSpPr>
@@ -7262,45 +7322,84 @@
       </p:grpSpPr>
       <p:pic>
         <p:nvPicPr>
-          <p:cNvPr id="119" name="Picture 2" descr=""/>
-          <p:cNvPicPr/>
+          <p:cNvPr id="1026" name="Picture 2"/>
+          <p:cNvPicPr>
+            <a:picLocks noChangeAspect="1" noChangeArrowheads="1"/>
+          </p:cNvPicPr>
           <p:nvPr/>
         </p:nvPicPr>
         <p:blipFill>
-          <a:blip r:embed="rId1"/>
-          <a:stretch/>
+          <a:blip r:embed="rId2">
+            <a:extLst>
+              <a:ext uri="{28A0092B-C50C-407E-A947-70E740481C1C}">
+                <a14:useLocalDpi xmlns:a14="http://schemas.microsoft.com/office/drawing/2010/main" val="0"/>
+              </a:ext>
+            </a:extLst>
+          </a:blip>
+          <a:srcRect/>
+          <a:stretch>
+            <a:fillRect/>
+          </a:stretch>
         </p:blipFill>
-        <p:spPr>
-          <a:xfrm>
-            <a:off x="457200" y="838080"/>
-            <a:ext cx="8519760" cy="4830120"/>
-          </a:xfrm>
-          <a:prstGeom prst="rect">
-            <a:avLst/>
-          </a:prstGeom>
+        <p:spPr bwMode="auto">
+          <a:xfrm>
+            <a:off x="1585913" y="509588"/>
+            <a:ext cx="5972175" cy="5838825"/>
+          </a:xfrm>
+          <a:prstGeom prst="rect">
+            <a:avLst/>
+          </a:prstGeom>
+          <a:noFill/>
           <a:ln>
             <a:noFill/>
           </a:ln>
+          <a:extLst>
+            <a:ext uri="{909E8E84-426E-40DD-AFC4-6F175D3DCCD1}">
+              <a14:hiddenFill xmlns:a14="http://schemas.microsoft.com/office/drawing/2010/main">
+                <a:solidFill>
+                  <a:schemeClr val="accent1"/>
+                </a:solidFill>
+              </a14:hiddenFill>
+            </a:ext>
+            <a:ext uri="{91240B29-F687-4F45-9708-019B960494DF}">
+              <a14:hiddenLine xmlns:a14="http://schemas.microsoft.com/office/drawing/2010/main" w="9525">
+                <a:solidFill>
+                  <a:schemeClr val="tx1"/>
+                </a:solidFill>
+                <a:miter lim="800000"/>
+                <a:headEnd/>
+                <a:tailEnd/>
+              </a14:hiddenLine>
+            </a:ext>
+          </a:extLst>
         </p:spPr>
       </p:pic>
     </p:spTree>
+    <p:extLst>
+      <p:ext uri="{BB962C8B-B14F-4D97-AF65-F5344CB8AC3E}">
+        <p14:creationId xmlns:p14="http://schemas.microsoft.com/office/powerpoint/2010/main" val="1903989162"/>
+      </p:ext>
+    </p:extLst>
   </p:cSld>
+  <p:clrMapOvr>
+    <a:masterClrMapping/>
+  </p:clrMapOvr>
   <p:timing>
     <p:tnLst>
       <p:par>
-        <p:cTn id="5" dur="indefinite" restart="never" nodeType="tmRoot">
+        <p:cTn id="1" dur="indefinite" restart="never" nodeType="tmRoot">
           <p:childTnLst>
             <p:seq>
-              <p:cTn id="6" dur="indefinite" nodeType="mainSeq"/>
+              <p:cTn id="2" dur="indefinite" nodeType="mainSeq"/>
               <p:prevCondLst>
-                <p:cond delay="0" evt="onPrev">
+                <p:cond evt="onPrev" delay="0">
                   <p:tgtEl>
                     <p:sldTgt/>
                   </p:tgtEl>
                 </p:cond>
               </p:prevCondLst>
               <p:nextCondLst>
-                <p:cond delay="0" evt="onNext">
+                <p:cond evt="onNext" delay="0">
                   <p:tgtEl>
                     <p:sldTgt/>
                   </p:tgtEl>
@@ -7315,8 +7414,8 @@
 </p:sld>
 </file>
 
-<file path=ppt/slides/slide4.xml><?xml version="1.0" encoding="utf-8"?>
-<p:sld xmlns:a="http://schemas.openxmlformats.org/drawingml/2006/main" xmlns:p="http://schemas.openxmlformats.org/presentationml/2006/main" xmlns:r="http://schemas.openxmlformats.org/officeDocument/2006/relationships" xmlns:p14="http://schemas.microsoft.com/office/powerpoint/2010/main" xmlns:p15="http://schemas.microsoft.com/office/powerpoint/2012/main" xmlns:mc="http://schemas.openxmlformats.org/markup-compatibility/2006">
+<file path=ppt/slides/slide24.xml><?xml version="1.0" encoding="utf-8"?>
+<p:sld xmlns:a="http://schemas.openxmlformats.org/drawingml/2006/main" xmlns:r="http://schemas.openxmlformats.org/officeDocument/2006/relationships" xmlns:p="http://schemas.openxmlformats.org/presentationml/2006/main">
   <p:cSld>
     <p:spTree>
       <p:nvGrpSpPr>
@@ -7334,14 +7433,140 @@
       </p:grpSpPr>
       <p:sp>
         <p:nvSpPr>
-          <p:cNvPr id="120" name="CustomShape 1"/>
-          <p:cNvSpPr/>
+          <p:cNvPr id="2" name="标题 1"/>
+          <p:cNvSpPr>
+            <a:spLocks noGrp="1"/>
+          </p:cNvSpPr>
+          <p:nvPr>
+            <p:ph type="title"/>
+          </p:nvPr>
+        </p:nvSpPr>
+        <p:spPr>
+          <a:xfrm>
+            <a:off x="395536" y="188640"/>
+            <a:ext cx="8228880" cy="346008"/>
+          </a:xfrm>
+        </p:spPr>
+        <p:txBody>
+          <a:bodyPr/>
+          <a:lstStyle/>
+          <a:p>
+            <a:r>
+              <a:rPr lang="zh-CN" altLang="en-US" dirty="0" smtClean="0"/>
+              <a:t>使用战可以解决的典型题目：括号匹配</a:t>
+            </a:r>
+            <a:endParaRPr lang="zh-CN" altLang="en-US" dirty="0"/>
+          </a:p>
+        </p:txBody>
+      </p:sp>
+      <p:pic>
+        <p:nvPicPr>
+          <p:cNvPr id="2050" name="Picture 2"/>
+          <p:cNvPicPr>
+            <a:picLocks noChangeAspect="1" noChangeArrowheads="1"/>
+          </p:cNvPicPr>
           <p:nvPr/>
-        </p:nvSpPr>
-        <p:spPr>
-          <a:xfrm>
-            <a:off x="457200" y="274680"/>
-            <a:ext cx="8228880" cy="1142280"/>
+        </p:nvPicPr>
+        <p:blipFill>
+          <a:blip r:embed="rId2">
+            <a:extLst>
+              <a:ext uri="{28A0092B-C50C-407E-A947-70E740481C1C}">
+                <a14:useLocalDpi xmlns:a14="http://schemas.microsoft.com/office/drawing/2010/main" val="0"/>
+              </a:ext>
+            </a:extLst>
+          </a:blip>
+          <a:srcRect/>
+          <a:stretch>
+            <a:fillRect/>
+          </a:stretch>
+        </p:blipFill>
+        <p:spPr bwMode="auto">
+          <a:xfrm>
+            <a:off x="156119" y="604537"/>
+            <a:ext cx="4919937" cy="2917436"/>
+          </a:xfrm>
+          <a:prstGeom prst="rect">
+            <a:avLst/>
+          </a:prstGeom>
+          <a:noFill/>
+          <a:ln w="9525">
+            <a:solidFill>
+              <a:schemeClr val="tx1"/>
+            </a:solidFill>
+            <a:miter lim="800000"/>
+            <a:headEnd/>
+            <a:tailEnd/>
+          </a:ln>
+          <a:extLst>
+            <a:ext uri="{909E8E84-426E-40DD-AFC4-6F175D3DCCD1}">
+              <a14:hiddenFill xmlns:a14="http://schemas.microsoft.com/office/drawing/2010/main">
+                <a:solidFill>
+                  <a:schemeClr val="accent1"/>
+                </a:solidFill>
+              </a14:hiddenFill>
+            </a:ext>
+          </a:extLst>
+        </p:spPr>
+      </p:pic>
+      <p:pic>
+        <p:nvPicPr>
+          <p:cNvPr id="2051" name="Picture 3"/>
+          <p:cNvPicPr>
+            <a:picLocks noChangeAspect="1" noChangeArrowheads="1"/>
+          </p:cNvPicPr>
+          <p:nvPr/>
+        </p:nvPicPr>
+        <p:blipFill>
+          <a:blip r:embed="rId3">
+            <a:extLst>
+              <a:ext uri="{28A0092B-C50C-407E-A947-70E740481C1C}">
+                <a14:useLocalDpi xmlns:a14="http://schemas.microsoft.com/office/drawing/2010/main" val="0"/>
+              </a:ext>
+            </a:extLst>
+          </a:blip>
+          <a:srcRect/>
+          <a:stretch>
+            <a:fillRect/>
+          </a:stretch>
+        </p:blipFill>
+        <p:spPr bwMode="auto">
+          <a:xfrm>
+            <a:off x="156119" y="3521973"/>
+            <a:ext cx="4919937" cy="2649941"/>
+          </a:xfrm>
+          <a:prstGeom prst="rect">
+            <a:avLst/>
+          </a:prstGeom>
+          <a:noFill/>
+          <a:ln w="9525">
+            <a:solidFill>
+              <a:schemeClr val="tx1"/>
+            </a:solidFill>
+            <a:miter lim="800000"/>
+            <a:headEnd/>
+            <a:tailEnd/>
+          </a:ln>
+          <a:extLst>
+            <a:ext uri="{909E8E84-426E-40DD-AFC4-6F175D3DCCD1}">
+              <a14:hiddenFill xmlns:a14="http://schemas.microsoft.com/office/drawing/2010/main">
+                <a:solidFill>
+                  <a:schemeClr val="accent1"/>
+                </a:solidFill>
+              </a14:hiddenFill>
+            </a:ext>
+          </a:extLst>
+        </p:spPr>
+      </p:pic>
+      <p:sp>
+        <p:nvSpPr>
+          <p:cNvPr id="6" name="TextShape 1"/>
+          <p:cNvSpPr txBox="1"/>
+          <p:nvPr/>
+        </p:nvSpPr>
+        <p:spPr>
+          <a:xfrm>
+            <a:off x="5144101" y="604536"/>
+            <a:ext cx="3750938" cy="1960368"/>
           </a:xfrm>
           <a:prstGeom prst="rect">
             <a:avLst/>
@@ -7351,71 +7576,138 @@
             <a:noFill/>
           </a:ln>
         </p:spPr>
-        <p:style>
-          <a:lnRef idx="0"/>
-          <a:fillRef idx="0"/>
-          <a:effectRef idx="0"/>
-          <a:fontRef idx="minor"/>
-        </p:style>
-        <p:txBody>
-          <a:bodyPr lIns="0" rIns="0" tIns="0" bIns="0" anchor="ctr"/>
-          <a:p>
-            <a:pPr>
-              <a:lnSpc>
-                <a:spcPct val="100000"/>
-              </a:lnSpc>
-            </a:pPr>
+        <p:txBody>
+          <a:bodyPr lIns="0" tIns="0" rIns="0" bIns="0" anchor="t"/>
+          <a:lstStyle/>
+          <a:p>
             <a:r>
-              <a:rPr b="0" lang="en-US" sz="1800" spc="-1" strike="noStrike">
+              <a:rPr lang="zh-CN" altLang="en-US" sz="1600" spc="-1" dirty="0" smtClean="0">
                 <a:solidFill>
                   <a:srgbClr val="000000"/>
                 </a:solidFill>
-                <a:latin typeface="Calibri"/>
-                <a:ea typeface="DejaVu Sans"/>
+                <a:latin typeface="Arial"/>
               </a:rPr>
-              <a:t>下面写法性能远大于上面。所以</a:t>
+              <a:t>将括号依次压入战，当遇到右括号时候，就和战顶元素比较，如果能匹配，就将其出站，最后如果战内没有元素，则满足</a:t>
             </a:r>
+            <a:endParaRPr lang="en-US" altLang="zh-CN" sz="1600" spc="-1" dirty="0" smtClean="0">
+              <a:solidFill>
+                <a:srgbClr val="000000"/>
+              </a:solidFill>
+              <a:latin typeface="Arial"/>
+            </a:endParaRPr>
+          </a:p>
+          <a:p>
             <a:r>
-              <a:rPr b="0" lang="en-US" sz="1800" spc="-1" strike="noStrike">
+              <a:rPr lang="en-US" altLang="zh-CN" sz="1600" b="0" strike="noStrike" spc="-1" dirty="0" err="1" smtClean="0">
                 <a:solidFill>
                   <a:srgbClr val="000000"/>
                 </a:solidFill>
-                <a:latin typeface="Calibri"/>
-                <a:ea typeface="DejaVu Sans"/>
+                <a:latin typeface="Arial"/>
               </a:rPr>
-              <a:t>cpp</a:t>
+              <a:t>LeetCode</a:t>
             </a:r>
             <a:r>
-              <a:rPr b="0" lang="en-US" sz="1800" spc="-1" strike="noStrike">
+              <a:rPr lang="zh-CN" altLang="en-US" sz="1600" spc="-1" dirty="0" smtClean="0">
                 <a:solidFill>
                   <a:srgbClr val="000000"/>
                 </a:solidFill>
-                <a:latin typeface="Calibri"/>
-                <a:ea typeface="DejaVu Sans"/>
+                <a:latin typeface="Arial"/>
               </a:rPr>
-              <a:t>，</a:t>
+              <a:t>中根据你的类创建对象，然后自定义</a:t>
             </a:r>
             <a:r>
-              <a:rPr b="0" lang="en-US" sz="1800" spc="-1" strike="noStrike">
+              <a:rPr lang="en-US" altLang="zh-CN" sz="1600" spc="-1" dirty="0" smtClean="0">
                 <a:solidFill>
                   <a:srgbClr val="000000"/>
                 </a:solidFill>
-                <a:latin typeface="Calibri"/>
-                <a:ea typeface="DejaVu Sans"/>
+                <a:latin typeface="Arial"/>
+              </a:rPr>
+              <a:t>main</a:t>
+            </a:r>
+            <a:r>
+              <a:rPr lang="zh-CN" altLang="en-US" sz="1600" spc="-1" dirty="0" smtClean="0">
+                <a:solidFill>
+                  <a:srgbClr val="000000"/>
+                </a:solidFill>
+                <a:latin typeface="Arial"/>
+              </a:rPr>
+              <a:t>函数访问。所以不能写为</a:t>
+            </a:r>
+            <a:r>
+              <a:rPr lang="en-US" altLang="zh-CN" sz="1600" spc="-1" dirty="0" smtClean="0">
+                <a:solidFill>
+                  <a:srgbClr val="000000"/>
+                </a:solidFill>
+                <a:latin typeface="Arial"/>
+              </a:rPr>
+              <a:t>private</a:t>
+            </a:r>
+            <a:r>
+              <a:rPr lang="zh-CN" altLang="en-US" sz="1600" spc="-1" dirty="0" smtClean="0">
+                <a:solidFill>
+                  <a:srgbClr val="000000"/>
+                </a:solidFill>
+                <a:latin typeface="Arial"/>
+              </a:rPr>
+              <a:t>类型</a:t>
+            </a:r>
+            <a:endParaRPr lang="en-US" altLang="zh-CN" sz="1600" spc="-1" dirty="0" smtClean="0">
+              <a:solidFill>
+                <a:srgbClr val="000000"/>
+              </a:solidFill>
+              <a:latin typeface="Arial"/>
+            </a:endParaRPr>
+          </a:p>
+          <a:p>
+            <a:r>
+              <a:rPr lang="zh-CN" altLang="en-US" sz="1600" spc="-1" dirty="0" smtClean="0">
+                <a:solidFill>
+                  <a:srgbClr val="000000"/>
+                </a:solidFill>
+                <a:latin typeface="Arial"/>
+              </a:rPr>
+              <a:t>如果不用</a:t>
+            </a:r>
+            <a:r>
+              <a:rPr lang="en-US" altLang="zh-CN" sz="1600" spc="-1" dirty="0" smtClean="0">
+                <a:solidFill>
+                  <a:srgbClr val="000000"/>
+                </a:solidFill>
+                <a:latin typeface="Arial"/>
               </a:rPr>
               <a:t>java</a:t>
             </a:r>
             <a:r>
-              <a:rPr b="0" lang="en-US" sz="1800" spc="-1" strike="noStrike">
+              <a:rPr lang="zh-CN" altLang="en-US" sz="1600" spc="-1" dirty="0" smtClean="0">
                 <a:solidFill>
                   <a:srgbClr val="000000"/>
                 </a:solidFill>
-                <a:latin typeface="Calibri"/>
-                <a:ea typeface="DejaVu Sans"/>
+                <a:latin typeface="Arial"/>
               </a:rPr>
-              <a:t>这种编译型的语音更方便学习数据结构</a:t>
+              <a:t>的包，可以将其他类定义为</a:t>
             </a:r>
-            <a:endParaRPr b="0" lang="en-US" sz="1800" spc="-1" strike="noStrike">
+            <a:r>
+              <a:rPr lang="en-US" altLang="zh-CN" sz="1600" spc="-1" dirty="0" smtClean="0">
+                <a:solidFill>
+                  <a:srgbClr val="000000"/>
+                </a:solidFill>
+                <a:latin typeface="Arial"/>
+              </a:rPr>
+              <a:t>solution</a:t>
+            </a:r>
+            <a:r>
+              <a:rPr lang="zh-CN" altLang="en-US" sz="1600" spc="-1" dirty="0" smtClean="0">
+                <a:solidFill>
+                  <a:srgbClr val="000000"/>
+                </a:solidFill>
+                <a:latin typeface="Arial"/>
+              </a:rPr>
+              <a:t>的内部类</a:t>
+            </a:r>
+            <a:endParaRPr lang="zh-CN" sz="1600" b="0" strike="noStrike" spc="-1" dirty="0">
+              <a:solidFill>
+                <a:srgbClr val="000000"/>
+              </a:solidFill>
               <a:latin typeface="Arial"/>
             </a:endParaRPr>
           </a:p>
@@ -7423,86 +7715,29 @@
       </p:sp>
       <p:pic>
         <p:nvPicPr>
-          <p:cNvPr id="121" name="图片 88" descr=""/>
-          <p:cNvPicPr/>
+          <p:cNvPr id="2052" name="Picture 4"/>
+          <p:cNvPicPr>
+            <a:picLocks noChangeAspect="1" noChangeArrowheads="1"/>
+          </p:cNvPicPr>
           <p:nvPr/>
         </p:nvPicPr>
         <p:blipFill>
-          <a:blip r:embed="rId1"/>
-          <a:stretch/>
+          <a:blip r:embed="rId4">
+            <a:extLst>
+              <a:ext uri="{28A0092B-C50C-407E-A947-70E740481C1C}">
+                <a14:useLocalDpi xmlns:a14="http://schemas.microsoft.com/office/drawing/2010/main" val="0"/>
+              </a:ext>
+            </a:extLst>
+          </a:blip>
+          <a:srcRect/>
+          <a:stretch>
+            <a:fillRect/>
+          </a:stretch>
         </p:blipFill>
-        <p:spPr>
-          <a:xfrm>
-            <a:off x="365760" y="1280160"/>
-            <a:ext cx="8609400" cy="4937400"/>
-          </a:xfrm>
-          <a:prstGeom prst="rect">
-            <a:avLst/>
-          </a:prstGeom>
-          <a:ln>
-            <a:noFill/>
-          </a:ln>
-        </p:spPr>
-      </p:pic>
-    </p:spTree>
-  </p:cSld>
-  <p:timing>
-    <p:tnLst>
-      <p:par>
-        <p:cTn id="7" dur="indefinite" restart="never" nodeType="tmRoot">
-          <p:childTnLst>
-            <p:seq>
-              <p:cTn id="8" dur="indefinite" nodeType="mainSeq"/>
-              <p:prevCondLst>
-                <p:cond delay="0" evt="onPrev">
-                  <p:tgtEl>
-                    <p:sldTgt/>
-                  </p:tgtEl>
-                </p:cond>
-              </p:prevCondLst>
-              <p:nextCondLst>
-                <p:cond delay="0" evt="onNext">
-                  <p:tgtEl>
-                    <p:sldTgt/>
-                  </p:tgtEl>
-                </p:cond>
-              </p:nextCondLst>
-            </p:seq>
-          </p:childTnLst>
-        </p:cTn>
-      </p:par>
-    </p:tnLst>
-  </p:timing>
-</p:sld>
-</file>
-
-<file path=ppt/slides/slide5.xml><?xml version="1.0" encoding="utf-8"?>
-<p:sld xmlns:a="http://schemas.openxmlformats.org/drawingml/2006/main" xmlns:p="http://schemas.openxmlformats.org/presentationml/2006/main" xmlns:r="http://schemas.openxmlformats.org/officeDocument/2006/relationships" xmlns:p14="http://schemas.microsoft.com/office/powerpoint/2010/main" xmlns:p15="http://schemas.microsoft.com/office/powerpoint/2012/main" xmlns:mc="http://schemas.openxmlformats.org/markup-compatibility/2006">
-  <p:cSld>
-    <p:spTree>
-      <p:nvGrpSpPr>
-        <p:cNvPr id="1" name=""/>
-        <p:cNvGrpSpPr/>
-        <p:nvPr/>
-      </p:nvGrpSpPr>
-      <p:grpSpPr>
-        <a:xfrm>
-          <a:off x="0" y="0"/>
-          <a:ext cx="0" cy="0"/>
-          <a:chOff x="0" y="0"/>
-          <a:chExt cx="0" cy="0"/>
-        </a:xfrm>
-      </p:grpSpPr>
-      <p:sp>
-        <p:nvSpPr>
-          <p:cNvPr id="122" name="CustomShape 1"/>
-          <p:cNvSpPr/>
-          <p:nvPr/>
-        </p:nvSpPr>
-        <p:spPr>
-          <a:xfrm>
-            <a:off x="457200" y="274680"/>
-            <a:ext cx="8228880" cy="1142280"/>
+        <p:spPr bwMode="auto">
+          <a:xfrm>
+            <a:off x="5151886" y="2636912"/>
+            <a:ext cx="3923928" cy="3850405"/>
           </a:xfrm>
           <a:prstGeom prst="rect">
             <a:avLst/>
@@ -7511,326 +7746,42 @@
           <a:ln>
             <a:noFill/>
           </a:ln>
-        </p:spPr>
-        <p:style>
-          <a:lnRef idx="0"/>
-          <a:fillRef idx="0"/>
-          <a:effectRef idx="0"/>
-          <a:fontRef idx="minor"/>
-        </p:style>
-      </p:sp>
-      <p:pic>
-        <p:nvPicPr>
-          <p:cNvPr id="123" name="图片 90" descr=""/>
-          <p:cNvPicPr/>
-          <p:nvPr/>
-        </p:nvPicPr>
-        <p:blipFill>
-          <a:blip r:embed="rId1"/>
-          <a:stretch/>
-        </p:blipFill>
-        <p:spPr>
-          <a:xfrm>
-            <a:off x="33120" y="903240"/>
-            <a:ext cx="9143280" cy="5100840"/>
-          </a:xfrm>
-          <a:prstGeom prst="rect">
-            <a:avLst/>
-          </a:prstGeom>
-          <a:ln>
-            <a:noFill/>
-          </a:ln>
+          <a:extLst>
+            <a:ext uri="{909E8E84-426E-40DD-AFC4-6F175D3DCCD1}">
+              <a14:hiddenFill xmlns:a14="http://schemas.microsoft.com/office/drawing/2010/main">
+                <a:solidFill>
+                  <a:schemeClr val="accent1"/>
+                </a:solidFill>
+              </a14:hiddenFill>
+            </a:ext>
+            <a:ext uri="{91240B29-F687-4F45-9708-019B960494DF}">
+              <a14:hiddenLine xmlns:a14="http://schemas.microsoft.com/office/drawing/2010/main" w="9525">
+                <a:solidFill>
+                  <a:schemeClr val="tx1"/>
+                </a:solidFill>
+                <a:miter lim="800000"/>
+                <a:headEnd/>
+                <a:tailEnd/>
+              </a14:hiddenLine>
+            </a:ext>
+          </a:extLst>
         </p:spPr>
       </p:pic>
     </p:spTree>
+    <p:extLst>
+      <p:ext uri="{BB962C8B-B14F-4D97-AF65-F5344CB8AC3E}">
+        <p14:creationId xmlns:p14="http://schemas.microsoft.com/office/powerpoint/2010/main" val="159573503"/>
+      </p:ext>
+    </p:extLst>
   </p:cSld>
-  <p:timing>
-    <p:tnLst>
-      <p:par>
-        <p:cTn id="9" dur="indefinite" restart="never" nodeType="tmRoot">
-          <p:childTnLst>
-            <p:seq>
-              <p:cTn id="10" dur="indefinite" nodeType="mainSeq"/>
-              <p:prevCondLst>
-                <p:cond delay="0" evt="onPrev">
-                  <p:tgtEl>
-                    <p:sldTgt/>
-                  </p:tgtEl>
-                </p:cond>
-              </p:prevCondLst>
-              <p:nextCondLst>
-                <p:cond delay="0" evt="onNext">
-                  <p:tgtEl>
-                    <p:sldTgt/>
-                  </p:tgtEl>
-                </p:cond>
-              </p:nextCondLst>
-            </p:seq>
-          </p:childTnLst>
-        </p:cTn>
-      </p:par>
-    </p:tnLst>
-  </p:timing>
+  <p:clrMapOvr>
+    <a:masterClrMapping/>
+  </p:clrMapOvr>
 </p:sld>
 </file>
 
-<file path=ppt/slides/slide6.xml><?xml version="1.0" encoding="utf-8"?>
-<p:sld xmlns:a="http://schemas.openxmlformats.org/drawingml/2006/main" xmlns:p="http://schemas.openxmlformats.org/presentationml/2006/main" xmlns:r="http://schemas.openxmlformats.org/officeDocument/2006/relationships" xmlns:p14="http://schemas.microsoft.com/office/powerpoint/2010/main" xmlns:p15="http://schemas.microsoft.com/office/powerpoint/2012/main" xmlns:mc="http://schemas.openxmlformats.org/markup-compatibility/2006">
-  <p:cSld>
-    <p:spTree>
-      <p:nvGrpSpPr>
-        <p:cNvPr id="1" name=""/>
-        <p:cNvGrpSpPr/>
-        <p:nvPr/>
-      </p:nvGrpSpPr>
-      <p:grpSpPr>
-        <a:xfrm>
-          <a:off x="0" y="0"/>
-          <a:ext cx="0" cy="0"/>
-          <a:chOff x="0" y="0"/>
-          <a:chExt cx="0" cy="0"/>
-        </a:xfrm>
-      </p:grpSpPr>
-      <p:sp>
-        <p:nvSpPr>
-          <p:cNvPr id="124" name="CustomShape 1"/>
-          <p:cNvSpPr/>
-          <p:nvPr/>
-        </p:nvSpPr>
-        <p:spPr>
-          <a:xfrm>
-            <a:off x="457200" y="274680"/>
-            <a:ext cx="8228880" cy="1142280"/>
-          </a:xfrm>
-          <a:prstGeom prst="rect">
-            <a:avLst/>
-          </a:prstGeom>
-          <a:noFill/>
-          <a:ln>
-            <a:noFill/>
-          </a:ln>
-        </p:spPr>
-        <p:style>
-          <a:lnRef idx="0"/>
-          <a:fillRef idx="0"/>
-          <a:effectRef idx="0"/>
-          <a:fontRef idx="minor"/>
-        </p:style>
-      </p:sp>
-      <p:pic>
-        <p:nvPicPr>
-          <p:cNvPr id="125" name="图片 92" descr=""/>
-          <p:cNvPicPr/>
-          <p:nvPr/>
-        </p:nvPicPr>
-        <p:blipFill>
-          <a:blip r:embed="rId1"/>
-          <a:stretch/>
-        </p:blipFill>
-        <p:spPr>
-          <a:xfrm>
-            <a:off x="93960" y="731520"/>
-            <a:ext cx="8592120" cy="4805640"/>
-          </a:xfrm>
-          <a:prstGeom prst="rect">
-            <a:avLst/>
-          </a:prstGeom>
-          <a:ln>
-            <a:noFill/>
-          </a:ln>
-        </p:spPr>
-      </p:pic>
-    </p:spTree>
-  </p:cSld>
-  <p:timing>
-    <p:tnLst>
-      <p:par>
-        <p:cTn id="11" dur="indefinite" restart="never" nodeType="tmRoot">
-          <p:childTnLst>
-            <p:seq>
-              <p:cTn id="12" dur="indefinite" nodeType="mainSeq"/>
-              <p:prevCondLst>
-                <p:cond delay="0" evt="onPrev">
-                  <p:tgtEl>
-                    <p:sldTgt/>
-                  </p:tgtEl>
-                </p:cond>
-              </p:prevCondLst>
-              <p:nextCondLst>
-                <p:cond delay="0" evt="onNext">
-                  <p:tgtEl>
-                    <p:sldTgt/>
-                  </p:tgtEl>
-                </p:cond>
-              </p:nextCondLst>
-            </p:seq>
-          </p:childTnLst>
-        </p:cTn>
-      </p:par>
-    </p:tnLst>
-  </p:timing>
-</p:sld>
-</file>
-
-<file path=ppt/slides/slide7.xml><?xml version="1.0" encoding="utf-8"?>
-<p:sld xmlns:a="http://schemas.openxmlformats.org/drawingml/2006/main" xmlns:p="http://schemas.openxmlformats.org/presentationml/2006/main" xmlns:r="http://schemas.openxmlformats.org/officeDocument/2006/relationships" xmlns:p14="http://schemas.microsoft.com/office/powerpoint/2010/main" xmlns:p15="http://schemas.microsoft.com/office/powerpoint/2012/main" xmlns:mc="http://schemas.openxmlformats.org/markup-compatibility/2006">
-  <p:cSld>
-    <p:spTree>
-      <p:nvGrpSpPr>
-        <p:cNvPr id="1" name=""/>
-        <p:cNvGrpSpPr/>
-        <p:nvPr/>
-      </p:nvGrpSpPr>
-      <p:grpSpPr>
-        <a:xfrm>
-          <a:off x="0" y="0"/>
-          <a:ext cx="0" cy="0"/>
-          <a:chOff x="0" y="0"/>
-          <a:chExt cx="0" cy="0"/>
-        </a:xfrm>
-      </p:grpSpPr>
-      <p:sp>
-        <p:nvSpPr>
-          <p:cNvPr id="126" name="CustomShape 1"/>
-          <p:cNvSpPr/>
-          <p:nvPr/>
-        </p:nvSpPr>
-        <p:spPr>
-          <a:xfrm>
-            <a:off x="457200" y="274680"/>
-            <a:ext cx="8228880" cy="1142280"/>
-          </a:xfrm>
-          <a:prstGeom prst="rect">
-            <a:avLst/>
-          </a:prstGeom>
-          <a:noFill/>
-          <a:ln>
-            <a:noFill/>
-          </a:ln>
-        </p:spPr>
-        <p:style>
-          <a:lnRef idx="0"/>
-          <a:fillRef idx="0"/>
-          <a:effectRef idx="0"/>
-          <a:fontRef idx="minor"/>
-        </p:style>
-      </p:sp>
-      <p:pic>
-        <p:nvPicPr>
-          <p:cNvPr id="127" name="Picture 2" descr=""/>
-          <p:cNvPicPr/>
-          <p:nvPr/>
-        </p:nvPicPr>
-        <p:blipFill>
-          <a:blip r:embed="rId1"/>
-          <a:stretch/>
-        </p:blipFill>
-        <p:spPr>
-          <a:xfrm>
-            <a:off x="251640" y="620640"/>
-            <a:ext cx="8632080" cy="4968360"/>
-          </a:xfrm>
-          <a:prstGeom prst="rect">
-            <a:avLst/>
-          </a:prstGeom>
-          <a:ln>
-            <a:noFill/>
-          </a:ln>
-        </p:spPr>
-      </p:pic>
-      <p:sp>
-        <p:nvSpPr>
-          <p:cNvPr id="128" name="CustomShape 2"/>
-          <p:cNvSpPr/>
-          <p:nvPr/>
-        </p:nvSpPr>
-        <p:spPr>
-          <a:xfrm>
-            <a:off x="4543920" y="2205000"/>
-            <a:ext cx="2448000" cy="639000"/>
-          </a:xfrm>
-          <a:prstGeom prst="rect">
-            <a:avLst/>
-          </a:prstGeom>
-          <a:noFill/>
-          <a:ln>
-            <a:noFill/>
-          </a:ln>
-        </p:spPr>
-        <p:style>
-          <a:lnRef idx="0"/>
-          <a:fillRef idx="0"/>
-          <a:effectRef idx="0"/>
-          <a:fontRef idx="minor"/>
-        </p:style>
-        <p:txBody>
-          <a:bodyPr lIns="90000" rIns="90000" tIns="45000" bIns="45000"/>
-          <a:p>
-            <a:pPr>
-              <a:lnSpc>
-                <a:spcPct val="100000"/>
-              </a:lnSpc>
-            </a:pPr>
-            <a:r>
-              <a:rPr b="0" lang="en-US" sz="1800" spc="-1" strike="noStrike">
-                <a:solidFill>
-                  <a:srgbClr val="000000"/>
-                </a:solidFill>
-                <a:latin typeface="Arial"/>
-                <a:ea typeface="DejaVu Sans"/>
-              </a:rPr>
-              <a:t>Size</a:t>
-            </a:r>
-            <a:r>
-              <a:rPr b="0" lang="en-US" sz="1800" spc="-1" strike="noStrike">
-                <a:solidFill>
-                  <a:srgbClr val="000000"/>
-                </a:solidFill>
-                <a:latin typeface="Arial"/>
-                <a:ea typeface="DejaVu Sans"/>
-              </a:rPr>
-              <a:t>指向的是第一个没有元素的位置</a:t>
-            </a:r>
-            <a:endParaRPr b="0" lang="en-US" sz="1800" spc="-1" strike="noStrike">
-              <a:latin typeface="Arial"/>
-            </a:endParaRPr>
-          </a:p>
-        </p:txBody>
-      </p:sp>
-    </p:spTree>
-  </p:cSld>
-  <p:timing>
-    <p:tnLst>
-      <p:par>
-        <p:cTn id="13" dur="indefinite" restart="never" nodeType="tmRoot">
-          <p:childTnLst>
-            <p:seq>
-              <p:cTn id="14" dur="indefinite" nodeType="mainSeq"/>
-              <p:prevCondLst>
-                <p:cond delay="0" evt="onPrev">
-                  <p:tgtEl>
-                    <p:sldTgt/>
-                  </p:tgtEl>
-                </p:cond>
-              </p:prevCondLst>
-              <p:nextCondLst>
-                <p:cond delay="0" evt="onNext">
-                  <p:tgtEl>
-                    <p:sldTgt/>
-                  </p:tgtEl>
-                </p:cond>
-              </p:nextCondLst>
-            </p:seq>
-          </p:childTnLst>
-        </p:cTn>
-      </p:par>
-    </p:tnLst>
-  </p:timing>
-</p:sld>
-</file>
-
-<file path=ppt/slides/slide8.xml><?xml version="1.0" encoding="utf-8"?>
-<p:sld xmlns:a="http://schemas.openxmlformats.org/drawingml/2006/main" xmlns:p="http://schemas.openxmlformats.org/presentationml/2006/main" xmlns:r="http://schemas.openxmlformats.org/officeDocument/2006/relationships" xmlns:p14="http://schemas.microsoft.com/office/powerpoint/2010/main" xmlns:p15="http://schemas.microsoft.com/office/powerpoint/2012/main" xmlns:mc="http://schemas.openxmlformats.org/markup-compatibility/2006">
+<file path=ppt/slides/slide3.xml><?xml version="1.0" encoding="utf-8"?>
+<p:sld xmlns:a="http://schemas.openxmlformats.org/drawingml/2006/main" xmlns:r="http://schemas.openxmlformats.org/officeDocument/2006/relationships" xmlns:p="http://schemas.openxmlformats.org/presentationml/2006/main">
   <p:cSld>
     <p:spTree>
       <p:nvGrpSpPr>
@@ -7848,19 +7799,18 @@
       </p:grpSpPr>
       <p:pic>
         <p:nvPicPr>
-          <p:cNvPr id="129" name="Picture 2" descr=""/>
+          <p:cNvPr id="119" name="Picture 2"/>
           <p:cNvPicPr/>
           <p:nvPr/>
         </p:nvPicPr>
         <p:blipFill>
-          <a:blip r:embed="rId1"/>
-          <a:srcRect l="15504" t="0" r="5997" b="0"/>
+          <a:blip r:embed="rId2"/>
           <a:stretch/>
         </p:blipFill>
         <p:spPr>
           <a:xfrm>
-            <a:off x="539640" y="260640"/>
-            <a:ext cx="8471160" cy="5832360"/>
+            <a:off x="457200" y="838080"/>
+            <a:ext cx="8519760" cy="4830120"/>
           </a:xfrm>
           <a:prstGeom prst="rect">
             <a:avLst/>
@@ -7870,110 +7820,27 @@
           </a:ln>
         </p:spPr>
       </p:pic>
-      <p:sp>
-        <p:nvSpPr>
-          <p:cNvPr id="130" name="CustomShape 1"/>
-          <p:cNvSpPr/>
-          <p:nvPr/>
-        </p:nvSpPr>
-        <p:spPr>
-          <a:xfrm>
-            <a:off x="323640" y="231120"/>
-            <a:ext cx="6624360" cy="364680"/>
-          </a:xfrm>
-          <a:prstGeom prst="rect">
-            <a:avLst/>
-          </a:prstGeom>
-          <a:noFill/>
-          <a:ln>
-            <a:noFill/>
-          </a:ln>
-        </p:spPr>
-        <p:style>
-          <a:lnRef idx="0"/>
-          <a:fillRef idx="0"/>
-          <a:effectRef idx="0"/>
-          <a:fontRef idx="minor"/>
-        </p:style>
-        <p:txBody>
-          <a:bodyPr lIns="90000" rIns="90000" tIns="45000" bIns="45000"/>
-          <a:p>
-            <a:pPr>
-              <a:lnSpc>
-                <a:spcPct val="100000"/>
-              </a:lnSpc>
-            </a:pPr>
-            <a:r>
-              <a:rPr b="0" lang="en-US" sz="1800" spc="-1" strike="noStrike">
-                <a:solidFill>
-                  <a:srgbClr val="000000"/>
-                </a:solidFill>
-                <a:latin typeface="Arial"/>
-                <a:ea typeface="DejaVu Sans"/>
-              </a:rPr>
-              <a:t>只能是类对象，基本类型可以和包装类无缝转换</a:t>
-            </a:r>
-            <a:endParaRPr b="0" lang="en-US" sz="1800" spc="-1" strike="noStrike">
-              <a:latin typeface="Arial"/>
-            </a:endParaRPr>
-          </a:p>
-        </p:txBody>
-      </p:sp>
-      <p:sp>
-        <p:nvSpPr>
-          <p:cNvPr id="131" name="CustomShape 2"/>
-          <p:cNvSpPr/>
-          <p:nvPr/>
-        </p:nvSpPr>
-        <p:spPr>
-          <a:xfrm>
-            <a:off x="1123560" y="2997000"/>
-            <a:ext cx="5328360" cy="719640"/>
-          </a:xfrm>
-          <a:prstGeom prst="rect">
-            <a:avLst/>
-          </a:prstGeom>
-          <a:noFill/>
-          <a:ln w="12600">
-            <a:solidFill>
-              <a:srgbClr val="ff0000"/>
-            </a:solidFill>
-            <a:round/>
-          </a:ln>
-        </p:spPr>
-        <p:style>
-          <a:lnRef idx="2">
-            <a:schemeClr val="accent1">
-              <a:shade val="50000"/>
-            </a:schemeClr>
-          </a:lnRef>
-          <a:fillRef idx="1">
-            <a:schemeClr val="accent1"/>
-          </a:fillRef>
-          <a:effectRef idx="0">
-            <a:schemeClr val="accent1"/>
-          </a:effectRef>
-          <a:fontRef idx="minor"/>
-        </p:style>
-      </p:sp>
     </p:spTree>
   </p:cSld>
+  <p:clrMapOvr>
+    <a:masterClrMapping/>
+  </p:clrMapOvr>
   <p:timing>
     <p:tnLst>
       <p:par>
-        <p:cTn id="15" dur="indefinite" restart="never" nodeType="tmRoot">
+        <p:cTn id="1" dur="indefinite" restart="never" nodeType="tmRoot">
           <p:childTnLst>
             <p:seq>
-              <p:cTn id="16" dur="indefinite" nodeType="mainSeq"/>
+              <p:cTn id="2" dur="indefinite" nodeType="mainSeq"/>
               <p:prevCondLst>
-                <p:cond delay="0" evt="onPrev">
+                <p:cond evt="onPrev" delay="0">
                   <p:tgtEl>
                     <p:sldTgt/>
                   </p:tgtEl>
                 </p:cond>
               </p:prevCondLst>
               <p:nextCondLst>
-                <p:cond delay="0" evt="onNext">
+                <p:cond evt="onNext" delay="0">
                   <p:tgtEl>
                     <p:sldTgt/>
                   </p:tgtEl>
@@ -7988,8 +7855,516 @@
 </p:sld>
 </file>
 
-<file path=ppt/slides/slide9.xml><?xml version="1.0" encoding="utf-8"?>
-<p:sld xmlns:a="http://schemas.openxmlformats.org/drawingml/2006/main" xmlns:p="http://schemas.openxmlformats.org/presentationml/2006/main" xmlns:r="http://schemas.openxmlformats.org/officeDocument/2006/relationships" xmlns:p14="http://schemas.microsoft.com/office/powerpoint/2010/main" xmlns:p15="http://schemas.microsoft.com/office/powerpoint/2012/main" xmlns:mc="http://schemas.openxmlformats.org/markup-compatibility/2006">
+<file path=ppt/slides/slide4.xml><?xml version="1.0" encoding="utf-8"?>
+<p:sld xmlns:a="http://schemas.openxmlformats.org/drawingml/2006/main" xmlns:r="http://schemas.openxmlformats.org/officeDocument/2006/relationships" xmlns:p="http://schemas.openxmlformats.org/presentationml/2006/main">
+  <p:cSld>
+    <p:spTree>
+      <p:nvGrpSpPr>
+        <p:cNvPr id="1" name=""/>
+        <p:cNvGrpSpPr/>
+        <p:nvPr/>
+      </p:nvGrpSpPr>
+      <p:grpSpPr>
+        <a:xfrm>
+          <a:off x="0" y="0"/>
+          <a:ext cx="0" cy="0"/>
+          <a:chOff x="0" y="0"/>
+          <a:chExt cx="0" cy="0"/>
+        </a:xfrm>
+      </p:grpSpPr>
+      <p:sp>
+        <p:nvSpPr>
+          <p:cNvPr id="120" name="CustomShape 1"/>
+          <p:cNvSpPr/>
+          <p:nvPr/>
+        </p:nvSpPr>
+        <p:spPr>
+          <a:xfrm>
+            <a:off x="457200" y="274680"/>
+            <a:ext cx="8228880" cy="1142280"/>
+          </a:xfrm>
+          <a:prstGeom prst="rect">
+            <a:avLst/>
+          </a:prstGeom>
+          <a:noFill/>
+          <a:ln>
+            <a:noFill/>
+          </a:ln>
+        </p:spPr>
+        <p:style>
+          <a:lnRef idx="0">
+            <a:scrgbClr r="0" g="0" b="0"/>
+          </a:lnRef>
+          <a:fillRef idx="0">
+            <a:scrgbClr r="0" g="0" b="0"/>
+          </a:fillRef>
+          <a:effectRef idx="0">
+            <a:scrgbClr r="0" g="0" b="0"/>
+          </a:effectRef>
+          <a:fontRef idx="minor"/>
+        </p:style>
+        <p:txBody>
+          <a:bodyPr lIns="0" tIns="0" rIns="0" bIns="0" anchor="ctr"/>
+          <a:lstStyle/>
+          <a:p>
+            <a:pPr>
+              <a:lnSpc>
+                <a:spcPct val="100000"/>
+              </a:lnSpc>
+            </a:pPr>
+            <a:r>
+              <a:rPr lang="en-US" sz="1800" b="0" strike="noStrike" spc="-1">
+                <a:solidFill>
+                  <a:srgbClr val="000000"/>
+                </a:solidFill>
+                <a:latin typeface="Calibri"/>
+                <a:ea typeface="DejaVu Sans"/>
+              </a:rPr>
+              <a:t>下面写法性能远大于上面。所以cpp，java这种编译型的语音更方便学习数据结构</a:t>
+            </a:r>
+            <a:endParaRPr lang="en-US" sz="1800" b="0" strike="noStrike" spc="-1">
+              <a:latin typeface="Arial"/>
+            </a:endParaRPr>
+          </a:p>
+        </p:txBody>
+      </p:sp>
+      <p:pic>
+        <p:nvPicPr>
+          <p:cNvPr id="121" name="图片 88"/>
+          <p:cNvPicPr/>
+          <p:nvPr/>
+        </p:nvPicPr>
+        <p:blipFill>
+          <a:blip r:embed="rId2"/>
+          <a:stretch/>
+        </p:blipFill>
+        <p:spPr>
+          <a:xfrm>
+            <a:off x="365760" y="1280160"/>
+            <a:ext cx="8609400" cy="4937400"/>
+          </a:xfrm>
+          <a:prstGeom prst="rect">
+            <a:avLst/>
+          </a:prstGeom>
+          <a:ln>
+            <a:noFill/>
+          </a:ln>
+        </p:spPr>
+      </p:pic>
+    </p:spTree>
+  </p:cSld>
+  <p:clrMapOvr>
+    <a:masterClrMapping/>
+  </p:clrMapOvr>
+  <p:timing>
+    <p:tnLst>
+      <p:par>
+        <p:cTn id="1" dur="indefinite" restart="never" nodeType="tmRoot">
+          <p:childTnLst>
+            <p:seq>
+              <p:cTn id="2" dur="indefinite" nodeType="mainSeq"/>
+              <p:prevCondLst>
+                <p:cond evt="onPrev" delay="0">
+                  <p:tgtEl>
+                    <p:sldTgt/>
+                  </p:tgtEl>
+                </p:cond>
+              </p:prevCondLst>
+              <p:nextCondLst>
+                <p:cond evt="onNext" delay="0">
+                  <p:tgtEl>
+                    <p:sldTgt/>
+                  </p:tgtEl>
+                </p:cond>
+              </p:nextCondLst>
+            </p:seq>
+          </p:childTnLst>
+        </p:cTn>
+      </p:par>
+    </p:tnLst>
+  </p:timing>
+</p:sld>
+</file>
+
+<file path=ppt/slides/slide5.xml><?xml version="1.0" encoding="utf-8"?>
+<p:sld xmlns:a="http://schemas.openxmlformats.org/drawingml/2006/main" xmlns:r="http://schemas.openxmlformats.org/officeDocument/2006/relationships" xmlns:p="http://schemas.openxmlformats.org/presentationml/2006/main">
+  <p:cSld>
+    <p:spTree>
+      <p:nvGrpSpPr>
+        <p:cNvPr id="1" name=""/>
+        <p:cNvGrpSpPr/>
+        <p:nvPr/>
+      </p:nvGrpSpPr>
+      <p:grpSpPr>
+        <a:xfrm>
+          <a:off x="0" y="0"/>
+          <a:ext cx="0" cy="0"/>
+          <a:chOff x="0" y="0"/>
+          <a:chExt cx="0" cy="0"/>
+        </a:xfrm>
+      </p:grpSpPr>
+      <p:sp>
+        <p:nvSpPr>
+          <p:cNvPr id="122" name="CustomShape 1"/>
+          <p:cNvSpPr/>
+          <p:nvPr/>
+        </p:nvSpPr>
+        <p:spPr>
+          <a:xfrm>
+            <a:off x="457200" y="274680"/>
+            <a:ext cx="8228880" cy="1142280"/>
+          </a:xfrm>
+          <a:prstGeom prst="rect">
+            <a:avLst/>
+          </a:prstGeom>
+          <a:noFill/>
+          <a:ln>
+            <a:noFill/>
+          </a:ln>
+        </p:spPr>
+        <p:style>
+          <a:lnRef idx="0">
+            <a:scrgbClr r="0" g="0" b="0"/>
+          </a:lnRef>
+          <a:fillRef idx="0">
+            <a:scrgbClr r="0" g="0" b="0"/>
+          </a:fillRef>
+          <a:effectRef idx="0">
+            <a:scrgbClr r="0" g="0" b="0"/>
+          </a:effectRef>
+          <a:fontRef idx="minor"/>
+        </p:style>
+      </p:sp>
+      <p:pic>
+        <p:nvPicPr>
+          <p:cNvPr id="123" name="图片 90"/>
+          <p:cNvPicPr/>
+          <p:nvPr/>
+        </p:nvPicPr>
+        <p:blipFill>
+          <a:blip r:embed="rId2"/>
+          <a:stretch/>
+        </p:blipFill>
+        <p:spPr>
+          <a:xfrm>
+            <a:off x="33120" y="903240"/>
+            <a:ext cx="9143280" cy="5100840"/>
+          </a:xfrm>
+          <a:prstGeom prst="rect">
+            <a:avLst/>
+          </a:prstGeom>
+          <a:ln>
+            <a:noFill/>
+          </a:ln>
+        </p:spPr>
+      </p:pic>
+    </p:spTree>
+  </p:cSld>
+  <p:clrMapOvr>
+    <a:masterClrMapping/>
+  </p:clrMapOvr>
+  <p:timing>
+    <p:tnLst>
+      <p:par>
+        <p:cTn id="1" dur="indefinite" restart="never" nodeType="tmRoot">
+          <p:childTnLst>
+            <p:seq>
+              <p:cTn id="2" dur="indefinite" nodeType="mainSeq"/>
+              <p:prevCondLst>
+                <p:cond evt="onPrev" delay="0">
+                  <p:tgtEl>
+                    <p:sldTgt/>
+                  </p:tgtEl>
+                </p:cond>
+              </p:prevCondLst>
+              <p:nextCondLst>
+                <p:cond evt="onNext" delay="0">
+                  <p:tgtEl>
+                    <p:sldTgt/>
+                  </p:tgtEl>
+                </p:cond>
+              </p:nextCondLst>
+            </p:seq>
+          </p:childTnLst>
+        </p:cTn>
+      </p:par>
+    </p:tnLst>
+  </p:timing>
+</p:sld>
+</file>
+
+<file path=ppt/slides/slide6.xml><?xml version="1.0" encoding="utf-8"?>
+<p:sld xmlns:a="http://schemas.openxmlformats.org/drawingml/2006/main" xmlns:r="http://schemas.openxmlformats.org/officeDocument/2006/relationships" xmlns:p="http://schemas.openxmlformats.org/presentationml/2006/main">
+  <p:cSld>
+    <p:spTree>
+      <p:nvGrpSpPr>
+        <p:cNvPr id="1" name=""/>
+        <p:cNvGrpSpPr/>
+        <p:nvPr/>
+      </p:nvGrpSpPr>
+      <p:grpSpPr>
+        <a:xfrm>
+          <a:off x="0" y="0"/>
+          <a:ext cx="0" cy="0"/>
+          <a:chOff x="0" y="0"/>
+          <a:chExt cx="0" cy="0"/>
+        </a:xfrm>
+      </p:grpSpPr>
+      <p:sp>
+        <p:nvSpPr>
+          <p:cNvPr id="124" name="CustomShape 1"/>
+          <p:cNvSpPr/>
+          <p:nvPr/>
+        </p:nvSpPr>
+        <p:spPr>
+          <a:xfrm>
+            <a:off x="457200" y="274680"/>
+            <a:ext cx="8228880" cy="1142280"/>
+          </a:xfrm>
+          <a:prstGeom prst="rect">
+            <a:avLst/>
+          </a:prstGeom>
+          <a:noFill/>
+          <a:ln>
+            <a:noFill/>
+          </a:ln>
+        </p:spPr>
+        <p:style>
+          <a:lnRef idx="0">
+            <a:scrgbClr r="0" g="0" b="0"/>
+          </a:lnRef>
+          <a:fillRef idx="0">
+            <a:scrgbClr r="0" g="0" b="0"/>
+          </a:fillRef>
+          <a:effectRef idx="0">
+            <a:scrgbClr r="0" g="0" b="0"/>
+          </a:effectRef>
+          <a:fontRef idx="minor"/>
+        </p:style>
+      </p:sp>
+      <p:pic>
+        <p:nvPicPr>
+          <p:cNvPr id="125" name="图片 92"/>
+          <p:cNvPicPr/>
+          <p:nvPr/>
+        </p:nvPicPr>
+        <p:blipFill>
+          <a:blip r:embed="rId2"/>
+          <a:stretch/>
+        </p:blipFill>
+        <p:spPr>
+          <a:xfrm>
+            <a:off x="93960" y="731520"/>
+            <a:ext cx="8592120" cy="4805640"/>
+          </a:xfrm>
+          <a:prstGeom prst="rect">
+            <a:avLst/>
+          </a:prstGeom>
+          <a:ln>
+            <a:noFill/>
+          </a:ln>
+        </p:spPr>
+      </p:pic>
+    </p:spTree>
+  </p:cSld>
+  <p:clrMapOvr>
+    <a:masterClrMapping/>
+  </p:clrMapOvr>
+  <p:timing>
+    <p:tnLst>
+      <p:par>
+        <p:cTn id="1" dur="indefinite" restart="never" nodeType="tmRoot">
+          <p:childTnLst>
+            <p:seq>
+              <p:cTn id="2" dur="indefinite" nodeType="mainSeq"/>
+              <p:prevCondLst>
+                <p:cond evt="onPrev" delay="0">
+                  <p:tgtEl>
+                    <p:sldTgt/>
+                  </p:tgtEl>
+                </p:cond>
+              </p:prevCondLst>
+              <p:nextCondLst>
+                <p:cond evt="onNext" delay="0">
+                  <p:tgtEl>
+                    <p:sldTgt/>
+                  </p:tgtEl>
+                </p:cond>
+              </p:nextCondLst>
+            </p:seq>
+          </p:childTnLst>
+        </p:cTn>
+      </p:par>
+    </p:tnLst>
+  </p:timing>
+</p:sld>
+</file>
+
+<file path=ppt/slides/slide7.xml><?xml version="1.0" encoding="utf-8"?>
+<p:sld xmlns:a="http://schemas.openxmlformats.org/drawingml/2006/main" xmlns:r="http://schemas.openxmlformats.org/officeDocument/2006/relationships" xmlns:p="http://schemas.openxmlformats.org/presentationml/2006/main">
+  <p:cSld>
+    <p:spTree>
+      <p:nvGrpSpPr>
+        <p:cNvPr id="1" name=""/>
+        <p:cNvGrpSpPr/>
+        <p:nvPr/>
+      </p:nvGrpSpPr>
+      <p:grpSpPr>
+        <a:xfrm>
+          <a:off x="0" y="0"/>
+          <a:ext cx="0" cy="0"/>
+          <a:chOff x="0" y="0"/>
+          <a:chExt cx="0" cy="0"/>
+        </a:xfrm>
+      </p:grpSpPr>
+      <p:sp>
+        <p:nvSpPr>
+          <p:cNvPr id="126" name="CustomShape 1"/>
+          <p:cNvSpPr/>
+          <p:nvPr/>
+        </p:nvSpPr>
+        <p:spPr>
+          <a:xfrm>
+            <a:off x="457200" y="274680"/>
+            <a:ext cx="8228880" cy="1142280"/>
+          </a:xfrm>
+          <a:prstGeom prst="rect">
+            <a:avLst/>
+          </a:prstGeom>
+          <a:noFill/>
+          <a:ln>
+            <a:noFill/>
+          </a:ln>
+        </p:spPr>
+        <p:style>
+          <a:lnRef idx="0">
+            <a:scrgbClr r="0" g="0" b="0"/>
+          </a:lnRef>
+          <a:fillRef idx="0">
+            <a:scrgbClr r="0" g="0" b="0"/>
+          </a:fillRef>
+          <a:effectRef idx="0">
+            <a:scrgbClr r="0" g="0" b="0"/>
+          </a:effectRef>
+          <a:fontRef idx="minor"/>
+        </p:style>
+      </p:sp>
+      <p:pic>
+        <p:nvPicPr>
+          <p:cNvPr id="127" name="Picture 2"/>
+          <p:cNvPicPr/>
+          <p:nvPr/>
+        </p:nvPicPr>
+        <p:blipFill>
+          <a:blip r:embed="rId2"/>
+          <a:stretch/>
+        </p:blipFill>
+        <p:spPr>
+          <a:xfrm>
+            <a:off x="251640" y="620640"/>
+            <a:ext cx="8632080" cy="4968360"/>
+          </a:xfrm>
+          <a:prstGeom prst="rect">
+            <a:avLst/>
+          </a:prstGeom>
+          <a:ln>
+            <a:noFill/>
+          </a:ln>
+        </p:spPr>
+      </p:pic>
+      <p:sp>
+        <p:nvSpPr>
+          <p:cNvPr id="128" name="CustomShape 2"/>
+          <p:cNvSpPr/>
+          <p:nvPr/>
+        </p:nvSpPr>
+        <p:spPr>
+          <a:xfrm>
+            <a:off x="4543920" y="2205000"/>
+            <a:ext cx="2448000" cy="639000"/>
+          </a:xfrm>
+          <a:prstGeom prst="rect">
+            <a:avLst/>
+          </a:prstGeom>
+          <a:noFill/>
+          <a:ln>
+            <a:noFill/>
+          </a:ln>
+        </p:spPr>
+        <p:style>
+          <a:lnRef idx="0">
+            <a:scrgbClr r="0" g="0" b="0"/>
+          </a:lnRef>
+          <a:fillRef idx="0">
+            <a:scrgbClr r="0" g="0" b="0"/>
+          </a:fillRef>
+          <a:effectRef idx="0">
+            <a:scrgbClr r="0" g="0" b="0"/>
+          </a:effectRef>
+          <a:fontRef idx="minor"/>
+        </p:style>
+        <p:txBody>
+          <a:bodyPr lIns="90000" tIns="45000" rIns="90000" bIns="45000"/>
+          <a:lstStyle/>
+          <a:p>
+            <a:pPr>
+              <a:lnSpc>
+                <a:spcPct val="100000"/>
+              </a:lnSpc>
+            </a:pPr>
+            <a:r>
+              <a:rPr lang="en-US" sz="1800" b="0" strike="noStrike" spc="-1">
+                <a:solidFill>
+                  <a:srgbClr val="000000"/>
+                </a:solidFill>
+                <a:latin typeface="Arial"/>
+                <a:ea typeface="DejaVu Sans"/>
+              </a:rPr>
+              <a:t>Size指向的是第一个没有元素的位置</a:t>
+            </a:r>
+            <a:endParaRPr lang="en-US" sz="1800" b="0" strike="noStrike" spc="-1">
+              <a:latin typeface="Arial"/>
+            </a:endParaRPr>
+          </a:p>
+        </p:txBody>
+      </p:sp>
+    </p:spTree>
+  </p:cSld>
+  <p:clrMapOvr>
+    <a:masterClrMapping/>
+  </p:clrMapOvr>
+  <p:timing>
+    <p:tnLst>
+      <p:par>
+        <p:cTn id="1" dur="indefinite" restart="never" nodeType="tmRoot">
+          <p:childTnLst>
+            <p:seq>
+              <p:cTn id="2" dur="indefinite" nodeType="mainSeq"/>
+              <p:prevCondLst>
+                <p:cond evt="onPrev" delay="0">
+                  <p:tgtEl>
+                    <p:sldTgt/>
+                  </p:tgtEl>
+                </p:cond>
+              </p:prevCondLst>
+              <p:nextCondLst>
+                <p:cond evt="onNext" delay="0">
+                  <p:tgtEl>
+                    <p:sldTgt/>
+                  </p:tgtEl>
+                </p:cond>
+              </p:nextCondLst>
+            </p:seq>
+          </p:childTnLst>
+        </p:cTn>
+      </p:par>
+    </p:tnLst>
+  </p:timing>
+</p:sld>
+</file>
+
+<file path=ppt/slides/slide8.xml><?xml version="1.0" encoding="utf-8"?>
+<p:sld xmlns:a="http://schemas.openxmlformats.org/drawingml/2006/main" xmlns:r="http://schemas.openxmlformats.org/officeDocument/2006/relationships" xmlns:p="http://schemas.openxmlformats.org/presentationml/2006/main">
   <p:cSld>
     <p:spTree>
       <p:nvGrpSpPr>
@@ -8007,18 +8382,19 @@
       </p:grpSpPr>
       <p:pic>
         <p:nvPicPr>
-          <p:cNvPr id="132" name="Picture 2" descr=""/>
+          <p:cNvPr id="129" name="Picture 2"/>
           <p:cNvPicPr/>
           <p:nvPr/>
         </p:nvPicPr>
         <p:blipFill>
-          <a:blip r:embed="rId1"/>
+          <a:blip r:embed="rId2"/>
+          <a:srcRect l="15504" r="5997"/>
           <a:stretch/>
         </p:blipFill>
         <p:spPr>
           <a:xfrm>
-            <a:off x="323640" y="404640"/>
-            <a:ext cx="4362120" cy="2342880"/>
+            <a:off x="539640" y="260640"/>
+            <a:ext cx="8471160" cy="5832360"/>
           </a:xfrm>
           <a:prstGeom prst="rect">
             <a:avLst/>
@@ -8030,14 +8406,70 @@
       </p:pic>
       <p:sp>
         <p:nvSpPr>
-          <p:cNvPr id="133" name="CustomShape 1"/>
+          <p:cNvPr id="130" name="CustomShape 1"/>
           <p:cNvSpPr/>
           <p:nvPr/>
         </p:nvSpPr>
         <p:spPr>
           <a:xfrm>
-            <a:off x="1259640" y="1340640"/>
-            <a:ext cx="3240000" cy="935640"/>
+            <a:off x="323640" y="231120"/>
+            <a:ext cx="6624360" cy="364680"/>
+          </a:xfrm>
+          <a:prstGeom prst="rect">
+            <a:avLst/>
+          </a:prstGeom>
+          <a:noFill/>
+          <a:ln>
+            <a:noFill/>
+          </a:ln>
+        </p:spPr>
+        <p:style>
+          <a:lnRef idx="0">
+            <a:scrgbClr r="0" g="0" b="0"/>
+          </a:lnRef>
+          <a:fillRef idx="0">
+            <a:scrgbClr r="0" g="0" b="0"/>
+          </a:fillRef>
+          <a:effectRef idx="0">
+            <a:scrgbClr r="0" g="0" b="0"/>
+          </a:effectRef>
+          <a:fontRef idx="minor"/>
+        </p:style>
+        <p:txBody>
+          <a:bodyPr lIns="90000" tIns="45000" rIns="90000" bIns="45000"/>
+          <a:lstStyle/>
+          <a:p>
+            <a:pPr>
+              <a:lnSpc>
+                <a:spcPct val="100000"/>
+              </a:lnSpc>
+            </a:pPr>
+            <a:r>
+              <a:rPr lang="en-US" sz="1800" b="0" strike="noStrike" spc="-1">
+                <a:solidFill>
+                  <a:srgbClr val="000000"/>
+                </a:solidFill>
+                <a:latin typeface="Arial"/>
+                <a:ea typeface="DejaVu Sans"/>
+              </a:rPr>
+              <a:t>只能是类对象，基本类型可以和包装类无缝转换</a:t>
+            </a:r>
+            <a:endParaRPr lang="en-US" sz="1800" b="0" strike="noStrike" spc="-1">
+              <a:latin typeface="Arial"/>
+            </a:endParaRPr>
+          </a:p>
+        </p:txBody>
+      </p:sp>
+      <p:sp>
+        <p:nvSpPr>
+          <p:cNvPr id="131" name="CustomShape 2"/>
+          <p:cNvSpPr/>
+          <p:nvPr/>
+        </p:nvSpPr>
+        <p:spPr>
+          <a:xfrm>
+            <a:off x="1123560" y="2997000"/>
+            <a:ext cx="5328360" cy="719640"/>
           </a:xfrm>
           <a:prstGeom prst="rect">
             <a:avLst/>
@@ -8045,7 +8477,7 @@
           <a:noFill/>
           <a:ln w="12600">
             <a:solidFill>
-              <a:srgbClr val="ff0000"/>
+              <a:srgbClr val="FF0000"/>
             </a:solidFill>
             <a:round/>
           </a:ln>
@@ -8065,9 +8497,61 @@
           <a:fontRef idx="minor"/>
         </p:style>
       </p:sp>
+    </p:spTree>
+  </p:cSld>
+  <p:clrMapOvr>
+    <a:masterClrMapping/>
+  </p:clrMapOvr>
+  <p:timing>
+    <p:tnLst>
+      <p:par>
+        <p:cTn id="1" dur="indefinite" restart="never" nodeType="tmRoot">
+          <p:childTnLst>
+            <p:seq>
+              <p:cTn id="2" dur="indefinite" nodeType="mainSeq"/>
+              <p:prevCondLst>
+                <p:cond evt="onPrev" delay="0">
+                  <p:tgtEl>
+                    <p:sldTgt/>
+                  </p:tgtEl>
+                </p:cond>
+              </p:prevCondLst>
+              <p:nextCondLst>
+                <p:cond evt="onNext" delay="0">
+                  <p:tgtEl>
+                    <p:sldTgt/>
+                  </p:tgtEl>
+                </p:cond>
+              </p:nextCondLst>
+            </p:seq>
+          </p:childTnLst>
+        </p:cTn>
+      </p:par>
+    </p:tnLst>
+  </p:timing>
+</p:sld>
+</file>
+
+<file path=ppt/slides/slide9.xml><?xml version="1.0" encoding="utf-8"?>
+<p:sld xmlns:a="http://schemas.openxmlformats.org/drawingml/2006/main" xmlns:r="http://schemas.openxmlformats.org/officeDocument/2006/relationships" xmlns:p="http://schemas.openxmlformats.org/presentationml/2006/main">
+  <p:cSld>
+    <p:spTree>
+      <p:nvGrpSpPr>
+        <p:cNvPr id="1" name=""/>
+        <p:cNvGrpSpPr/>
+        <p:nvPr/>
+      </p:nvGrpSpPr>
+      <p:grpSpPr>
+        <a:xfrm>
+          <a:off x="0" y="0"/>
+          <a:ext cx="0" cy="0"/>
+          <a:chOff x="0" y="0"/>
+          <a:chExt cx="0" cy="0"/>
+        </a:xfrm>
+      </p:grpSpPr>
       <p:pic>
         <p:nvPicPr>
-          <p:cNvPr id="134" name="Picture 3" descr=""/>
+          <p:cNvPr id="132" name="Picture 2"/>
           <p:cNvPicPr/>
           <p:nvPr/>
         </p:nvPicPr>
@@ -8077,6 +8561,66 @@
         </p:blipFill>
         <p:spPr>
           <a:xfrm>
+            <a:off x="323640" y="404640"/>
+            <a:ext cx="4362120" cy="2342880"/>
+          </a:xfrm>
+          <a:prstGeom prst="rect">
+            <a:avLst/>
+          </a:prstGeom>
+          <a:ln>
+            <a:noFill/>
+          </a:ln>
+        </p:spPr>
+      </p:pic>
+      <p:sp>
+        <p:nvSpPr>
+          <p:cNvPr id="133" name="CustomShape 1"/>
+          <p:cNvSpPr/>
+          <p:nvPr/>
+        </p:nvSpPr>
+        <p:spPr>
+          <a:xfrm>
+            <a:off x="1259640" y="1340640"/>
+            <a:ext cx="3240000" cy="935640"/>
+          </a:xfrm>
+          <a:prstGeom prst="rect">
+            <a:avLst/>
+          </a:prstGeom>
+          <a:noFill/>
+          <a:ln w="12600">
+            <a:solidFill>
+              <a:srgbClr val="FF0000"/>
+            </a:solidFill>
+            <a:round/>
+          </a:ln>
+        </p:spPr>
+        <p:style>
+          <a:lnRef idx="2">
+            <a:schemeClr val="accent1">
+              <a:shade val="50000"/>
+            </a:schemeClr>
+          </a:lnRef>
+          <a:fillRef idx="1">
+            <a:schemeClr val="accent1"/>
+          </a:fillRef>
+          <a:effectRef idx="0">
+            <a:schemeClr val="accent1"/>
+          </a:effectRef>
+          <a:fontRef idx="minor"/>
+        </p:style>
+      </p:sp>
+      <p:pic>
+        <p:nvPicPr>
+          <p:cNvPr id="134" name="Picture 3"/>
+          <p:cNvPicPr/>
+          <p:nvPr/>
+        </p:nvPicPr>
+        <p:blipFill>
+          <a:blip r:embed="rId3"/>
+          <a:stretch/>
+        </p:blipFill>
+        <p:spPr>
+          <a:xfrm>
             <a:off x="395640" y="2997000"/>
             <a:ext cx="5702760" cy="2376000"/>
           </a:xfrm>
@@ -8108,13 +8652,20 @@
           </a:ln>
         </p:spPr>
         <p:style>
-          <a:lnRef idx="0"/>
-          <a:fillRef idx="0"/>
-          <a:effectRef idx="0"/>
+          <a:lnRef idx="0">
+            <a:scrgbClr r="0" g="0" b="0"/>
+          </a:lnRef>
+          <a:fillRef idx="0">
+            <a:scrgbClr r="0" g="0" b="0"/>
+          </a:fillRef>
+          <a:effectRef idx="0">
+            <a:scrgbClr r="0" g="0" b="0"/>
+          </a:effectRef>
           <a:fontRef idx="minor"/>
         </p:style>
         <p:txBody>
-          <a:bodyPr lIns="90000" rIns="90000" tIns="45000" bIns="45000"/>
+          <a:bodyPr lIns="90000" tIns="45000" rIns="90000" bIns="45000"/>
+          <a:lstStyle/>
           <a:p>
             <a:pPr>
               <a:lnSpc>
@@ -8122,21 +8673,21 @@
               </a:lnSpc>
             </a:pPr>
             <a:r>
-              <a:rPr b="0" lang="en-US" sz="1800" spc="-1" strike="noStrike" u="sng">
+              <a:rPr lang="en-US" sz="1800" b="0" u="sng" strike="noStrike" spc="-1">
                 <a:solidFill>
-                  <a:srgbClr val="0000ff"/>
+                  <a:srgbClr val="0000FF"/>
                 </a:solidFill>
                 <a:uFillTx/>
                 <a:latin typeface="Arial"/>
                 <a:ea typeface="DejaVu Sans"/>
-                <a:hlinkClick r:id="rId3"/>
+                <a:hlinkClick r:id="rId4"/>
               </a:rPr>
               <a:t>具体可以参照：</a:t>
             </a:r>
             <a:r>
-              <a:rPr b="0" lang="en-US" sz="1800" spc="-1" strike="noStrike" u="sng">
+              <a:rPr lang="en-US" sz="1800" b="0" u="sng" strike="noStrike" spc="-1">
                 <a:solidFill>
-                  <a:srgbClr val="0000ff"/>
+                  <a:srgbClr val="0000FF"/>
                 </a:solidFill>
                 <a:uFillTx/>
                 <a:latin typeface="Arial"/>
@@ -8145,7 +8696,7 @@
               </a:rPr>
               <a:t>https://www.cnblogs.com/dolphin0520/p/3592500.html</a:t>
             </a:r>
-            <a:endParaRPr b="0" lang="en-US" sz="1800" spc="-1" strike="noStrike">
+            <a:endParaRPr lang="en-US" sz="1800" b="0" strike="noStrike" spc="-1">
               <a:latin typeface="Arial"/>
             </a:endParaRPr>
           </a:p>
@@ -8153,22 +8704,25 @@
       </p:sp>
     </p:spTree>
   </p:cSld>
+  <p:clrMapOvr>
+    <a:masterClrMapping/>
+  </p:clrMapOvr>
   <p:timing>
     <p:tnLst>
       <p:par>
-        <p:cTn id="17" dur="indefinite" restart="never" nodeType="tmRoot">
+        <p:cTn id="1" dur="indefinite" restart="never" nodeType="tmRoot">
           <p:childTnLst>
             <p:seq>
-              <p:cTn id="18" dur="indefinite" nodeType="mainSeq"/>
+              <p:cTn id="2" dur="indefinite" nodeType="mainSeq"/>
               <p:prevCondLst>
-                <p:cond delay="0" evt="onPrev">
+                <p:cond evt="onPrev" delay="0">
                   <p:tgtEl>
                     <p:sldTgt/>
                   </p:tgtEl>
                 </p:cond>
               </p:prevCondLst>
               <p:nextCondLst>
-                <p:cond delay="0" evt="onNext">
+                <p:cond evt="onNext" delay="0">
                   <p:tgtEl>
                     <p:sldTgt/>
                   </p:tgtEl>
@@ -8194,31 +8748,31 @@
         <a:sysClr val="window" lastClr="FFFFFF"/>
       </a:lt1>
       <a:dk2>
-        <a:srgbClr val="1f497d"/>
+        <a:srgbClr val="1F497D"/>
       </a:dk2>
       <a:lt2>
-        <a:srgbClr val="eeece1"/>
+        <a:srgbClr val="EEECE1"/>
       </a:lt2>
       <a:accent1>
-        <a:srgbClr val="4f81bd"/>
+        <a:srgbClr val="4F81BD"/>
       </a:accent1>
       <a:accent2>
-        <a:srgbClr val="c0504d"/>
+        <a:srgbClr val="C0504D"/>
       </a:accent2>
       <a:accent3>
-        <a:srgbClr val="9bbb59"/>
+        <a:srgbClr val="9BBB59"/>
       </a:accent3>
       <a:accent4>
-        <a:srgbClr val="8064a2"/>
+        <a:srgbClr val="8064A2"/>
       </a:accent4>
       <a:accent5>
-        <a:srgbClr val="4bacc6"/>
+        <a:srgbClr val="4BACC6"/>
       </a:accent5>
       <a:accent6>
-        <a:srgbClr val="f79646"/>
+        <a:srgbClr val="F79646"/>
       </a:accent6>
       <a:hlink>
-        <a:srgbClr val="0000ff"/>
+        <a:srgbClr val="0000FF"/>
       </a:hlink>
       <a:folHlink>
         <a:srgbClr val="800080"/>
@@ -8403,6 +8957,8 @@
       </a:bgFillStyleLst>
     </a:fmtScheme>
   </a:themeElements>
+  <a:objectDefaults/>
+  <a:extraClrSchemeLst/>
 </a:theme>
 </file>
 
@@ -8417,31 +8973,31 @@
         <a:sysClr val="window" lastClr="FFFFFF"/>
       </a:lt1>
       <a:dk2>
-        <a:srgbClr val="1f497d"/>
+        <a:srgbClr val="1F497D"/>
       </a:dk2>
       <a:lt2>
-        <a:srgbClr val="eeece1"/>
+        <a:srgbClr val="EEECE1"/>
       </a:lt2>
       <a:accent1>
-        <a:srgbClr val="4f81bd"/>
+        <a:srgbClr val="4F81BD"/>
       </a:accent1>
       <a:accent2>
-        <a:srgbClr val="c0504d"/>
+        <a:srgbClr val="C0504D"/>
       </a:accent2>
       <a:accent3>
-        <a:srgbClr val="9bbb59"/>
+        <a:srgbClr val="9BBB59"/>
       </a:accent3>
       <a:accent4>
-        <a:srgbClr val="8064a2"/>
+        <a:srgbClr val="8064A2"/>
       </a:accent4>
       <a:accent5>
-        <a:srgbClr val="4bacc6"/>
+        <a:srgbClr val="4BACC6"/>
       </a:accent5>
       <a:accent6>
-        <a:srgbClr val="f79646"/>
+        <a:srgbClr val="F79646"/>
       </a:accent6>
       <a:hlink>
-        <a:srgbClr val="0000ff"/>
+        <a:srgbClr val="0000FF"/>
       </a:hlink>
       <a:folHlink>
         <a:srgbClr val="800080"/>
@@ -8626,6 +9182,8 @@
       </a:bgFillStyleLst>
     </a:fmtScheme>
   </a:themeElements>
+  <a:objectDefaults/>
+  <a:extraClrSchemeLst/>
 </a:theme>
 </file>
 
@@ -8640,31 +9198,31 @@
         <a:sysClr val="window" lastClr="FFFFFF"/>
       </a:lt1>
       <a:dk2>
-        <a:srgbClr val="1f497d"/>
+        <a:srgbClr val="1F497D"/>
       </a:dk2>
       <a:lt2>
-        <a:srgbClr val="eeece1"/>
+        <a:srgbClr val="EEECE1"/>
       </a:lt2>
       <a:accent1>
-        <a:srgbClr val="4f81bd"/>
+        <a:srgbClr val="4F81BD"/>
       </a:accent1>
       <a:accent2>
-        <a:srgbClr val="c0504d"/>
+        <a:srgbClr val="C0504D"/>
       </a:accent2>
       <a:accent3>
-        <a:srgbClr val="9bbb59"/>
+        <a:srgbClr val="9BBB59"/>
       </a:accent3>
       <a:accent4>
-        <a:srgbClr val="8064a2"/>
+        <a:srgbClr val="8064A2"/>
       </a:accent4>
       <a:accent5>
-        <a:srgbClr val="4bacc6"/>
+        <a:srgbClr val="4BACC6"/>
       </a:accent5>
       <a:accent6>
-        <a:srgbClr val="f79646"/>
+        <a:srgbClr val="F79646"/>
       </a:accent6>
       <a:hlink>
-        <a:srgbClr val="0000ff"/>
+        <a:srgbClr val="0000FF"/>
       </a:hlink>
       <a:folHlink>
         <a:srgbClr val="800080"/>
@@ -8849,5 +9407,7 @@
       </a:bgFillStyleLst>
     </a:fmtScheme>
   </a:themeElements>
+  <a:objectDefaults/>
+  <a:extraClrSchemeLst/>
 </a:theme>
 </file>
--- a/resources/datastruc_algorithm.pptx
+++ b/resources/datastruc_algorithm.pptx
@@ -31,6 +31,10 @@
     <p:sldId id="277" r:id="rId25"/>
     <p:sldId id="278" r:id="rId26"/>
     <p:sldId id="279" r:id="rId27"/>
+    <p:sldId id="280" r:id="rId28"/>
+    <p:sldId id="281" r:id="rId29"/>
+    <p:sldId id="282" r:id="rId30"/>
+    <p:sldId id="283" r:id="rId31"/>
   </p:sldIdLst>
   <p:sldSz cx="9144000" cy="6858000" type="screen4x3"/>
   <p:notesSz cx="7772400" cy="10058400"/>
@@ -7780,6 +7784,558 @@
 </p:sld>
 </file>
 
+<file path=ppt/slides/slide25.xml><?xml version="1.0" encoding="utf-8"?>
+<p:sld xmlns:a="http://schemas.openxmlformats.org/drawingml/2006/main" xmlns:r="http://schemas.openxmlformats.org/officeDocument/2006/relationships" xmlns:p="http://schemas.openxmlformats.org/presentationml/2006/main">
+  <p:cSld>
+    <p:spTree>
+      <p:nvGrpSpPr>
+        <p:cNvPr id="1" name=""/>
+        <p:cNvGrpSpPr/>
+        <p:nvPr/>
+      </p:nvGrpSpPr>
+      <p:grpSpPr>
+        <a:xfrm>
+          <a:off x="0" y="0"/>
+          <a:ext cx="0" cy="0"/>
+          <a:chOff x="0" y="0"/>
+          <a:chExt cx="0" cy="0"/>
+        </a:xfrm>
+      </p:grpSpPr>
+      <p:sp>
+        <p:nvSpPr>
+          <p:cNvPr id="2" name="标题 1"/>
+          <p:cNvSpPr>
+            <a:spLocks noGrp="1"/>
+          </p:cNvSpPr>
+          <p:nvPr>
+            <p:ph type="title"/>
+          </p:nvPr>
+        </p:nvSpPr>
+        <p:spPr>
+          <a:xfrm>
+            <a:off x="457200" y="274680"/>
+            <a:ext cx="8228880" cy="706048"/>
+          </a:xfrm>
+        </p:spPr>
+        <p:txBody>
+          <a:bodyPr/>
+          <a:lstStyle/>
+          <a:p>
+            <a:r>
+              <a:rPr lang="zh-CN" altLang="en-US" dirty="0" smtClean="0"/>
+              <a:t>队列是先进先出的数据结构 </a:t>
+            </a:r>
+            <a:r>
+              <a:rPr lang="en-US" altLang="zh-CN" dirty="0" smtClean="0"/>
+              <a:t>First In First Out (FIFO)</a:t>
+            </a:r>
+            <a:endParaRPr lang="zh-CN" altLang="en-US" dirty="0"/>
+          </a:p>
+        </p:txBody>
+      </p:sp>
+      <p:pic>
+        <p:nvPicPr>
+          <p:cNvPr id="1026" name="Picture 2"/>
+          <p:cNvPicPr>
+            <a:picLocks noChangeAspect="1" noChangeArrowheads="1"/>
+          </p:cNvPicPr>
+          <p:nvPr/>
+        </p:nvPicPr>
+        <p:blipFill>
+          <a:blip r:embed="rId2">
+            <a:extLst>
+              <a:ext uri="{28A0092B-C50C-407E-A947-70E740481C1C}">
+                <a14:useLocalDpi xmlns:a14="http://schemas.microsoft.com/office/drawing/2010/main" val="0"/>
+              </a:ext>
+            </a:extLst>
+          </a:blip>
+          <a:srcRect/>
+          <a:stretch>
+            <a:fillRect/>
+          </a:stretch>
+        </p:blipFill>
+        <p:spPr bwMode="auto">
+          <a:xfrm>
+            <a:off x="423863" y="1176338"/>
+            <a:ext cx="8296275" cy="4505325"/>
+          </a:xfrm>
+          <a:prstGeom prst="rect">
+            <a:avLst/>
+          </a:prstGeom>
+          <a:noFill/>
+          <a:ln>
+            <a:noFill/>
+          </a:ln>
+          <a:extLst>
+            <a:ext uri="{909E8E84-426E-40DD-AFC4-6F175D3DCCD1}">
+              <a14:hiddenFill xmlns:a14="http://schemas.microsoft.com/office/drawing/2010/main">
+                <a:solidFill>
+                  <a:schemeClr val="accent1"/>
+                </a:solidFill>
+              </a14:hiddenFill>
+            </a:ext>
+            <a:ext uri="{91240B29-F687-4F45-9708-019B960494DF}">
+              <a14:hiddenLine xmlns:a14="http://schemas.microsoft.com/office/drawing/2010/main" w="9525">
+                <a:solidFill>
+                  <a:schemeClr val="tx1"/>
+                </a:solidFill>
+                <a:miter lim="800000"/>
+                <a:headEnd/>
+                <a:tailEnd/>
+              </a14:hiddenLine>
+            </a:ext>
+          </a:extLst>
+        </p:spPr>
+      </p:pic>
+    </p:spTree>
+    <p:extLst>
+      <p:ext uri="{BB962C8B-B14F-4D97-AF65-F5344CB8AC3E}">
+        <p14:creationId xmlns:p14="http://schemas.microsoft.com/office/powerpoint/2010/main" val="4170290563"/>
+      </p:ext>
+    </p:extLst>
+  </p:cSld>
+  <p:clrMapOvr>
+    <a:masterClrMapping/>
+  </p:clrMapOvr>
+</p:sld>
+</file>
+
+<file path=ppt/slides/slide26.xml><?xml version="1.0" encoding="utf-8"?>
+<p:sld xmlns:a="http://schemas.openxmlformats.org/drawingml/2006/main" xmlns:r="http://schemas.openxmlformats.org/officeDocument/2006/relationships" xmlns:p="http://schemas.openxmlformats.org/presentationml/2006/main">
+  <p:cSld>
+    <p:spTree>
+      <p:nvGrpSpPr>
+        <p:cNvPr id="1" name=""/>
+        <p:cNvGrpSpPr/>
+        <p:nvPr/>
+      </p:nvGrpSpPr>
+      <p:grpSpPr>
+        <a:xfrm>
+          <a:off x="0" y="0"/>
+          <a:ext cx="0" cy="0"/>
+          <a:chOff x="0" y="0"/>
+          <a:chExt cx="0" cy="0"/>
+        </a:xfrm>
+      </p:grpSpPr>
+      <p:sp>
+        <p:nvSpPr>
+          <p:cNvPr id="2" name="标题 1"/>
+          <p:cNvSpPr>
+            <a:spLocks noGrp="1"/>
+          </p:cNvSpPr>
+          <p:nvPr>
+            <p:ph type="title"/>
+          </p:nvPr>
+        </p:nvSpPr>
+        <p:spPr>
+          <a:xfrm>
+            <a:off x="457200" y="274680"/>
+            <a:ext cx="8291264" cy="490024"/>
+          </a:xfrm>
+        </p:spPr>
+        <p:txBody>
+          <a:bodyPr/>
+          <a:lstStyle/>
+          <a:p>
+            <a:endParaRPr lang="zh-CN" altLang="en-US" dirty="0"/>
+          </a:p>
+        </p:txBody>
+      </p:sp>
+      <p:pic>
+        <p:nvPicPr>
+          <p:cNvPr id="2050" name="Picture 2"/>
+          <p:cNvPicPr>
+            <a:picLocks noChangeAspect="1" noChangeArrowheads="1"/>
+          </p:cNvPicPr>
+          <p:nvPr/>
+        </p:nvPicPr>
+        <p:blipFill>
+          <a:blip r:embed="rId2">
+            <a:extLst>
+              <a:ext uri="{28A0092B-C50C-407E-A947-70E740481C1C}">
+                <a14:useLocalDpi xmlns:a14="http://schemas.microsoft.com/office/drawing/2010/main" val="0"/>
+              </a:ext>
+            </a:extLst>
+          </a:blip>
+          <a:srcRect/>
+          <a:stretch>
+            <a:fillRect/>
+          </a:stretch>
+        </p:blipFill>
+        <p:spPr bwMode="auto">
+          <a:xfrm>
+            <a:off x="539552" y="833438"/>
+            <a:ext cx="8281580" cy="5475882"/>
+          </a:xfrm>
+          <a:prstGeom prst="rect">
+            <a:avLst/>
+          </a:prstGeom>
+          <a:noFill/>
+          <a:ln>
+            <a:noFill/>
+          </a:ln>
+          <a:extLst>
+            <a:ext uri="{909E8E84-426E-40DD-AFC4-6F175D3DCCD1}">
+              <a14:hiddenFill xmlns:a14="http://schemas.microsoft.com/office/drawing/2010/main">
+                <a:solidFill>
+                  <a:schemeClr val="accent1"/>
+                </a:solidFill>
+              </a14:hiddenFill>
+            </a:ext>
+            <a:ext uri="{91240B29-F687-4F45-9708-019B960494DF}">
+              <a14:hiddenLine xmlns:a14="http://schemas.microsoft.com/office/drawing/2010/main" w="9525">
+                <a:solidFill>
+                  <a:schemeClr val="tx1"/>
+                </a:solidFill>
+                <a:miter lim="800000"/>
+                <a:headEnd/>
+                <a:tailEnd/>
+              </a14:hiddenLine>
+            </a:ext>
+          </a:extLst>
+        </p:spPr>
+      </p:pic>
+    </p:spTree>
+    <p:extLst>
+      <p:ext uri="{BB962C8B-B14F-4D97-AF65-F5344CB8AC3E}">
+        <p14:creationId xmlns:p14="http://schemas.microsoft.com/office/powerpoint/2010/main" val="3192885802"/>
+      </p:ext>
+    </p:extLst>
+  </p:cSld>
+  <p:clrMapOvr>
+    <a:masterClrMapping/>
+  </p:clrMapOvr>
+</p:sld>
+</file>
+
+<file path=ppt/slides/slide27.xml><?xml version="1.0" encoding="utf-8"?>
+<p:sld xmlns:a="http://schemas.openxmlformats.org/drawingml/2006/main" xmlns:r="http://schemas.openxmlformats.org/officeDocument/2006/relationships" xmlns:p="http://schemas.openxmlformats.org/presentationml/2006/main">
+  <p:cSld>
+    <p:spTree>
+      <p:nvGrpSpPr>
+        <p:cNvPr id="1" name=""/>
+        <p:cNvGrpSpPr/>
+        <p:nvPr/>
+      </p:nvGrpSpPr>
+      <p:grpSpPr>
+        <a:xfrm>
+          <a:off x="0" y="0"/>
+          <a:ext cx="0" cy="0"/>
+          <a:chOff x="0" y="0"/>
+          <a:chExt cx="0" cy="0"/>
+        </a:xfrm>
+      </p:grpSpPr>
+      <p:pic>
+        <p:nvPicPr>
+          <p:cNvPr id="3074" name="Picture 2"/>
+          <p:cNvPicPr>
+            <a:picLocks noChangeAspect="1" noChangeArrowheads="1"/>
+          </p:cNvPicPr>
+          <p:nvPr/>
+        </p:nvPicPr>
+        <p:blipFill>
+          <a:blip r:embed="rId2">
+            <a:extLst>
+              <a:ext uri="{28A0092B-C50C-407E-A947-70E740481C1C}">
+                <a14:useLocalDpi xmlns:a14="http://schemas.microsoft.com/office/drawing/2010/main" val="0"/>
+              </a:ext>
+            </a:extLst>
+          </a:blip>
+          <a:srcRect/>
+          <a:stretch>
+            <a:fillRect/>
+          </a:stretch>
+        </p:blipFill>
+        <p:spPr bwMode="auto">
+          <a:xfrm>
+            <a:off x="1475656" y="692696"/>
+            <a:ext cx="5943600" cy="5095875"/>
+          </a:xfrm>
+          <a:prstGeom prst="rect">
+            <a:avLst/>
+          </a:prstGeom>
+          <a:noFill/>
+          <a:ln>
+            <a:noFill/>
+          </a:ln>
+          <a:extLst>
+            <a:ext uri="{909E8E84-426E-40DD-AFC4-6F175D3DCCD1}">
+              <a14:hiddenFill xmlns:a14="http://schemas.microsoft.com/office/drawing/2010/main">
+                <a:solidFill>
+                  <a:schemeClr val="accent1"/>
+                </a:solidFill>
+              </a14:hiddenFill>
+            </a:ext>
+            <a:ext uri="{91240B29-F687-4F45-9708-019B960494DF}">
+              <a14:hiddenLine xmlns:a14="http://schemas.microsoft.com/office/drawing/2010/main" w="9525">
+                <a:solidFill>
+                  <a:schemeClr val="tx1"/>
+                </a:solidFill>
+                <a:miter lim="800000"/>
+                <a:headEnd/>
+                <a:tailEnd/>
+              </a14:hiddenLine>
+            </a:ext>
+          </a:extLst>
+        </p:spPr>
+      </p:pic>
+    </p:spTree>
+    <p:extLst>
+      <p:ext uri="{BB962C8B-B14F-4D97-AF65-F5344CB8AC3E}">
+        <p14:creationId xmlns:p14="http://schemas.microsoft.com/office/powerpoint/2010/main" val="701863173"/>
+      </p:ext>
+    </p:extLst>
+  </p:cSld>
+  <p:clrMapOvr>
+    <a:masterClrMapping/>
+  </p:clrMapOvr>
+</p:sld>
+</file>
+
+<file path=ppt/slides/slide28.xml><?xml version="1.0" encoding="utf-8"?>
+<p:sld xmlns:a="http://schemas.openxmlformats.org/drawingml/2006/main" xmlns:r="http://schemas.openxmlformats.org/officeDocument/2006/relationships" xmlns:p="http://schemas.openxmlformats.org/presentationml/2006/main">
+  <p:cSld>
+    <p:spTree>
+      <p:nvGrpSpPr>
+        <p:cNvPr id="1" name=""/>
+        <p:cNvGrpSpPr/>
+        <p:nvPr/>
+      </p:nvGrpSpPr>
+      <p:grpSpPr>
+        <a:xfrm>
+          <a:off x="0" y="0"/>
+          <a:ext cx="0" cy="0"/>
+          <a:chOff x="0" y="0"/>
+          <a:chExt cx="0" cy="0"/>
+        </a:xfrm>
+      </p:grpSpPr>
+      <p:pic>
+        <p:nvPicPr>
+          <p:cNvPr id="4101" name="Picture 5"/>
+          <p:cNvPicPr>
+            <a:picLocks noChangeAspect="1" noChangeArrowheads="1"/>
+          </p:cNvPicPr>
+          <p:nvPr/>
+        </p:nvPicPr>
+        <p:blipFill>
+          <a:blip r:embed="rId2">
+            <a:extLst>
+              <a:ext uri="{28A0092B-C50C-407E-A947-70E740481C1C}">
+                <a14:useLocalDpi xmlns:a14="http://schemas.microsoft.com/office/drawing/2010/main" val="0"/>
+              </a:ext>
+            </a:extLst>
+          </a:blip>
+          <a:srcRect/>
+          <a:stretch>
+            <a:fillRect/>
+          </a:stretch>
+        </p:blipFill>
+        <p:spPr bwMode="auto">
+          <a:xfrm>
+            <a:off x="4426302" y="925987"/>
+            <a:ext cx="4626920" cy="2979415"/>
+          </a:xfrm>
+          <a:prstGeom prst="rect">
+            <a:avLst/>
+          </a:prstGeom>
+          <a:noFill/>
+          <a:ln w="9525">
+            <a:solidFill>
+              <a:schemeClr val="tx1"/>
+            </a:solidFill>
+            <a:miter lim="800000"/>
+            <a:headEnd/>
+            <a:tailEnd/>
+          </a:ln>
+          <a:extLst>
+            <a:ext uri="{909E8E84-426E-40DD-AFC4-6F175D3DCCD1}">
+              <a14:hiddenFill xmlns:a14="http://schemas.microsoft.com/office/drawing/2010/main">
+                <a:solidFill>
+                  <a:schemeClr val="accent1"/>
+                </a:solidFill>
+              </a14:hiddenFill>
+            </a:ext>
+          </a:extLst>
+        </p:spPr>
+      </p:pic>
+      <p:sp>
+        <p:nvSpPr>
+          <p:cNvPr id="2" name="标题 1"/>
+          <p:cNvSpPr>
+            <a:spLocks noGrp="1"/>
+          </p:cNvSpPr>
+          <p:nvPr>
+            <p:ph type="title"/>
+          </p:nvPr>
+        </p:nvSpPr>
+        <p:spPr>
+          <a:xfrm>
+            <a:off x="457200" y="274680"/>
+            <a:ext cx="8228880" cy="534945"/>
+          </a:xfrm>
+        </p:spPr>
+        <p:txBody>
+          <a:bodyPr/>
+          <a:lstStyle/>
+          <a:p>
+            <a:r>
+              <a:rPr lang="zh-CN" altLang="en-US" dirty="0" smtClean="0"/>
+              <a:t>每次出队后其他元素位置不变，</a:t>
+            </a:r>
+            <a:r>
+              <a:rPr lang="en-US" altLang="zh-CN" dirty="0" smtClean="0"/>
+              <a:t>front</a:t>
+            </a:r>
+            <a:r>
+              <a:rPr lang="zh-CN" altLang="en-US" dirty="0" smtClean="0"/>
+              <a:t>指向</a:t>
+            </a:r>
+            <a:r>
+              <a:rPr lang="en-US" altLang="zh-CN" dirty="0" smtClean="0"/>
+              <a:t>++</a:t>
+            </a:r>
+            <a:r>
+              <a:rPr lang="zh-CN" altLang="en-US" dirty="0" smtClean="0"/>
+              <a:t>，</a:t>
+            </a:r>
+            <a:r>
+              <a:rPr lang="en-US" altLang="zh-CN" dirty="0" smtClean="0"/>
+              <a:t>tail</a:t>
+            </a:r>
+            <a:r>
+              <a:rPr lang="zh-CN" altLang="en-US" dirty="0" smtClean="0"/>
+              <a:t>到最后的位置时，指向前面空位</a:t>
+            </a:r>
+            <a:r>
+              <a:rPr lang="en-US" altLang="zh-CN" dirty="0" smtClean="0"/>
+              <a:t/>
+            </a:r>
+            <a:br>
+              <a:rPr lang="en-US" altLang="zh-CN" dirty="0" smtClean="0"/>
+            </a:br>
+            <a:r>
+              <a:rPr lang="zh-CN" altLang="en-US" dirty="0" smtClean="0"/>
+              <a:t>队列里需要空出一个元素使得队首和队尾可以分开</a:t>
+            </a:r>
+            <a:endParaRPr lang="zh-CN" altLang="en-US" dirty="0"/>
+          </a:p>
+        </p:txBody>
+      </p:sp>
+      <p:pic>
+        <p:nvPicPr>
+          <p:cNvPr id="4098" name="Picture 2"/>
+          <p:cNvPicPr>
+            <a:picLocks noChangeAspect="1" noChangeArrowheads="1"/>
+          </p:cNvPicPr>
+          <p:nvPr/>
+        </p:nvPicPr>
+        <p:blipFill>
+          <a:blip r:embed="rId3">
+            <a:extLst>
+              <a:ext uri="{28A0092B-C50C-407E-A947-70E740481C1C}">
+                <a14:useLocalDpi xmlns:a14="http://schemas.microsoft.com/office/drawing/2010/main" val="0"/>
+              </a:ext>
+            </a:extLst>
+          </a:blip>
+          <a:srcRect/>
+          <a:stretch>
+            <a:fillRect/>
+          </a:stretch>
+        </p:blipFill>
+        <p:spPr bwMode="auto">
+          <a:xfrm>
+            <a:off x="241426" y="925988"/>
+            <a:ext cx="4127844" cy="2979415"/>
+          </a:xfrm>
+          <a:prstGeom prst="rect">
+            <a:avLst/>
+          </a:prstGeom>
+          <a:noFill/>
+          <a:ln w="3175">
+            <a:solidFill>
+              <a:schemeClr val="tx1"/>
+            </a:solidFill>
+            <a:miter lim="800000"/>
+            <a:headEnd/>
+            <a:tailEnd/>
+          </a:ln>
+          <a:extLst>
+            <a:ext uri="{909E8E84-426E-40DD-AFC4-6F175D3DCCD1}">
+              <a14:hiddenFill xmlns:a14="http://schemas.microsoft.com/office/drawing/2010/main">
+                <a:solidFill>
+                  <a:schemeClr val="accent1"/>
+                </a:solidFill>
+              </a14:hiddenFill>
+            </a:ext>
+          </a:extLst>
+        </p:spPr>
+      </p:pic>
+      <p:sp>
+        <p:nvSpPr>
+          <p:cNvPr id="4" name="矩形 3"/>
+          <p:cNvSpPr/>
+          <p:nvPr/>
+        </p:nvSpPr>
+        <p:spPr>
+          <a:xfrm>
+            <a:off x="4572000" y="1556792"/>
+            <a:ext cx="4104456" cy="432048"/>
+          </a:xfrm>
+          <a:prstGeom prst="rect">
+            <a:avLst/>
+          </a:prstGeom>
+          <a:noFill/>
+          <a:ln>
+            <a:solidFill>
+              <a:srgbClr val="FF0000"/>
+            </a:solidFill>
+          </a:ln>
+        </p:spPr>
+        <p:style>
+          <a:lnRef idx="2">
+            <a:schemeClr val="accent1">
+              <a:shade val="50000"/>
+            </a:schemeClr>
+          </a:lnRef>
+          <a:fillRef idx="1">
+            <a:schemeClr val="accent1"/>
+          </a:fillRef>
+          <a:effectRef idx="0">
+            <a:schemeClr val="accent1"/>
+          </a:effectRef>
+          <a:fontRef idx="minor">
+            <a:schemeClr val="lt1"/>
+          </a:fontRef>
+        </p:style>
+        <p:txBody>
+          <a:bodyPr rtlCol="0" anchor="ctr"/>
+          <a:lstStyle/>
+          <a:p>
+            <a:pPr algn="ctr"/>
+            <a:endParaRPr lang="zh-CN" altLang="en-US">
+              <a:ln>
+                <a:solidFill>
+                  <a:srgbClr val="FF0000"/>
+                </a:solidFill>
+              </a:ln>
+              <a:noFill/>
+            </a:endParaRPr>
+          </a:p>
+        </p:txBody>
+      </p:sp>
+    </p:spTree>
+    <p:extLst>
+      <p:ext uri="{BB962C8B-B14F-4D97-AF65-F5344CB8AC3E}">
+        <p14:creationId xmlns:p14="http://schemas.microsoft.com/office/powerpoint/2010/main" val="1392798506"/>
+      </p:ext>
+    </p:extLst>
+  </p:cSld>
+  <p:clrMapOvr>
+    <a:masterClrMapping/>
+  </p:clrMapOvr>
+</p:sld>
+</file>
+
 <file path=ppt/slides/slide3.xml><?xml version="1.0" encoding="utf-8"?>
 <p:sld xmlns:a="http://schemas.openxmlformats.org/drawingml/2006/main" xmlns:r="http://schemas.openxmlformats.org/officeDocument/2006/relationships" xmlns:p="http://schemas.openxmlformats.org/presentationml/2006/main">
   <p:cSld>
@@ -8682,19 +9238,7 @@
                 <a:ea typeface="DejaVu Sans"/>
                 <a:hlinkClick r:id="rId4"/>
               </a:rPr>
-              <a:t>具体可以参照：</a:t>
-            </a:r>
-            <a:r>
-              <a:rPr lang="en-US" sz="1800" b="0" u="sng" strike="noStrike" spc="-1">
-                <a:solidFill>
-                  <a:srgbClr val="0000FF"/>
-                </a:solidFill>
-                <a:uFillTx/>
-                <a:latin typeface="Arial"/>
-                <a:ea typeface="DejaVu Sans"/>
-                <a:hlinkClick r:id="rId4"/>
-              </a:rPr>
-              <a:t>https://www.cnblogs.com/dolphin0520/p/3592500.html</a:t>
+              <a:t>具体可以参照：https://www.cnblogs.com/dolphin0520/p/3592500.html</a:t>
             </a:r>
             <a:endParaRPr lang="en-US" sz="1800" b="0" strike="noStrike" spc="-1">
               <a:latin typeface="Arial"/>

--- a/resources/datastruc_algorithm.pptx
+++ b/resources/datastruc_algorithm.pptx
@@ -35,6 +35,7 @@
     <p:sldId id="281" r:id="rId29"/>
     <p:sldId id="282" r:id="rId30"/>
     <p:sldId id="283" r:id="rId31"/>
+    <p:sldId id="284" r:id="rId32"/>
   </p:sldIdLst>
   <p:sldSz cx="9144000" cy="6858000" type="screen4x3"/>
   <p:notesSz cx="7772400" cy="10058400"/>
@@ -8323,10 +8324,386 @@
           </a:p>
         </p:txBody>
       </p:sp>
+      <p:sp>
+        <p:nvSpPr>
+          <p:cNvPr id="3" name="TextBox 2"/>
+          <p:cNvSpPr txBox="1"/>
+          <p:nvPr/>
+        </p:nvSpPr>
+        <p:spPr>
+          <a:xfrm>
+            <a:off x="241426" y="4365104"/>
+            <a:ext cx="8723062" cy="369332"/>
+          </a:xfrm>
+          <a:prstGeom prst="rect">
+            <a:avLst/>
+          </a:prstGeom>
+          <a:noFill/>
+        </p:spPr>
+        <p:txBody>
+          <a:bodyPr wrap="square" rtlCol="0">
+            <a:spAutoFit/>
+          </a:bodyPr>
+          <a:lstStyle/>
+          <a:p>
+            <a:r>
+              <a:rPr lang="zh-CN" altLang="en-US" dirty="0" smtClean="0"/>
+              <a:t>注意使用</a:t>
+            </a:r>
+            <a:endParaRPr lang="zh-CN" altLang="en-US" dirty="0"/>
+          </a:p>
+        </p:txBody>
+      </p:sp>
     </p:spTree>
     <p:extLst>
       <p:ext uri="{BB962C8B-B14F-4D97-AF65-F5344CB8AC3E}">
         <p14:creationId xmlns:p14="http://schemas.microsoft.com/office/powerpoint/2010/main" val="1392798506"/>
+      </p:ext>
+    </p:extLst>
+  </p:cSld>
+  <p:clrMapOvr>
+    <a:masterClrMapping/>
+  </p:clrMapOvr>
+</p:sld>
+</file>
+
+<file path=ppt/slides/slide29.xml><?xml version="1.0" encoding="utf-8"?>
+<p:sld xmlns:a="http://schemas.openxmlformats.org/drawingml/2006/main" xmlns:r="http://schemas.openxmlformats.org/officeDocument/2006/relationships" xmlns:p="http://schemas.openxmlformats.org/presentationml/2006/main">
+  <p:cSld>
+    <p:spTree>
+      <p:nvGrpSpPr>
+        <p:cNvPr id="1" name=""/>
+        <p:cNvGrpSpPr/>
+        <p:nvPr/>
+      </p:nvGrpSpPr>
+      <p:grpSpPr>
+        <a:xfrm>
+          <a:off x="0" y="0"/>
+          <a:ext cx="0" cy="0"/>
+          <a:chOff x="0" y="0"/>
+          <a:chExt cx="0" cy="0"/>
+        </a:xfrm>
+      </p:grpSpPr>
+      <p:pic>
+        <p:nvPicPr>
+          <p:cNvPr id="1026" name="Picture 2"/>
+          <p:cNvPicPr>
+            <a:picLocks noChangeAspect="1" noChangeArrowheads="1"/>
+          </p:cNvPicPr>
+          <p:nvPr/>
+        </p:nvPicPr>
+        <p:blipFill>
+          <a:blip r:embed="rId2">
+            <a:extLst>
+              <a:ext uri="{28A0092B-C50C-407E-A947-70E740481C1C}">
+                <a14:useLocalDpi xmlns:a14="http://schemas.microsoft.com/office/drawing/2010/main" val="0"/>
+              </a:ext>
+            </a:extLst>
+          </a:blip>
+          <a:srcRect/>
+          <a:stretch>
+            <a:fillRect/>
+          </a:stretch>
+        </p:blipFill>
+        <p:spPr bwMode="auto">
+          <a:xfrm>
+            <a:off x="429397" y="140878"/>
+            <a:ext cx="7428542" cy="3334142"/>
+          </a:xfrm>
+          <a:prstGeom prst="rect">
+            <a:avLst/>
+          </a:prstGeom>
+          <a:noFill/>
+          <a:ln>
+            <a:noFill/>
+          </a:ln>
+          <a:extLst>
+            <a:ext uri="{909E8E84-426E-40DD-AFC4-6F175D3DCCD1}">
+              <a14:hiddenFill xmlns:a14="http://schemas.microsoft.com/office/drawing/2010/main">
+                <a:solidFill>
+                  <a:schemeClr val="accent1"/>
+                </a:solidFill>
+              </a14:hiddenFill>
+            </a:ext>
+            <a:ext uri="{91240B29-F687-4F45-9708-019B960494DF}">
+              <a14:hiddenLine xmlns:a14="http://schemas.microsoft.com/office/drawing/2010/main" w="9525">
+                <a:solidFill>
+                  <a:schemeClr val="tx1"/>
+                </a:solidFill>
+                <a:miter lim="800000"/>
+                <a:headEnd/>
+                <a:tailEnd/>
+              </a14:hiddenLine>
+            </a:ext>
+          </a:extLst>
+        </p:spPr>
+      </p:pic>
+      <p:sp>
+        <p:nvSpPr>
+          <p:cNvPr id="4" name="TextBox 3"/>
+          <p:cNvSpPr txBox="1"/>
+          <p:nvPr/>
+        </p:nvSpPr>
+        <p:spPr>
+          <a:xfrm>
+            <a:off x="5724128" y="692696"/>
+            <a:ext cx="1963367" cy="646331"/>
+          </a:xfrm>
+          <a:prstGeom prst="rect">
+            <a:avLst/>
+          </a:prstGeom>
+          <a:noFill/>
+        </p:spPr>
+        <p:txBody>
+          <a:bodyPr wrap="square" rtlCol="0">
+            <a:spAutoFit/>
+          </a:bodyPr>
+          <a:lstStyle/>
+          <a:p>
+            <a:r>
+              <a:rPr lang="zh-CN" altLang="en-US" sz="1200" dirty="0" smtClean="0">
+                <a:solidFill>
+                  <a:srgbClr val="FF0000"/>
+                </a:solidFill>
+              </a:rPr>
+              <a:t>这里</a:t>
+            </a:r>
+            <a:r>
+              <a:rPr lang="en-US" altLang="zh-CN" sz="1200" dirty="0" smtClean="0">
+                <a:solidFill>
+                  <a:srgbClr val="FF0000"/>
+                </a:solidFill>
+              </a:rPr>
+              <a:t>Queue</a:t>
+            </a:r>
+            <a:r>
+              <a:rPr lang="zh-CN" altLang="en-US" sz="1200" dirty="0" smtClean="0">
+                <a:solidFill>
+                  <a:srgbClr val="FF0000"/>
+                </a:solidFill>
+              </a:rPr>
+              <a:t>为父类，可以传入其子类</a:t>
+            </a:r>
+            <a:r>
+              <a:rPr lang="en-US" altLang="zh-CN" sz="1200" dirty="0" err="1" smtClean="0">
+                <a:solidFill>
+                  <a:srgbClr val="FF0000"/>
+                </a:solidFill>
+              </a:rPr>
+              <a:t>ArrayQueue</a:t>
+            </a:r>
+            <a:r>
+              <a:rPr lang="zh-CN" altLang="en-US" sz="1200" dirty="0" smtClean="0">
+                <a:solidFill>
+                  <a:srgbClr val="FF0000"/>
+                </a:solidFill>
+              </a:rPr>
+              <a:t>和</a:t>
+            </a:r>
+            <a:r>
+              <a:rPr lang="en-US" altLang="zh-CN" sz="1200" dirty="0" err="1" smtClean="0">
+                <a:solidFill>
+                  <a:srgbClr val="FF0000"/>
+                </a:solidFill>
+              </a:rPr>
+              <a:t>LoopQueue</a:t>
+            </a:r>
+            <a:endParaRPr lang="zh-CN" altLang="en-US" sz="1200" dirty="0">
+              <a:solidFill>
+                <a:srgbClr val="FF0000"/>
+              </a:solidFill>
+            </a:endParaRPr>
+          </a:p>
+        </p:txBody>
+      </p:sp>
+      <p:pic>
+        <p:nvPicPr>
+          <p:cNvPr id="1027" name="Picture 3"/>
+          <p:cNvPicPr>
+            <a:picLocks noChangeAspect="1" noChangeArrowheads="1"/>
+          </p:cNvPicPr>
+          <p:nvPr/>
+        </p:nvPicPr>
+        <p:blipFill>
+          <a:blip r:embed="rId3">
+            <a:extLst>
+              <a:ext uri="{28A0092B-C50C-407E-A947-70E740481C1C}">
+                <a14:useLocalDpi xmlns:a14="http://schemas.microsoft.com/office/drawing/2010/main" val="0"/>
+              </a:ext>
+            </a:extLst>
+          </a:blip>
+          <a:srcRect/>
+          <a:stretch>
+            <a:fillRect/>
+          </a:stretch>
+        </p:blipFill>
+        <p:spPr bwMode="auto">
+          <a:xfrm>
+            <a:off x="429397" y="3645024"/>
+            <a:ext cx="5184576" cy="2632034"/>
+          </a:xfrm>
+          <a:prstGeom prst="rect">
+            <a:avLst/>
+          </a:prstGeom>
+          <a:noFill/>
+          <a:ln>
+            <a:noFill/>
+          </a:ln>
+          <a:extLst>
+            <a:ext uri="{909E8E84-426E-40DD-AFC4-6F175D3DCCD1}">
+              <a14:hiddenFill xmlns:a14="http://schemas.microsoft.com/office/drawing/2010/main">
+                <a:solidFill>
+                  <a:schemeClr val="accent1"/>
+                </a:solidFill>
+              </a14:hiddenFill>
+            </a:ext>
+            <a:ext uri="{91240B29-F687-4F45-9708-019B960494DF}">
+              <a14:hiddenLine xmlns:a14="http://schemas.microsoft.com/office/drawing/2010/main" w="9525">
+                <a:solidFill>
+                  <a:schemeClr val="tx1"/>
+                </a:solidFill>
+                <a:miter lim="800000"/>
+                <a:headEnd/>
+                <a:tailEnd/>
+              </a14:hiddenLine>
+            </a:ext>
+          </a:extLst>
+        </p:spPr>
+      </p:pic>
+      <p:sp>
+        <p:nvSpPr>
+          <p:cNvPr id="7" name="TextBox 6"/>
+          <p:cNvSpPr txBox="1"/>
+          <p:nvPr/>
+        </p:nvSpPr>
+        <p:spPr>
+          <a:xfrm>
+            <a:off x="3563888" y="955572"/>
+            <a:ext cx="1368152" cy="276999"/>
+          </a:xfrm>
+          <a:prstGeom prst="rect">
+            <a:avLst/>
+          </a:prstGeom>
+          <a:noFill/>
+        </p:spPr>
+        <p:txBody>
+          <a:bodyPr wrap="square" rtlCol="0">
+            <a:spAutoFit/>
+          </a:bodyPr>
+          <a:lstStyle/>
+          <a:p>
+            <a:r>
+              <a:rPr lang="zh-CN" altLang="en-US" sz="1200" dirty="0" smtClean="0">
+                <a:solidFill>
+                  <a:srgbClr val="FF0000"/>
+                </a:solidFill>
+              </a:rPr>
+              <a:t>纳秒，为</a:t>
+            </a:r>
+            <a:r>
+              <a:rPr lang="en-US" altLang="zh-CN" sz="1200" dirty="0" smtClean="0">
+                <a:solidFill>
+                  <a:srgbClr val="FF0000"/>
+                </a:solidFill>
+              </a:rPr>
+              <a:t>long</a:t>
+            </a:r>
+            <a:r>
+              <a:rPr lang="zh-CN" altLang="en-US" sz="1200" dirty="0" smtClean="0">
+                <a:solidFill>
+                  <a:srgbClr val="FF0000"/>
+                </a:solidFill>
+              </a:rPr>
+              <a:t>型</a:t>
+            </a:r>
+            <a:endParaRPr lang="zh-CN" altLang="en-US" sz="1200" dirty="0">
+              <a:solidFill>
+                <a:srgbClr val="FF0000"/>
+              </a:solidFill>
+            </a:endParaRPr>
+          </a:p>
+        </p:txBody>
+      </p:sp>
+      <p:sp>
+        <p:nvSpPr>
+          <p:cNvPr id="8" name="TextBox 7"/>
+          <p:cNvSpPr txBox="1"/>
+          <p:nvPr/>
+        </p:nvSpPr>
+        <p:spPr>
+          <a:xfrm>
+            <a:off x="3347864" y="1246471"/>
+            <a:ext cx="1368152" cy="276999"/>
+          </a:xfrm>
+          <a:prstGeom prst="rect">
+            <a:avLst/>
+          </a:prstGeom>
+          <a:noFill/>
+        </p:spPr>
+        <p:txBody>
+          <a:bodyPr wrap="square" rtlCol="0">
+            <a:spAutoFit/>
+          </a:bodyPr>
+          <a:lstStyle/>
+          <a:p>
+            <a:r>
+              <a:rPr lang="zh-CN" altLang="en-US" sz="1200" dirty="0" smtClean="0">
+                <a:solidFill>
+                  <a:srgbClr val="FF0000"/>
+                </a:solidFill>
+              </a:rPr>
+              <a:t>生成随机数</a:t>
+            </a:r>
+            <a:endParaRPr lang="zh-CN" altLang="en-US" sz="1200" dirty="0">
+              <a:solidFill>
+                <a:srgbClr val="FF0000"/>
+              </a:solidFill>
+            </a:endParaRPr>
+          </a:p>
+        </p:txBody>
+      </p:sp>
+      <p:sp>
+        <p:nvSpPr>
+          <p:cNvPr id="9" name="TextBox 8"/>
+          <p:cNvSpPr txBox="1"/>
+          <p:nvPr/>
+        </p:nvSpPr>
+        <p:spPr>
+          <a:xfrm>
+            <a:off x="4644008" y="1800051"/>
+            <a:ext cx="1584176" cy="276999"/>
+          </a:xfrm>
+          <a:prstGeom prst="rect">
+            <a:avLst/>
+          </a:prstGeom>
+          <a:noFill/>
+        </p:spPr>
+        <p:txBody>
+          <a:bodyPr wrap="square" rtlCol="0">
+            <a:spAutoFit/>
+          </a:bodyPr>
+          <a:lstStyle/>
+          <a:p>
+            <a:r>
+              <a:rPr lang="zh-CN" altLang="en-US" sz="1200" dirty="0" smtClean="0">
+                <a:solidFill>
+                  <a:srgbClr val="FF0000"/>
+                </a:solidFill>
+              </a:rPr>
+              <a:t>检查入队出队时间</a:t>
+            </a:r>
+            <a:endParaRPr lang="zh-CN" altLang="en-US" sz="1200" dirty="0">
+              <a:solidFill>
+                <a:srgbClr val="FF0000"/>
+              </a:solidFill>
+            </a:endParaRPr>
+          </a:p>
+        </p:txBody>
+      </p:sp>
+    </p:spTree>
+    <p:extLst>
+      <p:ext uri="{BB962C8B-B14F-4D97-AF65-F5344CB8AC3E}">
+        <p14:creationId xmlns:p14="http://schemas.microsoft.com/office/powerpoint/2010/main" val="791528280"/>
       </p:ext>
     </p:extLst>
   </p:cSld>
